--- a/docs/발표.pptx
+++ b/docs/발표.pptx
@@ -5,11 +5,18 @@
     <p:sldMasterId id="2147483648" r:id="rId1"/>
   </p:sldMasterIdLst>
   <p:notesMasterIdLst>
-    <p:notesMasterId r:id="rId4"/>
+    <p:notesMasterId r:id="rId11"/>
   </p:notesMasterIdLst>
   <p:sldIdLst>
     <p:sldId id="256" r:id="rId2"/>
-    <p:sldId id="258" r:id="rId3"/>
+    <p:sldId id="262" r:id="rId3"/>
+    <p:sldId id="260" r:id="rId4"/>
+    <p:sldId id="263" r:id="rId5"/>
+    <p:sldId id="264" r:id="rId6"/>
+    <p:sldId id="265" r:id="rId7"/>
+    <p:sldId id="266" r:id="rId8"/>
+    <p:sldId id="267" r:id="rId9"/>
+    <p:sldId id="261" r:id="rId10"/>
   </p:sldIdLst>
   <p:sldSz cx="12192000" cy="6858000"/>
   <p:notesSz cx="6858000" cy="9144000"/>
@@ -4440,7 +4447,7 @@
         <p:spPr>
           <a:xfrm>
             <a:off x="266706" y="978115"/>
-            <a:ext cx="878446" cy="400110"/>
+            <a:ext cx="1056700" cy="400110"/>
           </a:xfrm>
           <a:prstGeom prst="rect">
             <a:avLst/>
@@ -4464,7 +4471,7 @@
                 <a:latin typeface="GangwonEduPower ExtraBold" panose="02020603020101020101" pitchFamily="18" charset="-127"/>
                 <a:ea typeface="GangwonEduPower ExtraBold" panose="02020603020101020101" pitchFamily="18" charset="-127"/>
               </a:rPr>
-              <a:t>Index</a:t>
+              <a:t>INDEX.</a:t>
             </a:r>
             <a:endParaRPr kumimoji="1" lang="ko-KR" altLang="en-US" sz="2000" dirty="0">
               <a:solidFill>
@@ -4715,41 +4722,41 @@
               <a:t>	</a:t>
             </a:r>
             <a:r>
-              <a:rPr kumimoji="1" lang="ko-KR" altLang="en-US" sz="1600" b="1" dirty="0">
+              <a:rPr kumimoji="1" lang="ko-KR" altLang="en-US" sz="1600" dirty="0">
                 <a:latin typeface="Apple SD Gothic Neo Thin" panose="02000300000000000000" pitchFamily="2" charset="-127"/>
                 <a:ea typeface="Apple SD Gothic Neo Thin" panose="02000300000000000000" pitchFamily="2" charset="-127"/>
               </a:rPr>
               <a:t>팀원 소개 </a:t>
             </a:r>
             <a:r>
-              <a:rPr kumimoji="1" lang="en-US" altLang="ko-KR" sz="1600" b="1" dirty="0">
+              <a:rPr kumimoji="1" lang="en-US" altLang="ko-KR" sz="1600" dirty="0">
                 <a:latin typeface="Apple SD Gothic Neo Thin" panose="02000300000000000000" pitchFamily="2" charset="-127"/>
                 <a:ea typeface="Apple SD Gothic Neo Thin" panose="02000300000000000000" pitchFamily="2" charset="-127"/>
               </a:rPr>
               <a:t>&amp;</a:t>
             </a:r>
             <a:r>
-              <a:rPr kumimoji="1" lang="ko-KR" altLang="en-US" sz="1600" b="1" dirty="0">
+              <a:rPr kumimoji="1" lang="ko-KR" altLang="en-US" sz="1600" dirty="0">
                 <a:latin typeface="Apple SD Gothic Neo Thin" panose="02000300000000000000" pitchFamily="2" charset="-127"/>
                 <a:ea typeface="Apple SD Gothic Neo Thin" panose="02000300000000000000" pitchFamily="2" charset="-127"/>
               </a:rPr>
               <a:t> 역할 분담</a:t>
             </a:r>
             <a:r>
-              <a:rPr kumimoji="1" lang="en-US" altLang="ko-KR" sz="1600" b="1" dirty="0">
+              <a:rPr kumimoji="1" lang="en-US" altLang="ko-KR" sz="1600" dirty="0">
                 <a:latin typeface="Apple SD Gothic Neo Thin" panose="02000300000000000000" pitchFamily="2" charset="-127"/>
                 <a:ea typeface="Apple SD Gothic Neo Thin" panose="02000300000000000000" pitchFamily="2" charset="-127"/>
               </a:rPr>
               <a:t>,</a:t>
             </a:r>
             <a:r>
-              <a:rPr kumimoji="1" lang="ko-KR" altLang="en-US" sz="1600" b="1" dirty="0">
+              <a:rPr kumimoji="1" lang="ko-KR" altLang="en-US" sz="1600" dirty="0">
                 <a:latin typeface="Apple SD Gothic Neo Thin" panose="02000300000000000000" pitchFamily="2" charset="-127"/>
                 <a:ea typeface="Apple SD Gothic Neo Thin" panose="02000300000000000000" pitchFamily="2" charset="-127"/>
               </a:rPr>
               <a:t> 사이트 개요 및 주제 선정의 이유</a:t>
             </a:r>
-            <a:endParaRPr kumimoji="1" lang="en-US" altLang="ko-KR" sz="2400" b="1" dirty="0">
+            <a:endParaRPr kumimoji="1" lang="en-US" altLang="ko-KR" sz="2400" dirty="0">
               <a:latin typeface="Apple SD Gothic Neo Thin" panose="02000300000000000000" pitchFamily="2" charset="-127"/>
               <a:ea typeface="Apple SD Gothic Neo Thin" panose="02000300000000000000" pitchFamily="2" charset="-127"/>
             </a:endParaRPr>
@@ -4775,58 +4782,61 @@
               <a:t>SKILLS. 	</a:t>
             </a:r>
             <a:r>
-              <a:rPr kumimoji="1" lang="ko-KR" altLang="en-US" sz="1600" b="1" dirty="0">
+              <a:rPr kumimoji="1" lang="ko-KR" altLang="en-US" sz="1600" dirty="0">
                 <a:latin typeface="Apple SD Gothic Neo Thin" panose="02000300000000000000" pitchFamily="2" charset="-127"/>
                 <a:ea typeface="Apple SD Gothic Neo Thin" panose="02000300000000000000" pitchFamily="2" charset="-127"/>
               </a:rPr>
-              <a:t>개발 환경</a:t>
-            </a:r>
-            <a:r>
-              <a:rPr kumimoji="1" lang="en-US" altLang="ko-KR" sz="1600" b="1" dirty="0">
+              <a:t>개발 기간</a:t>
+            </a:r>
+            <a:r>
+              <a:rPr kumimoji="1" lang="en-US" altLang="ko-KR" sz="1600" dirty="0">
                 <a:latin typeface="Apple SD Gothic Neo Thin" panose="02000300000000000000" pitchFamily="2" charset="-127"/>
                 <a:ea typeface="Apple SD Gothic Neo Thin" panose="02000300000000000000" pitchFamily="2" charset="-127"/>
               </a:rPr>
               <a:t>,</a:t>
             </a:r>
             <a:r>
-              <a:rPr kumimoji="1" lang="ko-KR" altLang="en-US" sz="1600" b="1" dirty="0">
+              <a:rPr kumimoji="1" lang="ko-KR" altLang="en-US" sz="1600" dirty="0">
+                <a:latin typeface="Apple SD Gothic Neo Thin" panose="02000300000000000000" pitchFamily="2" charset="-127"/>
+                <a:ea typeface="Apple SD Gothic Neo Thin" panose="02000300000000000000" pitchFamily="2" charset="-127"/>
+              </a:rPr>
+              <a:t> 개발 환경</a:t>
+            </a:r>
+            <a:r>
+              <a:rPr kumimoji="1" lang="en-US" altLang="ko-KR" sz="1600" dirty="0">
+                <a:latin typeface="Apple SD Gothic Neo Thin" panose="02000300000000000000" pitchFamily="2" charset="-127"/>
+                <a:ea typeface="Apple SD Gothic Neo Thin" panose="02000300000000000000" pitchFamily="2" charset="-127"/>
+              </a:rPr>
+              <a:t>,</a:t>
+            </a:r>
+            <a:r>
+              <a:rPr kumimoji="1" lang="ko-KR" altLang="en-US" sz="1600" dirty="0">
                 <a:latin typeface="Apple SD Gothic Neo Thin" panose="02000300000000000000" pitchFamily="2" charset="-127"/>
                 <a:ea typeface="Apple SD Gothic Neo Thin" panose="02000300000000000000" pitchFamily="2" charset="-127"/>
               </a:rPr>
               <a:t> 사용 기술</a:t>
             </a:r>
             <a:r>
-              <a:rPr kumimoji="1" lang="en-US" altLang="ko-KR" sz="1600" b="1" dirty="0">
+              <a:rPr kumimoji="1" lang="en-US" altLang="ko-KR" sz="1600" dirty="0">
                 <a:latin typeface="Apple SD Gothic Neo Thin" panose="02000300000000000000" pitchFamily="2" charset="-127"/>
                 <a:ea typeface="Apple SD Gothic Neo Thin" panose="02000300000000000000" pitchFamily="2" charset="-127"/>
               </a:rPr>
               <a:t>,</a:t>
             </a:r>
             <a:r>
-              <a:rPr kumimoji="1" lang="ko-KR" altLang="en-US" sz="1600" b="1" dirty="0">
+              <a:rPr kumimoji="1" lang="ko-KR" altLang="en-US" sz="1600" dirty="0">
                 <a:latin typeface="Apple SD Gothic Neo Thin" panose="02000300000000000000" pitchFamily="2" charset="-127"/>
                 <a:ea typeface="Apple SD Gothic Neo Thin" panose="02000300000000000000" pitchFamily="2" charset="-127"/>
               </a:rPr>
               <a:t> 활용한 오픈 </a:t>
             </a:r>
             <a:r>
-              <a:rPr kumimoji="1" lang="en-US" altLang="ko-KR" sz="1600" b="1" dirty="0">
+              <a:rPr kumimoji="1" lang="en-US" altLang="ko-KR" sz="1600" dirty="0">
                 <a:latin typeface="Apple SD Gothic Neo Thin" panose="02000300000000000000" pitchFamily="2" charset="-127"/>
                 <a:ea typeface="Apple SD Gothic Neo Thin" panose="02000300000000000000" pitchFamily="2" charset="-127"/>
               </a:rPr>
-              <a:t>API,</a:t>
-            </a:r>
-            <a:r>
-              <a:rPr kumimoji="1" lang="ko-KR" altLang="en-US" sz="1600" b="1" dirty="0">
-                <a:latin typeface="Apple SD Gothic Neo Thin" panose="02000300000000000000" pitchFamily="2" charset="-127"/>
-                <a:ea typeface="Apple SD Gothic Neo Thin" panose="02000300000000000000" pitchFamily="2" charset="-127"/>
-              </a:rPr>
-              <a:t> 기간</a:t>
-            </a:r>
-            <a:endParaRPr kumimoji="1" lang="en-US" altLang="ko-KR" sz="1600" b="1" dirty="0">
-              <a:latin typeface="Apple SD Gothic Neo Thin" panose="02000300000000000000" pitchFamily="2" charset="-127"/>
-              <a:ea typeface="Apple SD Gothic Neo Thin" panose="02000300000000000000" pitchFamily="2" charset="-127"/>
-            </a:endParaRPr>
+              <a:t>API</a:t>
+            </a:r>
           </a:p>
           <a:p>
             <a:endParaRPr kumimoji="1" lang="en-US" altLang="ko-KR" sz="1000" dirty="0">
@@ -4863,55 +4873,13 @@
               <a:t>	</a:t>
             </a:r>
             <a:r>
-              <a:rPr kumimoji="1" lang="ko-KR" altLang="en-US" sz="1600" b="1" dirty="0">
+              <a:rPr kumimoji="1" lang="ko-KR" altLang="en-US" sz="1600" dirty="0">
                 <a:latin typeface="Apple SD Gothic Neo Thin" panose="02000300000000000000" pitchFamily="2" charset="-127"/>
                 <a:ea typeface="Apple SD Gothic Neo Thin" panose="02000300000000000000" pitchFamily="2" charset="-127"/>
               </a:rPr>
-              <a:t>개발 환경</a:t>
-            </a:r>
-            <a:r>
-              <a:rPr kumimoji="1" lang="en-US" altLang="ko-KR" sz="1600" b="1" dirty="0">
-                <a:latin typeface="Apple SD Gothic Neo Thin" panose="02000300000000000000" pitchFamily="2" charset="-127"/>
-                <a:ea typeface="Apple SD Gothic Neo Thin" panose="02000300000000000000" pitchFamily="2" charset="-127"/>
-              </a:rPr>
-              <a:t>,</a:t>
-            </a:r>
-            <a:r>
-              <a:rPr kumimoji="1" lang="ko-KR" altLang="en-US" sz="1600" b="1" dirty="0">
-                <a:latin typeface="Apple SD Gothic Neo Thin" panose="02000300000000000000" pitchFamily="2" charset="-127"/>
-                <a:ea typeface="Apple SD Gothic Neo Thin" panose="02000300000000000000" pitchFamily="2" charset="-127"/>
-              </a:rPr>
-              <a:t> 사용 기술</a:t>
-            </a:r>
-            <a:r>
-              <a:rPr kumimoji="1" lang="en-US" altLang="ko-KR" sz="1600" b="1" dirty="0">
-                <a:latin typeface="Apple SD Gothic Neo Thin" panose="02000300000000000000" pitchFamily="2" charset="-127"/>
-                <a:ea typeface="Apple SD Gothic Neo Thin" panose="02000300000000000000" pitchFamily="2" charset="-127"/>
-              </a:rPr>
-              <a:t>,</a:t>
-            </a:r>
-            <a:r>
-              <a:rPr kumimoji="1" lang="ko-KR" altLang="en-US" sz="1600" b="1" dirty="0">
-                <a:latin typeface="Apple SD Gothic Neo Thin" panose="02000300000000000000" pitchFamily="2" charset="-127"/>
-                <a:ea typeface="Apple SD Gothic Neo Thin" panose="02000300000000000000" pitchFamily="2" charset="-127"/>
-              </a:rPr>
-              <a:t> 활용한 오픈 </a:t>
-            </a:r>
-            <a:r>
-              <a:rPr kumimoji="1" lang="en-US" altLang="ko-KR" sz="1600" b="1" dirty="0">
-                <a:latin typeface="Apple SD Gothic Neo Thin" panose="02000300000000000000" pitchFamily="2" charset="-127"/>
-                <a:ea typeface="Apple SD Gothic Neo Thin" panose="02000300000000000000" pitchFamily="2" charset="-127"/>
-              </a:rPr>
-              <a:t>API,</a:t>
-            </a:r>
-            <a:r>
-              <a:rPr kumimoji="1" lang="ko-KR" altLang="en-US" sz="1600" b="1" dirty="0">
-                <a:latin typeface="Apple SD Gothic Neo Thin" panose="02000300000000000000" pitchFamily="2" charset="-127"/>
-                <a:ea typeface="Apple SD Gothic Neo Thin" panose="02000300000000000000" pitchFamily="2" charset="-127"/>
-              </a:rPr>
-              <a:t> 기간</a:t>
-            </a:r>
-            <a:endParaRPr kumimoji="1" lang="en-US" altLang="ko-KR" sz="1600" b="1" dirty="0">
+              <a:t>테이블 설계 및 구현 기능</a:t>
+            </a:r>
+            <a:endParaRPr kumimoji="1" lang="en-US" altLang="ko-KR" sz="1600" dirty="0">
               <a:latin typeface="Apple SD Gothic Neo Thin" panose="02000300000000000000" pitchFamily="2" charset="-127"/>
               <a:ea typeface="Apple SD Gothic Neo Thin" panose="02000300000000000000" pitchFamily="2" charset="-127"/>
             </a:endParaRPr>
@@ -4937,13 +4905,13 @@
               <a:t>DEMON. 	</a:t>
             </a:r>
             <a:r>
-              <a:rPr kumimoji="1" lang="ko-KR" altLang="en-US" sz="1600" b="1" dirty="0">
+              <a:rPr kumimoji="1" lang="ko-KR" altLang="en-US" sz="1600" dirty="0">
                 <a:latin typeface="Apple SD Gothic Neo Thin" panose="02000300000000000000" pitchFamily="2" charset="-127"/>
                 <a:ea typeface="Apple SD Gothic Neo Thin" panose="02000300000000000000" pitchFamily="2" charset="-127"/>
               </a:rPr>
-              <a:t>개발 시연</a:t>
-            </a:r>
-            <a:endParaRPr kumimoji="1" lang="en-US" altLang="ko-KR" sz="1600" b="1" dirty="0">
+              <a:t>시연</a:t>
+            </a:r>
+            <a:endParaRPr kumimoji="1" lang="en-US" altLang="ko-KR" sz="1600" dirty="0">
               <a:latin typeface="Apple SD Gothic Neo Thin" panose="02000300000000000000" pitchFamily="2" charset="-127"/>
               <a:ea typeface="Apple SD Gothic Neo Thin" panose="02000300000000000000" pitchFamily="2" charset="-127"/>
             </a:endParaRPr>
@@ -4972,17 +4940,17 @@
                 <a:latin typeface="GangwonEduPower ExtraBold" panose="02020603020101020101" pitchFamily="18" charset="-127"/>
                 <a:ea typeface="GangwonEduPower ExtraBold" panose="02020603020101020101" pitchFamily="18" charset="-127"/>
               </a:rPr>
-              <a:t>GitHub. 	</a:t>
-            </a:r>
-            <a:r>
-              <a:rPr kumimoji="1" lang="ko-KR" altLang="en-US" sz="1600" b="1" dirty="0" err="1">
+              <a:t>GIT. 		</a:t>
+            </a:r>
+            <a:r>
+              <a:rPr kumimoji="1" lang="ko-KR" altLang="en-US" sz="1600" dirty="0" err="1">
                 <a:latin typeface="Apple SD Gothic Neo Thin" panose="02000300000000000000" pitchFamily="2" charset="-127"/>
                 <a:ea typeface="Apple SD Gothic Neo Thin" panose="02000300000000000000" pitchFamily="2" charset="-127"/>
               </a:rPr>
               <a:t>깃허브</a:t>
             </a:r>
             <a:r>
-              <a:rPr kumimoji="1" lang="ko-KR" altLang="en-US" sz="1600" b="1" dirty="0">
+              <a:rPr kumimoji="1" lang="ko-KR" altLang="en-US" sz="1600" dirty="0">
                 <a:latin typeface="Apple SD Gothic Neo Thin" panose="02000300000000000000" pitchFamily="2" charset="-127"/>
                 <a:ea typeface="Apple SD Gothic Neo Thin" panose="02000300000000000000" pitchFamily="2" charset="-127"/>
               </a:rPr>
@@ -5026,23 +4994,2671 @@
               <a:t>Q&amp;A.		</a:t>
             </a:r>
             <a:r>
-              <a:rPr kumimoji="1" lang="ko-KR" altLang="en-US" sz="1600" b="1" dirty="0">
+              <a:rPr kumimoji="1" lang="ko-KR" altLang="en-US" sz="1600" dirty="0">
                 <a:latin typeface="Apple SD Gothic Neo Thin" panose="02000300000000000000" pitchFamily="2" charset="-127"/>
                 <a:ea typeface="Apple SD Gothic Neo Thin" panose="02000300000000000000" pitchFamily="2" charset="-127"/>
               </a:rPr>
               <a:t>질의 응답</a:t>
             </a:r>
-            <a:endParaRPr kumimoji="1" lang="en-US" altLang="ko-KR" sz="1600" b="1" dirty="0">
+            <a:endParaRPr kumimoji="1" lang="en-US" altLang="ko-KR" sz="1600" dirty="0">
               <a:latin typeface="Apple SD Gothic Neo Thin" panose="02000300000000000000" pitchFamily="2" charset="-127"/>
               <a:ea typeface="Apple SD Gothic Neo Thin" panose="02000300000000000000" pitchFamily="2" charset="-127"/>
             </a:endParaRPr>
           </a:p>
         </p:txBody>
       </p:sp>
+      <p:sp>
+        <p:nvSpPr>
+          <p:cNvPr id="13" name="모서리가 둥근 직사각형 12">
+            <a:extLst>
+              <a:ext uri="{FF2B5EF4-FFF2-40B4-BE49-F238E27FC236}">
+                <a16:creationId xmlns:a16="http://schemas.microsoft.com/office/drawing/2014/main" id="{BCEBA934-C429-F646-B7CD-8E331738E6B7}"/>
+              </a:ext>
+            </a:extLst>
+          </p:cNvPr>
+          <p:cNvSpPr/>
+          <p:nvPr/>
+        </p:nvSpPr>
+        <p:spPr>
+          <a:xfrm>
+            <a:off x="967638" y="2450123"/>
+            <a:ext cx="136000" cy="2883877"/>
+          </a:xfrm>
+          <a:prstGeom prst="roundRect">
+            <a:avLst>
+              <a:gd name="adj" fmla="val 50000"/>
+            </a:avLst>
+          </a:prstGeom>
+          <a:solidFill>
+            <a:schemeClr val="bg1">
+              <a:lumMod val="65000"/>
+            </a:schemeClr>
+          </a:solidFill>
+          <a:ln>
+            <a:noFill/>
+          </a:ln>
+        </p:spPr>
+        <p:style>
+          <a:lnRef idx="2">
+            <a:schemeClr val="accent1">
+              <a:shade val="50000"/>
+            </a:schemeClr>
+          </a:lnRef>
+          <a:fillRef idx="1">
+            <a:schemeClr val="accent1"/>
+          </a:fillRef>
+          <a:effectRef idx="0">
+            <a:schemeClr val="accent1"/>
+          </a:effectRef>
+          <a:fontRef idx="minor">
+            <a:schemeClr val="lt1"/>
+          </a:fontRef>
+        </p:style>
+        <p:txBody>
+          <a:bodyPr rtlCol="0" anchor="ctr"/>
+          <a:lstStyle/>
+          <a:p>
+            <a:pPr algn="ctr"/>
+            <a:endParaRPr kumimoji="1" lang="ko-KR" altLang="en-US"/>
+          </a:p>
+        </p:txBody>
+      </p:sp>
+      <p:sp>
+        <p:nvSpPr>
+          <p:cNvPr id="14" name="타원 13">
+            <a:extLst>
+              <a:ext uri="{FF2B5EF4-FFF2-40B4-BE49-F238E27FC236}">
+                <a16:creationId xmlns:a16="http://schemas.microsoft.com/office/drawing/2014/main" id="{C1A1A7A8-EBAF-4C4A-9159-8F07D46711A3}"/>
+              </a:ext>
+            </a:extLst>
+          </p:cNvPr>
+          <p:cNvSpPr/>
+          <p:nvPr/>
+        </p:nvSpPr>
+        <p:spPr>
+          <a:xfrm>
+            <a:off x="895173" y="2443475"/>
+            <a:ext cx="251999" cy="251999"/>
+          </a:xfrm>
+          <a:prstGeom prst="ellipse">
+            <a:avLst/>
+          </a:prstGeom>
+          <a:solidFill>
+            <a:schemeClr val="bg1">
+              <a:lumMod val="95000"/>
+            </a:schemeClr>
+          </a:solidFill>
+          <a:ln w="127000">
+            <a:solidFill>
+              <a:schemeClr val="tx1">
+                <a:lumMod val="65000"/>
+                <a:lumOff val="35000"/>
+              </a:schemeClr>
+            </a:solidFill>
+          </a:ln>
+        </p:spPr>
+        <p:style>
+          <a:lnRef idx="2">
+            <a:schemeClr val="accent1">
+              <a:shade val="50000"/>
+            </a:schemeClr>
+          </a:lnRef>
+          <a:fillRef idx="1">
+            <a:schemeClr val="accent1"/>
+          </a:fillRef>
+          <a:effectRef idx="0">
+            <a:schemeClr val="accent1"/>
+          </a:effectRef>
+          <a:fontRef idx="minor">
+            <a:schemeClr val="lt1"/>
+          </a:fontRef>
+        </p:style>
+        <p:txBody>
+          <a:bodyPr rtlCol="0" anchor="ctr"/>
+          <a:lstStyle/>
+          <a:p>
+            <a:pPr algn="ctr"/>
+            <a:endParaRPr kumimoji="1" lang="ko-KR" altLang="en-US"/>
+          </a:p>
+        </p:txBody>
+      </p:sp>
+      <p:sp>
+        <p:nvSpPr>
+          <p:cNvPr id="16" name="타원 15">
+            <a:extLst>
+              <a:ext uri="{FF2B5EF4-FFF2-40B4-BE49-F238E27FC236}">
+                <a16:creationId xmlns:a16="http://schemas.microsoft.com/office/drawing/2014/main" id="{37C113B8-06CB-4543-B14D-5BF1EA94FC25}"/>
+              </a:ext>
+            </a:extLst>
+          </p:cNvPr>
+          <p:cNvSpPr/>
+          <p:nvPr/>
+        </p:nvSpPr>
+        <p:spPr>
+          <a:xfrm>
+            <a:off x="897915" y="2959292"/>
+            <a:ext cx="251999" cy="251999"/>
+          </a:xfrm>
+          <a:prstGeom prst="ellipse">
+            <a:avLst/>
+          </a:prstGeom>
+          <a:solidFill>
+            <a:schemeClr val="bg1">
+              <a:lumMod val="95000"/>
+            </a:schemeClr>
+          </a:solidFill>
+          <a:ln w="127000">
+            <a:solidFill>
+              <a:schemeClr val="tx1">
+                <a:lumMod val="65000"/>
+                <a:lumOff val="35000"/>
+              </a:schemeClr>
+            </a:solidFill>
+          </a:ln>
+        </p:spPr>
+        <p:style>
+          <a:lnRef idx="2">
+            <a:schemeClr val="accent1">
+              <a:shade val="50000"/>
+            </a:schemeClr>
+          </a:lnRef>
+          <a:fillRef idx="1">
+            <a:schemeClr val="accent1"/>
+          </a:fillRef>
+          <a:effectRef idx="0">
+            <a:schemeClr val="accent1"/>
+          </a:effectRef>
+          <a:fontRef idx="minor">
+            <a:schemeClr val="lt1"/>
+          </a:fontRef>
+        </p:style>
+        <p:txBody>
+          <a:bodyPr rtlCol="0" anchor="ctr"/>
+          <a:lstStyle/>
+          <a:p>
+            <a:pPr algn="ctr"/>
+            <a:endParaRPr kumimoji="1" lang="ko-KR" altLang="en-US"/>
+          </a:p>
+        </p:txBody>
+      </p:sp>
+      <p:sp>
+        <p:nvSpPr>
+          <p:cNvPr id="17" name="타원 16">
+            <a:extLst>
+              <a:ext uri="{FF2B5EF4-FFF2-40B4-BE49-F238E27FC236}">
+                <a16:creationId xmlns:a16="http://schemas.microsoft.com/office/drawing/2014/main" id="{DCE98921-4CC5-4649-8262-653E12B90A44}"/>
+              </a:ext>
+            </a:extLst>
+          </p:cNvPr>
+          <p:cNvSpPr/>
+          <p:nvPr/>
+        </p:nvSpPr>
+        <p:spPr>
+          <a:xfrm>
+            <a:off x="893153" y="3475109"/>
+            <a:ext cx="251999" cy="251999"/>
+          </a:xfrm>
+          <a:prstGeom prst="ellipse">
+            <a:avLst/>
+          </a:prstGeom>
+          <a:solidFill>
+            <a:schemeClr val="bg1">
+              <a:lumMod val="95000"/>
+            </a:schemeClr>
+          </a:solidFill>
+          <a:ln w="127000">
+            <a:solidFill>
+              <a:schemeClr val="tx1">
+                <a:lumMod val="65000"/>
+                <a:lumOff val="35000"/>
+              </a:schemeClr>
+            </a:solidFill>
+          </a:ln>
+        </p:spPr>
+        <p:style>
+          <a:lnRef idx="2">
+            <a:schemeClr val="accent1">
+              <a:shade val="50000"/>
+            </a:schemeClr>
+          </a:lnRef>
+          <a:fillRef idx="1">
+            <a:schemeClr val="accent1"/>
+          </a:fillRef>
+          <a:effectRef idx="0">
+            <a:schemeClr val="accent1"/>
+          </a:effectRef>
+          <a:fontRef idx="minor">
+            <a:schemeClr val="lt1"/>
+          </a:fontRef>
+        </p:style>
+        <p:txBody>
+          <a:bodyPr rtlCol="0" anchor="ctr"/>
+          <a:lstStyle/>
+          <a:p>
+            <a:pPr algn="ctr"/>
+            <a:endParaRPr kumimoji="1" lang="ko-KR" altLang="en-US"/>
+          </a:p>
+        </p:txBody>
+      </p:sp>
+      <p:sp>
+        <p:nvSpPr>
+          <p:cNvPr id="18" name="타원 17">
+            <a:extLst>
+              <a:ext uri="{FF2B5EF4-FFF2-40B4-BE49-F238E27FC236}">
+                <a16:creationId xmlns:a16="http://schemas.microsoft.com/office/drawing/2014/main" id="{7A4C5A3C-9D5D-F54A-9AD7-88F39B9B4C9D}"/>
+              </a:ext>
+            </a:extLst>
+          </p:cNvPr>
+          <p:cNvSpPr/>
+          <p:nvPr/>
+        </p:nvSpPr>
+        <p:spPr>
+          <a:xfrm>
+            <a:off x="893153" y="4000105"/>
+            <a:ext cx="251999" cy="251999"/>
+          </a:xfrm>
+          <a:prstGeom prst="ellipse">
+            <a:avLst/>
+          </a:prstGeom>
+          <a:solidFill>
+            <a:schemeClr val="bg1">
+              <a:lumMod val="95000"/>
+            </a:schemeClr>
+          </a:solidFill>
+          <a:ln w="127000">
+            <a:solidFill>
+              <a:schemeClr val="tx1">
+                <a:lumMod val="65000"/>
+                <a:lumOff val="35000"/>
+              </a:schemeClr>
+            </a:solidFill>
+          </a:ln>
+        </p:spPr>
+        <p:style>
+          <a:lnRef idx="2">
+            <a:schemeClr val="accent1">
+              <a:shade val="50000"/>
+            </a:schemeClr>
+          </a:lnRef>
+          <a:fillRef idx="1">
+            <a:schemeClr val="accent1"/>
+          </a:fillRef>
+          <a:effectRef idx="0">
+            <a:schemeClr val="accent1"/>
+          </a:effectRef>
+          <a:fontRef idx="minor">
+            <a:schemeClr val="lt1"/>
+          </a:fontRef>
+        </p:style>
+        <p:txBody>
+          <a:bodyPr rtlCol="0" anchor="ctr"/>
+          <a:lstStyle/>
+          <a:p>
+            <a:pPr algn="ctr"/>
+            <a:endParaRPr kumimoji="1" lang="ko-KR" altLang="en-US"/>
+          </a:p>
+        </p:txBody>
+      </p:sp>
+      <p:sp>
+        <p:nvSpPr>
+          <p:cNvPr id="19" name="타원 18">
+            <a:extLst>
+              <a:ext uri="{FF2B5EF4-FFF2-40B4-BE49-F238E27FC236}">
+                <a16:creationId xmlns:a16="http://schemas.microsoft.com/office/drawing/2014/main" id="{A19DC86A-4A8F-AA41-A6CB-685D7A3ECB52}"/>
+              </a:ext>
+            </a:extLst>
+          </p:cNvPr>
+          <p:cNvSpPr/>
+          <p:nvPr/>
+        </p:nvSpPr>
+        <p:spPr>
+          <a:xfrm>
+            <a:off x="893152" y="4538096"/>
+            <a:ext cx="251999" cy="251999"/>
+          </a:xfrm>
+          <a:prstGeom prst="ellipse">
+            <a:avLst/>
+          </a:prstGeom>
+          <a:solidFill>
+            <a:schemeClr val="bg1">
+              <a:lumMod val="95000"/>
+            </a:schemeClr>
+          </a:solidFill>
+          <a:ln w="127000">
+            <a:solidFill>
+              <a:schemeClr val="tx1">
+                <a:lumMod val="65000"/>
+                <a:lumOff val="35000"/>
+              </a:schemeClr>
+            </a:solidFill>
+          </a:ln>
+        </p:spPr>
+        <p:style>
+          <a:lnRef idx="2">
+            <a:schemeClr val="accent1">
+              <a:shade val="50000"/>
+            </a:schemeClr>
+          </a:lnRef>
+          <a:fillRef idx="1">
+            <a:schemeClr val="accent1"/>
+          </a:fillRef>
+          <a:effectRef idx="0">
+            <a:schemeClr val="accent1"/>
+          </a:effectRef>
+          <a:fontRef idx="minor">
+            <a:schemeClr val="lt1"/>
+          </a:fontRef>
+        </p:style>
+        <p:txBody>
+          <a:bodyPr rtlCol="0" anchor="ctr"/>
+          <a:lstStyle/>
+          <a:p>
+            <a:pPr algn="ctr"/>
+            <a:endParaRPr kumimoji="1" lang="ko-KR" altLang="en-US"/>
+          </a:p>
+        </p:txBody>
+      </p:sp>
+      <p:sp>
+        <p:nvSpPr>
+          <p:cNvPr id="20" name="타원 19">
+            <a:extLst>
+              <a:ext uri="{FF2B5EF4-FFF2-40B4-BE49-F238E27FC236}">
+                <a16:creationId xmlns:a16="http://schemas.microsoft.com/office/drawing/2014/main" id="{AB931130-F88B-2840-8CAD-35BDE23B2AF1}"/>
+              </a:ext>
+            </a:extLst>
+          </p:cNvPr>
+          <p:cNvSpPr/>
+          <p:nvPr/>
+        </p:nvSpPr>
+        <p:spPr>
+          <a:xfrm>
+            <a:off x="893152" y="5030467"/>
+            <a:ext cx="251999" cy="251999"/>
+          </a:xfrm>
+          <a:prstGeom prst="ellipse">
+            <a:avLst/>
+          </a:prstGeom>
+          <a:solidFill>
+            <a:schemeClr val="bg1">
+              <a:lumMod val="95000"/>
+            </a:schemeClr>
+          </a:solidFill>
+          <a:ln w="127000">
+            <a:solidFill>
+              <a:schemeClr val="tx1">
+                <a:lumMod val="65000"/>
+                <a:lumOff val="35000"/>
+              </a:schemeClr>
+            </a:solidFill>
+          </a:ln>
+        </p:spPr>
+        <p:style>
+          <a:lnRef idx="2">
+            <a:schemeClr val="accent1">
+              <a:shade val="50000"/>
+            </a:schemeClr>
+          </a:lnRef>
+          <a:fillRef idx="1">
+            <a:schemeClr val="accent1"/>
+          </a:fillRef>
+          <a:effectRef idx="0">
+            <a:schemeClr val="accent1"/>
+          </a:effectRef>
+          <a:fontRef idx="minor">
+            <a:schemeClr val="lt1"/>
+          </a:fontRef>
+        </p:style>
+        <p:txBody>
+          <a:bodyPr rtlCol="0" anchor="ctr"/>
+          <a:lstStyle/>
+          <a:p>
+            <a:pPr algn="ctr"/>
+            <a:endParaRPr kumimoji="1" lang="ko-KR" altLang="en-US"/>
+          </a:p>
+        </p:txBody>
+      </p:sp>
     </p:spTree>
     <p:extLst>
       <p:ext uri="{BB962C8B-B14F-4D97-AF65-F5344CB8AC3E}">
-        <p14:creationId xmlns:p14="http://schemas.microsoft.com/office/powerpoint/2010/main" val="107383486"/>
+        <p14:creationId xmlns:p14="http://schemas.microsoft.com/office/powerpoint/2010/main" val="3286229763"/>
+      </p:ext>
+    </p:extLst>
+  </p:cSld>
+  <p:clrMapOvr>
+    <a:masterClrMapping/>
+  </p:clrMapOvr>
+</p:sld>
+</file>
+
+<file path=ppt/slides/slide3.xml><?xml version="1.0" encoding="utf-8"?>
+<p:sld xmlns:a="http://schemas.openxmlformats.org/drawingml/2006/main" xmlns:r="http://schemas.openxmlformats.org/officeDocument/2006/relationships" xmlns:p="http://schemas.openxmlformats.org/presentationml/2006/main">
+  <p:cSld>
+    <p:spTree>
+      <p:nvGrpSpPr>
+        <p:cNvPr id="1" name=""/>
+        <p:cNvGrpSpPr/>
+        <p:nvPr/>
+      </p:nvGrpSpPr>
+      <p:grpSpPr>
+        <a:xfrm>
+          <a:off x="0" y="0"/>
+          <a:ext cx="0" cy="0"/>
+          <a:chOff x="0" y="0"/>
+          <a:chExt cx="0" cy="0"/>
+        </a:xfrm>
+      </p:grpSpPr>
+      <p:pic>
+        <p:nvPicPr>
+          <p:cNvPr id="5" name="그림 4">
+            <a:extLst>
+              <a:ext uri="{FF2B5EF4-FFF2-40B4-BE49-F238E27FC236}">
+                <a16:creationId xmlns:a16="http://schemas.microsoft.com/office/drawing/2014/main" id="{3DF62AEB-8EE3-2447-B14C-007BA80FE99A}"/>
+              </a:ext>
+            </a:extLst>
+          </p:cNvPr>
+          <p:cNvPicPr>
+            <a:picLocks noChangeAspect="1"/>
+          </p:cNvPicPr>
+          <p:nvPr/>
+        </p:nvPicPr>
+        <p:blipFill>
+          <a:blip r:embed="rId2"/>
+          <a:stretch>
+            <a:fillRect/>
+          </a:stretch>
+        </p:blipFill>
+        <p:spPr>
+          <a:xfrm>
+            <a:off x="177027" y="0"/>
+            <a:ext cx="1790700" cy="1092200"/>
+          </a:xfrm>
+          <a:prstGeom prst="rect">
+            <a:avLst/>
+          </a:prstGeom>
+        </p:spPr>
+      </p:pic>
+      <p:cxnSp>
+        <p:nvCxnSpPr>
+          <p:cNvPr id="6" name="직선 연결선[R] 5">
+            <a:extLst>
+              <a:ext uri="{FF2B5EF4-FFF2-40B4-BE49-F238E27FC236}">
+                <a16:creationId xmlns:a16="http://schemas.microsoft.com/office/drawing/2014/main" id="{B0895DCE-07B1-F147-892C-279B3F3312C7}"/>
+              </a:ext>
+            </a:extLst>
+          </p:cNvPr>
+          <p:cNvCxnSpPr/>
+          <p:nvPr/>
+        </p:nvCxnSpPr>
+        <p:spPr>
+          <a:xfrm>
+            <a:off x="1" y="726831"/>
+            <a:ext cx="9554308" cy="0"/>
+          </a:xfrm>
+          <a:prstGeom prst="line">
+            <a:avLst/>
+          </a:prstGeom>
+          <a:ln>
+            <a:solidFill>
+              <a:srgbClr val="FFC000"/>
+            </a:solidFill>
+          </a:ln>
+        </p:spPr>
+        <p:style>
+          <a:lnRef idx="1">
+            <a:schemeClr val="accent1"/>
+          </a:lnRef>
+          <a:fillRef idx="0">
+            <a:schemeClr val="accent1"/>
+          </a:fillRef>
+          <a:effectRef idx="0">
+            <a:schemeClr val="accent1"/>
+          </a:effectRef>
+          <a:fontRef idx="minor">
+            <a:schemeClr val="tx1"/>
+          </a:fontRef>
+        </p:style>
+      </p:cxnSp>
+      <p:sp>
+        <p:nvSpPr>
+          <p:cNvPr id="7" name="모서리가 둥근 직사각형 6">
+            <a:extLst>
+              <a:ext uri="{FF2B5EF4-FFF2-40B4-BE49-F238E27FC236}">
+                <a16:creationId xmlns:a16="http://schemas.microsoft.com/office/drawing/2014/main" id="{2201D698-D710-CD43-8BBA-0DB1C607D487}"/>
+              </a:ext>
+            </a:extLst>
+          </p:cNvPr>
+          <p:cNvSpPr/>
+          <p:nvPr/>
+        </p:nvSpPr>
+        <p:spPr>
+          <a:xfrm>
+            <a:off x="-281353" y="844062"/>
+            <a:ext cx="9835662" cy="668215"/>
+          </a:xfrm>
+          <a:prstGeom prst="roundRect">
+            <a:avLst/>
+          </a:prstGeom>
+          <a:solidFill>
+            <a:schemeClr val="bg1">
+              <a:lumMod val="85000"/>
+            </a:schemeClr>
+          </a:solidFill>
+          <a:ln>
+            <a:noFill/>
+          </a:ln>
+        </p:spPr>
+        <p:style>
+          <a:lnRef idx="2">
+            <a:schemeClr val="accent1">
+              <a:shade val="50000"/>
+            </a:schemeClr>
+          </a:lnRef>
+          <a:fillRef idx="1">
+            <a:schemeClr val="accent1"/>
+          </a:fillRef>
+          <a:effectRef idx="0">
+            <a:schemeClr val="accent1"/>
+          </a:effectRef>
+          <a:fontRef idx="minor">
+            <a:schemeClr val="lt1"/>
+          </a:fontRef>
+        </p:style>
+        <p:txBody>
+          <a:bodyPr rot="0" spcFirstLastPara="0" vertOverflow="overflow" horzOverflow="overflow" vert="horz" wrap="square" lIns="91440" tIns="45720" rIns="91440" bIns="45720" numCol="1" spcCol="0" rtlCol="0" fromWordArt="0" anchor="ctr" anchorCtr="0" forceAA="0" compatLnSpc="1">
+            <a:prstTxWarp prst="textNoShape">
+              <a:avLst/>
+            </a:prstTxWarp>
+            <a:noAutofit/>
+          </a:bodyPr>
+          <a:lstStyle/>
+          <a:p>
+            <a:pPr algn="ctr"/>
+            <a:endParaRPr kumimoji="1" lang="ko-KR" altLang="en-US" dirty="0">
+              <a:solidFill>
+                <a:schemeClr val="bg1">
+                  <a:lumMod val="50000"/>
+                </a:schemeClr>
+              </a:solidFill>
+            </a:endParaRPr>
+          </a:p>
+        </p:txBody>
+      </p:sp>
+      <p:sp>
+        <p:nvSpPr>
+          <p:cNvPr id="8" name="TextBox 7">
+            <a:extLst>
+              <a:ext uri="{FF2B5EF4-FFF2-40B4-BE49-F238E27FC236}">
+                <a16:creationId xmlns:a16="http://schemas.microsoft.com/office/drawing/2014/main" id="{6F64B61F-5CF3-E647-A724-8D6695DF2BF1}"/>
+              </a:ext>
+            </a:extLst>
+          </p:cNvPr>
+          <p:cNvSpPr txBox="1"/>
+          <p:nvPr/>
+        </p:nvSpPr>
+        <p:spPr>
+          <a:xfrm>
+            <a:off x="266706" y="978115"/>
+            <a:ext cx="5416868" cy="400110"/>
+          </a:xfrm>
+          <a:prstGeom prst="rect">
+            <a:avLst/>
+          </a:prstGeom>
+          <a:noFill/>
+        </p:spPr>
+        <p:txBody>
+          <a:bodyPr wrap="none" rtlCol="0">
+            <a:spAutoFit/>
+          </a:bodyPr>
+          <a:lstStyle/>
+          <a:p>
+            <a:r>
+              <a:rPr kumimoji="1" lang="en-US" altLang="ko-KR" sz="2000" dirty="0">
+                <a:solidFill>
+                  <a:schemeClr val="tx1">
+                    <a:lumMod val="65000"/>
+                    <a:lumOff val="35000"/>
+                  </a:schemeClr>
+                </a:solidFill>
+                <a:latin typeface="GangwonEduPower ExtraBold" panose="02020603020101020101" pitchFamily="18" charset="-127"/>
+                <a:ea typeface="GangwonEduPower ExtraBold" panose="02020603020101020101" pitchFamily="18" charset="-127"/>
+              </a:rPr>
+              <a:t>INTRO. </a:t>
+            </a:r>
+            <a:r>
+              <a:rPr kumimoji="1" lang="ko-KR" altLang="en-US" sz="1500" dirty="0">
+                <a:latin typeface="Apple SD Gothic Neo Thin" panose="02000300000000000000" pitchFamily="2" charset="-127"/>
+                <a:ea typeface="Apple SD Gothic Neo Thin" panose="02000300000000000000" pitchFamily="2" charset="-127"/>
+              </a:rPr>
+              <a:t>팀원 소개 </a:t>
+            </a:r>
+            <a:r>
+              <a:rPr kumimoji="1" lang="en-US" altLang="ko-KR" sz="1500" dirty="0">
+                <a:latin typeface="Apple SD Gothic Neo Thin" panose="02000300000000000000" pitchFamily="2" charset="-127"/>
+                <a:ea typeface="Apple SD Gothic Neo Thin" panose="02000300000000000000" pitchFamily="2" charset="-127"/>
+              </a:rPr>
+              <a:t>&amp;</a:t>
+            </a:r>
+            <a:r>
+              <a:rPr kumimoji="1" lang="ko-KR" altLang="en-US" sz="1500" dirty="0">
+                <a:latin typeface="Apple SD Gothic Neo Thin" panose="02000300000000000000" pitchFamily="2" charset="-127"/>
+                <a:ea typeface="Apple SD Gothic Neo Thin" panose="02000300000000000000" pitchFamily="2" charset="-127"/>
+              </a:rPr>
+              <a:t> 역할 분담</a:t>
+            </a:r>
+            <a:r>
+              <a:rPr kumimoji="1" lang="en-US" altLang="ko-KR" sz="1500" dirty="0">
+                <a:latin typeface="Apple SD Gothic Neo Thin" panose="02000300000000000000" pitchFamily="2" charset="-127"/>
+                <a:ea typeface="Apple SD Gothic Neo Thin" panose="02000300000000000000" pitchFamily="2" charset="-127"/>
+              </a:rPr>
+              <a:t>,</a:t>
+            </a:r>
+            <a:r>
+              <a:rPr kumimoji="1" lang="ko-KR" altLang="en-US" sz="1500" dirty="0">
+                <a:latin typeface="Apple SD Gothic Neo Thin" panose="02000300000000000000" pitchFamily="2" charset="-127"/>
+                <a:ea typeface="Apple SD Gothic Neo Thin" panose="02000300000000000000" pitchFamily="2" charset="-127"/>
+              </a:rPr>
+              <a:t> 사이트 개요 및 주제 선정의 이유</a:t>
+            </a:r>
+            <a:endParaRPr kumimoji="1" lang="ko-KR" altLang="en-US" sz="1500" dirty="0">
+              <a:solidFill>
+                <a:schemeClr val="tx1">
+                  <a:lumMod val="65000"/>
+                  <a:lumOff val="35000"/>
+                </a:schemeClr>
+              </a:solidFill>
+              <a:latin typeface="GangwonEduPower ExtraBold" panose="02020603020101020101" pitchFamily="18" charset="-127"/>
+              <a:ea typeface="GangwonEduPower ExtraBold" panose="02020603020101020101" pitchFamily="18" charset="-127"/>
+            </a:endParaRPr>
+          </a:p>
+        </p:txBody>
+      </p:sp>
+      <p:sp>
+        <p:nvSpPr>
+          <p:cNvPr id="9" name="직사각형 8">
+            <a:extLst>
+              <a:ext uri="{FF2B5EF4-FFF2-40B4-BE49-F238E27FC236}">
+                <a16:creationId xmlns:a16="http://schemas.microsoft.com/office/drawing/2014/main" id="{71FC172E-010D-E84F-9E5A-2C65223C3954}"/>
+              </a:ext>
+            </a:extLst>
+          </p:cNvPr>
+          <p:cNvSpPr/>
+          <p:nvPr/>
+        </p:nvSpPr>
+        <p:spPr>
+          <a:xfrm>
+            <a:off x="-422031" y="0"/>
+            <a:ext cx="410308" cy="6858000"/>
+          </a:xfrm>
+          <a:prstGeom prst="rect">
+            <a:avLst/>
+          </a:prstGeom>
+          <a:solidFill>
+            <a:schemeClr val="tx1"/>
+          </a:solidFill>
+          <a:ln>
+            <a:noFill/>
+          </a:ln>
+        </p:spPr>
+        <p:style>
+          <a:lnRef idx="2">
+            <a:schemeClr val="accent1">
+              <a:shade val="50000"/>
+            </a:schemeClr>
+          </a:lnRef>
+          <a:fillRef idx="1">
+            <a:schemeClr val="accent1"/>
+          </a:fillRef>
+          <a:effectRef idx="0">
+            <a:schemeClr val="accent1"/>
+          </a:effectRef>
+          <a:fontRef idx="minor">
+            <a:schemeClr val="lt1"/>
+          </a:fontRef>
+        </p:style>
+        <p:txBody>
+          <a:bodyPr rot="0" spcFirstLastPara="0" vertOverflow="overflow" horzOverflow="overflow" vert="horz" wrap="square" lIns="91440" tIns="45720" rIns="91440" bIns="45720" numCol="1" spcCol="0" rtlCol="0" fromWordArt="0" anchor="ctr" anchorCtr="0" forceAA="0" compatLnSpc="1">
+            <a:prstTxWarp prst="textNoShape">
+              <a:avLst/>
+            </a:prstTxWarp>
+            <a:noAutofit/>
+          </a:bodyPr>
+          <a:lstStyle/>
+          <a:p>
+            <a:pPr algn="ctr"/>
+            <a:endParaRPr kumimoji="1" lang="ko-KR" altLang="en-US"/>
+          </a:p>
+        </p:txBody>
+      </p:sp>
+      <p:sp>
+        <p:nvSpPr>
+          <p:cNvPr id="11" name="직사각형 10">
+            <a:extLst>
+              <a:ext uri="{FF2B5EF4-FFF2-40B4-BE49-F238E27FC236}">
+                <a16:creationId xmlns:a16="http://schemas.microsoft.com/office/drawing/2014/main" id="{F2D53CA5-7BF7-9F4E-9FE7-7F2065E40291}"/>
+              </a:ext>
+            </a:extLst>
+          </p:cNvPr>
+          <p:cNvSpPr/>
+          <p:nvPr/>
+        </p:nvSpPr>
+        <p:spPr>
+          <a:xfrm>
+            <a:off x="-11723" y="6518032"/>
+            <a:ext cx="12203723" cy="339967"/>
+          </a:xfrm>
+          <a:prstGeom prst="rect">
+            <a:avLst/>
+          </a:prstGeom>
+          <a:solidFill>
+            <a:srgbClr val="DFA701"/>
+          </a:solidFill>
+          <a:ln>
+            <a:noFill/>
+          </a:ln>
+        </p:spPr>
+        <p:style>
+          <a:lnRef idx="2">
+            <a:schemeClr val="accent1">
+              <a:shade val="50000"/>
+            </a:schemeClr>
+          </a:lnRef>
+          <a:fillRef idx="1">
+            <a:schemeClr val="accent1"/>
+          </a:fillRef>
+          <a:effectRef idx="0">
+            <a:schemeClr val="accent1"/>
+          </a:effectRef>
+          <a:fontRef idx="minor">
+            <a:schemeClr val="lt1"/>
+          </a:fontRef>
+        </p:style>
+        <p:txBody>
+          <a:bodyPr rtlCol="0" anchor="ctr"/>
+          <a:lstStyle/>
+          <a:p>
+            <a:pPr algn="ctr"/>
+            <a:endParaRPr kumimoji="1" lang="ko-KR" altLang="en-US"/>
+          </a:p>
+        </p:txBody>
+      </p:sp>
+    </p:spTree>
+    <p:extLst>
+      <p:ext uri="{BB962C8B-B14F-4D97-AF65-F5344CB8AC3E}">
+        <p14:creationId xmlns:p14="http://schemas.microsoft.com/office/powerpoint/2010/main" val="2537465441"/>
+      </p:ext>
+    </p:extLst>
+  </p:cSld>
+  <p:clrMapOvr>
+    <a:masterClrMapping/>
+  </p:clrMapOvr>
+</p:sld>
+</file>
+
+<file path=ppt/slides/slide4.xml><?xml version="1.0" encoding="utf-8"?>
+<p:sld xmlns:a="http://schemas.openxmlformats.org/drawingml/2006/main" xmlns:r="http://schemas.openxmlformats.org/officeDocument/2006/relationships" xmlns:p="http://schemas.openxmlformats.org/presentationml/2006/main">
+  <p:cSld>
+    <p:spTree>
+      <p:nvGrpSpPr>
+        <p:cNvPr id="1" name=""/>
+        <p:cNvGrpSpPr/>
+        <p:nvPr/>
+      </p:nvGrpSpPr>
+      <p:grpSpPr>
+        <a:xfrm>
+          <a:off x="0" y="0"/>
+          <a:ext cx="0" cy="0"/>
+          <a:chOff x="0" y="0"/>
+          <a:chExt cx="0" cy="0"/>
+        </a:xfrm>
+      </p:grpSpPr>
+      <p:pic>
+        <p:nvPicPr>
+          <p:cNvPr id="5" name="그림 4">
+            <a:extLst>
+              <a:ext uri="{FF2B5EF4-FFF2-40B4-BE49-F238E27FC236}">
+                <a16:creationId xmlns:a16="http://schemas.microsoft.com/office/drawing/2014/main" id="{3DF62AEB-8EE3-2447-B14C-007BA80FE99A}"/>
+              </a:ext>
+            </a:extLst>
+          </p:cNvPr>
+          <p:cNvPicPr>
+            <a:picLocks noChangeAspect="1"/>
+          </p:cNvPicPr>
+          <p:nvPr/>
+        </p:nvPicPr>
+        <p:blipFill>
+          <a:blip r:embed="rId2"/>
+          <a:stretch>
+            <a:fillRect/>
+          </a:stretch>
+        </p:blipFill>
+        <p:spPr>
+          <a:xfrm>
+            <a:off x="177027" y="0"/>
+            <a:ext cx="1790700" cy="1092200"/>
+          </a:xfrm>
+          <a:prstGeom prst="rect">
+            <a:avLst/>
+          </a:prstGeom>
+        </p:spPr>
+      </p:pic>
+      <p:cxnSp>
+        <p:nvCxnSpPr>
+          <p:cNvPr id="6" name="직선 연결선[R] 5">
+            <a:extLst>
+              <a:ext uri="{FF2B5EF4-FFF2-40B4-BE49-F238E27FC236}">
+                <a16:creationId xmlns:a16="http://schemas.microsoft.com/office/drawing/2014/main" id="{B0895DCE-07B1-F147-892C-279B3F3312C7}"/>
+              </a:ext>
+            </a:extLst>
+          </p:cNvPr>
+          <p:cNvCxnSpPr/>
+          <p:nvPr/>
+        </p:nvCxnSpPr>
+        <p:spPr>
+          <a:xfrm>
+            <a:off x="1" y="726831"/>
+            <a:ext cx="9554308" cy="0"/>
+          </a:xfrm>
+          <a:prstGeom prst="line">
+            <a:avLst/>
+          </a:prstGeom>
+          <a:ln>
+            <a:solidFill>
+              <a:srgbClr val="FFC000"/>
+            </a:solidFill>
+          </a:ln>
+        </p:spPr>
+        <p:style>
+          <a:lnRef idx="1">
+            <a:schemeClr val="accent1"/>
+          </a:lnRef>
+          <a:fillRef idx="0">
+            <a:schemeClr val="accent1"/>
+          </a:fillRef>
+          <a:effectRef idx="0">
+            <a:schemeClr val="accent1"/>
+          </a:effectRef>
+          <a:fontRef idx="minor">
+            <a:schemeClr val="tx1"/>
+          </a:fontRef>
+        </p:style>
+      </p:cxnSp>
+      <p:sp>
+        <p:nvSpPr>
+          <p:cNvPr id="11" name="직사각형 10">
+            <a:extLst>
+              <a:ext uri="{FF2B5EF4-FFF2-40B4-BE49-F238E27FC236}">
+                <a16:creationId xmlns:a16="http://schemas.microsoft.com/office/drawing/2014/main" id="{F2D53CA5-7BF7-9F4E-9FE7-7F2065E40291}"/>
+              </a:ext>
+            </a:extLst>
+          </p:cNvPr>
+          <p:cNvSpPr/>
+          <p:nvPr/>
+        </p:nvSpPr>
+        <p:spPr>
+          <a:xfrm>
+            <a:off x="-11723" y="6518032"/>
+            <a:ext cx="12203723" cy="339967"/>
+          </a:xfrm>
+          <a:prstGeom prst="rect">
+            <a:avLst/>
+          </a:prstGeom>
+          <a:solidFill>
+            <a:srgbClr val="DFA701"/>
+          </a:solidFill>
+          <a:ln>
+            <a:noFill/>
+          </a:ln>
+        </p:spPr>
+        <p:style>
+          <a:lnRef idx="2">
+            <a:schemeClr val="accent1">
+              <a:shade val="50000"/>
+            </a:schemeClr>
+          </a:lnRef>
+          <a:fillRef idx="1">
+            <a:schemeClr val="accent1"/>
+          </a:fillRef>
+          <a:effectRef idx="0">
+            <a:schemeClr val="accent1"/>
+          </a:effectRef>
+          <a:fontRef idx="minor">
+            <a:schemeClr val="lt1"/>
+          </a:fontRef>
+        </p:style>
+        <p:txBody>
+          <a:bodyPr rtlCol="0" anchor="ctr"/>
+          <a:lstStyle/>
+          <a:p>
+            <a:pPr algn="ctr"/>
+            <a:endParaRPr kumimoji="1" lang="ko-KR" altLang="en-US"/>
+          </a:p>
+        </p:txBody>
+      </p:sp>
+      <p:sp>
+        <p:nvSpPr>
+          <p:cNvPr id="21" name="모서리가 둥근 직사각형 20">
+            <a:extLst>
+              <a:ext uri="{FF2B5EF4-FFF2-40B4-BE49-F238E27FC236}">
+                <a16:creationId xmlns:a16="http://schemas.microsoft.com/office/drawing/2014/main" id="{0C5A2D63-F6D7-FD4D-9E29-ECC87C45D7A1}"/>
+              </a:ext>
+            </a:extLst>
+          </p:cNvPr>
+          <p:cNvSpPr/>
+          <p:nvPr/>
+        </p:nvSpPr>
+        <p:spPr>
+          <a:xfrm>
+            <a:off x="-281353" y="844062"/>
+            <a:ext cx="9835662" cy="668215"/>
+          </a:xfrm>
+          <a:prstGeom prst="roundRect">
+            <a:avLst/>
+          </a:prstGeom>
+          <a:solidFill>
+            <a:schemeClr val="bg1">
+              <a:lumMod val="85000"/>
+            </a:schemeClr>
+          </a:solidFill>
+          <a:ln>
+            <a:noFill/>
+          </a:ln>
+        </p:spPr>
+        <p:style>
+          <a:lnRef idx="2">
+            <a:schemeClr val="accent1">
+              <a:shade val="50000"/>
+            </a:schemeClr>
+          </a:lnRef>
+          <a:fillRef idx="1">
+            <a:schemeClr val="accent1"/>
+          </a:fillRef>
+          <a:effectRef idx="0">
+            <a:schemeClr val="accent1"/>
+          </a:effectRef>
+          <a:fontRef idx="minor">
+            <a:schemeClr val="lt1"/>
+          </a:fontRef>
+        </p:style>
+        <p:txBody>
+          <a:bodyPr rot="0" spcFirstLastPara="0" vertOverflow="overflow" horzOverflow="overflow" vert="horz" wrap="square" lIns="91440" tIns="45720" rIns="91440" bIns="45720" numCol="1" spcCol="0" rtlCol="0" fromWordArt="0" anchor="ctr" anchorCtr="0" forceAA="0" compatLnSpc="1">
+            <a:prstTxWarp prst="textNoShape">
+              <a:avLst/>
+            </a:prstTxWarp>
+            <a:noAutofit/>
+          </a:bodyPr>
+          <a:lstStyle/>
+          <a:p>
+            <a:pPr algn="ctr"/>
+            <a:endParaRPr kumimoji="1" lang="ko-KR" altLang="en-US" dirty="0">
+              <a:solidFill>
+                <a:schemeClr val="bg1">
+                  <a:lumMod val="50000"/>
+                </a:schemeClr>
+              </a:solidFill>
+            </a:endParaRPr>
+          </a:p>
+        </p:txBody>
+      </p:sp>
+      <p:sp>
+        <p:nvSpPr>
+          <p:cNvPr id="22" name="TextBox 21">
+            <a:extLst>
+              <a:ext uri="{FF2B5EF4-FFF2-40B4-BE49-F238E27FC236}">
+                <a16:creationId xmlns:a16="http://schemas.microsoft.com/office/drawing/2014/main" id="{42DD3540-0883-984E-97D9-58F862DD8F18}"/>
+              </a:ext>
+            </a:extLst>
+          </p:cNvPr>
+          <p:cNvSpPr txBox="1"/>
+          <p:nvPr/>
+        </p:nvSpPr>
+        <p:spPr>
+          <a:xfrm>
+            <a:off x="266706" y="978115"/>
+            <a:ext cx="5017720" cy="400110"/>
+          </a:xfrm>
+          <a:prstGeom prst="rect">
+            <a:avLst/>
+          </a:prstGeom>
+          <a:noFill/>
+        </p:spPr>
+        <p:txBody>
+          <a:bodyPr wrap="none" rtlCol="0">
+            <a:spAutoFit/>
+          </a:bodyPr>
+          <a:lstStyle/>
+          <a:p>
+            <a:r>
+              <a:rPr kumimoji="1" lang="en-US" altLang="ko-KR" sz="2000" dirty="0">
+                <a:solidFill>
+                  <a:schemeClr val="tx1">
+                    <a:lumMod val="65000"/>
+                    <a:lumOff val="35000"/>
+                  </a:schemeClr>
+                </a:solidFill>
+                <a:latin typeface="GangwonEduPower ExtraBold" panose="02020603020101020101" pitchFamily="18" charset="-127"/>
+                <a:ea typeface="GangwonEduPower ExtraBold" panose="02020603020101020101" pitchFamily="18" charset="-127"/>
+              </a:rPr>
+              <a:t>SKILLS.</a:t>
+            </a:r>
+            <a:r>
+              <a:rPr kumimoji="1" lang="ko-KR" altLang="en-US" sz="2000" dirty="0">
+                <a:solidFill>
+                  <a:schemeClr val="tx1">
+                    <a:lumMod val="65000"/>
+                    <a:lumOff val="35000"/>
+                  </a:schemeClr>
+                </a:solidFill>
+                <a:latin typeface="GangwonEduPower ExtraBold" panose="02020603020101020101" pitchFamily="18" charset="-127"/>
+                <a:ea typeface="GangwonEduPower ExtraBold" panose="02020603020101020101" pitchFamily="18" charset="-127"/>
+              </a:rPr>
+              <a:t> </a:t>
+            </a:r>
+            <a:r>
+              <a:rPr kumimoji="1" lang="ko-KR" altLang="en-US" sz="1500" dirty="0">
+                <a:latin typeface="Apple SD Gothic Neo Thin" panose="02000300000000000000" pitchFamily="2" charset="-127"/>
+                <a:ea typeface="Apple SD Gothic Neo Thin" panose="02000300000000000000" pitchFamily="2" charset="-127"/>
+              </a:rPr>
+              <a:t>개발 기간</a:t>
+            </a:r>
+            <a:r>
+              <a:rPr kumimoji="1" lang="en-US" altLang="ko-KR" sz="1500" dirty="0">
+                <a:latin typeface="Apple SD Gothic Neo Thin" panose="02000300000000000000" pitchFamily="2" charset="-127"/>
+                <a:ea typeface="Apple SD Gothic Neo Thin" panose="02000300000000000000" pitchFamily="2" charset="-127"/>
+              </a:rPr>
+              <a:t>,</a:t>
+            </a:r>
+            <a:r>
+              <a:rPr kumimoji="1" lang="ko-KR" altLang="en-US" sz="1500" dirty="0">
+                <a:latin typeface="Apple SD Gothic Neo Thin" panose="02000300000000000000" pitchFamily="2" charset="-127"/>
+                <a:ea typeface="Apple SD Gothic Neo Thin" panose="02000300000000000000" pitchFamily="2" charset="-127"/>
+              </a:rPr>
+              <a:t> 개발</a:t>
+            </a:r>
+            <a:r>
+              <a:rPr kumimoji="1" lang="en-US" altLang="ko-KR" sz="1500" dirty="0">
+                <a:latin typeface="Apple SD Gothic Neo Thin" panose="02000300000000000000" pitchFamily="2" charset="-127"/>
+                <a:ea typeface="Apple SD Gothic Neo Thin" panose="02000300000000000000" pitchFamily="2" charset="-127"/>
+              </a:rPr>
+              <a:t> </a:t>
+            </a:r>
+            <a:r>
+              <a:rPr kumimoji="1" lang="ko-KR" altLang="en-US" sz="1500" dirty="0">
+                <a:latin typeface="Apple SD Gothic Neo Thin" panose="02000300000000000000" pitchFamily="2" charset="-127"/>
+                <a:ea typeface="Apple SD Gothic Neo Thin" panose="02000300000000000000" pitchFamily="2" charset="-127"/>
+              </a:rPr>
+              <a:t>환경</a:t>
+            </a:r>
+            <a:r>
+              <a:rPr kumimoji="1" lang="en-US" altLang="ko-KR" sz="1500" dirty="0">
+                <a:latin typeface="Apple SD Gothic Neo Thin" panose="02000300000000000000" pitchFamily="2" charset="-127"/>
+                <a:ea typeface="Apple SD Gothic Neo Thin" panose="02000300000000000000" pitchFamily="2" charset="-127"/>
+              </a:rPr>
+              <a:t>,</a:t>
+            </a:r>
+            <a:r>
+              <a:rPr kumimoji="1" lang="ko-KR" altLang="en-US" sz="1500" dirty="0">
+                <a:latin typeface="Apple SD Gothic Neo Thin" panose="02000300000000000000" pitchFamily="2" charset="-127"/>
+                <a:ea typeface="Apple SD Gothic Neo Thin" panose="02000300000000000000" pitchFamily="2" charset="-127"/>
+              </a:rPr>
+              <a:t> 사용 기술</a:t>
+            </a:r>
+            <a:r>
+              <a:rPr kumimoji="1" lang="en-US" altLang="ko-KR" sz="1500" dirty="0">
+                <a:latin typeface="Apple SD Gothic Neo Thin" panose="02000300000000000000" pitchFamily="2" charset="-127"/>
+                <a:ea typeface="Apple SD Gothic Neo Thin" panose="02000300000000000000" pitchFamily="2" charset="-127"/>
+              </a:rPr>
+              <a:t>,</a:t>
+            </a:r>
+            <a:r>
+              <a:rPr kumimoji="1" lang="ko-KR" altLang="en-US" sz="1500" dirty="0">
+                <a:latin typeface="Apple SD Gothic Neo Thin" panose="02000300000000000000" pitchFamily="2" charset="-127"/>
+                <a:ea typeface="Apple SD Gothic Neo Thin" panose="02000300000000000000" pitchFamily="2" charset="-127"/>
+              </a:rPr>
+              <a:t> 활용한 오픈 </a:t>
+            </a:r>
+            <a:r>
+              <a:rPr kumimoji="1" lang="en-US" altLang="ko-KR" sz="1500" dirty="0">
+                <a:latin typeface="Apple SD Gothic Neo Thin" panose="02000300000000000000" pitchFamily="2" charset="-127"/>
+                <a:ea typeface="Apple SD Gothic Neo Thin" panose="02000300000000000000" pitchFamily="2" charset="-127"/>
+              </a:rPr>
+              <a:t>API</a:t>
+            </a:r>
+            <a:endParaRPr kumimoji="1" lang="ko-KR" altLang="en-US" sz="1500" dirty="0">
+              <a:solidFill>
+                <a:schemeClr val="tx1">
+                  <a:lumMod val="65000"/>
+                  <a:lumOff val="35000"/>
+                </a:schemeClr>
+              </a:solidFill>
+              <a:latin typeface="GangwonEduPower ExtraBold" panose="02020603020101020101" pitchFamily="18" charset="-127"/>
+              <a:ea typeface="GangwonEduPower ExtraBold" panose="02020603020101020101" pitchFamily="18" charset="-127"/>
+            </a:endParaRPr>
+          </a:p>
+        </p:txBody>
+      </p:sp>
+      <p:sp>
+        <p:nvSpPr>
+          <p:cNvPr id="9" name="직사각형 8">
+            <a:extLst>
+              <a:ext uri="{FF2B5EF4-FFF2-40B4-BE49-F238E27FC236}">
+                <a16:creationId xmlns:a16="http://schemas.microsoft.com/office/drawing/2014/main" id="{71FC172E-010D-E84F-9E5A-2C65223C3954}"/>
+              </a:ext>
+            </a:extLst>
+          </p:cNvPr>
+          <p:cNvSpPr/>
+          <p:nvPr/>
+        </p:nvSpPr>
+        <p:spPr>
+          <a:xfrm>
+            <a:off x="-422031" y="0"/>
+            <a:ext cx="410308" cy="6858000"/>
+          </a:xfrm>
+          <a:prstGeom prst="rect">
+            <a:avLst/>
+          </a:prstGeom>
+          <a:solidFill>
+            <a:schemeClr val="tx1"/>
+          </a:solidFill>
+          <a:ln>
+            <a:noFill/>
+          </a:ln>
+        </p:spPr>
+        <p:style>
+          <a:lnRef idx="2">
+            <a:schemeClr val="accent1">
+              <a:shade val="50000"/>
+            </a:schemeClr>
+          </a:lnRef>
+          <a:fillRef idx="1">
+            <a:schemeClr val="accent1"/>
+          </a:fillRef>
+          <a:effectRef idx="0">
+            <a:schemeClr val="accent1"/>
+          </a:effectRef>
+          <a:fontRef idx="minor">
+            <a:schemeClr val="lt1"/>
+          </a:fontRef>
+        </p:style>
+        <p:txBody>
+          <a:bodyPr rot="0" spcFirstLastPara="0" vertOverflow="overflow" horzOverflow="overflow" vert="horz" wrap="square" lIns="91440" tIns="45720" rIns="91440" bIns="45720" numCol="1" spcCol="0" rtlCol="0" fromWordArt="0" anchor="ctr" anchorCtr="0" forceAA="0" compatLnSpc="1">
+            <a:prstTxWarp prst="textNoShape">
+              <a:avLst/>
+            </a:prstTxWarp>
+            <a:noAutofit/>
+          </a:bodyPr>
+          <a:lstStyle/>
+          <a:p>
+            <a:pPr algn="ctr"/>
+            <a:endParaRPr kumimoji="1" lang="ko-KR" altLang="en-US"/>
+          </a:p>
+        </p:txBody>
+      </p:sp>
+    </p:spTree>
+    <p:extLst>
+      <p:ext uri="{BB962C8B-B14F-4D97-AF65-F5344CB8AC3E}">
+        <p14:creationId xmlns:p14="http://schemas.microsoft.com/office/powerpoint/2010/main" val="2208584320"/>
+      </p:ext>
+    </p:extLst>
+  </p:cSld>
+  <p:clrMapOvr>
+    <a:masterClrMapping/>
+  </p:clrMapOvr>
+</p:sld>
+</file>
+
+<file path=ppt/slides/slide5.xml><?xml version="1.0" encoding="utf-8"?>
+<p:sld xmlns:a="http://schemas.openxmlformats.org/drawingml/2006/main" xmlns:r="http://schemas.openxmlformats.org/officeDocument/2006/relationships" xmlns:p="http://schemas.openxmlformats.org/presentationml/2006/main">
+  <p:cSld>
+    <p:spTree>
+      <p:nvGrpSpPr>
+        <p:cNvPr id="1" name=""/>
+        <p:cNvGrpSpPr/>
+        <p:nvPr/>
+      </p:nvGrpSpPr>
+      <p:grpSpPr>
+        <a:xfrm>
+          <a:off x="0" y="0"/>
+          <a:ext cx="0" cy="0"/>
+          <a:chOff x="0" y="0"/>
+          <a:chExt cx="0" cy="0"/>
+        </a:xfrm>
+      </p:grpSpPr>
+      <p:pic>
+        <p:nvPicPr>
+          <p:cNvPr id="5" name="그림 4">
+            <a:extLst>
+              <a:ext uri="{FF2B5EF4-FFF2-40B4-BE49-F238E27FC236}">
+                <a16:creationId xmlns:a16="http://schemas.microsoft.com/office/drawing/2014/main" id="{3DF62AEB-8EE3-2447-B14C-007BA80FE99A}"/>
+              </a:ext>
+            </a:extLst>
+          </p:cNvPr>
+          <p:cNvPicPr>
+            <a:picLocks noChangeAspect="1"/>
+          </p:cNvPicPr>
+          <p:nvPr/>
+        </p:nvPicPr>
+        <p:blipFill>
+          <a:blip r:embed="rId2"/>
+          <a:stretch>
+            <a:fillRect/>
+          </a:stretch>
+        </p:blipFill>
+        <p:spPr>
+          <a:xfrm>
+            <a:off x="177027" y="0"/>
+            <a:ext cx="1790700" cy="1092200"/>
+          </a:xfrm>
+          <a:prstGeom prst="rect">
+            <a:avLst/>
+          </a:prstGeom>
+        </p:spPr>
+      </p:pic>
+      <p:cxnSp>
+        <p:nvCxnSpPr>
+          <p:cNvPr id="6" name="직선 연결선[R] 5">
+            <a:extLst>
+              <a:ext uri="{FF2B5EF4-FFF2-40B4-BE49-F238E27FC236}">
+                <a16:creationId xmlns:a16="http://schemas.microsoft.com/office/drawing/2014/main" id="{B0895DCE-07B1-F147-892C-279B3F3312C7}"/>
+              </a:ext>
+            </a:extLst>
+          </p:cNvPr>
+          <p:cNvCxnSpPr/>
+          <p:nvPr/>
+        </p:nvCxnSpPr>
+        <p:spPr>
+          <a:xfrm>
+            <a:off x="1" y="726831"/>
+            <a:ext cx="9554308" cy="0"/>
+          </a:xfrm>
+          <a:prstGeom prst="line">
+            <a:avLst/>
+          </a:prstGeom>
+          <a:ln>
+            <a:solidFill>
+              <a:srgbClr val="FFC000"/>
+            </a:solidFill>
+          </a:ln>
+        </p:spPr>
+        <p:style>
+          <a:lnRef idx="1">
+            <a:schemeClr val="accent1"/>
+          </a:lnRef>
+          <a:fillRef idx="0">
+            <a:schemeClr val="accent1"/>
+          </a:fillRef>
+          <a:effectRef idx="0">
+            <a:schemeClr val="accent1"/>
+          </a:effectRef>
+          <a:fontRef idx="minor">
+            <a:schemeClr val="tx1"/>
+          </a:fontRef>
+        </p:style>
+      </p:cxnSp>
+      <p:sp>
+        <p:nvSpPr>
+          <p:cNvPr id="11" name="직사각형 10">
+            <a:extLst>
+              <a:ext uri="{FF2B5EF4-FFF2-40B4-BE49-F238E27FC236}">
+                <a16:creationId xmlns:a16="http://schemas.microsoft.com/office/drawing/2014/main" id="{F2D53CA5-7BF7-9F4E-9FE7-7F2065E40291}"/>
+              </a:ext>
+            </a:extLst>
+          </p:cNvPr>
+          <p:cNvSpPr/>
+          <p:nvPr/>
+        </p:nvSpPr>
+        <p:spPr>
+          <a:xfrm>
+            <a:off x="-11723" y="6518032"/>
+            <a:ext cx="12203723" cy="339967"/>
+          </a:xfrm>
+          <a:prstGeom prst="rect">
+            <a:avLst/>
+          </a:prstGeom>
+          <a:solidFill>
+            <a:srgbClr val="DFA701"/>
+          </a:solidFill>
+          <a:ln>
+            <a:noFill/>
+          </a:ln>
+        </p:spPr>
+        <p:style>
+          <a:lnRef idx="2">
+            <a:schemeClr val="accent1">
+              <a:shade val="50000"/>
+            </a:schemeClr>
+          </a:lnRef>
+          <a:fillRef idx="1">
+            <a:schemeClr val="accent1"/>
+          </a:fillRef>
+          <a:effectRef idx="0">
+            <a:schemeClr val="accent1"/>
+          </a:effectRef>
+          <a:fontRef idx="minor">
+            <a:schemeClr val="lt1"/>
+          </a:fontRef>
+        </p:style>
+        <p:txBody>
+          <a:bodyPr rtlCol="0" anchor="ctr"/>
+          <a:lstStyle/>
+          <a:p>
+            <a:pPr algn="ctr"/>
+            <a:endParaRPr kumimoji="1" lang="ko-KR" altLang="en-US"/>
+          </a:p>
+        </p:txBody>
+      </p:sp>
+      <p:sp>
+        <p:nvSpPr>
+          <p:cNvPr id="21" name="모서리가 둥근 직사각형 20">
+            <a:extLst>
+              <a:ext uri="{FF2B5EF4-FFF2-40B4-BE49-F238E27FC236}">
+                <a16:creationId xmlns:a16="http://schemas.microsoft.com/office/drawing/2014/main" id="{0C5A2D63-F6D7-FD4D-9E29-ECC87C45D7A1}"/>
+              </a:ext>
+            </a:extLst>
+          </p:cNvPr>
+          <p:cNvSpPr/>
+          <p:nvPr/>
+        </p:nvSpPr>
+        <p:spPr>
+          <a:xfrm>
+            <a:off x="-281353" y="844062"/>
+            <a:ext cx="9835662" cy="668215"/>
+          </a:xfrm>
+          <a:prstGeom prst="roundRect">
+            <a:avLst/>
+          </a:prstGeom>
+          <a:solidFill>
+            <a:schemeClr val="bg1">
+              <a:lumMod val="85000"/>
+            </a:schemeClr>
+          </a:solidFill>
+          <a:ln>
+            <a:noFill/>
+          </a:ln>
+        </p:spPr>
+        <p:style>
+          <a:lnRef idx="2">
+            <a:schemeClr val="accent1">
+              <a:shade val="50000"/>
+            </a:schemeClr>
+          </a:lnRef>
+          <a:fillRef idx="1">
+            <a:schemeClr val="accent1"/>
+          </a:fillRef>
+          <a:effectRef idx="0">
+            <a:schemeClr val="accent1"/>
+          </a:effectRef>
+          <a:fontRef idx="minor">
+            <a:schemeClr val="lt1"/>
+          </a:fontRef>
+        </p:style>
+        <p:txBody>
+          <a:bodyPr rot="0" spcFirstLastPara="0" vertOverflow="overflow" horzOverflow="overflow" vert="horz" wrap="square" lIns="91440" tIns="45720" rIns="91440" bIns="45720" numCol="1" spcCol="0" rtlCol="0" fromWordArt="0" anchor="ctr" anchorCtr="0" forceAA="0" compatLnSpc="1">
+            <a:prstTxWarp prst="textNoShape">
+              <a:avLst/>
+            </a:prstTxWarp>
+            <a:noAutofit/>
+          </a:bodyPr>
+          <a:lstStyle/>
+          <a:p>
+            <a:pPr algn="ctr"/>
+            <a:endParaRPr kumimoji="1" lang="ko-KR" altLang="en-US" dirty="0">
+              <a:solidFill>
+                <a:schemeClr val="bg1">
+                  <a:lumMod val="50000"/>
+                </a:schemeClr>
+              </a:solidFill>
+            </a:endParaRPr>
+          </a:p>
+        </p:txBody>
+      </p:sp>
+      <p:sp>
+        <p:nvSpPr>
+          <p:cNvPr id="22" name="TextBox 21">
+            <a:extLst>
+              <a:ext uri="{FF2B5EF4-FFF2-40B4-BE49-F238E27FC236}">
+                <a16:creationId xmlns:a16="http://schemas.microsoft.com/office/drawing/2014/main" id="{42DD3540-0883-984E-97D9-58F862DD8F18}"/>
+              </a:ext>
+            </a:extLst>
+          </p:cNvPr>
+          <p:cNvSpPr txBox="1"/>
+          <p:nvPr/>
+        </p:nvSpPr>
+        <p:spPr>
+          <a:xfrm>
+            <a:off x="266706" y="978115"/>
+            <a:ext cx="3283271" cy="400110"/>
+          </a:xfrm>
+          <a:prstGeom prst="rect">
+            <a:avLst/>
+          </a:prstGeom>
+          <a:noFill/>
+        </p:spPr>
+        <p:txBody>
+          <a:bodyPr wrap="none" rtlCol="0">
+            <a:spAutoFit/>
+          </a:bodyPr>
+          <a:lstStyle/>
+          <a:p>
+            <a:r>
+              <a:rPr kumimoji="1" lang="en-US" altLang="ko-KR" sz="2000" dirty="0">
+                <a:solidFill>
+                  <a:schemeClr val="tx1">
+                    <a:lumMod val="65000"/>
+                    <a:lumOff val="35000"/>
+                  </a:schemeClr>
+                </a:solidFill>
+                <a:latin typeface="GangwonEduPower ExtraBold" panose="02020603020101020101" pitchFamily="18" charset="-127"/>
+                <a:ea typeface="GangwonEduPower ExtraBold" panose="02020603020101020101" pitchFamily="18" charset="-127"/>
+              </a:rPr>
+              <a:t>ARCHET. </a:t>
+            </a:r>
+            <a:r>
+              <a:rPr kumimoji="1" lang="ko-KR" altLang="en-US" sz="1500" dirty="0">
+                <a:latin typeface="Apple SD Gothic Neo Thin" panose="02000300000000000000" pitchFamily="2" charset="-127"/>
+                <a:ea typeface="Apple SD Gothic Neo Thin" panose="02000300000000000000" pitchFamily="2" charset="-127"/>
+              </a:rPr>
+              <a:t>테이블 설계 및 구현 기능</a:t>
+            </a:r>
+            <a:endParaRPr kumimoji="1" lang="ko-KR" altLang="en-US" sz="1500" dirty="0">
+              <a:solidFill>
+                <a:schemeClr val="tx1">
+                  <a:lumMod val="65000"/>
+                  <a:lumOff val="35000"/>
+                </a:schemeClr>
+              </a:solidFill>
+              <a:latin typeface="GangwonEduPower ExtraBold" panose="02020603020101020101" pitchFamily="18" charset="-127"/>
+              <a:ea typeface="GangwonEduPower ExtraBold" panose="02020603020101020101" pitchFamily="18" charset="-127"/>
+            </a:endParaRPr>
+          </a:p>
+        </p:txBody>
+      </p:sp>
+      <p:sp>
+        <p:nvSpPr>
+          <p:cNvPr id="9" name="직사각형 8">
+            <a:extLst>
+              <a:ext uri="{FF2B5EF4-FFF2-40B4-BE49-F238E27FC236}">
+                <a16:creationId xmlns:a16="http://schemas.microsoft.com/office/drawing/2014/main" id="{71FC172E-010D-E84F-9E5A-2C65223C3954}"/>
+              </a:ext>
+            </a:extLst>
+          </p:cNvPr>
+          <p:cNvSpPr/>
+          <p:nvPr/>
+        </p:nvSpPr>
+        <p:spPr>
+          <a:xfrm>
+            <a:off x="-422031" y="0"/>
+            <a:ext cx="410308" cy="6858000"/>
+          </a:xfrm>
+          <a:prstGeom prst="rect">
+            <a:avLst/>
+          </a:prstGeom>
+          <a:solidFill>
+            <a:schemeClr val="tx1"/>
+          </a:solidFill>
+          <a:ln>
+            <a:noFill/>
+          </a:ln>
+        </p:spPr>
+        <p:style>
+          <a:lnRef idx="2">
+            <a:schemeClr val="accent1">
+              <a:shade val="50000"/>
+            </a:schemeClr>
+          </a:lnRef>
+          <a:fillRef idx="1">
+            <a:schemeClr val="accent1"/>
+          </a:fillRef>
+          <a:effectRef idx="0">
+            <a:schemeClr val="accent1"/>
+          </a:effectRef>
+          <a:fontRef idx="minor">
+            <a:schemeClr val="lt1"/>
+          </a:fontRef>
+        </p:style>
+        <p:txBody>
+          <a:bodyPr rot="0" spcFirstLastPara="0" vertOverflow="overflow" horzOverflow="overflow" vert="horz" wrap="square" lIns="91440" tIns="45720" rIns="91440" bIns="45720" numCol="1" spcCol="0" rtlCol="0" fromWordArt="0" anchor="ctr" anchorCtr="0" forceAA="0" compatLnSpc="1">
+            <a:prstTxWarp prst="textNoShape">
+              <a:avLst/>
+            </a:prstTxWarp>
+            <a:noAutofit/>
+          </a:bodyPr>
+          <a:lstStyle/>
+          <a:p>
+            <a:pPr algn="ctr"/>
+            <a:endParaRPr kumimoji="1" lang="ko-KR" altLang="en-US"/>
+          </a:p>
+        </p:txBody>
+      </p:sp>
+    </p:spTree>
+    <p:extLst>
+      <p:ext uri="{BB962C8B-B14F-4D97-AF65-F5344CB8AC3E}">
+        <p14:creationId xmlns:p14="http://schemas.microsoft.com/office/powerpoint/2010/main" val="2652518932"/>
+      </p:ext>
+    </p:extLst>
+  </p:cSld>
+  <p:clrMapOvr>
+    <a:masterClrMapping/>
+  </p:clrMapOvr>
+</p:sld>
+</file>
+
+<file path=ppt/slides/slide6.xml><?xml version="1.0" encoding="utf-8"?>
+<p:sld xmlns:a="http://schemas.openxmlformats.org/drawingml/2006/main" xmlns:r="http://schemas.openxmlformats.org/officeDocument/2006/relationships" xmlns:p="http://schemas.openxmlformats.org/presentationml/2006/main">
+  <p:cSld>
+    <p:spTree>
+      <p:nvGrpSpPr>
+        <p:cNvPr id="1" name=""/>
+        <p:cNvGrpSpPr/>
+        <p:nvPr/>
+      </p:nvGrpSpPr>
+      <p:grpSpPr>
+        <a:xfrm>
+          <a:off x="0" y="0"/>
+          <a:ext cx="0" cy="0"/>
+          <a:chOff x="0" y="0"/>
+          <a:chExt cx="0" cy="0"/>
+        </a:xfrm>
+      </p:grpSpPr>
+      <p:pic>
+        <p:nvPicPr>
+          <p:cNvPr id="5" name="그림 4">
+            <a:extLst>
+              <a:ext uri="{FF2B5EF4-FFF2-40B4-BE49-F238E27FC236}">
+                <a16:creationId xmlns:a16="http://schemas.microsoft.com/office/drawing/2014/main" id="{3DF62AEB-8EE3-2447-B14C-007BA80FE99A}"/>
+              </a:ext>
+            </a:extLst>
+          </p:cNvPr>
+          <p:cNvPicPr>
+            <a:picLocks noChangeAspect="1"/>
+          </p:cNvPicPr>
+          <p:nvPr/>
+        </p:nvPicPr>
+        <p:blipFill>
+          <a:blip r:embed="rId2"/>
+          <a:stretch>
+            <a:fillRect/>
+          </a:stretch>
+        </p:blipFill>
+        <p:spPr>
+          <a:xfrm>
+            <a:off x="177027" y="0"/>
+            <a:ext cx="1790700" cy="1092200"/>
+          </a:xfrm>
+          <a:prstGeom prst="rect">
+            <a:avLst/>
+          </a:prstGeom>
+        </p:spPr>
+      </p:pic>
+      <p:cxnSp>
+        <p:nvCxnSpPr>
+          <p:cNvPr id="6" name="직선 연결선[R] 5">
+            <a:extLst>
+              <a:ext uri="{FF2B5EF4-FFF2-40B4-BE49-F238E27FC236}">
+                <a16:creationId xmlns:a16="http://schemas.microsoft.com/office/drawing/2014/main" id="{B0895DCE-07B1-F147-892C-279B3F3312C7}"/>
+              </a:ext>
+            </a:extLst>
+          </p:cNvPr>
+          <p:cNvCxnSpPr/>
+          <p:nvPr/>
+        </p:nvCxnSpPr>
+        <p:spPr>
+          <a:xfrm>
+            <a:off x="1" y="726831"/>
+            <a:ext cx="9554308" cy="0"/>
+          </a:xfrm>
+          <a:prstGeom prst="line">
+            <a:avLst/>
+          </a:prstGeom>
+          <a:ln>
+            <a:solidFill>
+              <a:srgbClr val="FFC000"/>
+            </a:solidFill>
+          </a:ln>
+        </p:spPr>
+        <p:style>
+          <a:lnRef idx="1">
+            <a:schemeClr val="accent1"/>
+          </a:lnRef>
+          <a:fillRef idx="0">
+            <a:schemeClr val="accent1"/>
+          </a:fillRef>
+          <a:effectRef idx="0">
+            <a:schemeClr val="accent1"/>
+          </a:effectRef>
+          <a:fontRef idx="minor">
+            <a:schemeClr val="tx1"/>
+          </a:fontRef>
+        </p:style>
+      </p:cxnSp>
+      <p:sp>
+        <p:nvSpPr>
+          <p:cNvPr id="11" name="직사각형 10">
+            <a:extLst>
+              <a:ext uri="{FF2B5EF4-FFF2-40B4-BE49-F238E27FC236}">
+                <a16:creationId xmlns:a16="http://schemas.microsoft.com/office/drawing/2014/main" id="{F2D53CA5-7BF7-9F4E-9FE7-7F2065E40291}"/>
+              </a:ext>
+            </a:extLst>
+          </p:cNvPr>
+          <p:cNvSpPr/>
+          <p:nvPr/>
+        </p:nvSpPr>
+        <p:spPr>
+          <a:xfrm>
+            <a:off x="-11723" y="6518032"/>
+            <a:ext cx="12203723" cy="339967"/>
+          </a:xfrm>
+          <a:prstGeom prst="rect">
+            <a:avLst/>
+          </a:prstGeom>
+          <a:solidFill>
+            <a:srgbClr val="DFA701"/>
+          </a:solidFill>
+          <a:ln>
+            <a:noFill/>
+          </a:ln>
+        </p:spPr>
+        <p:style>
+          <a:lnRef idx="2">
+            <a:schemeClr val="accent1">
+              <a:shade val="50000"/>
+            </a:schemeClr>
+          </a:lnRef>
+          <a:fillRef idx="1">
+            <a:schemeClr val="accent1"/>
+          </a:fillRef>
+          <a:effectRef idx="0">
+            <a:schemeClr val="accent1"/>
+          </a:effectRef>
+          <a:fontRef idx="minor">
+            <a:schemeClr val="lt1"/>
+          </a:fontRef>
+        </p:style>
+        <p:txBody>
+          <a:bodyPr rtlCol="0" anchor="ctr"/>
+          <a:lstStyle/>
+          <a:p>
+            <a:pPr algn="ctr"/>
+            <a:endParaRPr kumimoji="1" lang="ko-KR" altLang="en-US"/>
+          </a:p>
+        </p:txBody>
+      </p:sp>
+      <p:sp>
+        <p:nvSpPr>
+          <p:cNvPr id="21" name="모서리가 둥근 직사각형 20">
+            <a:extLst>
+              <a:ext uri="{FF2B5EF4-FFF2-40B4-BE49-F238E27FC236}">
+                <a16:creationId xmlns:a16="http://schemas.microsoft.com/office/drawing/2014/main" id="{0C5A2D63-F6D7-FD4D-9E29-ECC87C45D7A1}"/>
+              </a:ext>
+            </a:extLst>
+          </p:cNvPr>
+          <p:cNvSpPr/>
+          <p:nvPr/>
+        </p:nvSpPr>
+        <p:spPr>
+          <a:xfrm>
+            <a:off x="-281353" y="844062"/>
+            <a:ext cx="9835662" cy="668215"/>
+          </a:xfrm>
+          <a:prstGeom prst="roundRect">
+            <a:avLst/>
+          </a:prstGeom>
+          <a:solidFill>
+            <a:schemeClr val="bg1">
+              <a:lumMod val="85000"/>
+            </a:schemeClr>
+          </a:solidFill>
+          <a:ln>
+            <a:noFill/>
+          </a:ln>
+        </p:spPr>
+        <p:style>
+          <a:lnRef idx="2">
+            <a:schemeClr val="accent1">
+              <a:shade val="50000"/>
+            </a:schemeClr>
+          </a:lnRef>
+          <a:fillRef idx="1">
+            <a:schemeClr val="accent1"/>
+          </a:fillRef>
+          <a:effectRef idx="0">
+            <a:schemeClr val="accent1"/>
+          </a:effectRef>
+          <a:fontRef idx="minor">
+            <a:schemeClr val="lt1"/>
+          </a:fontRef>
+        </p:style>
+        <p:txBody>
+          <a:bodyPr rot="0" spcFirstLastPara="0" vertOverflow="overflow" horzOverflow="overflow" vert="horz" wrap="square" lIns="91440" tIns="45720" rIns="91440" bIns="45720" numCol="1" spcCol="0" rtlCol="0" fromWordArt="0" anchor="ctr" anchorCtr="0" forceAA="0" compatLnSpc="1">
+            <a:prstTxWarp prst="textNoShape">
+              <a:avLst/>
+            </a:prstTxWarp>
+            <a:noAutofit/>
+          </a:bodyPr>
+          <a:lstStyle/>
+          <a:p>
+            <a:pPr algn="ctr"/>
+            <a:endParaRPr kumimoji="1" lang="ko-KR" altLang="en-US" dirty="0">
+              <a:solidFill>
+                <a:schemeClr val="bg1">
+                  <a:lumMod val="50000"/>
+                </a:schemeClr>
+              </a:solidFill>
+            </a:endParaRPr>
+          </a:p>
+        </p:txBody>
+      </p:sp>
+      <p:sp>
+        <p:nvSpPr>
+          <p:cNvPr id="22" name="TextBox 21">
+            <a:extLst>
+              <a:ext uri="{FF2B5EF4-FFF2-40B4-BE49-F238E27FC236}">
+                <a16:creationId xmlns:a16="http://schemas.microsoft.com/office/drawing/2014/main" id="{42DD3540-0883-984E-97D9-58F862DD8F18}"/>
+              </a:ext>
+            </a:extLst>
+          </p:cNvPr>
+          <p:cNvSpPr txBox="1"/>
+          <p:nvPr/>
+        </p:nvSpPr>
+        <p:spPr>
+          <a:xfrm>
+            <a:off x="266706" y="978115"/>
+            <a:ext cx="1661032" cy="400110"/>
+          </a:xfrm>
+          <a:prstGeom prst="rect">
+            <a:avLst/>
+          </a:prstGeom>
+          <a:noFill/>
+        </p:spPr>
+        <p:txBody>
+          <a:bodyPr wrap="none" rtlCol="0">
+            <a:spAutoFit/>
+          </a:bodyPr>
+          <a:lstStyle/>
+          <a:p>
+            <a:r>
+              <a:rPr kumimoji="1" lang="en-US" altLang="ko-KR" sz="2000" dirty="0">
+                <a:solidFill>
+                  <a:schemeClr val="tx1">
+                    <a:lumMod val="65000"/>
+                    <a:lumOff val="35000"/>
+                  </a:schemeClr>
+                </a:solidFill>
+                <a:latin typeface="GangwonEduPower ExtraBold" panose="02020603020101020101" pitchFamily="18" charset="-127"/>
+                <a:ea typeface="GangwonEduPower ExtraBold" panose="02020603020101020101" pitchFamily="18" charset="-127"/>
+              </a:rPr>
+              <a:t>DEMON. </a:t>
+            </a:r>
+            <a:r>
+              <a:rPr kumimoji="1" lang="ko-KR" altLang="en-US" sz="1500" dirty="0">
+                <a:latin typeface="Apple SD Gothic Neo Thin" panose="02000300000000000000" pitchFamily="2" charset="-127"/>
+                <a:ea typeface="Apple SD Gothic Neo Thin" panose="02000300000000000000" pitchFamily="2" charset="-127"/>
+              </a:rPr>
+              <a:t>시연</a:t>
+            </a:r>
+            <a:endParaRPr kumimoji="1" lang="ko-KR" altLang="en-US" sz="1500" dirty="0">
+              <a:solidFill>
+                <a:schemeClr val="tx1">
+                  <a:lumMod val="65000"/>
+                  <a:lumOff val="35000"/>
+                </a:schemeClr>
+              </a:solidFill>
+              <a:latin typeface="GangwonEduPower ExtraBold" panose="02020603020101020101" pitchFamily="18" charset="-127"/>
+              <a:ea typeface="GangwonEduPower ExtraBold" panose="02020603020101020101" pitchFamily="18" charset="-127"/>
+            </a:endParaRPr>
+          </a:p>
+        </p:txBody>
+      </p:sp>
+      <p:sp>
+        <p:nvSpPr>
+          <p:cNvPr id="9" name="직사각형 8">
+            <a:extLst>
+              <a:ext uri="{FF2B5EF4-FFF2-40B4-BE49-F238E27FC236}">
+                <a16:creationId xmlns:a16="http://schemas.microsoft.com/office/drawing/2014/main" id="{71FC172E-010D-E84F-9E5A-2C65223C3954}"/>
+              </a:ext>
+            </a:extLst>
+          </p:cNvPr>
+          <p:cNvSpPr/>
+          <p:nvPr/>
+        </p:nvSpPr>
+        <p:spPr>
+          <a:xfrm>
+            <a:off x="-422031" y="0"/>
+            <a:ext cx="410308" cy="6858000"/>
+          </a:xfrm>
+          <a:prstGeom prst="rect">
+            <a:avLst/>
+          </a:prstGeom>
+          <a:solidFill>
+            <a:schemeClr val="tx1"/>
+          </a:solidFill>
+          <a:ln>
+            <a:noFill/>
+          </a:ln>
+        </p:spPr>
+        <p:style>
+          <a:lnRef idx="2">
+            <a:schemeClr val="accent1">
+              <a:shade val="50000"/>
+            </a:schemeClr>
+          </a:lnRef>
+          <a:fillRef idx="1">
+            <a:schemeClr val="accent1"/>
+          </a:fillRef>
+          <a:effectRef idx="0">
+            <a:schemeClr val="accent1"/>
+          </a:effectRef>
+          <a:fontRef idx="minor">
+            <a:schemeClr val="lt1"/>
+          </a:fontRef>
+        </p:style>
+        <p:txBody>
+          <a:bodyPr rot="0" spcFirstLastPara="0" vertOverflow="overflow" horzOverflow="overflow" vert="horz" wrap="square" lIns="91440" tIns="45720" rIns="91440" bIns="45720" numCol="1" spcCol="0" rtlCol="0" fromWordArt="0" anchor="ctr" anchorCtr="0" forceAA="0" compatLnSpc="1">
+            <a:prstTxWarp prst="textNoShape">
+              <a:avLst/>
+            </a:prstTxWarp>
+            <a:noAutofit/>
+          </a:bodyPr>
+          <a:lstStyle/>
+          <a:p>
+            <a:pPr algn="ctr"/>
+            <a:endParaRPr kumimoji="1" lang="ko-KR" altLang="en-US"/>
+          </a:p>
+        </p:txBody>
+      </p:sp>
+    </p:spTree>
+    <p:extLst>
+      <p:ext uri="{BB962C8B-B14F-4D97-AF65-F5344CB8AC3E}">
+        <p14:creationId xmlns:p14="http://schemas.microsoft.com/office/powerpoint/2010/main" val="558030801"/>
+      </p:ext>
+    </p:extLst>
+  </p:cSld>
+  <p:clrMapOvr>
+    <a:masterClrMapping/>
+  </p:clrMapOvr>
+</p:sld>
+</file>
+
+<file path=ppt/slides/slide7.xml><?xml version="1.0" encoding="utf-8"?>
+<p:sld xmlns:a="http://schemas.openxmlformats.org/drawingml/2006/main" xmlns:r="http://schemas.openxmlformats.org/officeDocument/2006/relationships" xmlns:p="http://schemas.openxmlformats.org/presentationml/2006/main">
+  <p:cSld>
+    <p:spTree>
+      <p:nvGrpSpPr>
+        <p:cNvPr id="1" name=""/>
+        <p:cNvGrpSpPr/>
+        <p:nvPr/>
+      </p:nvGrpSpPr>
+      <p:grpSpPr>
+        <a:xfrm>
+          <a:off x="0" y="0"/>
+          <a:ext cx="0" cy="0"/>
+          <a:chOff x="0" y="0"/>
+          <a:chExt cx="0" cy="0"/>
+        </a:xfrm>
+      </p:grpSpPr>
+      <p:pic>
+        <p:nvPicPr>
+          <p:cNvPr id="5" name="그림 4">
+            <a:extLst>
+              <a:ext uri="{FF2B5EF4-FFF2-40B4-BE49-F238E27FC236}">
+                <a16:creationId xmlns:a16="http://schemas.microsoft.com/office/drawing/2014/main" id="{3DF62AEB-8EE3-2447-B14C-007BA80FE99A}"/>
+              </a:ext>
+            </a:extLst>
+          </p:cNvPr>
+          <p:cNvPicPr>
+            <a:picLocks noChangeAspect="1"/>
+          </p:cNvPicPr>
+          <p:nvPr/>
+        </p:nvPicPr>
+        <p:blipFill>
+          <a:blip r:embed="rId2"/>
+          <a:stretch>
+            <a:fillRect/>
+          </a:stretch>
+        </p:blipFill>
+        <p:spPr>
+          <a:xfrm>
+            <a:off x="177027" y="0"/>
+            <a:ext cx="1790700" cy="1092200"/>
+          </a:xfrm>
+          <a:prstGeom prst="rect">
+            <a:avLst/>
+          </a:prstGeom>
+        </p:spPr>
+      </p:pic>
+      <p:cxnSp>
+        <p:nvCxnSpPr>
+          <p:cNvPr id="6" name="직선 연결선[R] 5">
+            <a:extLst>
+              <a:ext uri="{FF2B5EF4-FFF2-40B4-BE49-F238E27FC236}">
+                <a16:creationId xmlns:a16="http://schemas.microsoft.com/office/drawing/2014/main" id="{B0895DCE-07B1-F147-892C-279B3F3312C7}"/>
+              </a:ext>
+            </a:extLst>
+          </p:cNvPr>
+          <p:cNvCxnSpPr/>
+          <p:nvPr/>
+        </p:nvCxnSpPr>
+        <p:spPr>
+          <a:xfrm>
+            <a:off x="1" y="726831"/>
+            <a:ext cx="9554308" cy="0"/>
+          </a:xfrm>
+          <a:prstGeom prst="line">
+            <a:avLst/>
+          </a:prstGeom>
+          <a:ln>
+            <a:solidFill>
+              <a:srgbClr val="FFC000"/>
+            </a:solidFill>
+          </a:ln>
+        </p:spPr>
+        <p:style>
+          <a:lnRef idx="1">
+            <a:schemeClr val="accent1"/>
+          </a:lnRef>
+          <a:fillRef idx="0">
+            <a:schemeClr val="accent1"/>
+          </a:fillRef>
+          <a:effectRef idx="0">
+            <a:schemeClr val="accent1"/>
+          </a:effectRef>
+          <a:fontRef idx="minor">
+            <a:schemeClr val="tx1"/>
+          </a:fontRef>
+        </p:style>
+      </p:cxnSp>
+      <p:sp>
+        <p:nvSpPr>
+          <p:cNvPr id="11" name="직사각형 10">
+            <a:extLst>
+              <a:ext uri="{FF2B5EF4-FFF2-40B4-BE49-F238E27FC236}">
+                <a16:creationId xmlns:a16="http://schemas.microsoft.com/office/drawing/2014/main" id="{F2D53CA5-7BF7-9F4E-9FE7-7F2065E40291}"/>
+              </a:ext>
+            </a:extLst>
+          </p:cNvPr>
+          <p:cNvSpPr/>
+          <p:nvPr/>
+        </p:nvSpPr>
+        <p:spPr>
+          <a:xfrm>
+            <a:off x="-11723" y="6518032"/>
+            <a:ext cx="12203723" cy="339967"/>
+          </a:xfrm>
+          <a:prstGeom prst="rect">
+            <a:avLst/>
+          </a:prstGeom>
+          <a:solidFill>
+            <a:srgbClr val="DFA701"/>
+          </a:solidFill>
+          <a:ln>
+            <a:noFill/>
+          </a:ln>
+        </p:spPr>
+        <p:style>
+          <a:lnRef idx="2">
+            <a:schemeClr val="accent1">
+              <a:shade val="50000"/>
+            </a:schemeClr>
+          </a:lnRef>
+          <a:fillRef idx="1">
+            <a:schemeClr val="accent1"/>
+          </a:fillRef>
+          <a:effectRef idx="0">
+            <a:schemeClr val="accent1"/>
+          </a:effectRef>
+          <a:fontRef idx="minor">
+            <a:schemeClr val="lt1"/>
+          </a:fontRef>
+        </p:style>
+        <p:txBody>
+          <a:bodyPr rtlCol="0" anchor="ctr"/>
+          <a:lstStyle/>
+          <a:p>
+            <a:pPr algn="ctr"/>
+            <a:endParaRPr kumimoji="1" lang="ko-KR" altLang="en-US"/>
+          </a:p>
+        </p:txBody>
+      </p:sp>
+      <p:sp>
+        <p:nvSpPr>
+          <p:cNvPr id="21" name="모서리가 둥근 직사각형 20">
+            <a:extLst>
+              <a:ext uri="{FF2B5EF4-FFF2-40B4-BE49-F238E27FC236}">
+                <a16:creationId xmlns:a16="http://schemas.microsoft.com/office/drawing/2014/main" id="{0C5A2D63-F6D7-FD4D-9E29-ECC87C45D7A1}"/>
+              </a:ext>
+            </a:extLst>
+          </p:cNvPr>
+          <p:cNvSpPr/>
+          <p:nvPr/>
+        </p:nvSpPr>
+        <p:spPr>
+          <a:xfrm>
+            <a:off x="-281353" y="844062"/>
+            <a:ext cx="9835662" cy="668215"/>
+          </a:xfrm>
+          <a:prstGeom prst="roundRect">
+            <a:avLst/>
+          </a:prstGeom>
+          <a:solidFill>
+            <a:schemeClr val="bg1">
+              <a:lumMod val="85000"/>
+            </a:schemeClr>
+          </a:solidFill>
+          <a:ln>
+            <a:noFill/>
+          </a:ln>
+        </p:spPr>
+        <p:style>
+          <a:lnRef idx="2">
+            <a:schemeClr val="accent1">
+              <a:shade val="50000"/>
+            </a:schemeClr>
+          </a:lnRef>
+          <a:fillRef idx="1">
+            <a:schemeClr val="accent1"/>
+          </a:fillRef>
+          <a:effectRef idx="0">
+            <a:schemeClr val="accent1"/>
+          </a:effectRef>
+          <a:fontRef idx="minor">
+            <a:schemeClr val="lt1"/>
+          </a:fontRef>
+        </p:style>
+        <p:txBody>
+          <a:bodyPr rot="0" spcFirstLastPara="0" vertOverflow="overflow" horzOverflow="overflow" vert="horz" wrap="square" lIns="91440" tIns="45720" rIns="91440" bIns="45720" numCol="1" spcCol="0" rtlCol="0" fromWordArt="0" anchor="ctr" anchorCtr="0" forceAA="0" compatLnSpc="1">
+            <a:prstTxWarp prst="textNoShape">
+              <a:avLst/>
+            </a:prstTxWarp>
+            <a:noAutofit/>
+          </a:bodyPr>
+          <a:lstStyle/>
+          <a:p>
+            <a:pPr algn="ctr"/>
+            <a:endParaRPr kumimoji="1" lang="ko-KR" altLang="en-US" dirty="0">
+              <a:solidFill>
+                <a:schemeClr val="bg1">
+                  <a:lumMod val="50000"/>
+                </a:schemeClr>
+              </a:solidFill>
+            </a:endParaRPr>
+          </a:p>
+        </p:txBody>
+      </p:sp>
+      <p:sp>
+        <p:nvSpPr>
+          <p:cNvPr id="22" name="TextBox 21">
+            <a:extLst>
+              <a:ext uri="{FF2B5EF4-FFF2-40B4-BE49-F238E27FC236}">
+                <a16:creationId xmlns:a16="http://schemas.microsoft.com/office/drawing/2014/main" id="{42DD3540-0883-984E-97D9-58F862DD8F18}"/>
+              </a:ext>
+            </a:extLst>
+          </p:cNvPr>
+          <p:cNvSpPr txBox="1"/>
+          <p:nvPr/>
+        </p:nvSpPr>
+        <p:spPr>
+          <a:xfrm>
+            <a:off x="266706" y="978115"/>
+            <a:ext cx="1645002" cy="400110"/>
+          </a:xfrm>
+          <a:prstGeom prst="rect">
+            <a:avLst/>
+          </a:prstGeom>
+          <a:noFill/>
+        </p:spPr>
+        <p:txBody>
+          <a:bodyPr wrap="none" rtlCol="0">
+            <a:spAutoFit/>
+          </a:bodyPr>
+          <a:lstStyle/>
+          <a:p>
+            <a:r>
+              <a:rPr kumimoji="1" lang="en-US" altLang="ko-KR" sz="2000" dirty="0">
+                <a:solidFill>
+                  <a:schemeClr val="tx1">
+                    <a:lumMod val="65000"/>
+                    <a:lumOff val="35000"/>
+                  </a:schemeClr>
+                </a:solidFill>
+                <a:latin typeface="GangwonEduPower ExtraBold" panose="02020603020101020101" pitchFamily="18" charset="-127"/>
+                <a:ea typeface="GangwonEduPower ExtraBold" panose="02020603020101020101" pitchFamily="18" charset="-127"/>
+              </a:rPr>
+              <a:t>GIT. </a:t>
+            </a:r>
+            <a:r>
+              <a:rPr kumimoji="1" lang="ko-KR" altLang="en-US" sz="1500" dirty="0" err="1">
+                <a:latin typeface="Apple SD Gothic Neo Thin" panose="02000300000000000000" pitchFamily="2" charset="-127"/>
+                <a:ea typeface="Apple SD Gothic Neo Thin" panose="02000300000000000000" pitchFamily="2" charset="-127"/>
+              </a:rPr>
+              <a:t>깃허브</a:t>
+            </a:r>
+            <a:r>
+              <a:rPr kumimoji="1" lang="ko-KR" altLang="en-US" sz="1500" dirty="0">
+                <a:latin typeface="Apple SD Gothic Neo Thin" panose="02000300000000000000" pitchFamily="2" charset="-127"/>
+                <a:ea typeface="Apple SD Gothic Neo Thin" panose="02000300000000000000" pitchFamily="2" charset="-127"/>
+              </a:rPr>
+              <a:t> 주소</a:t>
+            </a:r>
+            <a:endParaRPr kumimoji="1" lang="ko-KR" altLang="en-US" sz="1500" dirty="0">
+              <a:solidFill>
+                <a:schemeClr val="tx1">
+                  <a:lumMod val="65000"/>
+                  <a:lumOff val="35000"/>
+                </a:schemeClr>
+              </a:solidFill>
+              <a:latin typeface="GangwonEduPower ExtraBold" panose="02020603020101020101" pitchFamily="18" charset="-127"/>
+              <a:ea typeface="GangwonEduPower ExtraBold" panose="02020603020101020101" pitchFamily="18" charset="-127"/>
+            </a:endParaRPr>
+          </a:p>
+        </p:txBody>
+      </p:sp>
+      <p:sp>
+        <p:nvSpPr>
+          <p:cNvPr id="9" name="직사각형 8">
+            <a:extLst>
+              <a:ext uri="{FF2B5EF4-FFF2-40B4-BE49-F238E27FC236}">
+                <a16:creationId xmlns:a16="http://schemas.microsoft.com/office/drawing/2014/main" id="{71FC172E-010D-E84F-9E5A-2C65223C3954}"/>
+              </a:ext>
+            </a:extLst>
+          </p:cNvPr>
+          <p:cNvSpPr/>
+          <p:nvPr/>
+        </p:nvSpPr>
+        <p:spPr>
+          <a:xfrm>
+            <a:off x="-422031" y="0"/>
+            <a:ext cx="410308" cy="6858000"/>
+          </a:xfrm>
+          <a:prstGeom prst="rect">
+            <a:avLst/>
+          </a:prstGeom>
+          <a:solidFill>
+            <a:schemeClr val="tx1"/>
+          </a:solidFill>
+          <a:ln>
+            <a:noFill/>
+          </a:ln>
+        </p:spPr>
+        <p:style>
+          <a:lnRef idx="2">
+            <a:schemeClr val="accent1">
+              <a:shade val="50000"/>
+            </a:schemeClr>
+          </a:lnRef>
+          <a:fillRef idx="1">
+            <a:schemeClr val="accent1"/>
+          </a:fillRef>
+          <a:effectRef idx="0">
+            <a:schemeClr val="accent1"/>
+          </a:effectRef>
+          <a:fontRef idx="minor">
+            <a:schemeClr val="lt1"/>
+          </a:fontRef>
+        </p:style>
+        <p:txBody>
+          <a:bodyPr rot="0" spcFirstLastPara="0" vertOverflow="overflow" horzOverflow="overflow" vert="horz" wrap="square" lIns="91440" tIns="45720" rIns="91440" bIns="45720" numCol="1" spcCol="0" rtlCol="0" fromWordArt="0" anchor="ctr" anchorCtr="0" forceAA="0" compatLnSpc="1">
+            <a:prstTxWarp prst="textNoShape">
+              <a:avLst/>
+            </a:prstTxWarp>
+            <a:noAutofit/>
+          </a:bodyPr>
+          <a:lstStyle/>
+          <a:p>
+            <a:pPr algn="ctr"/>
+            <a:endParaRPr kumimoji="1" lang="ko-KR" altLang="en-US"/>
+          </a:p>
+        </p:txBody>
+      </p:sp>
+    </p:spTree>
+    <p:extLst>
+      <p:ext uri="{BB962C8B-B14F-4D97-AF65-F5344CB8AC3E}">
+        <p14:creationId xmlns:p14="http://schemas.microsoft.com/office/powerpoint/2010/main" val="680694184"/>
+      </p:ext>
+    </p:extLst>
+  </p:cSld>
+  <p:clrMapOvr>
+    <a:masterClrMapping/>
+  </p:clrMapOvr>
+</p:sld>
+</file>
+
+<file path=ppt/slides/slide8.xml><?xml version="1.0" encoding="utf-8"?>
+<p:sld xmlns:a="http://schemas.openxmlformats.org/drawingml/2006/main" xmlns:r="http://schemas.openxmlformats.org/officeDocument/2006/relationships" xmlns:p="http://schemas.openxmlformats.org/presentationml/2006/main">
+  <p:cSld>
+    <p:spTree>
+      <p:nvGrpSpPr>
+        <p:cNvPr id="1" name=""/>
+        <p:cNvGrpSpPr/>
+        <p:nvPr/>
+      </p:nvGrpSpPr>
+      <p:grpSpPr>
+        <a:xfrm>
+          <a:off x="0" y="0"/>
+          <a:ext cx="0" cy="0"/>
+          <a:chOff x="0" y="0"/>
+          <a:chExt cx="0" cy="0"/>
+        </a:xfrm>
+      </p:grpSpPr>
+      <p:pic>
+        <p:nvPicPr>
+          <p:cNvPr id="5" name="그림 4">
+            <a:extLst>
+              <a:ext uri="{FF2B5EF4-FFF2-40B4-BE49-F238E27FC236}">
+                <a16:creationId xmlns:a16="http://schemas.microsoft.com/office/drawing/2014/main" id="{3DF62AEB-8EE3-2447-B14C-007BA80FE99A}"/>
+              </a:ext>
+            </a:extLst>
+          </p:cNvPr>
+          <p:cNvPicPr>
+            <a:picLocks noChangeAspect="1"/>
+          </p:cNvPicPr>
+          <p:nvPr/>
+        </p:nvPicPr>
+        <p:blipFill>
+          <a:blip r:embed="rId2"/>
+          <a:stretch>
+            <a:fillRect/>
+          </a:stretch>
+        </p:blipFill>
+        <p:spPr>
+          <a:xfrm>
+            <a:off x="177027" y="0"/>
+            <a:ext cx="1790700" cy="1092200"/>
+          </a:xfrm>
+          <a:prstGeom prst="rect">
+            <a:avLst/>
+          </a:prstGeom>
+        </p:spPr>
+      </p:pic>
+      <p:cxnSp>
+        <p:nvCxnSpPr>
+          <p:cNvPr id="6" name="직선 연결선[R] 5">
+            <a:extLst>
+              <a:ext uri="{FF2B5EF4-FFF2-40B4-BE49-F238E27FC236}">
+                <a16:creationId xmlns:a16="http://schemas.microsoft.com/office/drawing/2014/main" id="{B0895DCE-07B1-F147-892C-279B3F3312C7}"/>
+              </a:ext>
+            </a:extLst>
+          </p:cNvPr>
+          <p:cNvCxnSpPr/>
+          <p:nvPr/>
+        </p:nvCxnSpPr>
+        <p:spPr>
+          <a:xfrm>
+            <a:off x="1" y="726831"/>
+            <a:ext cx="9554308" cy="0"/>
+          </a:xfrm>
+          <a:prstGeom prst="line">
+            <a:avLst/>
+          </a:prstGeom>
+          <a:ln>
+            <a:solidFill>
+              <a:srgbClr val="FFC000"/>
+            </a:solidFill>
+          </a:ln>
+        </p:spPr>
+        <p:style>
+          <a:lnRef idx="1">
+            <a:schemeClr val="accent1"/>
+          </a:lnRef>
+          <a:fillRef idx="0">
+            <a:schemeClr val="accent1"/>
+          </a:fillRef>
+          <a:effectRef idx="0">
+            <a:schemeClr val="accent1"/>
+          </a:effectRef>
+          <a:fontRef idx="minor">
+            <a:schemeClr val="tx1"/>
+          </a:fontRef>
+        </p:style>
+      </p:cxnSp>
+      <p:sp>
+        <p:nvSpPr>
+          <p:cNvPr id="11" name="직사각형 10">
+            <a:extLst>
+              <a:ext uri="{FF2B5EF4-FFF2-40B4-BE49-F238E27FC236}">
+                <a16:creationId xmlns:a16="http://schemas.microsoft.com/office/drawing/2014/main" id="{F2D53CA5-7BF7-9F4E-9FE7-7F2065E40291}"/>
+              </a:ext>
+            </a:extLst>
+          </p:cNvPr>
+          <p:cNvSpPr/>
+          <p:nvPr/>
+        </p:nvSpPr>
+        <p:spPr>
+          <a:xfrm>
+            <a:off x="-11723" y="6518032"/>
+            <a:ext cx="12203723" cy="339967"/>
+          </a:xfrm>
+          <a:prstGeom prst="rect">
+            <a:avLst/>
+          </a:prstGeom>
+          <a:solidFill>
+            <a:srgbClr val="DFA701"/>
+          </a:solidFill>
+          <a:ln>
+            <a:noFill/>
+          </a:ln>
+        </p:spPr>
+        <p:style>
+          <a:lnRef idx="2">
+            <a:schemeClr val="accent1">
+              <a:shade val="50000"/>
+            </a:schemeClr>
+          </a:lnRef>
+          <a:fillRef idx="1">
+            <a:schemeClr val="accent1"/>
+          </a:fillRef>
+          <a:effectRef idx="0">
+            <a:schemeClr val="accent1"/>
+          </a:effectRef>
+          <a:fontRef idx="minor">
+            <a:schemeClr val="lt1"/>
+          </a:fontRef>
+        </p:style>
+        <p:txBody>
+          <a:bodyPr rtlCol="0" anchor="ctr"/>
+          <a:lstStyle/>
+          <a:p>
+            <a:pPr algn="ctr"/>
+            <a:endParaRPr kumimoji="1" lang="ko-KR" altLang="en-US"/>
+          </a:p>
+        </p:txBody>
+      </p:sp>
+      <p:sp>
+        <p:nvSpPr>
+          <p:cNvPr id="21" name="모서리가 둥근 직사각형 20">
+            <a:extLst>
+              <a:ext uri="{FF2B5EF4-FFF2-40B4-BE49-F238E27FC236}">
+                <a16:creationId xmlns:a16="http://schemas.microsoft.com/office/drawing/2014/main" id="{0C5A2D63-F6D7-FD4D-9E29-ECC87C45D7A1}"/>
+              </a:ext>
+            </a:extLst>
+          </p:cNvPr>
+          <p:cNvSpPr/>
+          <p:nvPr/>
+        </p:nvSpPr>
+        <p:spPr>
+          <a:xfrm>
+            <a:off x="-281353" y="844062"/>
+            <a:ext cx="9835662" cy="668215"/>
+          </a:xfrm>
+          <a:prstGeom prst="roundRect">
+            <a:avLst/>
+          </a:prstGeom>
+          <a:solidFill>
+            <a:schemeClr val="bg1">
+              <a:lumMod val="85000"/>
+            </a:schemeClr>
+          </a:solidFill>
+          <a:ln>
+            <a:noFill/>
+          </a:ln>
+        </p:spPr>
+        <p:style>
+          <a:lnRef idx="2">
+            <a:schemeClr val="accent1">
+              <a:shade val="50000"/>
+            </a:schemeClr>
+          </a:lnRef>
+          <a:fillRef idx="1">
+            <a:schemeClr val="accent1"/>
+          </a:fillRef>
+          <a:effectRef idx="0">
+            <a:schemeClr val="accent1"/>
+          </a:effectRef>
+          <a:fontRef idx="minor">
+            <a:schemeClr val="lt1"/>
+          </a:fontRef>
+        </p:style>
+        <p:txBody>
+          <a:bodyPr rot="0" spcFirstLastPara="0" vertOverflow="overflow" horzOverflow="overflow" vert="horz" wrap="square" lIns="91440" tIns="45720" rIns="91440" bIns="45720" numCol="1" spcCol="0" rtlCol="0" fromWordArt="0" anchor="ctr" anchorCtr="0" forceAA="0" compatLnSpc="1">
+            <a:prstTxWarp prst="textNoShape">
+              <a:avLst/>
+            </a:prstTxWarp>
+            <a:noAutofit/>
+          </a:bodyPr>
+          <a:lstStyle/>
+          <a:p>
+            <a:pPr algn="ctr"/>
+            <a:endParaRPr kumimoji="1" lang="ko-KR" altLang="en-US" dirty="0">
+              <a:solidFill>
+                <a:schemeClr val="bg1">
+                  <a:lumMod val="50000"/>
+                </a:schemeClr>
+              </a:solidFill>
+            </a:endParaRPr>
+          </a:p>
+        </p:txBody>
+      </p:sp>
+      <p:sp>
+        <p:nvSpPr>
+          <p:cNvPr id="22" name="TextBox 21">
+            <a:extLst>
+              <a:ext uri="{FF2B5EF4-FFF2-40B4-BE49-F238E27FC236}">
+                <a16:creationId xmlns:a16="http://schemas.microsoft.com/office/drawing/2014/main" id="{42DD3540-0883-984E-97D9-58F862DD8F18}"/>
+              </a:ext>
+            </a:extLst>
+          </p:cNvPr>
+          <p:cNvSpPr txBox="1"/>
+          <p:nvPr/>
+        </p:nvSpPr>
+        <p:spPr>
+          <a:xfrm>
+            <a:off x="266706" y="978115"/>
+            <a:ext cx="1625766" cy="400110"/>
+          </a:xfrm>
+          <a:prstGeom prst="rect">
+            <a:avLst/>
+          </a:prstGeom>
+          <a:noFill/>
+        </p:spPr>
+        <p:txBody>
+          <a:bodyPr wrap="none" rtlCol="0">
+            <a:spAutoFit/>
+          </a:bodyPr>
+          <a:lstStyle/>
+          <a:p>
+            <a:r>
+              <a:rPr kumimoji="1" lang="en-US" altLang="ko-KR" sz="2000" dirty="0">
+                <a:solidFill>
+                  <a:schemeClr val="tx1">
+                    <a:lumMod val="65000"/>
+                    <a:lumOff val="35000"/>
+                  </a:schemeClr>
+                </a:solidFill>
+                <a:latin typeface="GangwonEduPower ExtraBold" panose="02020603020101020101" pitchFamily="18" charset="-127"/>
+                <a:ea typeface="GangwonEduPower ExtraBold" panose="02020603020101020101" pitchFamily="18" charset="-127"/>
+              </a:rPr>
+              <a:t>Q&amp;A. </a:t>
+            </a:r>
+            <a:r>
+              <a:rPr kumimoji="1" lang="ko-KR" altLang="en-US" sz="1500" dirty="0">
+                <a:latin typeface="Apple SD Gothic Neo Thin" panose="02000300000000000000" pitchFamily="2" charset="-127"/>
+                <a:ea typeface="Apple SD Gothic Neo Thin" panose="02000300000000000000" pitchFamily="2" charset="-127"/>
+              </a:rPr>
+              <a:t>질의 응답</a:t>
+            </a:r>
+            <a:endParaRPr kumimoji="1" lang="ko-KR" altLang="en-US" sz="1500" dirty="0">
+              <a:solidFill>
+                <a:schemeClr val="tx1">
+                  <a:lumMod val="65000"/>
+                  <a:lumOff val="35000"/>
+                </a:schemeClr>
+              </a:solidFill>
+              <a:latin typeface="GangwonEduPower ExtraBold" panose="02020603020101020101" pitchFamily="18" charset="-127"/>
+              <a:ea typeface="GangwonEduPower ExtraBold" panose="02020603020101020101" pitchFamily="18" charset="-127"/>
+            </a:endParaRPr>
+          </a:p>
+        </p:txBody>
+      </p:sp>
+      <p:sp>
+        <p:nvSpPr>
+          <p:cNvPr id="9" name="직사각형 8">
+            <a:extLst>
+              <a:ext uri="{FF2B5EF4-FFF2-40B4-BE49-F238E27FC236}">
+                <a16:creationId xmlns:a16="http://schemas.microsoft.com/office/drawing/2014/main" id="{71FC172E-010D-E84F-9E5A-2C65223C3954}"/>
+              </a:ext>
+            </a:extLst>
+          </p:cNvPr>
+          <p:cNvSpPr/>
+          <p:nvPr/>
+        </p:nvSpPr>
+        <p:spPr>
+          <a:xfrm>
+            <a:off x="-422031" y="0"/>
+            <a:ext cx="410308" cy="6858000"/>
+          </a:xfrm>
+          <a:prstGeom prst="rect">
+            <a:avLst/>
+          </a:prstGeom>
+          <a:solidFill>
+            <a:schemeClr val="tx1"/>
+          </a:solidFill>
+          <a:ln>
+            <a:noFill/>
+          </a:ln>
+        </p:spPr>
+        <p:style>
+          <a:lnRef idx="2">
+            <a:schemeClr val="accent1">
+              <a:shade val="50000"/>
+            </a:schemeClr>
+          </a:lnRef>
+          <a:fillRef idx="1">
+            <a:schemeClr val="accent1"/>
+          </a:fillRef>
+          <a:effectRef idx="0">
+            <a:schemeClr val="accent1"/>
+          </a:effectRef>
+          <a:fontRef idx="minor">
+            <a:schemeClr val="lt1"/>
+          </a:fontRef>
+        </p:style>
+        <p:txBody>
+          <a:bodyPr rot="0" spcFirstLastPara="0" vertOverflow="overflow" horzOverflow="overflow" vert="horz" wrap="square" lIns="91440" tIns="45720" rIns="91440" bIns="45720" numCol="1" spcCol="0" rtlCol="0" fromWordArt="0" anchor="ctr" anchorCtr="0" forceAA="0" compatLnSpc="1">
+            <a:prstTxWarp prst="textNoShape">
+              <a:avLst/>
+            </a:prstTxWarp>
+            <a:noAutofit/>
+          </a:bodyPr>
+          <a:lstStyle/>
+          <a:p>
+            <a:pPr algn="ctr"/>
+            <a:endParaRPr kumimoji="1" lang="ko-KR" altLang="en-US"/>
+          </a:p>
+        </p:txBody>
+      </p:sp>
+    </p:spTree>
+    <p:extLst>
+      <p:ext uri="{BB962C8B-B14F-4D97-AF65-F5344CB8AC3E}">
+        <p14:creationId xmlns:p14="http://schemas.microsoft.com/office/powerpoint/2010/main" val="1750670071"/>
+      </p:ext>
+    </p:extLst>
+  </p:cSld>
+  <p:clrMapOvr>
+    <a:masterClrMapping/>
+  </p:clrMapOvr>
+</p:sld>
+</file>
+
+<file path=ppt/slides/slide9.xml><?xml version="1.0" encoding="utf-8"?>
+<p:sld xmlns:a="http://schemas.openxmlformats.org/drawingml/2006/main" xmlns:r="http://schemas.openxmlformats.org/officeDocument/2006/relationships" xmlns:p="http://schemas.openxmlformats.org/presentationml/2006/main">
+  <p:cSld>
+    <p:spTree>
+      <p:nvGrpSpPr>
+        <p:cNvPr id="1" name=""/>
+        <p:cNvGrpSpPr/>
+        <p:nvPr/>
+      </p:nvGrpSpPr>
+      <p:grpSpPr>
+        <a:xfrm>
+          <a:off x="0" y="0"/>
+          <a:ext cx="0" cy="0"/>
+          <a:chOff x="0" y="0"/>
+          <a:chExt cx="0" cy="0"/>
+        </a:xfrm>
+      </p:grpSpPr>
+      <p:pic>
+        <p:nvPicPr>
+          <p:cNvPr id="5" name="그림 4">
+            <a:extLst>
+              <a:ext uri="{FF2B5EF4-FFF2-40B4-BE49-F238E27FC236}">
+                <a16:creationId xmlns:a16="http://schemas.microsoft.com/office/drawing/2014/main" id="{2A96F417-2B68-9D4C-8EAB-265BD5A5C1C1}"/>
+              </a:ext>
+            </a:extLst>
+          </p:cNvPr>
+          <p:cNvPicPr>
+            <a:picLocks noChangeAspect="1"/>
+          </p:cNvPicPr>
+          <p:nvPr/>
+        </p:nvPicPr>
+        <p:blipFill>
+          <a:blip r:embed="rId2"/>
+          <a:stretch>
+            <a:fillRect/>
+          </a:stretch>
+        </p:blipFill>
+        <p:spPr>
+          <a:xfrm>
+            <a:off x="2032000" y="546100"/>
+            <a:ext cx="8128000" cy="5765800"/>
+          </a:xfrm>
+          <a:prstGeom prst="rect">
+            <a:avLst/>
+          </a:prstGeom>
+        </p:spPr>
+      </p:pic>
+      <p:sp>
+        <p:nvSpPr>
+          <p:cNvPr id="6" name="직사각형 5">
+            <a:extLst>
+              <a:ext uri="{FF2B5EF4-FFF2-40B4-BE49-F238E27FC236}">
+                <a16:creationId xmlns:a16="http://schemas.microsoft.com/office/drawing/2014/main" id="{D7664DCA-AAC8-1444-9091-C741007707D8}"/>
+              </a:ext>
+            </a:extLst>
+          </p:cNvPr>
+          <p:cNvSpPr/>
+          <p:nvPr/>
+        </p:nvSpPr>
+        <p:spPr>
+          <a:xfrm>
+            <a:off x="650329" y="2644170"/>
+            <a:ext cx="10375533" cy="2215991"/>
+          </a:xfrm>
+          <a:prstGeom prst="rect">
+            <a:avLst/>
+          </a:prstGeom>
+          <a:noFill/>
+        </p:spPr>
+        <p:txBody>
+          <a:bodyPr wrap="none" lIns="91440" tIns="45720" rIns="91440" bIns="45720">
+            <a:spAutoFit/>
+          </a:bodyPr>
+          <a:lstStyle/>
+          <a:p>
+            <a:pPr algn="ctr"/>
+            <a:r>
+              <a:rPr lang="en-US" altLang="ko-KR" sz="13800" b="1" cap="none" spc="0" dirty="0">
+                <a:ln w="0"/>
+                <a:gradFill>
+                  <a:gsLst>
+                    <a:gs pos="21000">
+                      <a:srgbClr val="53575C"/>
+                    </a:gs>
+                    <a:gs pos="88000">
+                      <a:srgbClr val="C5C7CA"/>
+                    </a:gs>
+                  </a:gsLst>
+                  <a:lin ang="5400000"/>
+                </a:gradFill>
+                <a:effectLst/>
+                <a:latin typeface="Bodoni 72 Oldstyle Book" pitchFamily="2" charset="0"/>
+              </a:rPr>
+              <a:t>THANK YOU!</a:t>
+            </a:r>
+          </a:p>
+        </p:txBody>
+      </p:sp>
+    </p:spTree>
+    <p:extLst>
+      <p:ext uri="{BB962C8B-B14F-4D97-AF65-F5344CB8AC3E}">
+        <p14:creationId xmlns:p14="http://schemas.microsoft.com/office/powerpoint/2010/main" val="3904683102"/>
       </p:ext>
     </p:extLst>
   </p:cSld>

--- a/docs/발표.pptx
+++ b/docs/발표.pptx
@@ -4902,7 +4902,7 @@
                 <a:latin typeface="GangwonEduPower ExtraBold" panose="02020603020101020101" pitchFamily="18" charset="-127"/>
                 <a:ea typeface="GangwonEduPower ExtraBold" panose="02020603020101020101" pitchFamily="18" charset="-127"/>
               </a:rPr>
-              <a:t>DEMON. 	</a:t>
+              <a:t>DEMO. 	</a:t>
             </a:r>
             <a:r>
               <a:rPr kumimoji="1" lang="ko-KR" altLang="en-US" sz="1600" dirty="0">
@@ -6762,7 +6762,7 @@
         <p:spPr>
           <a:xfrm>
             <a:off x="266706" y="978115"/>
-            <a:ext cx="1661032" cy="400110"/>
+            <a:ext cx="1478290" cy="400110"/>
           </a:xfrm>
           <a:prstGeom prst="rect">
             <a:avLst/>
@@ -6786,7 +6786,7 @@
                 <a:latin typeface="GangwonEduPower ExtraBold" panose="02020603020101020101" pitchFamily="18" charset="-127"/>
                 <a:ea typeface="GangwonEduPower ExtraBold" panose="02020603020101020101" pitchFamily="18" charset="-127"/>
               </a:rPr>
-              <a:t>DEMON. </a:t>
+              <a:t>DEMO. </a:t>
             </a:r>
             <a:r>
               <a:rPr kumimoji="1" lang="ko-KR" altLang="en-US" sz="1500" dirty="0">

--- a/docs/발표.pptx
+++ b/docs/발표.pptx
@@ -115,6 +115,14 @@
       </a:defRPr>
     </a:lvl9pPr>
   </p:defaultTextStyle>
+  <p:extLst>
+    <p:ext uri="{EFAFB233-063F-42B5-8137-9DF3F51BA10A}">
+      <p15:sldGuideLst xmlns:p15="http://schemas.microsoft.com/office/powerpoint/2012/main"/>
+    </p:ext>
+    <p:ext uri="{2D200454-40CA-4A62-9FC3-DE9A4176ACB9}">
+      <p15:notesGuideLst xmlns:p15="http://schemas.microsoft.com/office/powerpoint/2012/main"/>
+    </p:ext>
+  </p:extLst>
 </p:presentation>
 </file>
 
@@ -200,7 +208,7 @@
           <a:p>
             <a:fld id="{11C10BE2-BD82-1947-B861-BCA74F426658}" type="datetimeFigureOut">
               <a:rPr kumimoji="1" lang="ko-KR" altLang="en-US" smtClean="0"/>
-              <a:t>2023. 7. 11.</a:t>
+              <a:t>2023. 7. 12.</a:t>
             </a:fld>
             <a:endParaRPr kumimoji="1" lang="ko-KR" altLang="en-US"/>
           </a:p>
@@ -678,7 +686,7 @@
           <a:p>
             <a:fld id="{EDEFA360-CFB9-4045-A382-F7F263FD4BE1}" type="datetimeFigureOut">
               <a:rPr kumimoji="1" lang="ko-KR" altLang="en-US" smtClean="0"/>
-              <a:t>2023. 7. 11.</a:t>
+              <a:t>2023. 7. 12.</a:t>
             </a:fld>
             <a:endParaRPr kumimoji="1" lang="ko-KR" altLang="en-US"/>
           </a:p>
@@ -851,7 +859,7 @@
           <a:p>
             <a:fld id="{EDEFA360-CFB9-4045-A382-F7F263FD4BE1}" type="datetimeFigureOut">
               <a:rPr kumimoji="1" lang="ko-KR" altLang="en-US" smtClean="0"/>
-              <a:t>2023. 7. 11.</a:t>
+              <a:t>2023. 7. 12.</a:t>
             </a:fld>
             <a:endParaRPr kumimoji="1" lang="ko-KR" altLang="en-US"/>
           </a:p>
@@ -1034,7 +1042,7 @@
           <a:p>
             <a:fld id="{EDEFA360-CFB9-4045-A382-F7F263FD4BE1}" type="datetimeFigureOut">
               <a:rPr kumimoji="1" lang="ko-KR" altLang="en-US" smtClean="0"/>
-              <a:t>2023. 7. 11.</a:t>
+              <a:t>2023. 7. 12.</a:t>
             </a:fld>
             <a:endParaRPr kumimoji="1" lang="ko-KR" altLang="en-US"/>
           </a:p>
@@ -1207,7 +1215,7 @@
           <a:p>
             <a:fld id="{EDEFA360-CFB9-4045-A382-F7F263FD4BE1}" type="datetimeFigureOut">
               <a:rPr kumimoji="1" lang="ko-KR" altLang="en-US" smtClean="0"/>
-              <a:t>2023. 7. 11.</a:t>
+              <a:t>2023. 7. 12.</a:t>
             </a:fld>
             <a:endParaRPr kumimoji="1" lang="ko-KR" altLang="en-US"/>
           </a:p>
@@ -1485,7 +1493,7 @@
           <a:p>
             <a:fld id="{EDEFA360-CFB9-4045-A382-F7F263FD4BE1}" type="datetimeFigureOut">
               <a:rPr kumimoji="1" lang="ko-KR" altLang="en-US" smtClean="0"/>
-              <a:t>2023. 7. 11.</a:t>
+              <a:t>2023. 7. 12.</a:t>
             </a:fld>
             <a:endParaRPr kumimoji="1" lang="ko-KR" altLang="en-US"/>
           </a:p>
@@ -1700,7 +1708,7 @@
           <a:p>
             <a:fld id="{EDEFA360-CFB9-4045-A382-F7F263FD4BE1}" type="datetimeFigureOut">
               <a:rPr kumimoji="1" lang="ko-KR" altLang="en-US" smtClean="0"/>
-              <a:t>2023. 7. 11.</a:t>
+              <a:t>2023. 7. 12.</a:t>
             </a:fld>
             <a:endParaRPr kumimoji="1" lang="ko-KR" altLang="en-US"/>
           </a:p>
@@ -2068,7 +2076,7 @@
           <a:p>
             <a:fld id="{EDEFA360-CFB9-4045-A382-F7F263FD4BE1}" type="datetimeFigureOut">
               <a:rPr kumimoji="1" lang="ko-KR" altLang="en-US" smtClean="0"/>
-              <a:t>2023. 7. 11.</a:t>
+              <a:t>2023. 7. 12.</a:t>
             </a:fld>
             <a:endParaRPr kumimoji="1" lang="ko-KR" altLang="en-US"/>
           </a:p>
@@ -2209,7 +2217,7 @@
           <a:p>
             <a:fld id="{EDEFA360-CFB9-4045-A382-F7F263FD4BE1}" type="datetimeFigureOut">
               <a:rPr kumimoji="1" lang="ko-KR" altLang="en-US" smtClean="0"/>
-              <a:t>2023. 7. 11.</a:t>
+              <a:t>2023. 7. 12.</a:t>
             </a:fld>
             <a:endParaRPr kumimoji="1" lang="ko-KR" altLang="en-US"/>
           </a:p>
@@ -2322,7 +2330,7 @@
           <a:p>
             <a:fld id="{EDEFA360-CFB9-4045-A382-F7F263FD4BE1}" type="datetimeFigureOut">
               <a:rPr kumimoji="1" lang="ko-KR" altLang="en-US" smtClean="0"/>
-              <a:t>2023. 7. 11.</a:t>
+              <a:t>2023. 7. 12.</a:t>
             </a:fld>
             <a:endParaRPr kumimoji="1" lang="ko-KR" altLang="en-US"/>
           </a:p>
@@ -2611,7 +2619,7 @@
           <a:p>
             <a:fld id="{EDEFA360-CFB9-4045-A382-F7F263FD4BE1}" type="datetimeFigureOut">
               <a:rPr kumimoji="1" lang="ko-KR" altLang="en-US" smtClean="0"/>
-              <a:t>2023. 7. 11.</a:t>
+              <a:t>2023. 7. 12.</a:t>
             </a:fld>
             <a:endParaRPr kumimoji="1" lang="ko-KR" altLang="en-US"/>
           </a:p>
@@ -2902,7 +2910,7 @@
           <a:p>
             <a:fld id="{EDEFA360-CFB9-4045-A382-F7F263FD4BE1}" type="datetimeFigureOut">
               <a:rPr kumimoji="1" lang="ko-KR" altLang="en-US" smtClean="0"/>
-              <a:t>2023. 7. 11.</a:t>
+              <a:t>2023. 7. 12.</a:t>
             </a:fld>
             <a:endParaRPr kumimoji="1" lang="ko-KR" altLang="en-US"/>
           </a:p>
@@ -3118,7 +3126,7 @@
           <a:p>
             <a:fld id="{EDEFA360-CFB9-4045-A382-F7F263FD4BE1}" type="datetimeFigureOut">
               <a:rPr kumimoji="1" lang="ko-KR" altLang="en-US" smtClean="0"/>
-              <a:t>2023. 7. 11.</a:t>
+              <a:t>2023. 7. 12.</a:t>
             </a:fld>
             <a:endParaRPr kumimoji="1" lang="ko-KR" altLang="en-US"/>
           </a:p>
@@ -3833,91 +3841,6 @@
       </p:sp>
       <p:sp>
         <p:nvSpPr>
-          <p:cNvPr id="13" name="직사각형 12">
-            <a:extLst>
-              <a:ext uri="{FF2B5EF4-FFF2-40B4-BE49-F238E27FC236}">
-                <a16:creationId xmlns:a16="http://schemas.microsoft.com/office/drawing/2014/main" id="{AA42E647-A7FA-8042-89C9-FDB4CA988DFE}"/>
-              </a:ext>
-            </a:extLst>
-          </p:cNvPr>
-          <p:cNvSpPr/>
-          <p:nvPr/>
-        </p:nvSpPr>
-        <p:spPr>
-          <a:xfrm>
-            <a:off x="1037682" y="1936262"/>
-            <a:ext cx="5942652" cy="2646878"/>
-          </a:xfrm>
-          <a:prstGeom prst="rect">
-            <a:avLst/>
-          </a:prstGeom>
-          <a:noFill/>
-        </p:spPr>
-        <p:txBody>
-          <a:bodyPr wrap="none" lIns="91440" tIns="45720" rIns="91440" bIns="45720">
-            <a:spAutoFit/>
-          </a:bodyPr>
-          <a:lstStyle/>
-          <a:p>
-            <a:pPr algn="ctr"/>
-            <a:r>
-              <a:rPr lang="ko-KR" altLang="en-US" sz="7200" b="1" spc="-300" dirty="0" err="1">
-                <a:ln w="0"/>
-                <a:latin typeface="Apple SD Gothic Neo" panose="02000300000000000000" pitchFamily="2" charset="-127"/>
-                <a:ea typeface="Apple SD Gothic Neo" panose="02000300000000000000" pitchFamily="2" charset="-127"/>
-              </a:rPr>
-              <a:t>펫</a:t>
-            </a:r>
-            <a:r>
-              <a:rPr lang="ko-KR" altLang="en-US" sz="5400" b="1" spc="-300" dirty="0" err="1">
-                <a:ln w="0"/>
-                <a:latin typeface="Apple SD Gothic Neo" panose="02000300000000000000" pitchFamily="2" charset="-127"/>
-                <a:ea typeface="Apple SD Gothic Neo" panose="02000300000000000000" pitchFamily="2" charset="-127"/>
-              </a:rPr>
-              <a:t>밀리</a:t>
-            </a:r>
-            <a:r>
-              <a:rPr lang="en-US" altLang="ko-KR" sz="16600" b="1" spc="-300" dirty="0">
-                <a:ln w="0"/>
-                <a:latin typeface="Colonna MT" pitchFamily="82" charset="0"/>
-                <a:ea typeface="GangwonEduPower ExtraBold" panose="02020603020101020101" pitchFamily="18" charset="-127"/>
-              </a:rPr>
-              <a:t>P</a:t>
-            </a:r>
-            <a:r>
-              <a:rPr lang="en-US" altLang="ko-KR" sz="6000" b="1" spc="-300" dirty="0">
-                <a:ln w="0"/>
-                <a:latin typeface="Colonna MT" pitchFamily="82" charset="0"/>
-                <a:ea typeface="GangwonEduPower ExtraBold" panose="02020603020101020101" pitchFamily="18" charset="-127"/>
-              </a:rPr>
-              <a:t>ET</a:t>
-            </a:r>
-            <a:r>
-              <a:rPr lang="en-US" altLang="ko-KR" sz="9600" b="1" spc="-300" dirty="0">
-                <a:ln w="0"/>
-                <a:latin typeface="Colonna MT" pitchFamily="82" charset="0"/>
-                <a:ea typeface="GangwonEduPower ExtraBold" panose="02020603020101020101" pitchFamily="18" charset="-127"/>
-              </a:rPr>
-              <a:t>M</a:t>
-            </a:r>
-            <a:r>
-              <a:rPr lang="en-US" altLang="ko-KR" sz="6000" b="1" spc="-300" dirty="0">
-                <a:ln w="0"/>
-                <a:latin typeface="Colonna MT" pitchFamily="82" charset="0"/>
-                <a:ea typeface="GangwonEduPower ExtraBold" panose="02020603020101020101" pitchFamily="18" charset="-127"/>
-              </a:rPr>
-              <a:t>ILY</a:t>
-            </a:r>
-            <a:endParaRPr lang="en-US" altLang="ko-KR" sz="9600" b="1" spc="-300" dirty="0">
-              <a:ln w="0"/>
-              <a:latin typeface="Colonna MT" pitchFamily="82" charset="0"/>
-              <a:ea typeface="GangwonEduPower ExtraBold" panose="02020603020101020101" pitchFamily="18" charset="-127"/>
-            </a:endParaRPr>
-          </a:p>
-        </p:txBody>
-      </p:sp>
-      <p:sp>
-        <p:nvSpPr>
           <p:cNvPr id="17" name="TextBox 16">
             <a:extLst>
               <a:ext uri="{FF2B5EF4-FFF2-40B4-BE49-F238E27FC236}">
@@ -4266,6 +4189,36 @@
           </a:fontRef>
         </p:style>
       </p:cxnSp>
+      <p:pic>
+        <p:nvPicPr>
+          <p:cNvPr id="3" name="그림 2">
+            <a:extLst>
+              <a:ext uri="{FF2B5EF4-FFF2-40B4-BE49-F238E27FC236}">
+                <a16:creationId xmlns:a16="http://schemas.microsoft.com/office/drawing/2014/main" id="{5C593606-FE38-8646-AEAD-E8330660E598}"/>
+              </a:ext>
+            </a:extLst>
+          </p:cNvPr>
+          <p:cNvPicPr>
+            <a:picLocks noChangeAspect="1"/>
+          </p:cNvPicPr>
+          <p:nvPr/>
+        </p:nvPicPr>
+        <p:blipFill>
+          <a:blip r:embed="rId5"/>
+          <a:stretch>
+            <a:fillRect/>
+          </a:stretch>
+        </p:blipFill>
+        <p:spPr>
+          <a:xfrm>
+            <a:off x="660013" y="1185249"/>
+            <a:ext cx="6819900" cy="4419600"/>
+          </a:xfrm>
+          <a:prstGeom prst="rect">
+            <a:avLst/>
+          </a:prstGeom>
+        </p:spPr>
+      </p:pic>
     </p:spTree>
     <p:extLst>
       <p:ext uri="{BB962C8B-B14F-4D97-AF65-F5344CB8AC3E}">

--- a/docs/발표.pptx
+++ b/docs/발표.pptx
@@ -3854,7 +3854,7 @@
         <p:spPr>
           <a:xfrm>
             <a:off x="8569567" y="5228493"/>
-            <a:ext cx="3518912" cy="1304203"/>
+            <a:ext cx="3581430" cy="1304203"/>
           </a:xfrm>
           <a:prstGeom prst="rect">
             <a:avLst/>
@@ -3873,36 +3873,36 @@
               </a:lnSpc>
             </a:pPr>
             <a:r>
-              <a:rPr kumimoji="1" lang="ko-KR" altLang="en-US" dirty="0">
-                <a:latin typeface="Apple SD Gothic Neo Light" panose="02000300000000000000" pitchFamily="2" charset="-127"/>
-                <a:ea typeface="Apple SD Gothic Neo Light" panose="02000300000000000000" pitchFamily="2" charset="-127"/>
+              <a:rPr kumimoji="1" lang="ko-KR" altLang="en-US" b="1" dirty="0">
+                <a:latin typeface="IBM Plex Sans KR Thin" panose="020B0203050203000203" pitchFamily="34" charset="-127"/>
+                <a:ea typeface="IBM Plex Sans KR Thin" panose="020B0203050203000203" pitchFamily="34" charset="-127"/>
               </a:rPr>
               <a:t>조장 </a:t>
             </a:r>
             <a:r>
-              <a:rPr kumimoji="1" lang="en-US" altLang="ko-KR" dirty="0">
-                <a:latin typeface="Apple SD Gothic Neo Light" panose="02000300000000000000" pitchFamily="2" charset="-127"/>
-                <a:ea typeface="Apple SD Gothic Neo Light" panose="02000300000000000000" pitchFamily="2" charset="-127"/>
+              <a:rPr kumimoji="1" lang="en-US" altLang="ko-KR" b="1" dirty="0">
+                <a:latin typeface="IBM Plex Sans KR Thin" panose="020B0203050203000203" pitchFamily="34" charset="-127"/>
+                <a:ea typeface="IBM Plex Sans KR Thin" panose="020B0203050203000203" pitchFamily="34" charset="-127"/>
               </a:rPr>
               <a:t>:</a:t>
             </a:r>
             <a:r>
-              <a:rPr kumimoji="1" lang="ko-KR" altLang="en-US" dirty="0">
-                <a:latin typeface="Apple SD Gothic Neo Light" panose="02000300000000000000" pitchFamily="2" charset="-127"/>
-                <a:ea typeface="Apple SD Gothic Neo Light" panose="02000300000000000000" pitchFamily="2" charset="-127"/>
+              <a:rPr kumimoji="1" lang="ko-KR" altLang="en-US" b="1" dirty="0">
+                <a:latin typeface="IBM Plex Sans KR Thin" panose="020B0203050203000203" pitchFamily="34" charset="-127"/>
+                <a:ea typeface="IBM Plex Sans KR Thin" panose="020B0203050203000203" pitchFamily="34" charset="-127"/>
               </a:rPr>
               <a:t> </a:t>
             </a:r>
             <a:r>
-              <a:rPr kumimoji="1" lang="ko-KR" altLang="en-US" dirty="0" err="1">
-                <a:latin typeface="Apple SD Gothic Neo Light" panose="02000300000000000000" pitchFamily="2" charset="-127"/>
-                <a:ea typeface="Apple SD Gothic Neo Light" panose="02000300000000000000" pitchFamily="2" charset="-127"/>
+              <a:rPr kumimoji="1" lang="ko-KR" altLang="en-US" b="1" dirty="0" err="1">
+                <a:latin typeface="IBM Plex Sans KR Thin" panose="020B0203050203000203" pitchFamily="34" charset="-127"/>
+                <a:ea typeface="IBM Plex Sans KR Thin" panose="020B0203050203000203" pitchFamily="34" charset="-127"/>
               </a:rPr>
               <a:t>전준하</a:t>
             </a:r>
-            <a:endParaRPr kumimoji="1" lang="en-US" altLang="ko-KR" dirty="0">
-              <a:latin typeface="Apple SD Gothic Neo Light" panose="02000300000000000000" pitchFamily="2" charset="-127"/>
-              <a:ea typeface="Apple SD Gothic Neo Light" panose="02000300000000000000" pitchFamily="2" charset="-127"/>
+            <a:endParaRPr kumimoji="1" lang="en-US" altLang="ko-KR" b="1" dirty="0">
+              <a:latin typeface="IBM Plex Sans KR Thin" panose="020B0203050203000203" pitchFamily="34" charset="-127"/>
+              <a:ea typeface="IBM Plex Sans KR Thin" panose="020B0203050203000203" pitchFamily="34" charset="-127"/>
             </a:endParaRPr>
           </a:p>
           <a:p>
@@ -3912,85 +3912,85 @@
               </a:lnSpc>
             </a:pPr>
             <a:r>
-              <a:rPr kumimoji="1" lang="ko-KR" altLang="en-US" dirty="0">
-                <a:latin typeface="Apple SD Gothic Neo Light" panose="02000300000000000000" pitchFamily="2" charset="-127"/>
-                <a:ea typeface="Apple SD Gothic Neo Light" panose="02000300000000000000" pitchFamily="2" charset="-127"/>
+              <a:rPr kumimoji="1" lang="ko-KR" altLang="en-US" b="1" dirty="0">
+                <a:latin typeface="IBM Plex Sans KR Thin" panose="020B0203050203000203" pitchFamily="34" charset="-127"/>
+                <a:ea typeface="IBM Plex Sans KR Thin" panose="020B0203050203000203" pitchFamily="34" charset="-127"/>
               </a:rPr>
               <a:t>조원 </a:t>
             </a:r>
             <a:r>
-              <a:rPr kumimoji="1" lang="en-US" altLang="ko-KR" dirty="0">
-                <a:latin typeface="Apple SD Gothic Neo Light" panose="02000300000000000000" pitchFamily="2" charset="-127"/>
-                <a:ea typeface="Apple SD Gothic Neo Light" panose="02000300000000000000" pitchFamily="2" charset="-127"/>
+              <a:rPr kumimoji="1" lang="en-US" altLang="ko-KR" b="1" dirty="0">
+                <a:latin typeface="IBM Plex Sans KR Thin" panose="020B0203050203000203" pitchFamily="34" charset="-127"/>
+                <a:ea typeface="IBM Plex Sans KR Thin" panose="020B0203050203000203" pitchFamily="34" charset="-127"/>
               </a:rPr>
               <a:t>:</a:t>
             </a:r>
             <a:r>
-              <a:rPr kumimoji="1" lang="ko-KR" altLang="en-US" dirty="0">
-                <a:latin typeface="Apple SD Gothic Neo Light" panose="02000300000000000000" pitchFamily="2" charset="-127"/>
-                <a:ea typeface="Apple SD Gothic Neo Light" panose="02000300000000000000" pitchFamily="2" charset="-127"/>
+              <a:rPr kumimoji="1" lang="ko-KR" altLang="en-US" b="1" dirty="0">
+                <a:latin typeface="IBM Plex Sans KR Thin" panose="020B0203050203000203" pitchFamily="34" charset="-127"/>
+                <a:ea typeface="IBM Plex Sans KR Thin" panose="020B0203050203000203" pitchFamily="34" charset="-127"/>
               </a:rPr>
               <a:t> 손선영</a:t>
             </a:r>
             <a:r>
-              <a:rPr kumimoji="1" lang="en-US" altLang="ko-KR" dirty="0">
-                <a:latin typeface="Apple SD Gothic Neo Light" panose="02000300000000000000" pitchFamily="2" charset="-127"/>
-                <a:ea typeface="Apple SD Gothic Neo Light" panose="02000300000000000000" pitchFamily="2" charset="-127"/>
+              <a:rPr kumimoji="1" lang="en-US" altLang="ko-KR" b="1" dirty="0">
+                <a:latin typeface="IBM Plex Sans KR Thin" panose="020B0203050203000203" pitchFamily="34" charset="-127"/>
+                <a:ea typeface="IBM Plex Sans KR Thin" panose="020B0203050203000203" pitchFamily="34" charset="-127"/>
               </a:rPr>
               <a:t>,</a:t>
             </a:r>
             <a:r>
-              <a:rPr kumimoji="1" lang="ko-KR" altLang="en-US" dirty="0">
-                <a:latin typeface="Apple SD Gothic Neo Light" panose="02000300000000000000" pitchFamily="2" charset="-127"/>
-                <a:ea typeface="Apple SD Gothic Neo Light" panose="02000300000000000000" pitchFamily="2" charset="-127"/>
+              <a:rPr kumimoji="1" lang="ko-KR" altLang="en-US" b="1" dirty="0">
+                <a:latin typeface="IBM Plex Sans KR Thin" panose="020B0203050203000203" pitchFamily="34" charset="-127"/>
+                <a:ea typeface="IBM Plex Sans KR Thin" panose="020B0203050203000203" pitchFamily="34" charset="-127"/>
               </a:rPr>
               <a:t> 김진혁</a:t>
             </a:r>
             <a:r>
-              <a:rPr kumimoji="1" lang="en-US" altLang="ko-KR" dirty="0">
-                <a:latin typeface="Apple SD Gothic Neo Light" panose="02000300000000000000" pitchFamily="2" charset="-127"/>
-                <a:ea typeface="Apple SD Gothic Neo Light" panose="02000300000000000000" pitchFamily="2" charset="-127"/>
+              <a:rPr kumimoji="1" lang="en-US" altLang="ko-KR" b="1" dirty="0">
+                <a:latin typeface="IBM Plex Sans KR Thin" panose="020B0203050203000203" pitchFamily="34" charset="-127"/>
+                <a:ea typeface="IBM Plex Sans KR Thin" panose="020B0203050203000203" pitchFamily="34" charset="-127"/>
               </a:rPr>
               <a:t>,</a:t>
             </a:r>
             <a:r>
-              <a:rPr kumimoji="1" lang="ko-KR" altLang="en-US" dirty="0">
-                <a:latin typeface="Apple SD Gothic Neo Light" panose="02000300000000000000" pitchFamily="2" charset="-127"/>
-                <a:ea typeface="Apple SD Gothic Neo Light" panose="02000300000000000000" pitchFamily="2" charset="-127"/>
+              <a:rPr kumimoji="1" lang="ko-KR" altLang="en-US" b="1" dirty="0">
+                <a:latin typeface="IBM Plex Sans KR Thin" panose="020B0203050203000203" pitchFamily="34" charset="-127"/>
+                <a:ea typeface="IBM Plex Sans KR Thin" panose="020B0203050203000203" pitchFamily="34" charset="-127"/>
               </a:rPr>
               <a:t> </a:t>
             </a:r>
             <a:r>
-              <a:rPr kumimoji="1" lang="ko-KR" altLang="en-US" dirty="0" err="1">
-                <a:latin typeface="Apple SD Gothic Neo Light" panose="02000300000000000000" pitchFamily="2" charset="-127"/>
-                <a:ea typeface="Apple SD Gothic Neo Light" panose="02000300000000000000" pitchFamily="2" charset="-127"/>
+              <a:rPr kumimoji="1" lang="ko-KR" altLang="en-US" b="1" dirty="0" err="1">
+                <a:latin typeface="IBM Plex Sans KR Thin" panose="020B0203050203000203" pitchFamily="34" charset="-127"/>
+                <a:ea typeface="IBM Plex Sans KR Thin" panose="020B0203050203000203" pitchFamily="34" charset="-127"/>
               </a:rPr>
               <a:t>송가영</a:t>
             </a:r>
             <a:r>
-              <a:rPr kumimoji="1" lang="en-US" altLang="ko-KR" dirty="0">
-                <a:latin typeface="Apple SD Gothic Neo Light" panose="02000300000000000000" pitchFamily="2" charset="-127"/>
-                <a:ea typeface="Apple SD Gothic Neo Light" panose="02000300000000000000" pitchFamily="2" charset="-127"/>
+              <a:rPr kumimoji="1" lang="en-US" altLang="ko-KR" b="1" dirty="0">
+                <a:latin typeface="IBM Plex Sans KR Thin" panose="020B0203050203000203" pitchFamily="34" charset="-127"/>
+                <a:ea typeface="IBM Plex Sans KR Thin" panose="020B0203050203000203" pitchFamily="34" charset="-127"/>
               </a:rPr>
               <a:t>,</a:t>
             </a:r>
             <a:r>
-              <a:rPr kumimoji="1" lang="ko-KR" altLang="en-US" dirty="0">
-                <a:latin typeface="Apple SD Gothic Neo Light" panose="02000300000000000000" pitchFamily="2" charset="-127"/>
-                <a:ea typeface="Apple SD Gothic Neo Light" panose="02000300000000000000" pitchFamily="2" charset="-127"/>
+              <a:rPr kumimoji="1" lang="ko-KR" altLang="en-US" b="1" dirty="0">
+                <a:latin typeface="IBM Plex Sans KR Thin" panose="020B0203050203000203" pitchFamily="34" charset="-127"/>
+                <a:ea typeface="IBM Plex Sans KR Thin" panose="020B0203050203000203" pitchFamily="34" charset="-127"/>
               </a:rPr>
               <a:t> </a:t>
             </a:r>
             <a:r>
-              <a:rPr kumimoji="1" lang="ko-KR" altLang="en-US" dirty="0" err="1">
-                <a:latin typeface="Apple SD Gothic Neo Light" panose="02000300000000000000" pitchFamily="2" charset="-127"/>
-                <a:ea typeface="Apple SD Gothic Neo Light" panose="02000300000000000000" pitchFamily="2" charset="-127"/>
+              <a:rPr kumimoji="1" lang="ko-KR" altLang="en-US" b="1" dirty="0" err="1">
+                <a:latin typeface="IBM Plex Sans KR Thin" panose="020B0203050203000203" pitchFamily="34" charset="-127"/>
+                <a:ea typeface="IBM Plex Sans KR Thin" panose="020B0203050203000203" pitchFamily="34" charset="-127"/>
               </a:rPr>
               <a:t>최동혁</a:t>
             </a:r>
-            <a:endParaRPr kumimoji="1" lang="en-US" altLang="ko-KR" dirty="0">
-              <a:latin typeface="Apple SD Gothic Neo Light" panose="02000300000000000000" pitchFamily="2" charset="-127"/>
-              <a:ea typeface="Apple SD Gothic Neo Light" panose="02000300000000000000" pitchFamily="2" charset="-127"/>
+            <a:endParaRPr kumimoji="1" lang="en-US" altLang="ko-KR" b="1" dirty="0">
+              <a:latin typeface="IBM Plex Sans KR Thin" panose="020B0203050203000203" pitchFamily="34" charset="-127"/>
+              <a:ea typeface="IBM Plex Sans KR Thin" panose="020B0203050203000203" pitchFamily="34" charset="-127"/>
             </a:endParaRPr>
           </a:p>
           <a:p>
@@ -4000,30 +4000,30 @@
               </a:lnSpc>
             </a:pPr>
             <a:r>
-              <a:rPr kumimoji="1" lang="ko-KR" altLang="en-US" dirty="0">
-                <a:latin typeface="Apple SD Gothic Neo Light" panose="02000300000000000000" pitchFamily="2" charset="-127"/>
-                <a:ea typeface="Apple SD Gothic Neo Light" panose="02000300000000000000" pitchFamily="2" charset="-127"/>
+              <a:rPr kumimoji="1" lang="ko-KR" altLang="en-US" b="1" dirty="0">
+                <a:latin typeface="IBM Plex Sans KR Thin" panose="020B0203050203000203" pitchFamily="34" charset="-127"/>
+                <a:ea typeface="IBM Plex Sans KR Thin" panose="020B0203050203000203" pitchFamily="34" charset="-127"/>
               </a:rPr>
               <a:t>발표 </a:t>
             </a:r>
             <a:r>
-              <a:rPr kumimoji="1" lang="en-US" altLang="ko-KR" dirty="0">
-                <a:latin typeface="Apple SD Gothic Neo Light" panose="02000300000000000000" pitchFamily="2" charset="-127"/>
-                <a:ea typeface="Apple SD Gothic Neo Light" panose="02000300000000000000" pitchFamily="2" charset="-127"/>
+              <a:rPr kumimoji="1" lang="en-US" altLang="ko-KR" b="1" dirty="0">
+                <a:latin typeface="IBM Plex Sans KR Thin" panose="020B0203050203000203" pitchFamily="34" charset="-127"/>
+                <a:ea typeface="IBM Plex Sans KR Thin" panose="020B0203050203000203" pitchFamily="34" charset="-127"/>
               </a:rPr>
               <a:t>:</a:t>
             </a:r>
             <a:r>
-              <a:rPr kumimoji="1" lang="ko-KR" altLang="en-US" dirty="0">
-                <a:latin typeface="Apple SD Gothic Neo Light" panose="02000300000000000000" pitchFamily="2" charset="-127"/>
-                <a:ea typeface="Apple SD Gothic Neo Light" panose="02000300000000000000" pitchFamily="2" charset="-127"/>
+              <a:rPr kumimoji="1" lang="ko-KR" altLang="en-US" b="1" dirty="0">
+                <a:latin typeface="IBM Plex Sans KR Thin" panose="020B0203050203000203" pitchFamily="34" charset="-127"/>
+                <a:ea typeface="IBM Plex Sans KR Thin" panose="020B0203050203000203" pitchFamily="34" charset="-127"/>
               </a:rPr>
               <a:t> </a:t>
             </a:r>
             <a:r>
-              <a:rPr kumimoji="1" lang="en-US" altLang="ko-KR" dirty="0">
-                <a:latin typeface="Apple SD Gothic Neo Light" panose="02000300000000000000" pitchFamily="2" charset="-127"/>
-                <a:ea typeface="Apple SD Gothic Neo Light" panose="02000300000000000000" pitchFamily="2" charset="-127"/>
+              <a:rPr kumimoji="1" lang="en-US" altLang="ko-KR" b="1" dirty="0">
+                <a:latin typeface="IBM Plex Sans KR Thin" panose="020B0203050203000203" pitchFamily="34" charset="-127"/>
+                <a:ea typeface="IBM Plex Sans KR Thin" panose="020B0203050203000203" pitchFamily="34" charset="-127"/>
               </a:rPr>
               <a:t>2023.07.12.</a:t>
             </a:r>
@@ -4676,42 +4676,42 @@
             </a:r>
             <a:r>
               <a:rPr kumimoji="1" lang="ko-KR" altLang="en-US" sz="1600" dirty="0">
-                <a:latin typeface="Apple SD Gothic Neo Thin" panose="02000300000000000000" pitchFamily="2" charset="-127"/>
-                <a:ea typeface="Apple SD Gothic Neo Thin" panose="02000300000000000000" pitchFamily="2" charset="-127"/>
+                <a:latin typeface="IBM Plex Sans KR Thin" panose="020B0203050203000203" pitchFamily="34" charset="-127"/>
+                <a:ea typeface="IBM Plex Sans KR Thin" panose="020B0203050203000203" pitchFamily="34" charset="-127"/>
               </a:rPr>
               <a:t>팀원 소개 </a:t>
             </a:r>
             <a:r>
               <a:rPr kumimoji="1" lang="en-US" altLang="ko-KR" sz="1600" dirty="0">
-                <a:latin typeface="Apple SD Gothic Neo Thin" panose="02000300000000000000" pitchFamily="2" charset="-127"/>
-                <a:ea typeface="Apple SD Gothic Neo Thin" panose="02000300000000000000" pitchFamily="2" charset="-127"/>
+                <a:latin typeface="IBM Plex Sans KR Thin" panose="020B0203050203000203" pitchFamily="34" charset="-127"/>
+                <a:ea typeface="IBM Plex Sans KR Thin" panose="020B0203050203000203" pitchFamily="34" charset="-127"/>
               </a:rPr>
               <a:t>&amp;</a:t>
             </a:r>
             <a:r>
               <a:rPr kumimoji="1" lang="ko-KR" altLang="en-US" sz="1600" dirty="0">
-                <a:latin typeface="Apple SD Gothic Neo Thin" panose="02000300000000000000" pitchFamily="2" charset="-127"/>
-                <a:ea typeface="Apple SD Gothic Neo Thin" panose="02000300000000000000" pitchFamily="2" charset="-127"/>
+                <a:latin typeface="IBM Plex Sans KR Thin" panose="020B0203050203000203" pitchFamily="34" charset="-127"/>
+                <a:ea typeface="IBM Plex Sans KR Thin" panose="020B0203050203000203" pitchFamily="34" charset="-127"/>
               </a:rPr>
               <a:t> 역할 분담</a:t>
             </a:r>
             <a:r>
               <a:rPr kumimoji="1" lang="en-US" altLang="ko-KR" sz="1600" dirty="0">
-                <a:latin typeface="Apple SD Gothic Neo Thin" panose="02000300000000000000" pitchFamily="2" charset="-127"/>
-                <a:ea typeface="Apple SD Gothic Neo Thin" panose="02000300000000000000" pitchFamily="2" charset="-127"/>
+                <a:latin typeface="IBM Plex Sans KR Thin" panose="020B0203050203000203" pitchFamily="34" charset="-127"/>
+                <a:ea typeface="IBM Plex Sans KR Thin" panose="020B0203050203000203" pitchFamily="34" charset="-127"/>
               </a:rPr>
               <a:t>,</a:t>
             </a:r>
             <a:r>
               <a:rPr kumimoji="1" lang="ko-KR" altLang="en-US" sz="1600" dirty="0">
-                <a:latin typeface="Apple SD Gothic Neo Thin" panose="02000300000000000000" pitchFamily="2" charset="-127"/>
-                <a:ea typeface="Apple SD Gothic Neo Thin" panose="02000300000000000000" pitchFamily="2" charset="-127"/>
+                <a:latin typeface="IBM Plex Sans KR Thin" panose="020B0203050203000203" pitchFamily="34" charset="-127"/>
+                <a:ea typeface="IBM Plex Sans KR Thin" panose="020B0203050203000203" pitchFamily="34" charset="-127"/>
               </a:rPr>
               <a:t> 사이트 개요 및 주제 선정의 이유</a:t>
             </a:r>
             <a:endParaRPr kumimoji="1" lang="en-US" altLang="ko-KR" sz="2400" dirty="0">
-              <a:latin typeface="Apple SD Gothic Neo Thin" panose="02000300000000000000" pitchFamily="2" charset="-127"/>
-              <a:ea typeface="Apple SD Gothic Neo Thin" panose="02000300000000000000" pitchFamily="2" charset="-127"/>
+              <a:latin typeface="IBM Plex Sans KR Thin" panose="020B0203050203000203" pitchFamily="34" charset="-127"/>
+              <a:ea typeface="IBM Plex Sans KR Thin" panose="020B0203050203000203" pitchFamily="34" charset="-127"/>
             </a:endParaRPr>
           </a:p>
           <a:p>
@@ -4736,57 +4736,57 @@
             </a:r>
             <a:r>
               <a:rPr kumimoji="1" lang="ko-KR" altLang="en-US" sz="1600" dirty="0">
-                <a:latin typeface="Apple SD Gothic Neo Thin" panose="02000300000000000000" pitchFamily="2" charset="-127"/>
-                <a:ea typeface="Apple SD Gothic Neo Thin" panose="02000300000000000000" pitchFamily="2" charset="-127"/>
+                <a:latin typeface="IBM Plex Sans KR Thin" panose="020B0203050203000203" pitchFamily="34" charset="-127"/>
+                <a:ea typeface="IBM Plex Sans KR Thin" panose="020B0203050203000203" pitchFamily="34" charset="-127"/>
               </a:rPr>
               <a:t>개발 기간</a:t>
             </a:r>
             <a:r>
               <a:rPr kumimoji="1" lang="en-US" altLang="ko-KR" sz="1600" dirty="0">
-                <a:latin typeface="Apple SD Gothic Neo Thin" panose="02000300000000000000" pitchFamily="2" charset="-127"/>
-                <a:ea typeface="Apple SD Gothic Neo Thin" panose="02000300000000000000" pitchFamily="2" charset="-127"/>
+                <a:latin typeface="IBM Plex Sans KR Thin" panose="020B0203050203000203" pitchFamily="34" charset="-127"/>
+                <a:ea typeface="IBM Plex Sans KR Thin" panose="020B0203050203000203" pitchFamily="34" charset="-127"/>
               </a:rPr>
               <a:t>,</a:t>
             </a:r>
             <a:r>
               <a:rPr kumimoji="1" lang="ko-KR" altLang="en-US" sz="1600" dirty="0">
-                <a:latin typeface="Apple SD Gothic Neo Thin" panose="02000300000000000000" pitchFamily="2" charset="-127"/>
-                <a:ea typeface="Apple SD Gothic Neo Thin" panose="02000300000000000000" pitchFamily="2" charset="-127"/>
+                <a:latin typeface="IBM Plex Sans KR Thin" panose="020B0203050203000203" pitchFamily="34" charset="-127"/>
+                <a:ea typeface="IBM Plex Sans KR Thin" panose="020B0203050203000203" pitchFamily="34" charset="-127"/>
               </a:rPr>
               <a:t> 개발 환경</a:t>
             </a:r>
             <a:r>
               <a:rPr kumimoji="1" lang="en-US" altLang="ko-KR" sz="1600" dirty="0">
-                <a:latin typeface="Apple SD Gothic Neo Thin" panose="02000300000000000000" pitchFamily="2" charset="-127"/>
-                <a:ea typeface="Apple SD Gothic Neo Thin" panose="02000300000000000000" pitchFamily="2" charset="-127"/>
+                <a:latin typeface="IBM Plex Sans KR Thin" panose="020B0203050203000203" pitchFamily="34" charset="-127"/>
+                <a:ea typeface="IBM Plex Sans KR Thin" panose="020B0203050203000203" pitchFamily="34" charset="-127"/>
               </a:rPr>
               <a:t>,</a:t>
             </a:r>
             <a:r>
               <a:rPr kumimoji="1" lang="ko-KR" altLang="en-US" sz="1600" dirty="0">
-                <a:latin typeface="Apple SD Gothic Neo Thin" panose="02000300000000000000" pitchFamily="2" charset="-127"/>
-                <a:ea typeface="Apple SD Gothic Neo Thin" panose="02000300000000000000" pitchFamily="2" charset="-127"/>
+                <a:latin typeface="IBM Plex Sans KR Thin" panose="020B0203050203000203" pitchFamily="34" charset="-127"/>
+                <a:ea typeface="IBM Plex Sans KR Thin" panose="020B0203050203000203" pitchFamily="34" charset="-127"/>
               </a:rPr>
               <a:t> 사용 기술</a:t>
             </a:r>
             <a:r>
               <a:rPr kumimoji="1" lang="en-US" altLang="ko-KR" sz="1600" dirty="0">
-                <a:latin typeface="Apple SD Gothic Neo Thin" panose="02000300000000000000" pitchFamily="2" charset="-127"/>
-                <a:ea typeface="Apple SD Gothic Neo Thin" panose="02000300000000000000" pitchFamily="2" charset="-127"/>
+                <a:latin typeface="IBM Plex Sans KR Thin" panose="020B0203050203000203" pitchFamily="34" charset="-127"/>
+                <a:ea typeface="IBM Plex Sans KR Thin" panose="020B0203050203000203" pitchFamily="34" charset="-127"/>
               </a:rPr>
               <a:t>,</a:t>
             </a:r>
             <a:r>
               <a:rPr kumimoji="1" lang="ko-KR" altLang="en-US" sz="1600" dirty="0">
-                <a:latin typeface="Apple SD Gothic Neo Thin" panose="02000300000000000000" pitchFamily="2" charset="-127"/>
-                <a:ea typeface="Apple SD Gothic Neo Thin" panose="02000300000000000000" pitchFamily="2" charset="-127"/>
+                <a:latin typeface="IBM Plex Sans KR Thin" panose="020B0203050203000203" pitchFamily="34" charset="-127"/>
+                <a:ea typeface="IBM Plex Sans KR Thin" panose="020B0203050203000203" pitchFamily="34" charset="-127"/>
               </a:rPr>
               <a:t> 활용한 오픈 </a:t>
             </a:r>
             <a:r>
               <a:rPr kumimoji="1" lang="en-US" altLang="ko-KR" sz="1600" dirty="0">
-                <a:latin typeface="Apple SD Gothic Neo Thin" panose="02000300000000000000" pitchFamily="2" charset="-127"/>
-                <a:ea typeface="Apple SD Gothic Neo Thin" panose="02000300000000000000" pitchFamily="2" charset="-127"/>
+                <a:latin typeface="IBM Plex Sans KR Thin" panose="020B0203050203000203" pitchFamily="34" charset="-127"/>
+                <a:ea typeface="IBM Plex Sans KR Thin" panose="020B0203050203000203" pitchFamily="34" charset="-127"/>
               </a:rPr>
               <a:t>API</a:t>
             </a:r>
@@ -4827,14 +4827,14 @@
             </a:r>
             <a:r>
               <a:rPr kumimoji="1" lang="ko-KR" altLang="en-US" sz="1600" dirty="0">
-                <a:latin typeface="Apple SD Gothic Neo Thin" panose="02000300000000000000" pitchFamily="2" charset="-127"/>
-                <a:ea typeface="Apple SD Gothic Neo Thin" panose="02000300000000000000" pitchFamily="2" charset="-127"/>
+                <a:latin typeface="IBM Plex Sans KR Thin" panose="020B0203050203000203" pitchFamily="34" charset="-127"/>
+                <a:ea typeface="IBM Plex Sans KR Thin" panose="020B0203050203000203" pitchFamily="34" charset="-127"/>
               </a:rPr>
               <a:t>테이블 설계 및 구현 기능</a:t>
             </a:r>
             <a:endParaRPr kumimoji="1" lang="en-US" altLang="ko-KR" sz="1600" dirty="0">
-              <a:latin typeface="Apple SD Gothic Neo Thin" panose="02000300000000000000" pitchFamily="2" charset="-127"/>
-              <a:ea typeface="Apple SD Gothic Neo Thin" panose="02000300000000000000" pitchFamily="2" charset="-127"/>
+              <a:latin typeface="IBM Plex Sans KR Thin" panose="020B0203050203000203" pitchFamily="34" charset="-127"/>
+              <a:ea typeface="IBM Plex Sans KR Thin" panose="020B0203050203000203" pitchFamily="34" charset="-127"/>
             </a:endParaRPr>
           </a:p>
           <a:p>
@@ -4859,14 +4859,14 @@
             </a:r>
             <a:r>
               <a:rPr kumimoji="1" lang="ko-KR" altLang="en-US" sz="1600" dirty="0">
-                <a:latin typeface="Apple SD Gothic Neo Thin" panose="02000300000000000000" pitchFamily="2" charset="-127"/>
-                <a:ea typeface="Apple SD Gothic Neo Thin" panose="02000300000000000000" pitchFamily="2" charset="-127"/>
+                <a:latin typeface="IBM Plex Sans KR Thin" panose="020B0203050203000203" pitchFamily="34" charset="-127"/>
+                <a:ea typeface="IBM Plex Sans KR Thin" panose="020B0203050203000203" pitchFamily="34" charset="-127"/>
               </a:rPr>
               <a:t>시연</a:t>
             </a:r>
             <a:endParaRPr kumimoji="1" lang="en-US" altLang="ko-KR" sz="1600" dirty="0">
-              <a:latin typeface="Apple SD Gothic Neo Thin" panose="02000300000000000000" pitchFamily="2" charset="-127"/>
-              <a:ea typeface="Apple SD Gothic Neo Thin" panose="02000300000000000000" pitchFamily="2" charset="-127"/>
+              <a:latin typeface="IBM Plex Sans KR Thin" panose="020B0203050203000203" pitchFamily="34" charset="-127"/>
+              <a:ea typeface="IBM Plex Sans KR Thin" panose="020B0203050203000203" pitchFamily="34" charset="-127"/>
             </a:endParaRPr>
           </a:p>
           <a:p>
@@ -4897,15 +4897,15 @@
             </a:r>
             <a:r>
               <a:rPr kumimoji="1" lang="ko-KR" altLang="en-US" sz="1600" dirty="0" err="1">
-                <a:latin typeface="Apple SD Gothic Neo Thin" panose="02000300000000000000" pitchFamily="2" charset="-127"/>
-                <a:ea typeface="Apple SD Gothic Neo Thin" panose="02000300000000000000" pitchFamily="2" charset="-127"/>
+                <a:latin typeface="IBM Plex Sans KR Thin" panose="020B0203050203000203" pitchFamily="34" charset="-127"/>
+                <a:ea typeface="IBM Plex Sans KR Thin" panose="020B0203050203000203" pitchFamily="34" charset="-127"/>
               </a:rPr>
               <a:t>깃허브</a:t>
             </a:r>
             <a:r>
               <a:rPr kumimoji="1" lang="ko-KR" altLang="en-US" sz="1600" dirty="0">
-                <a:latin typeface="Apple SD Gothic Neo Thin" panose="02000300000000000000" pitchFamily="2" charset="-127"/>
-                <a:ea typeface="Apple SD Gothic Neo Thin" panose="02000300000000000000" pitchFamily="2" charset="-127"/>
+                <a:latin typeface="IBM Plex Sans KR Thin" panose="020B0203050203000203" pitchFamily="34" charset="-127"/>
+                <a:ea typeface="IBM Plex Sans KR Thin" panose="020B0203050203000203" pitchFamily="34" charset="-127"/>
               </a:rPr>
               <a:t> 주소</a:t>
             </a:r>
@@ -4916,8 +4916,8 @@
                   <a:lumOff val="50000"/>
                 </a:schemeClr>
               </a:solidFill>
-              <a:latin typeface="GangwonEduPower ExtraBold" panose="02020603020101020101" pitchFamily="18" charset="-127"/>
-              <a:ea typeface="GangwonEduPower ExtraBold" panose="02020603020101020101" pitchFamily="18" charset="-127"/>
+              <a:latin typeface="IBM Plex Sans KR Thin" panose="020B0203050203000203" pitchFamily="34" charset="-127"/>
+              <a:ea typeface="IBM Plex Sans KR Thin" panose="020B0203050203000203" pitchFamily="34" charset="-127"/>
             </a:endParaRPr>
           </a:p>
           <a:p>
@@ -4948,14 +4948,14 @@
             </a:r>
             <a:r>
               <a:rPr kumimoji="1" lang="ko-KR" altLang="en-US" sz="1600" dirty="0">
-                <a:latin typeface="Apple SD Gothic Neo Thin" panose="02000300000000000000" pitchFamily="2" charset="-127"/>
-                <a:ea typeface="Apple SD Gothic Neo Thin" panose="02000300000000000000" pitchFamily="2" charset="-127"/>
+                <a:latin typeface="IBM Plex Sans KR Thin" panose="020B0203050203000203" pitchFamily="34" charset="-127"/>
+                <a:ea typeface="IBM Plex Sans KR Thin" panose="020B0203050203000203" pitchFamily="34" charset="-127"/>
               </a:rPr>
               <a:t>질의 응답</a:t>
             </a:r>
             <a:endParaRPr kumimoji="1" lang="en-US" altLang="ko-KR" sz="1600" dirty="0">
-              <a:latin typeface="Apple SD Gothic Neo Thin" panose="02000300000000000000" pitchFamily="2" charset="-127"/>
-              <a:ea typeface="Apple SD Gothic Neo Thin" panose="02000300000000000000" pitchFamily="2" charset="-127"/>
+              <a:latin typeface="IBM Plex Sans KR Thin" panose="020B0203050203000203" pitchFamily="34" charset="-127"/>
+              <a:ea typeface="IBM Plex Sans KR Thin" panose="020B0203050203000203" pitchFamily="34" charset="-127"/>
             </a:endParaRPr>
           </a:p>
         </p:txBody>
@@ -5579,36 +5579,36 @@
             </a:r>
             <a:r>
               <a:rPr kumimoji="1" lang="ko-KR" altLang="en-US" sz="1500" dirty="0">
-                <a:latin typeface="Apple SD Gothic Neo Thin" panose="02000300000000000000" pitchFamily="2" charset="-127"/>
-                <a:ea typeface="Apple SD Gothic Neo Thin" panose="02000300000000000000" pitchFamily="2" charset="-127"/>
+                <a:latin typeface="IBM Plex Sans KR Thin" panose="020B0203050203000203" pitchFamily="34" charset="-127"/>
+                <a:ea typeface="IBM Plex Sans KR Thin" panose="020B0203050203000203" pitchFamily="34" charset="-127"/>
               </a:rPr>
               <a:t>팀원 소개 </a:t>
             </a:r>
             <a:r>
               <a:rPr kumimoji="1" lang="en-US" altLang="ko-KR" sz="1500" dirty="0">
-                <a:latin typeface="Apple SD Gothic Neo Thin" panose="02000300000000000000" pitchFamily="2" charset="-127"/>
-                <a:ea typeface="Apple SD Gothic Neo Thin" panose="02000300000000000000" pitchFamily="2" charset="-127"/>
+                <a:latin typeface="IBM Plex Sans KR Thin" panose="020B0203050203000203" pitchFamily="34" charset="-127"/>
+                <a:ea typeface="IBM Plex Sans KR Thin" panose="020B0203050203000203" pitchFamily="34" charset="-127"/>
               </a:rPr>
               <a:t>&amp;</a:t>
             </a:r>
             <a:r>
               <a:rPr kumimoji="1" lang="ko-KR" altLang="en-US" sz="1500" dirty="0">
-                <a:latin typeface="Apple SD Gothic Neo Thin" panose="02000300000000000000" pitchFamily="2" charset="-127"/>
-                <a:ea typeface="Apple SD Gothic Neo Thin" panose="02000300000000000000" pitchFamily="2" charset="-127"/>
+                <a:latin typeface="IBM Plex Sans KR Thin" panose="020B0203050203000203" pitchFamily="34" charset="-127"/>
+                <a:ea typeface="IBM Plex Sans KR Thin" panose="020B0203050203000203" pitchFamily="34" charset="-127"/>
               </a:rPr>
               <a:t> 역할 분담</a:t>
             </a:r>
             <a:r>
               <a:rPr kumimoji="1" lang="en-US" altLang="ko-KR" sz="1500" dirty="0">
-                <a:latin typeface="Apple SD Gothic Neo Thin" panose="02000300000000000000" pitchFamily="2" charset="-127"/>
-                <a:ea typeface="Apple SD Gothic Neo Thin" panose="02000300000000000000" pitchFamily="2" charset="-127"/>
+                <a:latin typeface="IBM Plex Sans KR Thin" panose="020B0203050203000203" pitchFamily="34" charset="-127"/>
+                <a:ea typeface="IBM Plex Sans KR Thin" panose="020B0203050203000203" pitchFamily="34" charset="-127"/>
               </a:rPr>
               <a:t>,</a:t>
             </a:r>
             <a:r>
               <a:rPr kumimoji="1" lang="ko-KR" altLang="en-US" sz="1500" dirty="0">
-                <a:latin typeface="Apple SD Gothic Neo Thin" panose="02000300000000000000" pitchFamily="2" charset="-127"/>
-                <a:ea typeface="Apple SD Gothic Neo Thin" panose="02000300000000000000" pitchFamily="2" charset="-127"/>
+                <a:latin typeface="IBM Plex Sans KR Thin" panose="020B0203050203000203" pitchFamily="34" charset="-127"/>
+                <a:ea typeface="IBM Plex Sans KR Thin" panose="020B0203050203000203" pitchFamily="34" charset="-127"/>
               </a:rPr>
               <a:t> 사이트 개요 및 주제 선정의 이유</a:t>
             </a:r>
@@ -5619,8 +5619,8 @@
                   <a:lumOff val="35000"/>
                 </a:schemeClr>
               </a:solidFill>
-              <a:latin typeface="GangwonEduPower ExtraBold" panose="02020603020101020101" pitchFamily="18" charset="-127"/>
-              <a:ea typeface="GangwonEduPower ExtraBold" panose="02020603020101020101" pitchFamily="18" charset="-127"/>
+              <a:latin typeface="IBM Plex Sans KR Thin" panose="020B0203050203000203" pitchFamily="34" charset="-127"/>
+              <a:ea typeface="IBM Plex Sans KR Thin" panose="020B0203050203000203" pitchFamily="34" charset="-127"/>
             </a:endParaRPr>
           </a:p>
         </p:txBody>
@@ -6008,71 +6008,71 @@
             </a:r>
             <a:r>
               <a:rPr kumimoji="1" lang="ko-KR" altLang="en-US" sz="1500" dirty="0">
-                <a:latin typeface="Apple SD Gothic Neo Thin" panose="02000300000000000000" pitchFamily="2" charset="-127"/>
-                <a:ea typeface="Apple SD Gothic Neo Thin" panose="02000300000000000000" pitchFamily="2" charset="-127"/>
+                <a:latin typeface="IBM Plex Sans KR Thin" panose="020B0203050203000203" pitchFamily="34" charset="-127"/>
+                <a:ea typeface="IBM Plex Sans KR Thin" panose="020B0203050203000203" pitchFamily="34" charset="-127"/>
               </a:rPr>
               <a:t>개발 기간</a:t>
             </a:r>
             <a:r>
               <a:rPr kumimoji="1" lang="en-US" altLang="ko-KR" sz="1500" dirty="0">
-                <a:latin typeface="Apple SD Gothic Neo Thin" panose="02000300000000000000" pitchFamily="2" charset="-127"/>
-                <a:ea typeface="Apple SD Gothic Neo Thin" panose="02000300000000000000" pitchFamily="2" charset="-127"/>
+                <a:latin typeface="IBM Plex Sans KR Thin" panose="020B0203050203000203" pitchFamily="34" charset="-127"/>
+                <a:ea typeface="IBM Plex Sans KR Thin" panose="020B0203050203000203" pitchFamily="34" charset="-127"/>
               </a:rPr>
               <a:t>,</a:t>
             </a:r>
             <a:r>
               <a:rPr kumimoji="1" lang="ko-KR" altLang="en-US" sz="1500" dirty="0">
-                <a:latin typeface="Apple SD Gothic Neo Thin" panose="02000300000000000000" pitchFamily="2" charset="-127"/>
-                <a:ea typeface="Apple SD Gothic Neo Thin" panose="02000300000000000000" pitchFamily="2" charset="-127"/>
+                <a:latin typeface="IBM Plex Sans KR Thin" panose="020B0203050203000203" pitchFamily="34" charset="-127"/>
+                <a:ea typeface="IBM Plex Sans KR Thin" panose="020B0203050203000203" pitchFamily="34" charset="-127"/>
               </a:rPr>
               <a:t> 개발</a:t>
             </a:r>
             <a:r>
               <a:rPr kumimoji="1" lang="en-US" altLang="ko-KR" sz="1500" dirty="0">
-                <a:latin typeface="Apple SD Gothic Neo Thin" panose="02000300000000000000" pitchFamily="2" charset="-127"/>
-                <a:ea typeface="Apple SD Gothic Neo Thin" panose="02000300000000000000" pitchFamily="2" charset="-127"/>
+                <a:latin typeface="IBM Plex Sans KR Thin" panose="020B0203050203000203" pitchFamily="34" charset="-127"/>
+                <a:ea typeface="IBM Plex Sans KR Thin" panose="020B0203050203000203" pitchFamily="34" charset="-127"/>
               </a:rPr>
               <a:t> </a:t>
             </a:r>
             <a:r>
               <a:rPr kumimoji="1" lang="ko-KR" altLang="en-US" sz="1500" dirty="0">
-                <a:latin typeface="Apple SD Gothic Neo Thin" panose="02000300000000000000" pitchFamily="2" charset="-127"/>
-                <a:ea typeface="Apple SD Gothic Neo Thin" panose="02000300000000000000" pitchFamily="2" charset="-127"/>
+                <a:latin typeface="IBM Plex Sans KR Thin" panose="020B0203050203000203" pitchFamily="34" charset="-127"/>
+                <a:ea typeface="IBM Plex Sans KR Thin" panose="020B0203050203000203" pitchFamily="34" charset="-127"/>
               </a:rPr>
               <a:t>환경</a:t>
             </a:r>
             <a:r>
               <a:rPr kumimoji="1" lang="en-US" altLang="ko-KR" sz="1500" dirty="0">
-                <a:latin typeface="Apple SD Gothic Neo Thin" panose="02000300000000000000" pitchFamily="2" charset="-127"/>
-                <a:ea typeface="Apple SD Gothic Neo Thin" panose="02000300000000000000" pitchFamily="2" charset="-127"/>
+                <a:latin typeface="IBM Plex Sans KR Thin" panose="020B0203050203000203" pitchFamily="34" charset="-127"/>
+                <a:ea typeface="IBM Plex Sans KR Thin" panose="020B0203050203000203" pitchFamily="34" charset="-127"/>
               </a:rPr>
               <a:t>,</a:t>
             </a:r>
             <a:r>
               <a:rPr kumimoji="1" lang="ko-KR" altLang="en-US" sz="1500" dirty="0">
-                <a:latin typeface="Apple SD Gothic Neo Thin" panose="02000300000000000000" pitchFamily="2" charset="-127"/>
-                <a:ea typeface="Apple SD Gothic Neo Thin" panose="02000300000000000000" pitchFamily="2" charset="-127"/>
+                <a:latin typeface="IBM Plex Sans KR Thin" panose="020B0203050203000203" pitchFamily="34" charset="-127"/>
+                <a:ea typeface="IBM Plex Sans KR Thin" panose="020B0203050203000203" pitchFamily="34" charset="-127"/>
               </a:rPr>
               <a:t> 사용 기술</a:t>
             </a:r>
             <a:r>
               <a:rPr kumimoji="1" lang="en-US" altLang="ko-KR" sz="1500" dirty="0">
-                <a:latin typeface="Apple SD Gothic Neo Thin" panose="02000300000000000000" pitchFamily="2" charset="-127"/>
-                <a:ea typeface="Apple SD Gothic Neo Thin" panose="02000300000000000000" pitchFamily="2" charset="-127"/>
+                <a:latin typeface="IBM Plex Sans KR Thin" panose="020B0203050203000203" pitchFamily="34" charset="-127"/>
+                <a:ea typeface="IBM Plex Sans KR Thin" panose="020B0203050203000203" pitchFamily="34" charset="-127"/>
               </a:rPr>
               <a:t>,</a:t>
             </a:r>
             <a:r>
               <a:rPr kumimoji="1" lang="ko-KR" altLang="en-US" sz="1500" dirty="0">
-                <a:latin typeface="Apple SD Gothic Neo Thin" panose="02000300000000000000" pitchFamily="2" charset="-127"/>
-                <a:ea typeface="Apple SD Gothic Neo Thin" panose="02000300000000000000" pitchFamily="2" charset="-127"/>
+                <a:latin typeface="IBM Plex Sans KR Thin" panose="020B0203050203000203" pitchFamily="34" charset="-127"/>
+                <a:ea typeface="IBM Plex Sans KR Thin" panose="020B0203050203000203" pitchFamily="34" charset="-127"/>
               </a:rPr>
               <a:t> 활용한 오픈 </a:t>
             </a:r>
             <a:r>
               <a:rPr kumimoji="1" lang="en-US" altLang="ko-KR" sz="1500" dirty="0">
-                <a:latin typeface="Apple SD Gothic Neo Thin" panose="02000300000000000000" pitchFamily="2" charset="-127"/>
-                <a:ea typeface="Apple SD Gothic Neo Thin" panose="02000300000000000000" pitchFamily="2" charset="-127"/>
+                <a:latin typeface="IBM Plex Sans KR Thin" panose="020B0203050203000203" pitchFamily="34" charset="-127"/>
+                <a:ea typeface="IBM Plex Sans KR Thin" panose="020B0203050203000203" pitchFamily="34" charset="-127"/>
               </a:rPr>
               <a:t>API</a:t>
             </a:r>
@@ -6083,8 +6083,8 @@
                   <a:lumOff val="35000"/>
                 </a:schemeClr>
               </a:solidFill>
-              <a:latin typeface="GangwonEduPower ExtraBold" panose="02020603020101020101" pitchFamily="18" charset="-127"/>
-              <a:ea typeface="GangwonEduPower ExtraBold" panose="02020603020101020101" pitchFamily="18" charset="-127"/>
+              <a:latin typeface="IBM Plex Sans KR Thin" panose="020B0203050203000203" pitchFamily="34" charset="-127"/>
+              <a:ea typeface="IBM Plex Sans KR Thin" panose="020B0203050203000203" pitchFamily="34" charset="-127"/>
             </a:endParaRPr>
           </a:p>
         </p:txBody>
@@ -6407,8 +6407,8 @@
             </a:r>
             <a:r>
               <a:rPr kumimoji="1" lang="ko-KR" altLang="en-US" sz="1500" dirty="0">
-                <a:latin typeface="Apple SD Gothic Neo Thin" panose="02000300000000000000" pitchFamily="2" charset="-127"/>
-                <a:ea typeface="Apple SD Gothic Neo Thin" panose="02000300000000000000" pitchFamily="2" charset="-127"/>
+                <a:latin typeface="IBM Plex Sans KR Thin" panose="020B0203050203000203" pitchFamily="34" charset="-127"/>
+                <a:ea typeface="IBM Plex Sans KR Thin" panose="020B0203050203000203" pitchFamily="34" charset="-127"/>
               </a:rPr>
               <a:t>테이블 설계 및 구현 기능</a:t>
             </a:r>
@@ -6419,8 +6419,8 @@
                   <a:lumOff val="35000"/>
                 </a:schemeClr>
               </a:solidFill>
-              <a:latin typeface="GangwonEduPower ExtraBold" panose="02020603020101020101" pitchFamily="18" charset="-127"/>
-              <a:ea typeface="GangwonEduPower ExtraBold" panose="02020603020101020101" pitchFamily="18" charset="-127"/>
+              <a:latin typeface="IBM Plex Sans KR Thin" panose="020B0203050203000203" pitchFamily="34" charset="-127"/>
+              <a:ea typeface="IBM Plex Sans KR Thin" panose="020B0203050203000203" pitchFamily="34" charset="-127"/>
             </a:endParaRPr>
           </a:p>
         </p:txBody>
@@ -6743,8 +6743,8 @@
             </a:r>
             <a:r>
               <a:rPr kumimoji="1" lang="ko-KR" altLang="en-US" sz="1500" dirty="0">
-                <a:latin typeface="Apple SD Gothic Neo Thin" panose="02000300000000000000" pitchFamily="2" charset="-127"/>
-                <a:ea typeface="Apple SD Gothic Neo Thin" panose="02000300000000000000" pitchFamily="2" charset="-127"/>
+                <a:latin typeface="IBM Plex Sans KR Thin" panose="020B0203050203000203" pitchFamily="34" charset="-127"/>
+                <a:ea typeface="IBM Plex Sans KR Thin" panose="020B0203050203000203" pitchFamily="34" charset="-127"/>
               </a:rPr>
               <a:t>시연</a:t>
             </a:r>
@@ -6755,8 +6755,8 @@
                   <a:lumOff val="35000"/>
                 </a:schemeClr>
               </a:solidFill>
-              <a:latin typeface="GangwonEduPower ExtraBold" panose="02020603020101020101" pitchFamily="18" charset="-127"/>
-              <a:ea typeface="GangwonEduPower ExtraBold" panose="02020603020101020101" pitchFamily="18" charset="-127"/>
+              <a:latin typeface="IBM Plex Sans KR Thin" panose="020B0203050203000203" pitchFamily="34" charset="-127"/>
+              <a:ea typeface="IBM Plex Sans KR Thin" panose="020B0203050203000203" pitchFamily="34" charset="-127"/>
             </a:endParaRPr>
           </a:p>
         </p:txBody>
@@ -7079,15 +7079,15 @@
             </a:r>
             <a:r>
               <a:rPr kumimoji="1" lang="ko-KR" altLang="en-US" sz="1500" dirty="0" err="1">
-                <a:latin typeface="Apple SD Gothic Neo Thin" panose="02000300000000000000" pitchFamily="2" charset="-127"/>
-                <a:ea typeface="Apple SD Gothic Neo Thin" panose="02000300000000000000" pitchFamily="2" charset="-127"/>
+                <a:latin typeface="IBM Plex Sans KR Thin" panose="020B0203050203000203" pitchFamily="34" charset="-127"/>
+                <a:ea typeface="IBM Plex Sans KR Thin" panose="020B0203050203000203" pitchFamily="34" charset="-127"/>
               </a:rPr>
               <a:t>깃허브</a:t>
             </a:r>
             <a:r>
               <a:rPr kumimoji="1" lang="ko-KR" altLang="en-US" sz="1500" dirty="0">
-                <a:latin typeface="Apple SD Gothic Neo Thin" panose="02000300000000000000" pitchFamily="2" charset="-127"/>
-                <a:ea typeface="Apple SD Gothic Neo Thin" panose="02000300000000000000" pitchFamily="2" charset="-127"/>
+                <a:latin typeface="IBM Plex Sans KR Thin" panose="020B0203050203000203" pitchFamily="34" charset="-127"/>
+                <a:ea typeface="IBM Plex Sans KR Thin" panose="020B0203050203000203" pitchFamily="34" charset="-127"/>
               </a:rPr>
               <a:t> 주소</a:t>
             </a:r>
@@ -7098,8 +7098,8 @@
                   <a:lumOff val="35000"/>
                 </a:schemeClr>
               </a:solidFill>
-              <a:latin typeface="GangwonEduPower ExtraBold" panose="02020603020101020101" pitchFamily="18" charset="-127"/>
-              <a:ea typeface="GangwonEduPower ExtraBold" panose="02020603020101020101" pitchFamily="18" charset="-127"/>
+              <a:latin typeface="IBM Plex Sans KR Thin" panose="020B0203050203000203" pitchFamily="34" charset="-127"/>
+              <a:ea typeface="IBM Plex Sans KR Thin" panose="020B0203050203000203" pitchFamily="34" charset="-127"/>
             </a:endParaRPr>
           </a:p>
         </p:txBody>
@@ -7422,8 +7422,8 @@
             </a:r>
             <a:r>
               <a:rPr kumimoji="1" lang="ko-KR" altLang="en-US" sz="1500" dirty="0">
-                <a:latin typeface="Apple SD Gothic Neo Thin" panose="02000300000000000000" pitchFamily="2" charset="-127"/>
-                <a:ea typeface="Apple SD Gothic Neo Thin" panose="02000300000000000000" pitchFamily="2" charset="-127"/>
+                <a:latin typeface="IBM Plex Sans KR Thin" panose="020B0203050203000203" pitchFamily="34" charset="-127"/>
+                <a:ea typeface="IBM Plex Sans KR Thin" panose="020B0203050203000203" pitchFamily="34" charset="-127"/>
               </a:rPr>
               <a:t>질의 응답</a:t>
             </a:r>
@@ -7434,8 +7434,8 @@
                   <a:lumOff val="35000"/>
                 </a:schemeClr>
               </a:solidFill>
-              <a:latin typeface="GangwonEduPower ExtraBold" panose="02020603020101020101" pitchFamily="18" charset="-127"/>
-              <a:ea typeface="GangwonEduPower ExtraBold" panose="02020603020101020101" pitchFamily="18" charset="-127"/>
+              <a:latin typeface="IBM Plex Sans KR Thin" panose="020B0203050203000203" pitchFamily="34" charset="-127"/>
+              <a:ea typeface="IBM Plex Sans KR Thin" panose="020B0203050203000203" pitchFamily="34" charset="-127"/>
             </a:endParaRPr>
           </a:p>
         </p:txBody>
@@ -7557,57 +7557,36 @@
           </a:prstGeom>
         </p:spPr>
       </p:pic>
-      <p:sp>
-        <p:nvSpPr>
-          <p:cNvPr id="6" name="직사각형 5">
-            <a:extLst>
-              <a:ext uri="{FF2B5EF4-FFF2-40B4-BE49-F238E27FC236}">
-                <a16:creationId xmlns:a16="http://schemas.microsoft.com/office/drawing/2014/main" id="{D7664DCA-AAC8-1444-9091-C741007707D8}"/>
-              </a:ext>
-            </a:extLst>
-          </p:cNvPr>
-          <p:cNvSpPr/>
+      <p:pic>
+        <p:nvPicPr>
+          <p:cNvPr id="3" name="그림 2">
+            <a:extLst>
+              <a:ext uri="{FF2B5EF4-FFF2-40B4-BE49-F238E27FC236}">
+                <a16:creationId xmlns:a16="http://schemas.microsoft.com/office/drawing/2014/main" id="{E76E7D40-E3A8-EE45-BD66-0ECB43296233}"/>
+              </a:ext>
+            </a:extLst>
+          </p:cNvPr>
+          <p:cNvPicPr>
+            <a:picLocks noChangeAspect="1"/>
+          </p:cNvPicPr>
           <p:nvPr/>
-        </p:nvSpPr>
-        <p:spPr>
-          <a:xfrm>
-            <a:off x="650329" y="2644170"/>
-            <a:ext cx="10375533" cy="2215991"/>
+        </p:nvPicPr>
+        <p:blipFill>
+          <a:blip r:embed="rId3"/>
+          <a:stretch>
+            <a:fillRect/>
+          </a:stretch>
+        </p:blipFill>
+        <p:spPr>
+          <a:xfrm>
+            <a:off x="914400" y="2330450"/>
+            <a:ext cx="10363200" cy="2197100"/>
           </a:xfrm>
           <a:prstGeom prst="rect">
             <a:avLst/>
           </a:prstGeom>
-          <a:noFill/>
-        </p:spPr>
-        <p:txBody>
-          <a:bodyPr wrap="none" lIns="91440" tIns="45720" rIns="91440" bIns="45720">
-            <a:spAutoFit/>
-          </a:bodyPr>
-          <a:lstStyle/>
-          <a:p>
-            <a:pPr algn="ctr"/>
-            <a:r>
-              <a:rPr lang="en-US" altLang="ko-KR" sz="13800" b="1" cap="none" spc="0" dirty="0">
-                <a:ln w="0"/>
-                <a:gradFill>
-                  <a:gsLst>
-                    <a:gs pos="21000">
-                      <a:srgbClr val="53575C"/>
-                    </a:gs>
-                    <a:gs pos="88000">
-                      <a:srgbClr val="C5C7CA"/>
-                    </a:gs>
-                  </a:gsLst>
-                  <a:lin ang="5400000"/>
-                </a:gradFill>
-                <a:effectLst/>
-                <a:latin typeface="Bodoni 72 Oldstyle Book" pitchFamily="2" charset="0"/>
-              </a:rPr>
-              <a:t>THANK YOU!</a:t>
-            </a:r>
-          </a:p>
-        </p:txBody>
-      </p:sp>
+        </p:spPr>
+      </p:pic>
     </p:spTree>
     <p:extLst>
       <p:ext uri="{BB962C8B-B14F-4D97-AF65-F5344CB8AC3E}">

--- a/docs/발표.pptx
+++ b/docs/발표.pptx
@@ -5,18 +5,19 @@
     <p:sldMasterId id="2147483648" r:id="rId1"/>
   </p:sldMasterIdLst>
   <p:notesMasterIdLst>
-    <p:notesMasterId r:id="rId11"/>
+    <p:notesMasterId r:id="rId12"/>
   </p:notesMasterIdLst>
   <p:sldIdLst>
     <p:sldId id="256" r:id="rId2"/>
     <p:sldId id="262" r:id="rId3"/>
     <p:sldId id="260" r:id="rId4"/>
-    <p:sldId id="263" r:id="rId5"/>
-    <p:sldId id="264" r:id="rId6"/>
-    <p:sldId id="265" r:id="rId7"/>
-    <p:sldId id="266" r:id="rId8"/>
-    <p:sldId id="267" r:id="rId9"/>
-    <p:sldId id="261" r:id="rId10"/>
+    <p:sldId id="268" r:id="rId5"/>
+    <p:sldId id="263" r:id="rId6"/>
+    <p:sldId id="264" r:id="rId7"/>
+    <p:sldId id="265" r:id="rId8"/>
+    <p:sldId id="266" r:id="rId9"/>
+    <p:sldId id="267" r:id="rId10"/>
+    <p:sldId id="261" r:id="rId11"/>
   </p:sldIdLst>
   <p:sldSz cx="12192000" cy="6858000"/>
   <p:notesSz cx="6858000" cy="9144000"/>
@@ -124,6 +125,4037 @@
     </p:ext>
   </p:extLst>
 </p:presentation>
+</file>
+
+<file path=ppt/charts/chart1.xml><?xml version="1.0" encoding="utf-8"?>
+<c:chartSpace xmlns:c="http://schemas.openxmlformats.org/drawingml/2006/chart" xmlns:a="http://schemas.openxmlformats.org/drawingml/2006/main" xmlns:r="http://schemas.openxmlformats.org/officeDocument/2006/relationships" xmlns:c16r2="http://schemas.microsoft.com/office/drawing/2015/06/chart">
+  <c:date1904 val="0"/>
+  <c:lang val="ko-KR"/>
+  <c:roundedCorners val="0"/>
+  <mc:AlternateContent xmlns:mc="http://schemas.openxmlformats.org/markup-compatibility/2006">
+    <mc:Choice xmlns:c14="http://schemas.microsoft.com/office/drawing/2007/8/2/chart" Requires="c14">
+      <c14:style val="102"/>
+    </mc:Choice>
+    <mc:Fallback>
+      <c:style val="2"/>
+    </mc:Fallback>
+  </mc:AlternateContent>
+  <c:chart>
+    <c:title>
+      <c:tx>
+        <c:rich>
+          <a:bodyPr rot="0" spcFirstLastPara="1" vertOverflow="ellipsis" vert="horz" wrap="square" anchor="ctr" anchorCtr="1"/>
+          <a:lstStyle/>
+          <a:p>
+            <a:pPr>
+              <a:defRPr sz="1862" b="1" i="0" u="none" strike="noStrike" kern="1200" spc="0" baseline="0">
+                <a:solidFill>
+                  <a:schemeClr val="tx1">
+                    <a:lumMod val="65000"/>
+                    <a:lumOff val="35000"/>
+                  </a:schemeClr>
+                </a:solidFill>
+                <a:latin typeface="+mn-lt"/>
+                <a:ea typeface="+mn-ea"/>
+                <a:cs typeface="+mn-cs"/>
+              </a:defRPr>
+            </a:pPr>
+            <a:r>
+              <a:rPr lang="ko-KR" altLang="en-US" sz="1200" b="1" dirty="0">
+                <a:latin typeface="IBM Plex Sans KR Thin" panose="020B0203050203000203" pitchFamily="34" charset="-127"/>
+                <a:ea typeface="IBM Plex Sans KR Thin" panose="020B0203050203000203" pitchFamily="34" charset="-127"/>
+              </a:rPr>
+              <a:t>반려 동물 양육 인구 증가 추이</a:t>
+            </a:r>
+          </a:p>
+        </c:rich>
+      </c:tx>
+      <c:overlay val="0"/>
+      <c:spPr>
+        <a:noFill/>
+        <a:ln>
+          <a:noFill/>
+        </a:ln>
+        <a:effectLst/>
+      </c:spPr>
+      <c:txPr>
+        <a:bodyPr rot="0" spcFirstLastPara="1" vertOverflow="ellipsis" vert="horz" wrap="square" anchor="ctr" anchorCtr="1"/>
+        <a:lstStyle/>
+        <a:p>
+          <a:pPr>
+            <a:defRPr sz="1862" b="1" i="0" u="none" strike="noStrike" kern="1200" spc="0" baseline="0">
+              <a:solidFill>
+                <a:schemeClr val="tx1">
+                  <a:lumMod val="65000"/>
+                  <a:lumOff val="35000"/>
+                </a:schemeClr>
+              </a:solidFill>
+              <a:latin typeface="+mn-lt"/>
+              <a:ea typeface="+mn-ea"/>
+              <a:cs typeface="+mn-cs"/>
+            </a:defRPr>
+          </a:pPr>
+          <a:endParaRPr lang="ko-KR"/>
+        </a:p>
+      </c:txPr>
+    </c:title>
+    <c:autoTitleDeleted val="0"/>
+    <c:plotArea>
+      <c:layout>
+        <c:manualLayout>
+          <c:layoutTarget val="inner"/>
+          <c:xMode val="edge"/>
+          <c:yMode val="edge"/>
+          <c:x val="3.6111114701256136E-2"/>
+          <c:y val="0.13218188094077457"/>
+          <c:w val="0.92777777059748778"/>
+          <c:h val="0.7494180683766829"/>
+        </c:manualLayout>
+      </c:layout>
+      <c:lineChart>
+        <c:grouping val="standard"/>
+        <c:varyColors val="0"/>
+        <c:ser>
+          <c:idx val="0"/>
+          <c:order val="0"/>
+          <c:tx>
+            <c:strRef>
+              <c:f>Sheet1!$B$1</c:f>
+              <c:strCache>
+                <c:ptCount val="1"/>
+                <c:pt idx="0">
+                  <c:v>반려 동물 양육 비율</c:v>
+                </c:pt>
+              </c:strCache>
+            </c:strRef>
+          </c:tx>
+          <c:spPr>
+            <a:ln w="28575" cap="rnd">
+              <a:solidFill>
+                <a:srgbClr val="FFC000"/>
+              </a:solidFill>
+              <a:round/>
+            </a:ln>
+            <a:effectLst/>
+          </c:spPr>
+          <c:marker>
+            <c:symbol val="circle"/>
+            <c:size val="5"/>
+            <c:spPr>
+              <a:solidFill>
+                <a:srgbClr val="FFC000"/>
+              </a:solidFill>
+              <a:ln w="9525">
+                <a:solidFill>
+                  <a:srgbClr val="FFC000"/>
+                </a:solidFill>
+              </a:ln>
+              <a:effectLst/>
+            </c:spPr>
+          </c:marker>
+          <c:cat>
+            <c:numRef>
+              <c:f>Sheet1!$A$2:$A$5</c:f>
+              <c:numCache>
+                <c:formatCode>General</c:formatCode>
+                <c:ptCount val="4"/>
+              </c:numCache>
+            </c:numRef>
+          </c:cat>
+          <c:val>
+            <c:numRef>
+              <c:f>Sheet1!$B$2:$B$5</c:f>
+              <c:numCache>
+                <c:formatCode>General</c:formatCode>
+                <c:ptCount val="4"/>
+                <c:pt idx="0">
+                  <c:v>2</c:v>
+                </c:pt>
+                <c:pt idx="1">
+                  <c:v>3</c:v>
+                </c:pt>
+                <c:pt idx="2">
+                  <c:v>4</c:v>
+                </c:pt>
+                <c:pt idx="3">
+                  <c:v>6</c:v>
+                </c:pt>
+              </c:numCache>
+            </c:numRef>
+          </c:val>
+          <c:smooth val="0"/>
+          <c:extLst>
+            <c:ext xmlns:c16="http://schemas.microsoft.com/office/drawing/2014/chart" uri="{C3380CC4-5D6E-409C-BE32-E72D297353CC}">
+              <c16:uniqueId val="{00000000-6458-4142-8A04-E65DBE0AD96D}"/>
+            </c:ext>
+          </c:extLst>
+        </c:ser>
+        <c:dLbls>
+          <c:showLegendKey val="0"/>
+          <c:showVal val="0"/>
+          <c:showCatName val="0"/>
+          <c:showSerName val="0"/>
+          <c:showPercent val="0"/>
+          <c:showBubbleSize val="0"/>
+        </c:dLbls>
+        <c:marker val="1"/>
+        <c:smooth val="0"/>
+        <c:axId val="2058646895"/>
+        <c:axId val="2058547503"/>
+      </c:lineChart>
+      <c:catAx>
+        <c:axId val="2058646895"/>
+        <c:scaling>
+          <c:orientation val="minMax"/>
+        </c:scaling>
+        <c:delete val="0"/>
+        <c:axPos val="b"/>
+        <c:numFmt formatCode="General" sourceLinked="1"/>
+        <c:majorTickMark val="none"/>
+        <c:minorTickMark val="none"/>
+        <c:tickLblPos val="nextTo"/>
+        <c:spPr>
+          <a:noFill/>
+          <a:ln w="9525" cap="flat" cmpd="sng" algn="ctr">
+            <a:solidFill>
+              <a:schemeClr val="tx1">
+                <a:lumMod val="15000"/>
+                <a:lumOff val="85000"/>
+              </a:schemeClr>
+            </a:solidFill>
+            <a:round/>
+          </a:ln>
+          <a:effectLst/>
+        </c:spPr>
+        <c:txPr>
+          <a:bodyPr rot="-60000000" spcFirstLastPara="1" vertOverflow="ellipsis" vert="horz" wrap="square" anchor="ctr" anchorCtr="1"/>
+          <a:lstStyle/>
+          <a:p>
+            <a:pPr>
+              <a:defRPr sz="1197" b="0" i="0" u="none" strike="noStrike" kern="1200" baseline="0">
+                <a:solidFill>
+                  <a:schemeClr val="tx1">
+                    <a:lumMod val="65000"/>
+                    <a:lumOff val="35000"/>
+                  </a:schemeClr>
+                </a:solidFill>
+                <a:latin typeface="+mn-lt"/>
+                <a:ea typeface="+mn-ea"/>
+                <a:cs typeface="+mn-cs"/>
+              </a:defRPr>
+            </a:pPr>
+            <a:endParaRPr lang="ko-KR"/>
+          </a:p>
+        </c:txPr>
+        <c:crossAx val="2058547503"/>
+        <c:crosses val="autoZero"/>
+        <c:auto val="1"/>
+        <c:lblAlgn val="ctr"/>
+        <c:lblOffset val="100"/>
+        <c:noMultiLvlLbl val="0"/>
+      </c:catAx>
+      <c:valAx>
+        <c:axId val="2058547503"/>
+        <c:scaling>
+          <c:orientation val="minMax"/>
+        </c:scaling>
+        <c:delete val="1"/>
+        <c:axPos val="l"/>
+        <c:numFmt formatCode="General" sourceLinked="1"/>
+        <c:majorTickMark val="none"/>
+        <c:minorTickMark val="none"/>
+        <c:tickLblPos val="nextTo"/>
+        <c:crossAx val="2058646895"/>
+        <c:crosses val="autoZero"/>
+        <c:crossBetween val="between"/>
+      </c:valAx>
+      <c:spPr>
+        <a:noFill/>
+        <a:ln w="12700">
+          <a:solidFill>
+            <a:schemeClr val="bg1">
+              <a:lumMod val="65000"/>
+            </a:schemeClr>
+          </a:solidFill>
+        </a:ln>
+        <a:effectLst/>
+      </c:spPr>
+    </c:plotArea>
+    <c:legend>
+      <c:legendPos val="b"/>
+      <c:overlay val="0"/>
+      <c:spPr>
+        <a:noFill/>
+        <a:ln>
+          <a:noFill/>
+        </a:ln>
+        <a:effectLst/>
+      </c:spPr>
+      <c:txPr>
+        <a:bodyPr rot="0" spcFirstLastPara="1" vertOverflow="ellipsis" vert="horz" wrap="square" anchor="ctr" anchorCtr="1"/>
+        <a:lstStyle/>
+        <a:p>
+          <a:pPr>
+            <a:defRPr sz="600" b="0" i="0" u="none" strike="noStrike" kern="1200" baseline="0">
+              <a:solidFill>
+                <a:schemeClr val="tx1">
+                  <a:lumMod val="65000"/>
+                  <a:lumOff val="35000"/>
+                </a:schemeClr>
+              </a:solidFill>
+              <a:latin typeface="+mn-lt"/>
+              <a:ea typeface="+mn-ea"/>
+              <a:cs typeface="+mn-cs"/>
+            </a:defRPr>
+          </a:pPr>
+          <a:endParaRPr lang="ko-KR"/>
+        </a:p>
+      </c:txPr>
+    </c:legend>
+    <c:plotVisOnly val="1"/>
+    <c:dispBlanksAs val="gap"/>
+    <c:extLst>
+      <c:ext xmlns:c16r3="http://schemas.microsoft.com/office/drawing/2017/03/chart" uri="{56B9EC1D-385E-4148-901F-78D8002777C0}">
+        <c16r3:dataDisplayOptions16>
+          <c16r3:dispNaAsBlank val="1"/>
+        </c16r3:dataDisplayOptions16>
+      </c:ext>
+    </c:extLst>
+    <c:showDLblsOverMax val="0"/>
+  </c:chart>
+  <c:spPr>
+    <a:noFill/>
+    <a:ln w="25400">
+      <a:solidFill>
+        <a:schemeClr val="tx1">
+          <a:lumMod val="50000"/>
+          <a:lumOff val="50000"/>
+        </a:schemeClr>
+      </a:solidFill>
+    </a:ln>
+    <a:effectLst/>
+  </c:spPr>
+  <c:txPr>
+    <a:bodyPr/>
+    <a:lstStyle/>
+    <a:p>
+      <a:pPr>
+        <a:defRPr/>
+      </a:pPr>
+      <a:endParaRPr lang="ko-KR"/>
+    </a:p>
+  </c:txPr>
+  <c:externalData r:id="rId3">
+    <c:autoUpdate val="0"/>
+  </c:externalData>
+</c:chartSpace>
+</file>
+
+<file path=ppt/charts/colors1.xml><?xml version="1.0" encoding="utf-8"?>
+<cs:colorStyle xmlns:cs="http://schemas.microsoft.com/office/drawing/2012/chartStyle" xmlns:a="http://schemas.openxmlformats.org/drawingml/2006/main" meth="cycle" id="10">
+  <a:schemeClr val="accent1"/>
+  <a:schemeClr val="accent2"/>
+  <a:schemeClr val="accent3"/>
+  <a:schemeClr val="accent4"/>
+  <a:schemeClr val="accent5"/>
+  <a:schemeClr val="accent6"/>
+  <cs:variation/>
+  <cs:variation>
+    <a:lumMod val="60000"/>
+  </cs:variation>
+  <cs:variation>
+    <a:lumMod val="80000"/>
+    <a:lumOff val="20000"/>
+  </cs:variation>
+  <cs:variation>
+    <a:lumMod val="80000"/>
+  </cs:variation>
+  <cs:variation>
+    <a:lumMod val="60000"/>
+    <a:lumOff val="40000"/>
+  </cs:variation>
+  <cs:variation>
+    <a:lumMod val="50000"/>
+  </cs:variation>
+  <cs:variation>
+    <a:lumMod val="70000"/>
+    <a:lumOff val="30000"/>
+  </cs:variation>
+  <cs:variation>
+    <a:lumMod val="70000"/>
+  </cs:variation>
+  <cs:variation>
+    <a:lumMod val="50000"/>
+    <a:lumOff val="50000"/>
+  </cs:variation>
+</cs:colorStyle>
+</file>
+
+<file path=ppt/charts/style1.xml><?xml version="1.0" encoding="utf-8"?>
+<cs:chartStyle xmlns:cs="http://schemas.microsoft.com/office/drawing/2012/chartStyle" xmlns:a="http://schemas.openxmlformats.org/drawingml/2006/main" id="332">
+  <cs:axisTitle>
+    <cs:lnRef idx="0"/>
+    <cs:fillRef idx="0"/>
+    <cs:effectRef idx="0"/>
+    <cs:fontRef idx="minor">
+      <a:schemeClr val="tx1">
+        <a:lumMod val="65000"/>
+        <a:lumOff val="35000"/>
+      </a:schemeClr>
+    </cs:fontRef>
+    <cs:defRPr sz="1330" kern="1200"/>
+  </cs:axisTitle>
+  <cs:categoryAxis>
+    <cs:lnRef idx="0"/>
+    <cs:fillRef idx="0"/>
+    <cs:effectRef idx="0"/>
+    <cs:fontRef idx="minor">
+      <a:schemeClr val="tx1">
+        <a:lumMod val="65000"/>
+        <a:lumOff val="35000"/>
+      </a:schemeClr>
+    </cs:fontRef>
+    <cs:spPr>
+      <a:ln w="9525" cap="flat" cmpd="sng" algn="ctr">
+        <a:solidFill>
+          <a:schemeClr val="tx1">
+            <a:lumMod val="15000"/>
+            <a:lumOff val="85000"/>
+          </a:schemeClr>
+        </a:solidFill>
+        <a:round/>
+      </a:ln>
+    </cs:spPr>
+    <cs:defRPr sz="1197" kern="1200"/>
+  </cs:categoryAxis>
+  <cs:chartArea mods="allowNoFillOverride allowNoLineOverride">
+    <cs:lnRef idx="0"/>
+    <cs:fillRef idx="0"/>
+    <cs:effectRef idx="0"/>
+    <cs:fontRef idx="minor">
+      <a:schemeClr val="tx1"/>
+    </cs:fontRef>
+    <cs:spPr>
+      <a:solidFill>
+        <a:schemeClr val="bg1"/>
+      </a:solidFill>
+      <a:ln w="9525" cap="flat" cmpd="sng" algn="ctr">
+        <a:solidFill>
+          <a:schemeClr val="tx1">
+            <a:lumMod val="15000"/>
+            <a:lumOff val="85000"/>
+          </a:schemeClr>
+        </a:solidFill>
+        <a:round/>
+      </a:ln>
+    </cs:spPr>
+    <cs:defRPr sz="1330" kern="1200"/>
+  </cs:chartArea>
+  <cs:dataLabel>
+    <cs:lnRef idx="0"/>
+    <cs:fillRef idx="0"/>
+    <cs:effectRef idx="0"/>
+    <cs:fontRef idx="minor">
+      <a:schemeClr val="tx1">
+        <a:lumMod val="75000"/>
+        <a:lumOff val="25000"/>
+      </a:schemeClr>
+    </cs:fontRef>
+    <cs:defRPr sz="1197" kern="1200"/>
+  </cs:dataLabel>
+  <cs:dataLabelCallout>
+    <cs:lnRef idx="0"/>
+    <cs:fillRef idx="0"/>
+    <cs:effectRef idx="0"/>
+    <cs:fontRef idx="minor">
+      <a:schemeClr val="dk1">
+        <a:lumMod val="65000"/>
+        <a:lumOff val="35000"/>
+      </a:schemeClr>
+    </cs:fontRef>
+    <cs:spPr>
+      <a:solidFill>
+        <a:schemeClr val="lt1"/>
+      </a:solidFill>
+      <a:ln>
+        <a:solidFill>
+          <a:schemeClr val="dk1">
+            <a:lumMod val="25000"/>
+            <a:lumOff val="75000"/>
+          </a:schemeClr>
+        </a:solidFill>
+      </a:ln>
+    </cs:spPr>
+    <cs:defRPr sz="1197" kern="1200"/>
+    <cs:bodyPr rot="0" spcFirstLastPara="1" vertOverflow="clip" horzOverflow="clip" vert="horz" wrap="square" lIns="36576" tIns="18288" rIns="36576" bIns="18288" anchor="ctr" anchorCtr="1">
+      <a:spAutoFit/>
+    </cs:bodyPr>
+  </cs:dataLabelCallout>
+  <cs:dataPoint>
+    <cs:lnRef idx="0"/>
+    <cs:fillRef idx="1">
+      <cs:styleClr val="auto"/>
+    </cs:fillRef>
+    <cs:effectRef idx="0"/>
+    <cs:fontRef idx="minor">
+      <a:schemeClr val="tx1"/>
+    </cs:fontRef>
+  </cs:dataPoint>
+  <cs:dataPoint3D>
+    <cs:lnRef idx="0"/>
+    <cs:fillRef idx="1">
+      <cs:styleClr val="auto"/>
+    </cs:fillRef>
+    <cs:effectRef idx="0"/>
+    <cs:fontRef idx="minor">
+      <a:schemeClr val="tx1"/>
+    </cs:fontRef>
+  </cs:dataPoint3D>
+  <cs:dataPointLine>
+    <cs:lnRef idx="0">
+      <cs:styleClr val="auto"/>
+    </cs:lnRef>
+    <cs:fillRef idx="1"/>
+    <cs:effectRef idx="0"/>
+    <cs:fontRef idx="minor">
+      <a:schemeClr val="tx1"/>
+    </cs:fontRef>
+    <cs:spPr>
+      <a:ln w="28575" cap="rnd">
+        <a:solidFill>
+          <a:schemeClr val="phClr"/>
+        </a:solidFill>
+        <a:round/>
+      </a:ln>
+    </cs:spPr>
+  </cs:dataPointLine>
+  <cs:dataPointMarker>
+    <cs:lnRef idx="0">
+      <cs:styleClr val="auto"/>
+    </cs:lnRef>
+    <cs:fillRef idx="1">
+      <cs:styleClr val="auto"/>
+    </cs:fillRef>
+    <cs:effectRef idx="0"/>
+    <cs:fontRef idx="minor">
+      <a:schemeClr val="tx1"/>
+    </cs:fontRef>
+    <cs:spPr>
+      <a:ln w="9525">
+        <a:solidFill>
+          <a:schemeClr val="phClr"/>
+        </a:solidFill>
+      </a:ln>
+    </cs:spPr>
+  </cs:dataPointMarker>
+  <cs:dataPointMarkerLayout symbol="circle" size="5"/>
+  <cs:dataPointWireframe>
+    <cs:lnRef idx="0">
+      <cs:styleClr val="auto"/>
+    </cs:lnRef>
+    <cs:fillRef idx="1"/>
+    <cs:effectRef idx="0"/>
+    <cs:fontRef idx="minor">
+      <a:schemeClr val="tx1"/>
+    </cs:fontRef>
+    <cs:spPr>
+      <a:ln w="9525" cap="rnd">
+        <a:solidFill>
+          <a:schemeClr val="phClr"/>
+        </a:solidFill>
+        <a:round/>
+      </a:ln>
+    </cs:spPr>
+  </cs:dataPointWireframe>
+  <cs:dataTable>
+    <cs:lnRef idx="0"/>
+    <cs:fillRef idx="0"/>
+    <cs:effectRef idx="0"/>
+    <cs:fontRef idx="minor">
+      <a:schemeClr val="tx1">
+        <a:lumMod val="65000"/>
+        <a:lumOff val="35000"/>
+      </a:schemeClr>
+    </cs:fontRef>
+    <cs:spPr>
+      <a:noFill/>
+      <a:ln w="9525" cap="flat" cmpd="sng" algn="ctr">
+        <a:solidFill>
+          <a:schemeClr val="tx1">
+            <a:lumMod val="15000"/>
+            <a:lumOff val="85000"/>
+          </a:schemeClr>
+        </a:solidFill>
+        <a:round/>
+      </a:ln>
+    </cs:spPr>
+    <cs:defRPr sz="1197" kern="1200"/>
+  </cs:dataTable>
+  <cs:downBar>
+    <cs:lnRef idx="0"/>
+    <cs:fillRef idx="0"/>
+    <cs:effectRef idx="0"/>
+    <cs:fontRef idx="minor">
+      <a:schemeClr val="dk1"/>
+    </cs:fontRef>
+    <cs:spPr>
+      <a:solidFill>
+        <a:schemeClr val="dk1">
+          <a:lumMod val="65000"/>
+          <a:lumOff val="35000"/>
+        </a:schemeClr>
+      </a:solidFill>
+      <a:ln w="9525">
+        <a:solidFill>
+          <a:schemeClr val="tx1">
+            <a:lumMod val="65000"/>
+            <a:lumOff val="35000"/>
+          </a:schemeClr>
+        </a:solidFill>
+      </a:ln>
+    </cs:spPr>
+  </cs:downBar>
+  <cs:dropLine>
+    <cs:lnRef idx="0"/>
+    <cs:fillRef idx="0"/>
+    <cs:effectRef idx="0"/>
+    <cs:fontRef idx="minor">
+      <a:schemeClr val="tx1"/>
+    </cs:fontRef>
+    <cs:spPr>
+      <a:ln w="9525" cap="flat" cmpd="sng" algn="ctr">
+        <a:solidFill>
+          <a:schemeClr val="tx1">
+            <a:lumMod val="35000"/>
+            <a:lumOff val="65000"/>
+          </a:schemeClr>
+        </a:solidFill>
+        <a:round/>
+      </a:ln>
+    </cs:spPr>
+  </cs:dropLine>
+  <cs:errorBar>
+    <cs:lnRef idx="0"/>
+    <cs:fillRef idx="0"/>
+    <cs:effectRef idx="0"/>
+    <cs:fontRef idx="minor">
+      <a:schemeClr val="tx1"/>
+    </cs:fontRef>
+    <cs:spPr>
+      <a:ln w="9525" cap="flat" cmpd="sng" algn="ctr">
+        <a:solidFill>
+          <a:schemeClr val="tx1">
+            <a:lumMod val="65000"/>
+            <a:lumOff val="35000"/>
+          </a:schemeClr>
+        </a:solidFill>
+        <a:round/>
+      </a:ln>
+    </cs:spPr>
+  </cs:errorBar>
+  <cs:floor>
+    <cs:lnRef idx="0"/>
+    <cs:fillRef idx="0"/>
+    <cs:effectRef idx="0"/>
+    <cs:fontRef idx="minor">
+      <a:schemeClr val="tx1"/>
+    </cs:fontRef>
+    <cs:spPr>
+      <a:noFill/>
+      <a:ln>
+        <a:noFill/>
+      </a:ln>
+    </cs:spPr>
+  </cs:floor>
+  <cs:gridlineMajor>
+    <cs:lnRef idx="0"/>
+    <cs:fillRef idx="0"/>
+    <cs:effectRef idx="0"/>
+    <cs:fontRef idx="minor">
+      <a:schemeClr val="tx1"/>
+    </cs:fontRef>
+    <cs:spPr>
+      <a:ln w="9525" cap="flat" cmpd="sng" algn="ctr">
+        <a:solidFill>
+          <a:schemeClr val="tx1">
+            <a:lumMod val="15000"/>
+            <a:lumOff val="85000"/>
+          </a:schemeClr>
+        </a:solidFill>
+        <a:round/>
+      </a:ln>
+    </cs:spPr>
+  </cs:gridlineMajor>
+  <cs:gridlineMinor>
+    <cs:lnRef idx="0"/>
+    <cs:fillRef idx="0"/>
+    <cs:effectRef idx="0"/>
+    <cs:fontRef idx="minor">
+      <a:schemeClr val="tx1"/>
+    </cs:fontRef>
+    <cs:spPr>
+      <a:ln w="9525" cap="flat" cmpd="sng" algn="ctr">
+        <a:solidFill>
+          <a:schemeClr val="tx1">
+            <a:lumMod val="5000"/>
+            <a:lumOff val="95000"/>
+          </a:schemeClr>
+        </a:solidFill>
+        <a:round/>
+      </a:ln>
+    </cs:spPr>
+  </cs:gridlineMinor>
+  <cs:hiLoLine>
+    <cs:lnRef idx="0"/>
+    <cs:fillRef idx="0"/>
+    <cs:effectRef idx="0"/>
+    <cs:fontRef idx="minor">
+      <a:schemeClr val="tx1"/>
+    </cs:fontRef>
+    <cs:spPr>
+      <a:ln w="9525" cap="flat" cmpd="sng" algn="ctr">
+        <a:solidFill>
+          <a:schemeClr val="tx1">
+            <a:lumMod val="75000"/>
+            <a:lumOff val="25000"/>
+          </a:schemeClr>
+        </a:solidFill>
+        <a:round/>
+      </a:ln>
+    </cs:spPr>
+  </cs:hiLoLine>
+  <cs:leaderLine>
+    <cs:lnRef idx="0"/>
+    <cs:fillRef idx="0"/>
+    <cs:effectRef idx="0"/>
+    <cs:fontRef idx="minor">
+      <a:schemeClr val="tx1"/>
+    </cs:fontRef>
+    <cs:spPr>
+      <a:ln w="9525" cap="flat" cmpd="sng" algn="ctr">
+        <a:solidFill>
+          <a:schemeClr val="tx1">
+            <a:lumMod val="35000"/>
+            <a:lumOff val="65000"/>
+          </a:schemeClr>
+        </a:solidFill>
+        <a:round/>
+      </a:ln>
+    </cs:spPr>
+  </cs:leaderLine>
+  <cs:legend>
+    <cs:lnRef idx="0"/>
+    <cs:fillRef idx="0"/>
+    <cs:effectRef idx="0"/>
+    <cs:fontRef idx="minor">
+      <a:schemeClr val="tx1">
+        <a:lumMod val="65000"/>
+        <a:lumOff val="35000"/>
+      </a:schemeClr>
+    </cs:fontRef>
+    <cs:defRPr sz="1197" kern="1200"/>
+  </cs:legend>
+  <cs:plotArea mods="allowNoFillOverride allowNoLineOverride">
+    <cs:lnRef idx="0"/>
+    <cs:fillRef idx="0"/>
+    <cs:effectRef idx="0"/>
+    <cs:fontRef idx="minor">
+      <a:schemeClr val="tx1"/>
+    </cs:fontRef>
+  </cs:plotArea>
+  <cs:plotArea3D mods="allowNoFillOverride allowNoLineOverride">
+    <cs:lnRef idx="0"/>
+    <cs:fillRef idx="0"/>
+    <cs:effectRef idx="0"/>
+    <cs:fontRef idx="minor">
+      <a:schemeClr val="tx1"/>
+    </cs:fontRef>
+  </cs:plotArea3D>
+  <cs:seriesAxis>
+    <cs:lnRef idx="0"/>
+    <cs:fillRef idx="0"/>
+    <cs:effectRef idx="0"/>
+    <cs:fontRef idx="minor">
+      <a:schemeClr val="tx1">
+        <a:lumMod val="65000"/>
+        <a:lumOff val="35000"/>
+      </a:schemeClr>
+    </cs:fontRef>
+    <cs:defRPr sz="1197" kern="1200"/>
+  </cs:seriesAxis>
+  <cs:seriesLine>
+    <cs:lnRef idx="0"/>
+    <cs:fillRef idx="0"/>
+    <cs:effectRef idx="0"/>
+    <cs:fontRef idx="minor">
+      <a:schemeClr val="tx1"/>
+    </cs:fontRef>
+    <cs:spPr>
+      <a:ln w="9525" cap="flat" cmpd="sng" algn="ctr">
+        <a:solidFill>
+          <a:schemeClr val="tx1">
+            <a:lumMod val="35000"/>
+            <a:lumOff val="65000"/>
+          </a:schemeClr>
+        </a:solidFill>
+        <a:round/>
+      </a:ln>
+    </cs:spPr>
+  </cs:seriesLine>
+  <cs:title>
+    <cs:lnRef idx="0"/>
+    <cs:fillRef idx="0"/>
+    <cs:effectRef idx="0"/>
+    <cs:fontRef idx="minor">
+      <a:schemeClr val="tx1">
+        <a:lumMod val="65000"/>
+        <a:lumOff val="35000"/>
+      </a:schemeClr>
+    </cs:fontRef>
+    <cs:defRPr sz="1862" b="0" kern="1200" spc="0" baseline="0"/>
+  </cs:title>
+  <cs:trendline>
+    <cs:lnRef idx="0">
+      <cs:styleClr val="auto"/>
+    </cs:lnRef>
+    <cs:fillRef idx="0"/>
+    <cs:effectRef idx="0"/>
+    <cs:fontRef idx="minor">
+      <a:schemeClr val="tx1"/>
+    </cs:fontRef>
+    <cs:spPr>
+      <a:ln w="19050" cap="rnd">
+        <a:solidFill>
+          <a:schemeClr val="phClr"/>
+        </a:solidFill>
+        <a:prstDash val="sysDot"/>
+      </a:ln>
+    </cs:spPr>
+  </cs:trendline>
+  <cs:trendlineLabel>
+    <cs:lnRef idx="0"/>
+    <cs:fillRef idx="0"/>
+    <cs:effectRef idx="0"/>
+    <cs:fontRef idx="minor">
+      <a:schemeClr val="tx1">
+        <a:lumMod val="65000"/>
+        <a:lumOff val="35000"/>
+      </a:schemeClr>
+    </cs:fontRef>
+    <cs:defRPr sz="1197" kern="1200"/>
+  </cs:trendlineLabel>
+  <cs:upBar>
+    <cs:lnRef idx="0"/>
+    <cs:fillRef idx="0"/>
+    <cs:effectRef idx="0"/>
+    <cs:fontRef idx="minor">
+      <a:schemeClr val="dk1"/>
+    </cs:fontRef>
+    <cs:spPr>
+      <a:solidFill>
+        <a:schemeClr val="lt1"/>
+      </a:solidFill>
+      <a:ln w="9525">
+        <a:solidFill>
+          <a:schemeClr val="tx1">
+            <a:lumMod val="15000"/>
+            <a:lumOff val="85000"/>
+          </a:schemeClr>
+        </a:solidFill>
+      </a:ln>
+    </cs:spPr>
+  </cs:upBar>
+  <cs:valueAxis>
+    <cs:lnRef idx="0"/>
+    <cs:fillRef idx="0"/>
+    <cs:effectRef idx="0"/>
+    <cs:fontRef idx="minor">
+      <a:schemeClr val="tx1">
+        <a:lumMod val="65000"/>
+        <a:lumOff val="35000"/>
+      </a:schemeClr>
+    </cs:fontRef>
+    <cs:defRPr sz="1197" kern="1200"/>
+  </cs:valueAxis>
+  <cs:wall>
+    <cs:lnRef idx="0"/>
+    <cs:fillRef idx="0"/>
+    <cs:effectRef idx="0"/>
+    <cs:fontRef idx="minor">
+      <a:schemeClr val="tx1"/>
+    </cs:fontRef>
+    <cs:spPr>
+      <a:noFill/>
+      <a:ln>
+        <a:noFill/>
+      </a:ln>
+    </cs:spPr>
+  </cs:wall>
+</cs:chartStyle>
+</file>
+
+<file path=ppt/diagrams/colors1.xml><?xml version="1.0" encoding="utf-8"?>
+<dgm:colorsDef xmlns:dgm="http://schemas.openxmlformats.org/drawingml/2006/diagram" xmlns:a="http://schemas.openxmlformats.org/drawingml/2006/main" uniqueId="urn:microsoft.com/office/officeart/2005/8/colors/accent1_2">
+  <dgm:title val=""/>
+  <dgm:desc val=""/>
+  <dgm:catLst>
+    <dgm:cat type="accent1" pri="11200"/>
+  </dgm:catLst>
+  <dgm:styleLbl name="node0">
+    <dgm:fillClrLst meth="repeat">
+      <a:schemeClr val="accent1"/>
+    </dgm:fillClrLst>
+    <dgm:linClrLst meth="repeat">
+      <a:schemeClr val="lt1"/>
+    </dgm:linClrLst>
+    <dgm:effectClrLst/>
+    <dgm:txLinClrLst/>
+    <dgm:txFillClrLst/>
+    <dgm:txEffectClrLst/>
+  </dgm:styleLbl>
+  <dgm:styleLbl name="alignNode1">
+    <dgm:fillClrLst meth="repeat">
+      <a:schemeClr val="accent1"/>
+    </dgm:fillClrLst>
+    <dgm:linClrLst meth="repeat">
+      <a:schemeClr val="accent1"/>
+    </dgm:linClrLst>
+    <dgm:effectClrLst/>
+    <dgm:txLinClrLst/>
+    <dgm:txFillClrLst/>
+    <dgm:txEffectClrLst/>
+  </dgm:styleLbl>
+  <dgm:styleLbl name="node1">
+    <dgm:fillClrLst meth="repeat">
+      <a:schemeClr val="accent1"/>
+    </dgm:fillClrLst>
+    <dgm:linClrLst meth="repeat">
+      <a:schemeClr val="lt1"/>
+    </dgm:linClrLst>
+    <dgm:effectClrLst/>
+    <dgm:txLinClrLst/>
+    <dgm:txFillClrLst/>
+    <dgm:txEffectClrLst/>
+  </dgm:styleLbl>
+  <dgm:styleLbl name="lnNode1">
+    <dgm:fillClrLst meth="repeat">
+      <a:schemeClr val="accent1"/>
+    </dgm:fillClrLst>
+    <dgm:linClrLst meth="repeat">
+      <a:schemeClr val="lt1"/>
+    </dgm:linClrLst>
+    <dgm:effectClrLst/>
+    <dgm:txLinClrLst/>
+    <dgm:txFillClrLst/>
+    <dgm:txEffectClrLst/>
+  </dgm:styleLbl>
+  <dgm:styleLbl name="vennNode1">
+    <dgm:fillClrLst meth="repeat">
+      <a:schemeClr val="accent1">
+        <a:alpha val="50000"/>
+      </a:schemeClr>
+    </dgm:fillClrLst>
+    <dgm:linClrLst meth="repeat">
+      <a:schemeClr val="lt1"/>
+    </dgm:linClrLst>
+    <dgm:effectClrLst/>
+    <dgm:txLinClrLst/>
+    <dgm:txFillClrLst/>
+    <dgm:txEffectClrLst/>
+  </dgm:styleLbl>
+  <dgm:styleLbl name="node2">
+    <dgm:fillClrLst meth="repeat">
+      <a:schemeClr val="accent1"/>
+    </dgm:fillClrLst>
+    <dgm:linClrLst meth="repeat">
+      <a:schemeClr val="lt1"/>
+    </dgm:linClrLst>
+    <dgm:effectClrLst/>
+    <dgm:txLinClrLst/>
+    <dgm:txFillClrLst/>
+    <dgm:txEffectClrLst/>
+  </dgm:styleLbl>
+  <dgm:styleLbl name="node3">
+    <dgm:fillClrLst meth="repeat">
+      <a:schemeClr val="accent1"/>
+    </dgm:fillClrLst>
+    <dgm:linClrLst meth="repeat">
+      <a:schemeClr val="lt1"/>
+    </dgm:linClrLst>
+    <dgm:effectClrLst/>
+    <dgm:txLinClrLst/>
+    <dgm:txFillClrLst/>
+    <dgm:txEffectClrLst/>
+  </dgm:styleLbl>
+  <dgm:styleLbl name="node4">
+    <dgm:fillClrLst meth="repeat">
+      <a:schemeClr val="accent1"/>
+    </dgm:fillClrLst>
+    <dgm:linClrLst meth="repeat">
+      <a:schemeClr val="lt1"/>
+    </dgm:linClrLst>
+    <dgm:effectClrLst/>
+    <dgm:txLinClrLst/>
+    <dgm:txFillClrLst/>
+    <dgm:txEffectClrLst/>
+  </dgm:styleLbl>
+  <dgm:styleLbl name="fgImgPlace1">
+    <dgm:fillClrLst meth="repeat">
+      <a:schemeClr val="accent1">
+        <a:tint val="50000"/>
+      </a:schemeClr>
+    </dgm:fillClrLst>
+    <dgm:linClrLst meth="repeat">
+      <a:schemeClr val="lt1"/>
+    </dgm:linClrLst>
+    <dgm:effectClrLst/>
+    <dgm:txLinClrLst/>
+    <dgm:txFillClrLst meth="repeat">
+      <a:schemeClr val="lt1"/>
+    </dgm:txFillClrLst>
+    <dgm:txEffectClrLst/>
+  </dgm:styleLbl>
+  <dgm:styleLbl name="alignImgPlace1">
+    <dgm:fillClrLst meth="repeat">
+      <a:schemeClr val="accent1">
+        <a:tint val="50000"/>
+      </a:schemeClr>
+    </dgm:fillClrLst>
+    <dgm:linClrLst meth="repeat">
+      <a:schemeClr val="lt1"/>
+    </dgm:linClrLst>
+    <dgm:effectClrLst/>
+    <dgm:txLinClrLst/>
+    <dgm:txFillClrLst meth="repeat">
+      <a:schemeClr val="lt1"/>
+    </dgm:txFillClrLst>
+    <dgm:txEffectClrLst/>
+  </dgm:styleLbl>
+  <dgm:styleLbl name="bgImgPlace1">
+    <dgm:fillClrLst meth="repeat">
+      <a:schemeClr val="accent1">
+        <a:tint val="50000"/>
+      </a:schemeClr>
+    </dgm:fillClrLst>
+    <dgm:linClrLst meth="repeat">
+      <a:schemeClr val="lt1"/>
+    </dgm:linClrLst>
+    <dgm:effectClrLst/>
+    <dgm:txLinClrLst/>
+    <dgm:txFillClrLst meth="repeat">
+      <a:schemeClr val="lt1"/>
+    </dgm:txFillClrLst>
+    <dgm:txEffectClrLst/>
+  </dgm:styleLbl>
+  <dgm:styleLbl name="sibTrans2D1">
+    <dgm:fillClrLst meth="repeat">
+      <a:schemeClr val="accent1">
+        <a:tint val="60000"/>
+      </a:schemeClr>
+    </dgm:fillClrLst>
+    <dgm:linClrLst meth="repeat">
+      <a:schemeClr val="accent1">
+        <a:tint val="60000"/>
+      </a:schemeClr>
+    </dgm:linClrLst>
+    <dgm:effectClrLst/>
+    <dgm:txLinClrLst/>
+    <dgm:txFillClrLst/>
+    <dgm:txEffectClrLst/>
+  </dgm:styleLbl>
+  <dgm:styleLbl name="fgSibTrans2D1">
+    <dgm:fillClrLst meth="repeat">
+      <a:schemeClr val="accent1">
+        <a:tint val="60000"/>
+      </a:schemeClr>
+    </dgm:fillClrLst>
+    <dgm:linClrLst meth="repeat">
+      <a:schemeClr val="accent1">
+        <a:tint val="60000"/>
+      </a:schemeClr>
+    </dgm:linClrLst>
+    <dgm:effectClrLst/>
+    <dgm:txLinClrLst/>
+    <dgm:txFillClrLst/>
+    <dgm:txEffectClrLst/>
+  </dgm:styleLbl>
+  <dgm:styleLbl name="bgSibTrans2D1">
+    <dgm:fillClrLst meth="repeat">
+      <a:schemeClr val="accent1">
+        <a:tint val="60000"/>
+      </a:schemeClr>
+    </dgm:fillClrLst>
+    <dgm:linClrLst meth="repeat">
+      <a:schemeClr val="accent1">
+        <a:tint val="60000"/>
+      </a:schemeClr>
+    </dgm:linClrLst>
+    <dgm:effectClrLst/>
+    <dgm:txLinClrLst/>
+    <dgm:txFillClrLst/>
+    <dgm:txEffectClrLst/>
+  </dgm:styleLbl>
+  <dgm:styleLbl name="sibTrans1D1">
+    <dgm:fillClrLst meth="repeat">
+      <a:schemeClr val="accent1"/>
+    </dgm:fillClrLst>
+    <dgm:linClrLst meth="repeat">
+      <a:schemeClr val="accent1"/>
+    </dgm:linClrLst>
+    <dgm:effectClrLst/>
+    <dgm:txLinClrLst/>
+    <dgm:txFillClrLst meth="repeat">
+      <a:schemeClr val="tx1"/>
+    </dgm:txFillClrLst>
+    <dgm:txEffectClrLst/>
+  </dgm:styleLbl>
+  <dgm:styleLbl name="callout">
+    <dgm:fillClrLst meth="repeat">
+      <a:schemeClr val="accent1"/>
+    </dgm:fillClrLst>
+    <dgm:linClrLst meth="repeat">
+      <a:schemeClr val="accent1">
+        <a:tint val="50000"/>
+      </a:schemeClr>
+    </dgm:linClrLst>
+    <dgm:effectClrLst/>
+    <dgm:txLinClrLst/>
+    <dgm:txFillClrLst meth="repeat">
+      <a:schemeClr val="tx1"/>
+    </dgm:txFillClrLst>
+    <dgm:txEffectClrLst/>
+  </dgm:styleLbl>
+  <dgm:styleLbl name="asst0">
+    <dgm:fillClrLst meth="repeat">
+      <a:schemeClr val="accent1"/>
+    </dgm:fillClrLst>
+    <dgm:linClrLst meth="repeat">
+      <a:schemeClr val="lt1"/>
+    </dgm:linClrLst>
+    <dgm:effectClrLst/>
+    <dgm:txLinClrLst/>
+    <dgm:txFillClrLst/>
+    <dgm:txEffectClrLst/>
+  </dgm:styleLbl>
+  <dgm:styleLbl name="asst1">
+    <dgm:fillClrLst meth="repeat">
+      <a:schemeClr val="accent1"/>
+    </dgm:fillClrLst>
+    <dgm:linClrLst meth="repeat">
+      <a:schemeClr val="lt1"/>
+    </dgm:linClrLst>
+    <dgm:effectClrLst/>
+    <dgm:txLinClrLst/>
+    <dgm:txFillClrLst/>
+    <dgm:txEffectClrLst/>
+  </dgm:styleLbl>
+  <dgm:styleLbl name="asst2">
+    <dgm:fillClrLst meth="repeat">
+      <a:schemeClr val="accent1"/>
+    </dgm:fillClrLst>
+    <dgm:linClrLst meth="repeat">
+      <a:schemeClr val="lt1"/>
+    </dgm:linClrLst>
+    <dgm:effectClrLst/>
+    <dgm:txLinClrLst/>
+    <dgm:txFillClrLst/>
+    <dgm:txEffectClrLst/>
+  </dgm:styleLbl>
+  <dgm:styleLbl name="asst3">
+    <dgm:fillClrLst meth="repeat">
+      <a:schemeClr val="accent1"/>
+    </dgm:fillClrLst>
+    <dgm:linClrLst meth="repeat">
+      <a:schemeClr val="lt1"/>
+    </dgm:linClrLst>
+    <dgm:effectClrLst/>
+    <dgm:txLinClrLst/>
+    <dgm:txFillClrLst/>
+    <dgm:txEffectClrLst/>
+  </dgm:styleLbl>
+  <dgm:styleLbl name="asst4">
+    <dgm:fillClrLst meth="repeat">
+      <a:schemeClr val="accent1"/>
+    </dgm:fillClrLst>
+    <dgm:linClrLst meth="repeat">
+      <a:schemeClr val="lt1"/>
+    </dgm:linClrLst>
+    <dgm:effectClrLst/>
+    <dgm:txLinClrLst/>
+    <dgm:txFillClrLst/>
+    <dgm:txEffectClrLst/>
+  </dgm:styleLbl>
+  <dgm:styleLbl name="parChTrans2D1">
+    <dgm:fillClrLst meth="repeat">
+      <a:schemeClr val="accent1">
+        <a:tint val="60000"/>
+      </a:schemeClr>
+    </dgm:fillClrLst>
+    <dgm:linClrLst meth="repeat">
+      <a:schemeClr val="accent1">
+        <a:tint val="60000"/>
+      </a:schemeClr>
+    </dgm:linClrLst>
+    <dgm:effectClrLst/>
+    <dgm:txLinClrLst/>
+    <dgm:txFillClrLst meth="repeat">
+      <a:schemeClr val="lt1"/>
+    </dgm:txFillClrLst>
+    <dgm:txEffectClrLst/>
+  </dgm:styleLbl>
+  <dgm:styleLbl name="parChTrans2D2">
+    <dgm:fillClrLst meth="repeat">
+      <a:schemeClr val="accent1"/>
+    </dgm:fillClrLst>
+    <dgm:linClrLst meth="repeat">
+      <a:schemeClr val="accent1"/>
+    </dgm:linClrLst>
+    <dgm:effectClrLst/>
+    <dgm:txLinClrLst/>
+    <dgm:txFillClrLst meth="repeat">
+      <a:schemeClr val="lt1"/>
+    </dgm:txFillClrLst>
+    <dgm:txEffectClrLst/>
+  </dgm:styleLbl>
+  <dgm:styleLbl name="parChTrans2D3">
+    <dgm:fillClrLst meth="repeat">
+      <a:schemeClr val="accent1"/>
+    </dgm:fillClrLst>
+    <dgm:linClrLst meth="repeat">
+      <a:schemeClr val="accent1"/>
+    </dgm:linClrLst>
+    <dgm:effectClrLst/>
+    <dgm:txLinClrLst/>
+    <dgm:txFillClrLst meth="repeat">
+      <a:schemeClr val="lt1"/>
+    </dgm:txFillClrLst>
+    <dgm:txEffectClrLst/>
+  </dgm:styleLbl>
+  <dgm:styleLbl name="parChTrans2D4">
+    <dgm:fillClrLst meth="repeat">
+      <a:schemeClr val="accent1"/>
+    </dgm:fillClrLst>
+    <dgm:linClrLst meth="repeat">
+      <a:schemeClr val="accent1"/>
+    </dgm:linClrLst>
+    <dgm:effectClrLst/>
+    <dgm:txLinClrLst/>
+    <dgm:txFillClrLst meth="repeat">
+      <a:schemeClr val="lt1"/>
+    </dgm:txFillClrLst>
+    <dgm:txEffectClrLst/>
+  </dgm:styleLbl>
+  <dgm:styleLbl name="parChTrans1D1">
+    <dgm:fillClrLst meth="repeat">
+      <a:schemeClr val="accent1"/>
+    </dgm:fillClrLst>
+    <dgm:linClrLst meth="repeat">
+      <a:schemeClr val="accent1">
+        <a:shade val="60000"/>
+      </a:schemeClr>
+    </dgm:linClrLst>
+    <dgm:effectClrLst/>
+    <dgm:txLinClrLst/>
+    <dgm:txFillClrLst meth="repeat">
+      <a:schemeClr val="tx1"/>
+    </dgm:txFillClrLst>
+    <dgm:txEffectClrLst/>
+  </dgm:styleLbl>
+  <dgm:styleLbl name="parChTrans1D2">
+    <dgm:fillClrLst meth="repeat">
+      <a:schemeClr val="accent1"/>
+    </dgm:fillClrLst>
+    <dgm:linClrLst meth="repeat">
+      <a:schemeClr val="accent1">
+        <a:shade val="60000"/>
+      </a:schemeClr>
+    </dgm:linClrLst>
+    <dgm:effectClrLst/>
+    <dgm:txLinClrLst/>
+    <dgm:txFillClrLst meth="repeat">
+      <a:schemeClr val="tx1"/>
+    </dgm:txFillClrLst>
+    <dgm:txEffectClrLst/>
+  </dgm:styleLbl>
+  <dgm:styleLbl name="parChTrans1D3">
+    <dgm:fillClrLst meth="repeat">
+      <a:schemeClr val="accent1"/>
+    </dgm:fillClrLst>
+    <dgm:linClrLst meth="repeat">
+      <a:schemeClr val="accent1">
+        <a:shade val="80000"/>
+      </a:schemeClr>
+    </dgm:linClrLst>
+    <dgm:effectClrLst/>
+    <dgm:txLinClrLst/>
+    <dgm:txFillClrLst meth="repeat">
+      <a:schemeClr val="tx1"/>
+    </dgm:txFillClrLst>
+    <dgm:txEffectClrLst/>
+  </dgm:styleLbl>
+  <dgm:styleLbl name="parChTrans1D4">
+    <dgm:fillClrLst meth="repeat">
+      <a:schemeClr val="accent1"/>
+    </dgm:fillClrLst>
+    <dgm:linClrLst meth="repeat">
+      <a:schemeClr val="accent1">
+        <a:shade val="80000"/>
+      </a:schemeClr>
+    </dgm:linClrLst>
+    <dgm:effectClrLst/>
+    <dgm:txLinClrLst/>
+    <dgm:txFillClrLst meth="repeat">
+      <a:schemeClr val="tx1"/>
+    </dgm:txFillClrLst>
+    <dgm:txEffectClrLst/>
+  </dgm:styleLbl>
+  <dgm:styleLbl name="fgAcc1">
+    <dgm:fillClrLst meth="repeat">
+      <a:schemeClr val="lt1">
+        <a:alpha val="90000"/>
+      </a:schemeClr>
+    </dgm:fillClrLst>
+    <dgm:linClrLst meth="repeat">
+      <a:schemeClr val="accent1"/>
+    </dgm:linClrLst>
+    <dgm:effectClrLst/>
+    <dgm:txLinClrLst/>
+    <dgm:txFillClrLst meth="repeat">
+      <a:schemeClr val="dk1"/>
+    </dgm:txFillClrLst>
+    <dgm:txEffectClrLst/>
+  </dgm:styleLbl>
+  <dgm:styleLbl name="conFgAcc1">
+    <dgm:fillClrLst meth="repeat">
+      <a:schemeClr val="lt1">
+        <a:alpha val="90000"/>
+      </a:schemeClr>
+    </dgm:fillClrLst>
+    <dgm:linClrLst meth="repeat">
+      <a:schemeClr val="accent1"/>
+    </dgm:linClrLst>
+    <dgm:effectClrLst/>
+    <dgm:txLinClrLst/>
+    <dgm:txFillClrLst meth="repeat">
+      <a:schemeClr val="dk1"/>
+    </dgm:txFillClrLst>
+    <dgm:txEffectClrLst/>
+  </dgm:styleLbl>
+  <dgm:styleLbl name="alignAcc1">
+    <dgm:fillClrLst meth="repeat">
+      <a:schemeClr val="lt1">
+        <a:alpha val="90000"/>
+      </a:schemeClr>
+    </dgm:fillClrLst>
+    <dgm:linClrLst meth="repeat">
+      <a:schemeClr val="accent1"/>
+    </dgm:linClrLst>
+    <dgm:effectClrLst/>
+    <dgm:txLinClrLst/>
+    <dgm:txFillClrLst meth="repeat">
+      <a:schemeClr val="dk1"/>
+    </dgm:txFillClrLst>
+    <dgm:txEffectClrLst/>
+  </dgm:styleLbl>
+  <dgm:styleLbl name="trAlignAcc1">
+    <dgm:fillClrLst meth="repeat">
+      <a:schemeClr val="lt1">
+        <a:alpha val="40000"/>
+      </a:schemeClr>
+    </dgm:fillClrLst>
+    <dgm:linClrLst meth="repeat">
+      <a:schemeClr val="accent1"/>
+    </dgm:linClrLst>
+    <dgm:effectClrLst/>
+    <dgm:txLinClrLst/>
+    <dgm:txFillClrLst meth="repeat">
+      <a:schemeClr val="dk1"/>
+    </dgm:txFillClrLst>
+    <dgm:txEffectClrLst/>
+  </dgm:styleLbl>
+  <dgm:styleLbl name="bgAcc1">
+    <dgm:fillClrLst meth="repeat">
+      <a:schemeClr val="lt1">
+        <a:alpha val="90000"/>
+      </a:schemeClr>
+    </dgm:fillClrLst>
+    <dgm:linClrLst meth="repeat">
+      <a:schemeClr val="accent1"/>
+    </dgm:linClrLst>
+    <dgm:effectClrLst/>
+    <dgm:txLinClrLst/>
+    <dgm:txFillClrLst meth="repeat">
+      <a:schemeClr val="dk1"/>
+    </dgm:txFillClrLst>
+    <dgm:txEffectClrLst/>
+  </dgm:styleLbl>
+  <dgm:styleLbl name="solidFgAcc1">
+    <dgm:fillClrLst meth="repeat">
+      <a:schemeClr val="lt1"/>
+    </dgm:fillClrLst>
+    <dgm:linClrLst meth="repeat">
+      <a:schemeClr val="accent1"/>
+    </dgm:linClrLst>
+    <dgm:effectClrLst/>
+    <dgm:txLinClrLst/>
+    <dgm:txFillClrLst meth="repeat">
+      <a:schemeClr val="dk1"/>
+    </dgm:txFillClrLst>
+    <dgm:txEffectClrLst/>
+  </dgm:styleLbl>
+  <dgm:styleLbl name="solidAlignAcc1">
+    <dgm:fillClrLst meth="repeat">
+      <a:schemeClr val="lt1"/>
+    </dgm:fillClrLst>
+    <dgm:linClrLst meth="repeat">
+      <a:schemeClr val="accent1"/>
+    </dgm:linClrLst>
+    <dgm:effectClrLst/>
+    <dgm:txLinClrLst/>
+    <dgm:txFillClrLst meth="repeat">
+      <a:schemeClr val="dk1"/>
+    </dgm:txFillClrLst>
+    <dgm:txEffectClrLst/>
+  </dgm:styleLbl>
+  <dgm:styleLbl name="solidBgAcc1">
+    <dgm:fillClrLst meth="repeat">
+      <a:schemeClr val="lt1"/>
+    </dgm:fillClrLst>
+    <dgm:linClrLst meth="repeat">
+      <a:schemeClr val="accent1"/>
+    </dgm:linClrLst>
+    <dgm:effectClrLst/>
+    <dgm:txLinClrLst/>
+    <dgm:txFillClrLst meth="repeat">
+      <a:schemeClr val="dk1"/>
+    </dgm:txFillClrLst>
+    <dgm:txEffectClrLst/>
+  </dgm:styleLbl>
+  <dgm:styleLbl name="fgAccFollowNode1">
+    <dgm:fillClrLst meth="repeat">
+      <a:schemeClr val="accent1">
+        <a:alpha val="90000"/>
+        <a:tint val="40000"/>
+      </a:schemeClr>
+    </dgm:fillClrLst>
+    <dgm:linClrLst meth="repeat">
+      <a:schemeClr val="accent1">
+        <a:alpha val="90000"/>
+        <a:tint val="40000"/>
+      </a:schemeClr>
+    </dgm:linClrLst>
+    <dgm:effectClrLst/>
+    <dgm:txLinClrLst/>
+    <dgm:txFillClrLst meth="repeat">
+      <a:schemeClr val="dk1"/>
+    </dgm:txFillClrLst>
+    <dgm:txEffectClrLst/>
+  </dgm:styleLbl>
+  <dgm:styleLbl name="alignAccFollowNode1">
+    <dgm:fillClrLst meth="repeat">
+      <a:schemeClr val="accent1">
+        <a:alpha val="90000"/>
+        <a:tint val="40000"/>
+      </a:schemeClr>
+    </dgm:fillClrLst>
+    <dgm:linClrLst meth="repeat">
+      <a:schemeClr val="accent1">
+        <a:alpha val="90000"/>
+        <a:tint val="40000"/>
+      </a:schemeClr>
+    </dgm:linClrLst>
+    <dgm:effectClrLst/>
+    <dgm:txLinClrLst/>
+    <dgm:txFillClrLst meth="repeat">
+      <a:schemeClr val="dk1"/>
+    </dgm:txFillClrLst>
+    <dgm:txEffectClrLst/>
+  </dgm:styleLbl>
+  <dgm:styleLbl name="bgAccFollowNode1">
+    <dgm:fillClrLst meth="repeat">
+      <a:schemeClr val="accent1">
+        <a:alpha val="90000"/>
+        <a:tint val="40000"/>
+      </a:schemeClr>
+    </dgm:fillClrLst>
+    <dgm:linClrLst meth="repeat">
+      <a:schemeClr val="accent1">
+        <a:alpha val="90000"/>
+        <a:tint val="40000"/>
+      </a:schemeClr>
+    </dgm:linClrLst>
+    <dgm:effectClrLst/>
+    <dgm:txLinClrLst/>
+    <dgm:txFillClrLst meth="repeat">
+      <a:schemeClr val="dk1"/>
+    </dgm:txFillClrLst>
+    <dgm:txEffectClrLst/>
+  </dgm:styleLbl>
+  <dgm:styleLbl name="fgAcc0">
+    <dgm:fillClrLst meth="repeat">
+      <a:schemeClr val="lt1">
+        <a:alpha val="90000"/>
+      </a:schemeClr>
+    </dgm:fillClrLst>
+    <dgm:linClrLst meth="repeat">
+      <a:schemeClr val="accent1"/>
+    </dgm:linClrLst>
+    <dgm:effectClrLst/>
+    <dgm:txLinClrLst/>
+    <dgm:txFillClrLst meth="repeat">
+      <a:schemeClr val="dk1"/>
+    </dgm:txFillClrLst>
+    <dgm:txEffectClrLst/>
+  </dgm:styleLbl>
+  <dgm:styleLbl name="fgAcc2">
+    <dgm:fillClrLst meth="repeat">
+      <a:schemeClr val="lt1">
+        <a:alpha val="90000"/>
+      </a:schemeClr>
+    </dgm:fillClrLst>
+    <dgm:linClrLst meth="repeat">
+      <a:schemeClr val="accent1"/>
+    </dgm:linClrLst>
+    <dgm:effectClrLst/>
+    <dgm:txLinClrLst/>
+    <dgm:txFillClrLst meth="repeat">
+      <a:schemeClr val="dk1"/>
+    </dgm:txFillClrLst>
+    <dgm:txEffectClrLst/>
+  </dgm:styleLbl>
+  <dgm:styleLbl name="fgAcc3">
+    <dgm:fillClrLst meth="repeat">
+      <a:schemeClr val="lt1">
+        <a:alpha val="90000"/>
+      </a:schemeClr>
+    </dgm:fillClrLst>
+    <dgm:linClrLst meth="repeat">
+      <a:schemeClr val="accent1"/>
+    </dgm:linClrLst>
+    <dgm:effectClrLst/>
+    <dgm:txLinClrLst/>
+    <dgm:txFillClrLst meth="repeat">
+      <a:schemeClr val="dk1"/>
+    </dgm:txFillClrLst>
+    <dgm:txEffectClrLst/>
+  </dgm:styleLbl>
+  <dgm:styleLbl name="fgAcc4">
+    <dgm:fillClrLst meth="repeat">
+      <a:schemeClr val="lt1">
+        <a:alpha val="90000"/>
+      </a:schemeClr>
+    </dgm:fillClrLst>
+    <dgm:linClrLst meth="repeat">
+      <a:schemeClr val="accent1"/>
+    </dgm:linClrLst>
+    <dgm:effectClrLst/>
+    <dgm:txLinClrLst/>
+    <dgm:txFillClrLst meth="repeat">
+      <a:schemeClr val="dk1"/>
+    </dgm:txFillClrLst>
+    <dgm:txEffectClrLst/>
+  </dgm:styleLbl>
+  <dgm:styleLbl name="bgShp">
+    <dgm:fillClrLst meth="repeat">
+      <a:schemeClr val="accent1">
+        <a:tint val="40000"/>
+      </a:schemeClr>
+    </dgm:fillClrLst>
+    <dgm:linClrLst meth="repeat">
+      <a:schemeClr val="accent1"/>
+    </dgm:linClrLst>
+    <dgm:effectClrLst/>
+    <dgm:txLinClrLst/>
+    <dgm:txFillClrLst meth="repeat">
+      <a:schemeClr val="dk1"/>
+    </dgm:txFillClrLst>
+    <dgm:txEffectClrLst/>
+  </dgm:styleLbl>
+  <dgm:styleLbl name="dkBgShp">
+    <dgm:fillClrLst meth="repeat">
+      <a:schemeClr val="accent1">
+        <a:shade val="80000"/>
+      </a:schemeClr>
+    </dgm:fillClrLst>
+    <dgm:linClrLst meth="repeat">
+      <a:schemeClr val="accent1"/>
+    </dgm:linClrLst>
+    <dgm:effectClrLst/>
+    <dgm:txLinClrLst/>
+    <dgm:txFillClrLst meth="repeat">
+      <a:schemeClr val="lt1"/>
+    </dgm:txFillClrLst>
+    <dgm:txEffectClrLst/>
+  </dgm:styleLbl>
+  <dgm:styleLbl name="trBgShp">
+    <dgm:fillClrLst meth="repeat">
+      <a:schemeClr val="accent1">
+        <a:tint val="50000"/>
+        <a:alpha val="40000"/>
+      </a:schemeClr>
+    </dgm:fillClrLst>
+    <dgm:linClrLst meth="repeat">
+      <a:schemeClr val="accent1"/>
+    </dgm:linClrLst>
+    <dgm:effectClrLst/>
+    <dgm:txLinClrLst/>
+    <dgm:txFillClrLst meth="repeat">
+      <a:schemeClr val="lt1"/>
+    </dgm:txFillClrLst>
+    <dgm:txEffectClrLst/>
+  </dgm:styleLbl>
+  <dgm:styleLbl name="fgShp">
+    <dgm:fillClrLst meth="repeat">
+      <a:schemeClr val="accent1">
+        <a:tint val="60000"/>
+      </a:schemeClr>
+    </dgm:fillClrLst>
+    <dgm:linClrLst meth="repeat">
+      <a:schemeClr val="lt1"/>
+    </dgm:linClrLst>
+    <dgm:effectClrLst/>
+    <dgm:txLinClrLst/>
+    <dgm:txFillClrLst meth="repeat">
+      <a:schemeClr val="dk1"/>
+    </dgm:txFillClrLst>
+    <dgm:txEffectClrLst/>
+  </dgm:styleLbl>
+  <dgm:styleLbl name="revTx">
+    <dgm:fillClrLst meth="repeat">
+      <a:schemeClr val="lt1">
+        <a:alpha val="0"/>
+      </a:schemeClr>
+    </dgm:fillClrLst>
+    <dgm:linClrLst meth="repeat">
+      <a:schemeClr val="dk1">
+        <a:alpha val="0"/>
+      </a:schemeClr>
+    </dgm:linClrLst>
+    <dgm:effectClrLst/>
+    <dgm:txLinClrLst/>
+    <dgm:txFillClrLst meth="repeat">
+      <a:schemeClr val="tx1"/>
+    </dgm:txFillClrLst>
+    <dgm:txEffectClrLst/>
+  </dgm:styleLbl>
+</dgm:colorsDef>
+</file>
+
+<file path=ppt/diagrams/data1.xml><?xml version="1.0" encoding="utf-8"?>
+<dgm:dataModel xmlns:dgm="http://schemas.openxmlformats.org/drawingml/2006/diagram" xmlns:a="http://schemas.openxmlformats.org/drawingml/2006/main">
+  <dgm:ptLst>
+    <dgm:pt modelId="{E0215DBF-91F0-0D41-94CF-0642BA194C17}" type="doc">
+      <dgm:prSet loTypeId="urn:microsoft.com/office/officeart/2005/8/layout/hList1" loCatId="" qsTypeId="urn:microsoft.com/office/officeart/2005/8/quickstyle/simple1" qsCatId="simple" csTypeId="urn:microsoft.com/office/officeart/2005/8/colors/accent1_2" csCatId="accent1" phldr="1"/>
+      <dgm:spPr/>
+      <dgm:t>
+        <a:bodyPr/>
+        <a:lstStyle/>
+        <a:p>
+          <a:pPr latinLnBrk="1"/>
+          <a:endParaRPr lang="ko-KR" altLang="en-US"/>
+        </a:p>
+      </dgm:t>
+    </dgm:pt>
+    <dgm:pt modelId="{B0251B59-F420-0344-BB24-235E38698866}">
+      <dgm:prSet phldrT="[텍스트]" custT="1"/>
+      <dgm:spPr>
+        <a:solidFill>
+          <a:srgbClr val="FFC000"/>
+        </a:solidFill>
+        <a:ln>
+          <a:noFill/>
+        </a:ln>
+      </dgm:spPr>
+      <dgm:t>
+        <a:bodyPr/>
+        <a:lstStyle/>
+        <a:p>
+          <a:pPr latinLnBrk="1"/>
+          <a:r>
+            <a:rPr lang="ko-KR" altLang="en-US" sz="1400" dirty="0" err="1">
+              <a:latin typeface="GangwonEduPower ExtraBold" panose="02020603020101020101" pitchFamily="18" charset="-127"/>
+              <a:ea typeface="GangwonEduPower ExtraBold" panose="02020603020101020101" pitchFamily="18" charset="-127"/>
+            </a:rPr>
+            <a:t>동물보호소</a:t>
+          </a:r>
+          <a:r>
+            <a:rPr lang="ko-KR" altLang="en-US" sz="1400" dirty="0">
+              <a:latin typeface="GangwonEduPower ExtraBold" panose="02020603020101020101" pitchFamily="18" charset="-127"/>
+              <a:ea typeface="GangwonEduPower ExtraBold" panose="02020603020101020101" pitchFamily="18" charset="-127"/>
+            </a:rPr>
+            <a:t> </a:t>
+          </a:r>
+          <a:r>
+            <a:rPr lang="ko-KR" altLang="en-US" sz="1400" dirty="0" err="1">
+              <a:latin typeface="GangwonEduPower ExtraBold" panose="02020603020101020101" pitchFamily="18" charset="-127"/>
+              <a:ea typeface="GangwonEduPower ExtraBold" panose="02020603020101020101" pitchFamily="18" charset="-127"/>
+            </a:rPr>
+            <a:t>연게</a:t>
+          </a:r>
+          <a:endParaRPr lang="ko-KR" altLang="en-US" sz="1400" dirty="0">
+            <a:latin typeface="GangwonEduPower ExtraBold" panose="02020603020101020101" pitchFamily="18" charset="-127"/>
+            <a:ea typeface="GangwonEduPower ExtraBold" panose="02020603020101020101" pitchFamily="18" charset="-127"/>
+          </a:endParaRPr>
+        </a:p>
+      </dgm:t>
+    </dgm:pt>
+    <dgm:pt modelId="{7F4029E3-7326-ED4C-AFE9-CA6721F38F7A}" type="parTrans" cxnId="{371C1E8C-C4DC-9842-BEEB-5EDEEB233B57}">
+      <dgm:prSet/>
+      <dgm:spPr/>
+      <dgm:t>
+        <a:bodyPr/>
+        <a:lstStyle/>
+        <a:p>
+          <a:pPr latinLnBrk="1"/>
+          <a:endParaRPr lang="ko-KR" altLang="en-US"/>
+        </a:p>
+      </dgm:t>
+    </dgm:pt>
+    <dgm:pt modelId="{C325F0B9-5C66-2E4D-80E3-A468776C467A}" type="sibTrans" cxnId="{371C1E8C-C4DC-9842-BEEB-5EDEEB233B57}">
+      <dgm:prSet/>
+      <dgm:spPr/>
+      <dgm:t>
+        <a:bodyPr/>
+        <a:lstStyle/>
+        <a:p>
+          <a:pPr latinLnBrk="1"/>
+          <a:endParaRPr lang="ko-KR" altLang="en-US"/>
+        </a:p>
+      </dgm:t>
+    </dgm:pt>
+    <dgm:pt modelId="{337711E6-36B0-2A4F-8E81-F532CB28649A}">
+      <dgm:prSet phldrT="[텍스트]" custT="1"/>
+      <dgm:spPr>
+        <a:solidFill>
+          <a:schemeClr val="accent4">
+            <a:lumMod val="20000"/>
+            <a:lumOff val="80000"/>
+            <a:alpha val="90000"/>
+          </a:schemeClr>
+        </a:solidFill>
+        <a:ln>
+          <a:noFill/>
+        </a:ln>
+      </dgm:spPr>
+      <dgm:t>
+        <a:bodyPr/>
+        <a:lstStyle/>
+        <a:p>
+          <a:pPr latinLnBrk="1"/>
+          <a:r>
+            <a:rPr lang="ko-KR" altLang="en-US" sz="1400" b="1" dirty="0">
+              <a:latin typeface="IBM Plex Sans KR Thin" panose="020B0203050203000203" pitchFamily="34" charset="-127"/>
+              <a:ea typeface="IBM Plex Sans KR Thin" panose="020B0203050203000203" pitchFamily="34" charset="-127"/>
+            </a:rPr>
+            <a:t>신뢰 가능한 매칭 시스템</a:t>
+          </a:r>
+        </a:p>
+      </dgm:t>
+    </dgm:pt>
+    <dgm:pt modelId="{D7A418ED-1343-CF49-8C00-3E634C23AA62}" type="parTrans" cxnId="{C97940A7-5069-CA4F-BFD4-2C208954B0A1}">
+      <dgm:prSet/>
+      <dgm:spPr/>
+      <dgm:t>
+        <a:bodyPr/>
+        <a:lstStyle/>
+        <a:p>
+          <a:pPr latinLnBrk="1"/>
+          <a:endParaRPr lang="ko-KR" altLang="en-US"/>
+        </a:p>
+      </dgm:t>
+    </dgm:pt>
+    <dgm:pt modelId="{D9A3E550-9E77-6846-B529-D266D6A8427A}" type="sibTrans" cxnId="{C97940A7-5069-CA4F-BFD4-2C208954B0A1}">
+      <dgm:prSet/>
+      <dgm:spPr/>
+      <dgm:t>
+        <a:bodyPr/>
+        <a:lstStyle/>
+        <a:p>
+          <a:pPr latinLnBrk="1"/>
+          <a:endParaRPr lang="ko-KR" altLang="en-US"/>
+        </a:p>
+      </dgm:t>
+    </dgm:pt>
+    <dgm:pt modelId="{9EA4E53E-23BA-4240-8307-081EA8ED2E13}">
+      <dgm:prSet phldrT="[텍스트]" custT="1"/>
+      <dgm:spPr>
+        <a:solidFill>
+          <a:schemeClr val="accent4">
+            <a:lumMod val="20000"/>
+            <a:lumOff val="80000"/>
+            <a:alpha val="90000"/>
+          </a:schemeClr>
+        </a:solidFill>
+        <a:ln>
+          <a:noFill/>
+        </a:ln>
+      </dgm:spPr>
+      <dgm:t>
+        <a:bodyPr/>
+        <a:lstStyle/>
+        <a:p>
+          <a:pPr latinLnBrk="1"/>
+          <a:r>
+            <a:rPr lang="ko-KR" altLang="en-US" sz="1400" b="1" dirty="0">
+              <a:latin typeface="IBM Plex Sans KR Thin" panose="020B0203050203000203" pitchFamily="34" charset="-127"/>
+              <a:ea typeface="IBM Plex Sans KR Thin" panose="020B0203050203000203" pitchFamily="34" charset="-127"/>
+            </a:rPr>
+            <a:t>유기 동물 봉사 활동</a:t>
+          </a:r>
+        </a:p>
+      </dgm:t>
+    </dgm:pt>
+    <dgm:pt modelId="{1281C8D0-7079-B44D-AEED-DA6EBD6C943F}" type="parTrans" cxnId="{EE7D1ABF-7FB1-094F-B644-A3CF2D0B8056}">
+      <dgm:prSet/>
+      <dgm:spPr/>
+      <dgm:t>
+        <a:bodyPr/>
+        <a:lstStyle/>
+        <a:p>
+          <a:pPr latinLnBrk="1"/>
+          <a:endParaRPr lang="ko-KR" altLang="en-US"/>
+        </a:p>
+      </dgm:t>
+    </dgm:pt>
+    <dgm:pt modelId="{C10ECF2B-2BB7-484E-BE2B-57CE993CEFDD}" type="sibTrans" cxnId="{EE7D1ABF-7FB1-094F-B644-A3CF2D0B8056}">
+      <dgm:prSet/>
+      <dgm:spPr/>
+      <dgm:t>
+        <a:bodyPr/>
+        <a:lstStyle/>
+        <a:p>
+          <a:pPr latinLnBrk="1"/>
+          <a:endParaRPr lang="ko-KR" altLang="en-US"/>
+        </a:p>
+      </dgm:t>
+    </dgm:pt>
+    <dgm:pt modelId="{E619C22C-E6DD-E04D-9025-EDC35DD3AFDF}">
+      <dgm:prSet phldrT="[텍스트]" custT="1"/>
+      <dgm:spPr>
+        <a:solidFill>
+          <a:srgbClr val="FFC000"/>
+        </a:solidFill>
+        <a:ln>
+          <a:noFill/>
+        </a:ln>
+      </dgm:spPr>
+      <dgm:t>
+        <a:bodyPr/>
+        <a:lstStyle/>
+        <a:p>
+          <a:pPr latinLnBrk="1"/>
+          <a:r>
+            <a:rPr lang="ko-KR" altLang="en-US" sz="1400" dirty="0">
+              <a:latin typeface="GangwonEduPower ExtraBold" panose="02020603020101020101" pitchFamily="18" charset="-127"/>
+              <a:ea typeface="GangwonEduPower ExtraBold" panose="02020603020101020101" pitchFamily="18" charset="-127"/>
+            </a:rPr>
+            <a:t>유기 동물 입양 매칭</a:t>
+          </a:r>
+        </a:p>
+      </dgm:t>
+    </dgm:pt>
+    <dgm:pt modelId="{37F4B17C-AF11-9545-BA34-8F8FEC634B32}" type="parTrans" cxnId="{2BBC2D48-D418-0142-939F-F07230B28E32}">
+      <dgm:prSet/>
+      <dgm:spPr/>
+      <dgm:t>
+        <a:bodyPr/>
+        <a:lstStyle/>
+        <a:p>
+          <a:pPr latinLnBrk="1"/>
+          <a:endParaRPr lang="ko-KR" altLang="en-US"/>
+        </a:p>
+      </dgm:t>
+    </dgm:pt>
+    <dgm:pt modelId="{D7CEF51C-02F6-8546-A8B1-FCCF72DC6502}" type="sibTrans" cxnId="{2BBC2D48-D418-0142-939F-F07230B28E32}">
+      <dgm:prSet/>
+      <dgm:spPr/>
+      <dgm:t>
+        <a:bodyPr/>
+        <a:lstStyle/>
+        <a:p>
+          <a:pPr latinLnBrk="1"/>
+          <a:endParaRPr lang="ko-KR" altLang="en-US"/>
+        </a:p>
+      </dgm:t>
+    </dgm:pt>
+    <dgm:pt modelId="{54C3EC98-E014-B44E-858B-2D0B16A6A95C}">
+      <dgm:prSet phldrT="[텍스트]" custT="1"/>
+      <dgm:spPr>
+        <a:solidFill>
+          <a:schemeClr val="accent4">
+            <a:lumMod val="20000"/>
+            <a:lumOff val="80000"/>
+            <a:alpha val="90000"/>
+          </a:schemeClr>
+        </a:solidFill>
+        <a:ln>
+          <a:noFill/>
+        </a:ln>
+      </dgm:spPr>
+      <dgm:t>
+        <a:bodyPr/>
+        <a:lstStyle/>
+        <a:p>
+          <a:pPr latinLnBrk="1"/>
+          <a:r>
+            <a:rPr lang="ko-KR" altLang="en-US" sz="1400" b="1" dirty="0">
+              <a:latin typeface="IBM Plex Sans KR Thin" panose="020B0203050203000203" pitchFamily="34" charset="-127"/>
+              <a:ea typeface="IBM Plex Sans KR Thin" panose="020B0203050203000203" pitchFamily="34" charset="-127"/>
+            </a:rPr>
+            <a:t>입양 신청 및 보호소 연계</a:t>
+          </a:r>
+        </a:p>
+      </dgm:t>
+    </dgm:pt>
+    <dgm:pt modelId="{3C90D7FD-A837-B64D-9217-E46EC1CE2236}" type="parTrans" cxnId="{7CE510E7-FC0D-4744-B63C-956798521025}">
+      <dgm:prSet/>
+      <dgm:spPr/>
+      <dgm:t>
+        <a:bodyPr/>
+        <a:lstStyle/>
+        <a:p>
+          <a:pPr latinLnBrk="1"/>
+          <a:endParaRPr lang="ko-KR" altLang="en-US"/>
+        </a:p>
+      </dgm:t>
+    </dgm:pt>
+    <dgm:pt modelId="{4F5D4520-EF13-F049-B0EB-7B59A64839FF}" type="sibTrans" cxnId="{7CE510E7-FC0D-4744-B63C-956798521025}">
+      <dgm:prSet/>
+      <dgm:spPr/>
+      <dgm:t>
+        <a:bodyPr/>
+        <a:lstStyle/>
+        <a:p>
+          <a:pPr latinLnBrk="1"/>
+          <a:endParaRPr lang="ko-KR" altLang="en-US"/>
+        </a:p>
+      </dgm:t>
+    </dgm:pt>
+    <dgm:pt modelId="{03173FB1-94DD-544E-BB8A-B5141DA795FF}">
+      <dgm:prSet phldrT="[텍스트]" custT="1"/>
+      <dgm:spPr>
+        <a:solidFill>
+          <a:schemeClr val="accent4">
+            <a:lumMod val="20000"/>
+            <a:lumOff val="80000"/>
+            <a:alpha val="90000"/>
+          </a:schemeClr>
+        </a:solidFill>
+        <a:ln>
+          <a:noFill/>
+        </a:ln>
+      </dgm:spPr>
+      <dgm:t>
+        <a:bodyPr/>
+        <a:lstStyle/>
+        <a:p>
+          <a:pPr latinLnBrk="1"/>
+          <a:r>
+            <a:rPr lang="ko-KR" altLang="en-US" sz="1400" b="1" dirty="0">
+              <a:latin typeface="IBM Plex Sans KR Thin" panose="020B0203050203000203" pitchFamily="34" charset="-127"/>
+              <a:ea typeface="IBM Plex Sans KR Thin" panose="020B0203050203000203" pitchFamily="34" charset="-127"/>
+            </a:rPr>
+            <a:t>전국 각지 데이터 수집</a:t>
+          </a:r>
+        </a:p>
+      </dgm:t>
+    </dgm:pt>
+    <dgm:pt modelId="{3E664E62-E7FE-2048-A9B8-9F7E5215ADC0}" type="parTrans" cxnId="{DE848577-6AAE-0745-A0C9-6B6CEE72D1EC}">
+      <dgm:prSet/>
+      <dgm:spPr/>
+      <dgm:t>
+        <a:bodyPr/>
+        <a:lstStyle/>
+        <a:p>
+          <a:pPr latinLnBrk="1"/>
+          <a:endParaRPr lang="ko-KR" altLang="en-US"/>
+        </a:p>
+      </dgm:t>
+    </dgm:pt>
+    <dgm:pt modelId="{515C4304-82F3-4749-9350-17406FA1C352}" type="sibTrans" cxnId="{DE848577-6AAE-0745-A0C9-6B6CEE72D1EC}">
+      <dgm:prSet/>
+      <dgm:spPr/>
+      <dgm:t>
+        <a:bodyPr/>
+        <a:lstStyle/>
+        <a:p>
+          <a:pPr latinLnBrk="1"/>
+          <a:endParaRPr lang="ko-KR" altLang="en-US"/>
+        </a:p>
+      </dgm:t>
+    </dgm:pt>
+    <dgm:pt modelId="{2256F831-D654-E54B-9A59-FDB29C76FF0B}">
+      <dgm:prSet phldrT="[텍스트]" custT="1"/>
+      <dgm:spPr>
+        <a:solidFill>
+          <a:srgbClr val="FFC000"/>
+        </a:solidFill>
+        <a:ln>
+          <a:noFill/>
+        </a:ln>
+      </dgm:spPr>
+      <dgm:t>
+        <a:bodyPr/>
+        <a:lstStyle/>
+        <a:p>
+          <a:pPr latinLnBrk="1"/>
+          <a:r>
+            <a:rPr lang="ko-KR" altLang="en-US" sz="1400" dirty="0">
+              <a:latin typeface="GangwonEduPower ExtraBold" panose="02020603020101020101" pitchFamily="18" charset="-127"/>
+              <a:ea typeface="GangwonEduPower ExtraBold" panose="02020603020101020101" pitchFamily="18" charset="-127"/>
+            </a:rPr>
+            <a:t>개인 분양</a:t>
+          </a:r>
+          <a:r>
+            <a:rPr lang="en-US" altLang="ko-KR" sz="1400" dirty="0">
+              <a:latin typeface="GangwonEduPower ExtraBold" panose="02020603020101020101" pitchFamily="18" charset="-127"/>
+              <a:ea typeface="GangwonEduPower ExtraBold" panose="02020603020101020101" pitchFamily="18" charset="-127"/>
+            </a:rPr>
+            <a:t>&amp;</a:t>
+          </a:r>
+          <a:r>
+            <a:rPr lang="ko-KR" altLang="en-US" sz="1400" dirty="0">
+              <a:latin typeface="GangwonEduPower ExtraBold" panose="02020603020101020101" pitchFamily="18" charset="-127"/>
+              <a:ea typeface="GangwonEduPower ExtraBold" panose="02020603020101020101" pitchFamily="18" charset="-127"/>
+            </a:rPr>
+            <a:t>입양 매칭</a:t>
+          </a:r>
+        </a:p>
+      </dgm:t>
+    </dgm:pt>
+    <dgm:pt modelId="{B9457637-7CF0-2741-B45A-66456B389D53}" type="parTrans" cxnId="{6C87DA7B-4B22-CC49-B5F4-F49DE3B5C206}">
+      <dgm:prSet/>
+      <dgm:spPr/>
+      <dgm:t>
+        <a:bodyPr/>
+        <a:lstStyle/>
+        <a:p>
+          <a:pPr latinLnBrk="1"/>
+          <a:endParaRPr lang="ko-KR" altLang="en-US"/>
+        </a:p>
+      </dgm:t>
+    </dgm:pt>
+    <dgm:pt modelId="{7E3F6B39-2805-1748-B637-74B6934E1BF3}" type="sibTrans" cxnId="{6C87DA7B-4B22-CC49-B5F4-F49DE3B5C206}">
+      <dgm:prSet/>
+      <dgm:spPr/>
+      <dgm:t>
+        <a:bodyPr/>
+        <a:lstStyle/>
+        <a:p>
+          <a:pPr latinLnBrk="1"/>
+          <a:endParaRPr lang="ko-KR" altLang="en-US"/>
+        </a:p>
+      </dgm:t>
+    </dgm:pt>
+    <dgm:pt modelId="{E6966C80-52FC-6A45-BF4E-189129637C91}">
+      <dgm:prSet phldrT="[텍스트]" custT="1"/>
+      <dgm:spPr>
+        <a:solidFill>
+          <a:schemeClr val="accent4">
+            <a:lumMod val="20000"/>
+            <a:lumOff val="80000"/>
+            <a:alpha val="90000"/>
+          </a:schemeClr>
+        </a:solidFill>
+        <a:ln>
+          <a:noFill/>
+        </a:ln>
+      </dgm:spPr>
+      <dgm:t>
+        <a:bodyPr/>
+        <a:lstStyle/>
+        <a:p>
+          <a:pPr latinLnBrk="1"/>
+          <a:r>
+            <a:rPr lang="ko-KR" altLang="en-US" sz="1400" b="1" dirty="0">
+              <a:latin typeface="IBM Plex Sans KR Thin" panose="020B0203050203000203" pitchFamily="34" charset="-127"/>
+              <a:ea typeface="IBM Plex Sans KR Thin" panose="020B0203050203000203" pitchFamily="34" charset="-127"/>
+            </a:rPr>
+            <a:t>매칭 게시판 운영</a:t>
+          </a:r>
+        </a:p>
+      </dgm:t>
+    </dgm:pt>
+    <dgm:pt modelId="{B5729C13-98D4-0F4F-911D-407EED640F13}" type="parTrans" cxnId="{05F32023-FAD2-D445-9F88-BF6E13C1DD16}">
+      <dgm:prSet/>
+      <dgm:spPr/>
+      <dgm:t>
+        <a:bodyPr/>
+        <a:lstStyle/>
+        <a:p>
+          <a:pPr latinLnBrk="1"/>
+          <a:endParaRPr lang="ko-KR" altLang="en-US"/>
+        </a:p>
+      </dgm:t>
+    </dgm:pt>
+    <dgm:pt modelId="{7B34A827-5AE8-9546-8E55-0C6C7079CC30}" type="sibTrans" cxnId="{05F32023-FAD2-D445-9F88-BF6E13C1DD16}">
+      <dgm:prSet/>
+      <dgm:spPr/>
+      <dgm:t>
+        <a:bodyPr/>
+        <a:lstStyle/>
+        <a:p>
+          <a:pPr latinLnBrk="1"/>
+          <a:endParaRPr lang="ko-KR" altLang="en-US"/>
+        </a:p>
+      </dgm:t>
+    </dgm:pt>
+    <dgm:pt modelId="{CEFEADB4-2866-9240-BF52-AFFBA80A2270}">
+      <dgm:prSet phldrT="[텍스트]" custT="1"/>
+      <dgm:spPr>
+        <a:solidFill>
+          <a:schemeClr val="accent4">
+            <a:lumMod val="20000"/>
+            <a:lumOff val="80000"/>
+            <a:alpha val="90000"/>
+          </a:schemeClr>
+        </a:solidFill>
+        <a:ln>
+          <a:noFill/>
+        </a:ln>
+      </dgm:spPr>
+      <dgm:t>
+        <a:bodyPr/>
+        <a:lstStyle/>
+        <a:p>
+          <a:pPr latinLnBrk="1"/>
+          <a:r>
+            <a:rPr lang="ko-KR" altLang="en-US" sz="1400" b="1" dirty="0">
+              <a:latin typeface="IBM Plex Sans KR Thin" panose="020B0203050203000203" pitchFamily="34" charset="-127"/>
+              <a:ea typeface="IBM Plex Sans KR Thin" panose="020B0203050203000203" pitchFamily="34" charset="-127"/>
+            </a:rPr>
+            <a:t>양육 가이드 제공</a:t>
+          </a:r>
+        </a:p>
+      </dgm:t>
+    </dgm:pt>
+    <dgm:pt modelId="{24FD9CCC-546E-1542-A937-EDD81992BACF}" type="parTrans" cxnId="{C6472566-90C1-3444-8333-ED41197A499B}">
+      <dgm:prSet/>
+      <dgm:spPr/>
+      <dgm:t>
+        <a:bodyPr/>
+        <a:lstStyle/>
+        <a:p>
+          <a:pPr latinLnBrk="1"/>
+          <a:endParaRPr lang="ko-KR" altLang="en-US"/>
+        </a:p>
+      </dgm:t>
+    </dgm:pt>
+    <dgm:pt modelId="{56F58F8C-E185-8B4C-88E4-CC6BC3B0AD31}" type="sibTrans" cxnId="{C6472566-90C1-3444-8333-ED41197A499B}">
+      <dgm:prSet/>
+      <dgm:spPr/>
+      <dgm:t>
+        <a:bodyPr/>
+        <a:lstStyle/>
+        <a:p>
+          <a:pPr latinLnBrk="1"/>
+          <a:endParaRPr lang="ko-KR" altLang="en-US"/>
+        </a:p>
+      </dgm:t>
+    </dgm:pt>
+    <dgm:pt modelId="{9B54AB7F-791E-9945-AAD8-1F86689F9F1B}" type="pres">
+      <dgm:prSet presAssocID="{E0215DBF-91F0-0D41-94CF-0642BA194C17}" presName="Name0" presStyleCnt="0">
+        <dgm:presLayoutVars>
+          <dgm:dir/>
+          <dgm:animLvl val="lvl"/>
+          <dgm:resizeHandles val="exact"/>
+        </dgm:presLayoutVars>
+      </dgm:prSet>
+      <dgm:spPr/>
+    </dgm:pt>
+    <dgm:pt modelId="{AF6A812F-9A70-0E45-82B0-E2B6940BB4D5}" type="pres">
+      <dgm:prSet presAssocID="{B0251B59-F420-0344-BB24-235E38698866}" presName="composite" presStyleCnt="0"/>
+      <dgm:spPr/>
+    </dgm:pt>
+    <dgm:pt modelId="{EBC0F407-1861-F149-90BF-FA2F7871EDC2}" type="pres">
+      <dgm:prSet presAssocID="{B0251B59-F420-0344-BB24-235E38698866}" presName="parTx" presStyleLbl="alignNode1" presStyleIdx="0" presStyleCnt="3">
+        <dgm:presLayoutVars>
+          <dgm:chMax val="0"/>
+          <dgm:chPref val="0"/>
+          <dgm:bulletEnabled val="1"/>
+        </dgm:presLayoutVars>
+      </dgm:prSet>
+      <dgm:spPr/>
+    </dgm:pt>
+    <dgm:pt modelId="{57BA6832-8C55-1B42-886A-B8646B316161}" type="pres">
+      <dgm:prSet presAssocID="{B0251B59-F420-0344-BB24-235E38698866}" presName="desTx" presStyleLbl="alignAccFollowNode1" presStyleIdx="0" presStyleCnt="3">
+        <dgm:presLayoutVars>
+          <dgm:bulletEnabled val="1"/>
+        </dgm:presLayoutVars>
+      </dgm:prSet>
+      <dgm:spPr/>
+    </dgm:pt>
+    <dgm:pt modelId="{26D955B7-3F04-EB42-82B6-0F1B6072003B}" type="pres">
+      <dgm:prSet presAssocID="{C325F0B9-5C66-2E4D-80E3-A468776C467A}" presName="space" presStyleCnt="0"/>
+      <dgm:spPr/>
+    </dgm:pt>
+    <dgm:pt modelId="{5B20DD62-198E-5D4E-8CE6-132FDAA9D9F1}" type="pres">
+      <dgm:prSet presAssocID="{E619C22C-E6DD-E04D-9025-EDC35DD3AFDF}" presName="composite" presStyleCnt="0"/>
+      <dgm:spPr/>
+    </dgm:pt>
+    <dgm:pt modelId="{D1CF93B5-1A59-564D-B962-A5CE135E59AD}" type="pres">
+      <dgm:prSet presAssocID="{E619C22C-E6DD-E04D-9025-EDC35DD3AFDF}" presName="parTx" presStyleLbl="alignNode1" presStyleIdx="1" presStyleCnt="3">
+        <dgm:presLayoutVars>
+          <dgm:chMax val="0"/>
+          <dgm:chPref val="0"/>
+          <dgm:bulletEnabled val="1"/>
+        </dgm:presLayoutVars>
+      </dgm:prSet>
+      <dgm:spPr/>
+    </dgm:pt>
+    <dgm:pt modelId="{1E9F173A-46D4-B642-8FC7-198284B6FEBE}" type="pres">
+      <dgm:prSet presAssocID="{E619C22C-E6DD-E04D-9025-EDC35DD3AFDF}" presName="desTx" presStyleLbl="alignAccFollowNode1" presStyleIdx="1" presStyleCnt="3">
+        <dgm:presLayoutVars>
+          <dgm:bulletEnabled val="1"/>
+        </dgm:presLayoutVars>
+      </dgm:prSet>
+      <dgm:spPr/>
+    </dgm:pt>
+    <dgm:pt modelId="{EC1D4EE0-61A2-F74C-9322-63035FEEF363}" type="pres">
+      <dgm:prSet presAssocID="{D7CEF51C-02F6-8546-A8B1-FCCF72DC6502}" presName="space" presStyleCnt="0"/>
+      <dgm:spPr/>
+    </dgm:pt>
+    <dgm:pt modelId="{11244CB1-B303-274C-89D0-9D2D7BC1D150}" type="pres">
+      <dgm:prSet presAssocID="{2256F831-D654-E54B-9A59-FDB29C76FF0B}" presName="composite" presStyleCnt="0"/>
+      <dgm:spPr/>
+    </dgm:pt>
+    <dgm:pt modelId="{4239D413-17DF-DC49-8E5F-0642E0AE1A0C}" type="pres">
+      <dgm:prSet presAssocID="{2256F831-D654-E54B-9A59-FDB29C76FF0B}" presName="parTx" presStyleLbl="alignNode1" presStyleIdx="2" presStyleCnt="3">
+        <dgm:presLayoutVars>
+          <dgm:chMax val="0"/>
+          <dgm:chPref val="0"/>
+          <dgm:bulletEnabled val="1"/>
+        </dgm:presLayoutVars>
+      </dgm:prSet>
+      <dgm:spPr/>
+    </dgm:pt>
+    <dgm:pt modelId="{F525C196-F9CC-A547-A983-4783CF778709}" type="pres">
+      <dgm:prSet presAssocID="{2256F831-D654-E54B-9A59-FDB29C76FF0B}" presName="desTx" presStyleLbl="alignAccFollowNode1" presStyleIdx="2" presStyleCnt="3">
+        <dgm:presLayoutVars>
+          <dgm:bulletEnabled val="1"/>
+        </dgm:presLayoutVars>
+      </dgm:prSet>
+      <dgm:spPr/>
+    </dgm:pt>
+  </dgm:ptLst>
+  <dgm:cxnLst>
+    <dgm:cxn modelId="{21751303-93C3-7C43-ACC7-08C545ABFBB2}" type="presOf" srcId="{B0251B59-F420-0344-BB24-235E38698866}" destId="{EBC0F407-1861-F149-90BF-FA2F7871EDC2}" srcOrd="0" destOrd="0" presId="urn:microsoft.com/office/officeart/2005/8/layout/hList1"/>
+    <dgm:cxn modelId="{05F32023-FAD2-D445-9F88-BF6E13C1DD16}" srcId="{2256F831-D654-E54B-9A59-FDB29C76FF0B}" destId="{E6966C80-52FC-6A45-BF4E-189129637C91}" srcOrd="0" destOrd="0" parTransId="{B5729C13-98D4-0F4F-911D-407EED640F13}" sibTransId="{7B34A827-5AE8-9546-8E55-0C6C7079CC30}"/>
+    <dgm:cxn modelId="{B5928E23-FB8F-4443-B95E-9B5EF0DC9A56}" type="presOf" srcId="{CEFEADB4-2866-9240-BF52-AFFBA80A2270}" destId="{F525C196-F9CC-A547-A983-4783CF778709}" srcOrd="0" destOrd="1" presId="urn:microsoft.com/office/officeart/2005/8/layout/hList1"/>
+    <dgm:cxn modelId="{13C79C30-E8A7-3D4B-8192-452856A3C228}" type="presOf" srcId="{E619C22C-E6DD-E04D-9025-EDC35DD3AFDF}" destId="{D1CF93B5-1A59-564D-B962-A5CE135E59AD}" srcOrd="0" destOrd="0" presId="urn:microsoft.com/office/officeart/2005/8/layout/hList1"/>
+    <dgm:cxn modelId="{69069033-1BE5-2347-8DC0-E32DC42042B1}" type="presOf" srcId="{03173FB1-94DD-544E-BB8A-B5141DA795FF}" destId="{1E9F173A-46D4-B642-8FC7-198284B6FEBE}" srcOrd="0" destOrd="1" presId="urn:microsoft.com/office/officeart/2005/8/layout/hList1"/>
+    <dgm:cxn modelId="{78DC3837-44DB-0246-8DDD-F4022A797EE6}" type="presOf" srcId="{E6966C80-52FC-6A45-BF4E-189129637C91}" destId="{F525C196-F9CC-A547-A983-4783CF778709}" srcOrd="0" destOrd="0" presId="urn:microsoft.com/office/officeart/2005/8/layout/hList1"/>
+    <dgm:cxn modelId="{F77D8B3A-8AD7-764A-B3DD-0BA4908B6F8A}" type="presOf" srcId="{9EA4E53E-23BA-4240-8307-081EA8ED2E13}" destId="{57BA6832-8C55-1B42-886A-B8646B316161}" srcOrd="0" destOrd="1" presId="urn:microsoft.com/office/officeart/2005/8/layout/hList1"/>
+    <dgm:cxn modelId="{E60F383C-6237-7C4D-8220-B9C3EDA537EE}" type="presOf" srcId="{54C3EC98-E014-B44E-858B-2D0B16A6A95C}" destId="{1E9F173A-46D4-B642-8FC7-198284B6FEBE}" srcOrd="0" destOrd="0" presId="urn:microsoft.com/office/officeart/2005/8/layout/hList1"/>
+    <dgm:cxn modelId="{2BBC2D48-D418-0142-939F-F07230B28E32}" srcId="{E0215DBF-91F0-0D41-94CF-0642BA194C17}" destId="{E619C22C-E6DD-E04D-9025-EDC35DD3AFDF}" srcOrd="1" destOrd="0" parTransId="{37F4B17C-AF11-9545-BA34-8F8FEC634B32}" sibTransId="{D7CEF51C-02F6-8546-A8B1-FCCF72DC6502}"/>
+    <dgm:cxn modelId="{C6472566-90C1-3444-8333-ED41197A499B}" srcId="{2256F831-D654-E54B-9A59-FDB29C76FF0B}" destId="{CEFEADB4-2866-9240-BF52-AFFBA80A2270}" srcOrd="1" destOrd="0" parTransId="{24FD9CCC-546E-1542-A937-EDD81992BACF}" sibTransId="{56F58F8C-E185-8B4C-88E4-CC6BC3B0AD31}"/>
+    <dgm:cxn modelId="{DE848577-6AAE-0745-A0C9-6B6CEE72D1EC}" srcId="{E619C22C-E6DD-E04D-9025-EDC35DD3AFDF}" destId="{03173FB1-94DD-544E-BB8A-B5141DA795FF}" srcOrd="1" destOrd="0" parTransId="{3E664E62-E7FE-2048-A9B8-9F7E5215ADC0}" sibTransId="{515C4304-82F3-4749-9350-17406FA1C352}"/>
+    <dgm:cxn modelId="{6C87DA7B-4B22-CC49-B5F4-F49DE3B5C206}" srcId="{E0215DBF-91F0-0D41-94CF-0642BA194C17}" destId="{2256F831-D654-E54B-9A59-FDB29C76FF0B}" srcOrd="2" destOrd="0" parTransId="{B9457637-7CF0-2741-B45A-66456B389D53}" sibTransId="{7E3F6B39-2805-1748-B637-74B6934E1BF3}"/>
+    <dgm:cxn modelId="{EBC80480-C4AE-E945-A233-18AFCFED66D3}" type="presOf" srcId="{337711E6-36B0-2A4F-8E81-F532CB28649A}" destId="{57BA6832-8C55-1B42-886A-B8646B316161}" srcOrd="0" destOrd="0" presId="urn:microsoft.com/office/officeart/2005/8/layout/hList1"/>
+    <dgm:cxn modelId="{371C1E8C-C4DC-9842-BEEB-5EDEEB233B57}" srcId="{E0215DBF-91F0-0D41-94CF-0642BA194C17}" destId="{B0251B59-F420-0344-BB24-235E38698866}" srcOrd="0" destOrd="0" parTransId="{7F4029E3-7326-ED4C-AFE9-CA6721F38F7A}" sibTransId="{C325F0B9-5C66-2E4D-80E3-A468776C467A}"/>
+    <dgm:cxn modelId="{41B3F893-6E4F-CE4D-B2B1-DBDC3EBE2060}" type="presOf" srcId="{2256F831-D654-E54B-9A59-FDB29C76FF0B}" destId="{4239D413-17DF-DC49-8E5F-0642E0AE1A0C}" srcOrd="0" destOrd="0" presId="urn:microsoft.com/office/officeart/2005/8/layout/hList1"/>
+    <dgm:cxn modelId="{C97940A7-5069-CA4F-BFD4-2C208954B0A1}" srcId="{B0251B59-F420-0344-BB24-235E38698866}" destId="{337711E6-36B0-2A4F-8E81-F532CB28649A}" srcOrd="0" destOrd="0" parTransId="{D7A418ED-1343-CF49-8C00-3E634C23AA62}" sibTransId="{D9A3E550-9E77-6846-B529-D266D6A8427A}"/>
+    <dgm:cxn modelId="{EE7D1ABF-7FB1-094F-B644-A3CF2D0B8056}" srcId="{B0251B59-F420-0344-BB24-235E38698866}" destId="{9EA4E53E-23BA-4240-8307-081EA8ED2E13}" srcOrd="1" destOrd="0" parTransId="{1281C8D0-7079-B44D-AEED-DA6EBD6C943F}" sibTransId="{C10ECF2B-2BB7-484E-BE2B-57CE993CEFDD}"/>
+    <dgm:cxn modelId="{004DE5C4-B0BC-554E-B1FA-1A78CF86BBB3}" type="presOf" srcId="{E0215DBF-91F0-0D41-94CF-0642BA194C17}" destId="{9B54AB7F-791E-9945-AAD8-1F86689F9F1B}" srcOrd="0" destOrd="0" presId="urn:microsoft.com/office/officeart/2005/8/layout/hList1"/>
+    <dgm:cxn modelId="{7CE510E7-FC0D-4744-B63C-956798521025}" srcId="{E619C22C-E6DD-E04D-9025-EDC35DD3AFDF}" destId="{54C3EC98-E014-B44E-858B-2D0B16A6A95C}" srcOrd="0" destOrd="0" parTransId="{3C90D7FD-A837-B64D-9217-E46EC1CE2236}" sibTransId="{4F5D4520-EF13-F049-B0EB-7B59A64839FF}"/>
+    <dgm:cxn modelId="{40954A7C-0EE6-1849-97AA-AD12B33999E9}" type="presParOf" srcId="{9B54AB7F-791E-9945-AAD8-1F86689F9F1B}" destId="{AF6A812F-9A70-0E45-82B0-E2B6940BB4D5}" srcOrd="0" destOrd="0" presId="urn:microsoft.com/office/officeart/2005/8/layout/hList1"/>
+    <dgm:cxn modelId="{B5FC16C0-49FC-CE43-94CD-170A3B6EBFDD}" type="presParOf" srcId="{AF6A812F-9A70-0E45-82B0-E2B6940BB4D5}" destId="{EBC0F407-1861-F149-90BF-FA2F7871EDC2}" srcOrd="0" destOrd="0" presId="urn:microsoft.com/office/officeart/2005/8/layout/hList1"/>
+    <dgm:cxn modelId="{3F5FFD58-3C5C-F04C-AA83-A153B48D3A9B}" type="presParOf" srcId="{AF6A812F-9A70-0E45-82B0-E2B6940BB4D5}" destId="{57BA6832-8C55-1B42-886A-B8646B316161}" srcOrd="1" destOrd="0" presId="urn:microsoft.com/office/officeart/2005/8/layout/hList1"/>
+    <dgm:cxn modelId="{AFD313C9-3860-1748-ADF5-E843A7123D17}" type="presParOf" srcId="{9B54AB7F-791E-9945-AAD8-1F86689F9F1B}" destId="{26D955B7-3F04-EB42-82B6-0F1B6072003B}" srcOrd="1" destOrd="0" presId="urn:microsoft.com/office/officeart/2005/8/layout/hList1"/>
+    <dgm:cxn modelId="{05231E13-6B5A-5D47-84D9-9E3970E2747B}" type="presParOf" srcId="{9B54AB7F-791E-9945-AAD8-1F86689F9F1B}" destId="{5B20DD62-198E-5D4E-8CE6-132FDAA9D9F1}" srcOrd="2" destOrd="0" presId="urn:microsoft.com/office/officeart/2005/8/layout/hList1"/>
+    <dgm:cxn modelId="{F6540930-5CD4-DC45-B5E0-83981464CF39}" type="presParOf" srcId="{5B20DD62-198E-5D4E-8CE6-132FDAA9D9F1}" destId="{D1CF93B5-1A59-564D-B962-A5CE135E59AD}" srcOrd="0" destOrd="0" presId="urn:microsoft.com/office/officeart/2005/8/layout/hList1"/>
+    <dgm:cxn modelId="{F8C1174B-1CB1-2A44-A992-4CD5B536CD33}" type="presParOf" srcId="{5B20DD62-198E-5D4E-8CE6-132FDAA9D9F1}" destId="{1E9F173A-46D4-B642-8FC7-198284B6FEBE}" srcOrd="1" destOrd="0" presId="urn:microsoft.com/office/officeart/2005/8/layout/hList1"/>
+    <dgm:cxn modelId="{1CECFD93-779F-124D-8137-0E37550D1F3C}" type="presParOf" srcId="{9B54AB7F-791E-9945-AAD8-1F86689F9F1B}" destId="{EC1D4EE0-61A2-F74C-9322-63035FEEF363}" srcOrd="3" destOrd="0" presId="urn:microsoft.com/office/officeart/2005/8/layout/hList1"/>
+    <dgm:cxn modelId="{D76CEDA1-5604-5D45-B95C-6227A87FBC9A}" type="presParOf" srcId="{9B54AB7F-791E-9945-AAD8-1F86689F9F1B}" destId="{11244CB1-B303-274C-89D0-9D2D7BC1D150}" srcOrd="4" destOrd="0" presId="urn:microsoft.com/office/officeart/2005/8/layout/hList1"/>
+    <dgm:cxn modelId="{948883DC-3C60-4A49-B67A-16FDACE4E928}" type="presParOf" srcId="{11244CB1-B303-274C-89D0-9D2D7BC1D150}" destId="{4239D413-17DF-DC49-8E5F-0642E0AE1A0C}" srcOrd="0" destOrd="0" presId="urn:microsoft.com/office/officeart/2005/8/layout/hList1"/>
+    <dgm:cxn modelId="{C1AC9141-5625-0349-8951-1E21FAA1753D}" type="presParOf" srcId="{11244CB1-B303-274C-89D0-9D2D7BC1D150}" destId="{F525C196-F9CC-A547-A983-4783CF778709}" srcOrd="1" destOrd="0" presId="urn:microsoft.com/office/officeart/2005/8/layout/hList1"/>
+  </dgm:cxnLst>
+  <dgm:bg/>
+  <dgm:whole/>
+  <dgm:extLst>
+    <a:ext uri="http://schemas.microsoft.com/office/drawing/2008/diagram">
+      <dsp:dataModelExt xmlns:dsp="http://schemas.microsoft.com/office/drawing/2008/diagram" relId="rId9" minVer="http://schemas.openxmlformats.org/drawingml/2006/diagram"/>
+    </a:ext>
+  </dgm:extLst>
+</dgm:dataModel>
+</file>
+
+<file path=ppt/diagrams/drawing1.xml><?xml version="1.0" encoding="utf-8"?>
+<dsp:drawing xmlns:dgm="http://schemas.openxmlformats.org/drawingml/2006/diagram" xmlns:dsp="http://schemas.microsoft.com/office/drawing/2008/diagram" xmlns:a="http://schemas.openxmlformats.org/drawingml/2006/main">
+  <dsp:spTree>
+    <dsp:nvGrpSpPr>
+      <dsp:cNvPr id="0" name=""/>
+      <dsp:cNvGrpSpPr/>
+    </dsp:nvGrpSpPr>
+    <dsp:grpSpPr/>
+    <dsp:sp modelId="{EBC0F407-1861-F149-90BF-FA2F7871EDC2}">
+      <dsp:nvSpPr>
+        <dsp:cNvPr id="0" name=""/>
+        <dsp:cNvSpPr/>
+      </dsp:nvSpPr>
+      <dsp:spPr>
+        <a:xfrm>
+          <a:off x="2178" y="12186"/>
+          <a:ext cx="2123900" cy="849560"/>
+        </a:xfrm>
+        <a:prstGeom prst="rect">
+          <a:avLst/>
+        </a:prstGeom>
+        <a:solidFill>
+          <a:srgbClr val="FFC000"/>
+        </a:solidFill>
+        <a:ln w="12700" cap="flat" cmpd="sng" algn="ctr">
+          <a:noFill/>
+          <a:prstDash val="solid"/>
+          <a:miter lim="800000"/>
+        </a:ln>
+        <a:effectLst/>
+      </dsp:spPr>
+      <dsp:style>
+        <a:lnRef idx="2">
+          <a:scrgbClr r="0" g="0" b="0"/>
+        </a:lnRef>
+        <a:fillRef idx="1">
+          <a:scrgbClr r="0" g="0" b="0"/>
+        </a:fillRef>
+        <a:effectRef idx="0">
+          <a:scrgbClr r="0" g="0" b="0"/>
+        </a:effectRef>
+        <a:fontRef idx="minor">
+          <a:schemeClr val="lt1"/>
+        </a:fontRef>
+      </dsp:style>
+      <dsp:txBody>
+        <a:bodyPr spcFirstLastPara="0" vert="horz" wrap="square" lIns="99568" tIns="56896" rIns="99568" bIns="56896" numCol="1" spcCol="1270" anchor="ctr" anchorCtr="0">
+          <a:noAutofit/>
+        </a:bodyPr>
+        <a:lstStyle/>
+        <a:p>
+          <a:pPr marL="0" lvl="0" indent="0" algn="ctr" defTabSz="622300" latinLnBrk="1">
+            <a:lnSpc>
+              <a:spcPct val="90000"/>
+            </a:lnSpc>
+            <a:spcBef>
+              <a:spcPct val="0"/>
+            </a:spcBef>
+            <a:spcAft>
+              <a:spcPct val="35000"/>
+            </a:spcAft>
+            <a:buNone/>
+          </a:pPr>
+          <a:r>
+            <a:rPr lang="ko-KR" altLang="en-US" sz="1400" kern="1200" dirty="0" err="1">
+              <a:latin typeface="GangwonEduPower ExtraBold" panose="02020603020101020101" pitchFamily="18" charset="-127"/>
+              <a:ea typeface="GangwonEduPower ExtraBold" panose="02020603020101020101" pitchFamily="18" charset="-127"/>
+            </a:rPr>
+            <a:t>동물보호소</a:t>
+          </a:r>
+          <a:r>
+            <a:rPr lang="ko-KR" altLang="en-US" sz="1400" kern="1200" dirty="0">
+              <a:latin typeface="GangwonEduPower ExtraBold" panose="02020603020101020101" pitchFamily="18" charset="-127"/>
+              <a:ea typeface="GangwonEduPower ExtraBold" panose="02020603020101020101" pitchFamily="18" charset="-127"/>
+            </a:rPr>
+            <a:t> </a:t>
+          </a:r>
+          <a:r>
+            <a:rPr lang="ko-KR" altLang="en-US" sz="1400" kern="1200" dirty="0" err="1">
+              <a:latin typeface="GangwonEduPower ExtraBold" panose="02020603020101020101" pitchFamily="18" charset="-127"/>
+              <a:ea typeface="GangwonEduPower ExtraBold" panose="02020603020101020101" pitchFamily="18" charset="-127"/>
+            </a:rPr>
+            <a:t>연게</a:t>
+          </a:r>
+          <a:endParaRPr lang="ko-KR" altLang="en-US" sz="1400" kern="1200" dirty="0">
+            <a:latin typeface="GangwonEduPower ExtraBold" panose="02020603020101020101" pitchFamily="18" charset="-127"/>
+            <a:ea typeface="GangwonEduPower ExtraBold" panose="02020603020101020101" pitchFamily="18" charset="-127"/>
+          </a:endParaRPr>
+        </a:p>
+      </dsp:txBody>
+      <dsp:txXfrm>
+        <a:off x="2178" y="12186"/>
+        <a:ext cx="2123900" cy="849560"/>
+      </dsp:txXfrm>
+    </dsp:sp>
+    <dsp:sp modelId="{57BA6832-8C55-1B42-886A-B8646B316161}">
+      <dsp:nvSpPr>
+        <dsp:cNvPr id="0" name=""/>
+        <dsp:cNvSpPr/>
+      </dsp:nvSpPr>
+      <dsp:spPr>
+        <a:xfrm>
+          <a:off x="2178" y="861746"/>
+          <a:ext cx="2123900" cy="1800720"/>
+        </a:xfrm>
+        <a:prstGeom prst="rect">
+          <a:avLst/>
+        </a:prstGeom>
+        <a:solidFill>
+          <a:schemeClr val="accent4">
+            <a:lumMod val="20000"/>
+            <a:lumOff val="80000"/>
+            <a:alpha val="90000"/>
+          </a:schemeClr>
+        </a:solidFill>
+        <a:ln w="12700" cap="flat" cmpd="sng" algn="ctr">
+          <a:noFill/>
+          <a:prstDash val="solid"/>
+          <a:miter lim="800000"/>
+        </a:ln>
+        <a:effectLst/>
+      </dsp:spPr>
+      <dsp:style>
+        <a:lnRef idx="2">
+          <a:scrgbClr r="0" g="0" b="0"/>
+        </a:lnRef>
+        <a:fillRef idx="1">
+          <a:scrgbClr r="0" g="0" b="0"/>
+        </a:fillRef>
+        <a:effectRef idx="0">
+          <a:scrgbClr r="0" g="0" b="0"/>
+        </a:effectRef>
+        <a:fontRef idx="minor"/>
+      </dsp:style>
+      <dsp:txBody>
+        <a:bodyPr spcFirstLastPara="0" vert="horz" wrap="square" lIns="74676" tIns="74676" rIns="99568" bIns="112014" numCol="1" spcCol="1270" anchor="t" anchorCtr="0">
+          <a:noAutofit/>
+        </a:bodyPr>
+        <a:lstStyle/>
+        <a:p>
+          <a:pPr marL="114300" lvl="1" indent="-114300" algn="l" defTabSz="622300" latinLnBrk="1">
+            <a:lnSpc>
+              <a:spcPct val="90000"/>
+            </a:lnSpc>
+            <a:spcBef>
+              <a:spcPct val="0"/>
+            </a:spcBef>
+            <a:spcAft>
+              <a:spcPct val="15000"/>
+            </a:spcAft>
+            <a:buChar char="•"/>
+          </a:pPr>
+          <a:r>
+            <a:rPr lang="ko-KR" altLang="en-US" sz="1400" b="1" kern="1200" dirty="0">
+              <a:latin typeface="IBM Plex Sans KR Thin" panose="020B0203050203000203" pitchFamily="34" charset="-127"/>
+              <a:ea typeface="IBM Plex Sans KR Thin" panose="020B0203050203000203" pitchFamily="34" charset="-127"/>
+            </a:rPr>
+            <a:t>신뢰 가능한 매칭 시스템</a:t>
+          </a:r>
+        </a:p>
+        <a:p>
+          <a:pPr marL="114300" lvl="1" indent="-114300" algn="l" defTabSz="622300" latinLnBrk="1">
+            <a:lnSpc>
+              <a:spcPct val="90000"/>
+            </a:lnSpc>
+            <a:spcBef>
+              <a:spcPct val="0"/>
+            </a:spcBef>
+            <a:spcAft>
+              <a:spcPct val="15000"/>
+            </a:spcAft>
+            <a:buChar char="•"/>
+          </a:pPr>
+          <a:r>
+            <a:rPr lang="ko-KR" altLang="en-US" sz="1400" b="1" kern="1200" dirty="0">
+              <a:latin typeface="IBM Plex Sans KR Thin" panose="020B0203050203000203" pitchFamily="34" charset="-127"/>
+              <a:ea typeface="IBM Plex Sans KR Thin" panose="020B0203050203000203" pitchFamily="34" charset="-127"/>
+            </a:rPr>
+            <a:t>유기 동물 봉사 활동</a:t>
+          </a:r>
+        </a:p>
+      </dsp:txBody>
+      <dsp:txXfrm>
+        <a:off x="2178" y="861746"/>
+        <a:ext cx="2123900" cy="1800720"/>
+      </dsp:txXfrm>
+    </dsp:sp>
+    <dsp:sp modelId="{D1CF93B5-1A59-564D-B962-A5CE135E59AD}">
+      <dsp:nvSpPr>
+        <dsp:cNvPr id="0" name=""/>
+        <dsp:cNvSpPr/>
+      </dsp:nvSpPr>
+      <dsp:spPr>
+        <a:xfrm>
+          <a:off x="2423425" y="12186"/>
+          <a:ext cx="2123900" cy="849560"/>
+        </a:xfrm>
+        <a:prstGeom prst="rect">
+          <a:avLst/>
+        </a:prstGeom>
+        <a:solidFill>
+          <a:srgbClr val="FFC000"/>
+        </a:solidFill>
+        <a:ln w="12700" cap="flat" cmpd="sng" algn="ctr">
+          <a:noFill/>
+          <a:prstDash val="solid"/>
+          <a:miter lim="800000"/>
+        </a:ln>
+        <a:effectLst/>
+      </dsp:spPr>
+      <dsp:style>
+        <a:lnRef idx="2">
+          <a:scrgbClr r="0" g="0" b="0"/>
+        </a:lnRef>
+        <a:fillRef idx="1">
+          <a:scrgbClr r="0" g="0" b="0"/>
+        </a:fillRef>
+        <a:effectRef idx="0">
+          <a:scrgbClr r="0" g="0" b="0"/>
+        </a:effectRef>
+        <a:fontRef idx="minor">
+          <a:schemeClr val="lt1"/>
+        </a:fontRef>
+      </dsp:style>
+      <dsp:txBody>
+        <a:bodyPr spcFirstLastPara="0" vert="horz" wrap="square" lIns="99568" tIns="56896" rIns="99568" bIns="56896" numCol="1" spcCol="1270" anchor="ctr" anchorCtr="0">
+          <a:noAutofit/>
+        </a:bodyPr>
+        <a:lstStyle/>
+        <a:p>
+          <a:pPr marL="0" lvl="0" indent="0" algn="ctr" defTabSz="622300" latinLnBrk="1">
+            <a:lnSpc>
+              <a:spcPct val="90000"/>
+            </a:lnSpc>
+            <a:spcBef>
+              <a:spcPct val="0"/>
+            </a:spcBef>
+            <a:spcAft>
+              <a:spcPct val="35000"/>
+            </a:spcAft>
+            <a:buNone/>
+          </a:pPr>
+          <a:r>
+            <a:rPr lang="ko-KR" altLang="en-US" sz="1400" kern="1200" dirty="0">
+              <a:latin typeface="GangwonEduPower ExtraBold" panose="02020603020101020101" pitchFamily="18" charset="-127"/>
+              <a:ea typeface="GangwonEduPower ExtraBold" panose="02020603020101020101" pitchFamily="18" charset="-127"/>
+            </a:rPr>
+            <a:t>유기 동물 입양 매칭</a:t>
+          </a:r>
+        </a:p>
+      </dsp:txBody>
+      <dsp:txXfrm>
+        <a:off x="2423425" y="12186"/>
+        <a:ext cx="2123900" cy="849560"/>
+      </dsp:txXfrm>
+    </dsp:sp>
+    <dsp:sp modelId="{1E9F173A-46D4-B642-8FC7-198284B6FEBE}">
+      <dsp:nvSpPr>
+        <dsp:cNvPr id="0" name=""/>
+        <dsp:cNvSpPr/>
+      </dsp:nvSpPr>
+      <dsp:spPr>
+        <a:xfrm>
+          <a:off x="2423425" y="861746"/>
+          <a:ext cx="2123900" cy="1800720"/>
+        </a:xfrm>
+        <a:prstGeom prst="rect">
+          <a:avLst/>
+        </a:prstGeom>
+        <a:solidFill>
+          <a:schemeClr val="accent4">
+            <a:lumMod val="20000"/>
+            <a:lumOff val="80000"/>
+            <a:alpha val="90000"/>
+          </a:schemeClr>
+        </a:solidFill>
+        <a:ln w="12700" cap="flat" cmpd="sng" algn="ctr">
+          <a:noFill/>
+          <a:prstDash val="solid"/>
+          <a:miter lim="800000"/>
+        </a:ln>
+        <a:effectLst/>
+      </dsp:spPr>
+      <dsp:style>
+        <a:lnRef idx="2">
+          <a:scrgbClr r="0" g="0" b="0"/>
+        </a:lnRef>
+        <a:fillRef idx="1">
+          <a:scrgbClr r="0" g="0" b="0"/>
+        </a:fillRef>
+        <a:effectRef idx="0">
+          <a:scrgbClr r="0" g="0" b="0"/>
+        </a:effectRef>
+        <a:fontRef idx="minor"/>
+      </dsp:style>
+      <dsp:txBody>
+        <a:bodyPr spcFirstLastPara="0" vert="horz" wrap="square" lIns="74676" tIns="74676" rIns="99568" bIns="112014" numCol="1" spcCol="1270" anchor="t" anchorCtr="0">
+          <a:noAutofit/>
+        </a:bodyPr>
+        <a:lstStyle/>
+        <a:p>
+          <a:pPr marL="114300" lvl="1" indent="-114300" algn="l" defTabSz="622300" latinLnBrk="1">
+            <a:lnSpc>
+              <a:spcPct val="90000"/>
+            </a:lnSpc>
+            <a:spcBef>
+              <a:spcPct val="0"/>
+            </a:spcBef>
+            <a:spcAft>
+              <a:spcPct val="15000"/>
+            </a:spcAft>
+            <a:buChar char="•"/>
+          </a:pPr>
+          <a:r>
+            <a:rPr lang="ko-KR" altLang="en-US" sz="1400" b="1" kern="1200" dirty="0">
+              <a:latin typeface="IBM Plex Sans KR Thin" panose="020B0203050203000203" pitchFamily="34" charset="-127"/>
+              <a:ea typeface="IBM Plex Sans KR Thin" panose="020B0203050203000203" pitchFamily="34" charset="-127"/>
+            </a:rPr>
+            <a:t>입양 신청 및 보호소 연계</a:t>
+          </a:r>
+        </a:p>
+        <a:p>
+          <a:pPr marL="114300" lvl="1" indent="-114300" algn="l" defTabSz="622300" latinLnBrk="1">
+            <a:lnSpc>
+              <a:spcPct val="90000"/>
+            </a:lnSpc>
+            <a:spcBef>
+              <a:spcPct val="0"/>
+            </a:spcBef>
+            <a:spcAft>
+              <a:spcPct val="15000"/>
+            </a:spcAft>
+            <a:buChar char="•"/>
+          </a:pPr>
+          <a:r>
+            <a:rPr lang="ko-KR" altLang="en-US" sz="1400" b="1" kern="1200" dirty="0">
+              <a:latin typeface="IBM Plex Sans KR Thin" panose="020B0203050203000203" pitchFamily="34" charset="-127"/>
+              <a:ea typeface="IBM Plex Sans KR Thin" panose="020B0203050203000203" pitchFamily="34" charset="-127"/>
+            </a:rPr>
+            <a:t>전국 각지 데이터 수집</a:t>
+          </a:r>
+        </a:p>
+      </dsp:txBody>
+      <dsp:txXfrm>
+        <a:off x="2423425" y="861746"/>
+        <a:ext cx="2123900" cy="1800720"/>
+      </dsp:txXfrm>
+    </dsp:sp>
+    <dsp:sp modelId="{4239D413-17DF-DC49-8E5F-0642E0AE1A0C}">
+      <dsp:nvSpPr>
+        <dsp:cNvPr id="0" name=""/>
+        <dsp:cNvSpPr/>
+      </dsp:nvSpPr>
+      <dsp:spPr>
+        <a:xfrm>
+          <a:off x="4844672" y="12186"/>
+          <a:ext cx="2123900" cy="849560"/>
+        </a:xfrm>
+        <a:prstGeom prst="rect">
+          <a:avLst/>
+        </a:prstGeom>
+        <a:solidFill>
+          <a:srgbClr val="FFC000"/>
+        </a:solidFill>
+        <a:ln w="12700" cap="flat" cmpd="sng" algn="ctr">
+          <a:noFill/>
+          <a:prstDash val="solid"/>
+          <a:miter lim="800000"/>
+        </a:ln>
+        <a:effectLst/>
+      </dsp:spPr>
+      <dsp:style>
+        <a:lnRef idx="2">
+          <a:scrgbClr r="0" g="0" b="0"/>
+        </a:lnRef>
+        <a:fillRef idx="1">
+          <a:scrgbClr r="0" g="0" b="0"/>
+        </a:fillRef>
+        <a:effectRef idx="0">
+          <a:scrgbClr r="0" g="0" b="0"/>
+        </a:effectRef>
+        <a:fontRef idx="minor">
+          <a:schemeClr val="lt1"/>
+        </a:fontRef>
+      </dsp:style>
+      <dsp:txBody>
+        <a:bodyPr spcFirstLastPara="0" vert="horz" wrap="square" lIns="99568" tIns="56896" rIns="99568" bIns="56896" numCol="1" spcCol="1270" anchor="ctr" anchorCtr="0">
+          <a:noAutofit/>
+        </a:bodyPr>
+        <a:lstStyle/>
+        <a:p>
+          <a:pPr marL="0" lvl="0" indent="0" algn="ctr" defTabSz="622300" latinLnBrk="1">
+            <a:lnSpc>
+              <a:spcPct val="90000"/>
+            </a:lnSpc>
+            <a:spcBef>
+              <a:spcPct val="0"/>
+            </a:spcBef>
+            <a:spcAft>
+              <a:spcPct val="35000"/>
+            </a:spcAft>
+            <a:buNone/>
+          </a:pPr>
+          <a:r>
+            <a:rPr lang="ko-KR" altLang="en-US" sz="1400" kern="1200" dirty="0">
+              <a:latin typeface="GangwonEduPower ExtraBold" panose="02020603020101020101" pitchFamily="18" charset="-127"/>
+              <a:ea typeface="GangwonEduPower ExtraBold" panose="02020603020101020101" pitchFamily="18" charset="-127"/>
+            </a:rPr>
+            <a:t>개인 분양</a:t>
+          </a:r>
+          <a:r>
+            <a:rPr lang="en-US" altLang="ko-KR" sz="1400" kern="1200" dirty="0">
+              <a:latin typeface="GangwonEduPower ExtraBold" panose="02020603020101020101" pitchFamily="18" charset="-127"/>
+              <a:ea typeface="GangwonEduPower ExtraBold" panose="02020603020101020101" pitchFamily="18" charset="-127"/>
+            </a:rPr>
+            <a:t>&amp;</a:t>
+          </a:r>
+          <a:r>
+            <a:rPr lang="ko-KR" altLang="en-US" sz="1400" kern="1200" dirty="0">
+              <a:latin typeface="GangwonEduPower ExtraBold" panose="02020603020101020101" pitchFamily="18" charset="-127"/>
+              <a:ea typeface="GangwonEduPower ExtraBold" panose="02020603020101020101" pitchFamily="18" charset="-127"/>
+            </a:rPr>
+            <a:t>입양 매칭</a:t>
+          </a:r>
+        </a:p>
+      </dsp:txBody>
+      <dsp:txXfrm>
+        <a:off x="4844672" y="12186"/>
+        <a:ext cx="2123900" cy="849560"/>
+      </dsp:txXfrm>
+    </dsp:sp>
+    <dsp:sp modelId="{F525C196-F9CC-A547-A983-4783CF778709}">
+      <dsp:nvSpPr>
+        <dsp:cNvPr id="0" name=""/>
+        <dsp:cNvSpPr/>
+      </dsp:nvSpPr>
+      <dsp:spPr>
+        <a:xfrm>
+          <a:off x="4844672" y="861746"/>
+          <a:ext cx="2123900" cy="1800720"/>
+        </a:xfrm>
+        <a:prstGeom prst="rect">
+          <a:avLst/>
+        </a:prstGeom>
+        <a:solidFill>
+          <a:schemeClr val="accent4">
+            <a:lumMod val="20000"/>
+            <a:lumOff val="80000"/>
+            <a:alpha val="90000"/>
+          </a:schemeClr>
+        </a:solidFill>
+        <a:ln w="12700" cap="flat" cmpd="sng" algn="ctr">
+          <a:noFill/>
+          <a:prstDash val="solid"/>
+          <a:miter lim="800000"/>
+        </a:ln>
+        <a:effectLst/>
+      </dsp:spPr>
+      <dsp:style>
+        <a:lnRef idx="2">
+          <a:scrgbClr r="0" g="0" b="0"/>
+        </a:lnRef>
+        <a:fillRef idx="1">
+          <a:scrgbClr r="0" g="0" b="0"/>
+        </a:fillRef>
+        <a:effectRef idx="0">
+          <a:scrgbClr r="0" g="0" b="0"/>
+        </a:effectRef>
+        <a:fontRef idx="minor"/>
+      </dsp:style>
+      <dsp:txBody>
+        <a:bodyPr spcFirstLastPara="0" vert="horz" wrap="square" lIns="74676" tIns="74676" rIns="99568" bIns="112014" numCol="1" spcCol="1270" anchor="t" anchorCtr="0">
+          <a:noAutofit/>
+        </a:bodyPr>
+        <a:lstStyle/>
+        <a:p>
+          <a:pPr marL="114300" lvl="1" indent="-114300" algn="l" defTabSz="622300" latinLnBrk="1">
+            <a:lnSpc>
+              <a:spcPct val="90000"/>
+            </a:lnSpc>
+            <a:spcBef>
+              <a:spcPct val="0"/>
+            </a:spcBef>
+            <a:spcAft>
+              <a:spcPct val="15000"/>
+            </a:spcAft>
+            <a:buChar char="•"/>
+          </a:pPr>
+          <a:r>
+            <a:rPr lang="ko-KR" altLang="en-US" sz="1400" b="1" kern="1200" dirty="0">
+              <a:latin typeface="IBM Plex Sans KR Thin" panose="020B0203050203000203" pitchFamily="34" charset="-127"/>
+              <a:ea typeface="IBM Plex Sans KR Thin" panose="020B0203050203000203" pitchFamily="34" charset="-127"/>
+            </a:rPr>
+            <a:t>매칭 게시판 운영</a:t>
+          </a:r>
+        </a:p>
+        <a:p>
+          <a:pPr marL="114300" lvl="1" indent="-114300" algn="l" defTabSz="622300" latinLnBrk="1">
+            <a:lnSpc>
+              <a:spcPct val="90000"/>
+            </a:lnSpc>
+            <a:spcBef>
+              <a:spcPct val="0"/>
+            </a:spcBef>
+            <a:spcAft>
+              <a:spcPct val="15000"/>
+            </a:spcAft>
+            <a:buChar char="•"/>
+          </a:pPr>
+          <a:r>
+            <a:rPr lang="ko-KR" altLang="en-US" sz="1400" b="1" kern="1200" dirty="0">
+              <a:latin typeface="IBM Plex Sans KR Thin" panose="020B0203050203000203" pitchFamily="34" charset="-127"/>
+              <a:ea typeface="IBM Plex Sans KR Thin" panose="020B0203050203000203" pitchFamily="34" charset="-127"/>
+            </a:rPr>
+            <a:t>양육 가이드 제공</a:t>
+          </a:r>
+        </a:p>
+      </dsp:txBody>
+      <dsp:txXfrm>
+        <a:off x="4844672" y="861746"/>
+        <a:ext cx="2123900" cy="1800720"/>
+      </dsp:txXfrm>
+    </dsp:sp>
+  </dsp:spTree>
+</dsp:drawing>
+</file>
+
+<file path=ppt/diagrams/layout1.xml><?xml version="1.0" encoding="utf-8"?>
+<dgm:layoutDef xmlns:dgm="http://schemas.openxmlformats.org/drawingml/2006/diagram" xmlns:a="http://schemas.openxmlformats.org/drawingml/2006/main" uniqueId="urn:microsoft.com/office/officeart/2005/8/layout/hList1">
+  <dgm:title val=""/>
+  <dgm:desc val=""/>
+  <dgm:catLst>
+    <dgm:cat type="list" pri="5000"/>
+    <dgm:cat type="convert" pri="5000"/>
+  </dgm:catLst>
+  <dgm:sampData>
+    <dgm:dataModel>
+      <dgm:ptLst>
+        <dgm:pt modelId="0" type="doc"/>
+        <dgm:pt modelId="1">
+          <dgm:prSet phldr="1"/>
+        </dgm:pt>
+        <dgm:pt modelId="11">
+          <dgm:prSet phldr="1"/>
+        </dgm:pt>
+        <dgm:pt modelId="12">
+          <dgm:prSet phldr="1"/>
+        </dgm:pt>
+        <dgm:pt modelId="2">
+          <dgm:prSet phldr="1"/>
+        </dgm:pt>
+        <dgm:pt modelId="21">
+          <dgm:prSet phldr="1"/>
+        </dgm:pt>
+        <dgm:pt modelId="22">
+          <dgm:prSet phldr="1"/>
+        </dgm:pt>
+        <dgm:pt modelId="3">
+          <dgm:prSet phldr="1"/>
+        </dgm:pt>
+        <dgm:pt modelId="31">
+          <dgm:prSet phldr="1"/>
+        </dgm:pt>
+        <dgm:pt modelId="32">
+          <dgm:prSet phldr="1"/>
+        </dgm:pt>
+      </dgm:ptLst>
+      <dgm:cxnLst>
+        <dgm:cxn modelId="4" srcId="0" destId="1" srcOrd="0" destOrd="0"/>
+        <dgm:cxn modelId="5" srcId="0" destId="2" srcOrd="1" destOrd="0"/>
+        <dgm:cxn modelId="6" srcId="0" destId="3" srcOrd="2" destOrd="0"/>
+        <dgm:cxn modelId="13" srcId="1" destId="11" srcOrd="0" destOrd="0"/>
+        <dgm:cxn modelId="14" srcId="1" destId="12" srcOrd="1" destOrd="0"/>
+        <dgm:cxn modelId="23" srcId="2" destId="21" srcOrd="0" destOrd="0"/>
+        <dgm:cxn modelId="24" srcId="2" destId="22" srcOrd="1" destOrd="0"/>
+        <dgm:cxn modelId="33" srcId="3" destId="31" srcOrd="0" destOrd="0"/>
+        <dgm:cxn modelId="34" srcId="3" destId="32" srcOrd="1" destOrd="0"/>
+      </dgm:cxnLst>
+      <dgm:bg/>
+      <dgm:whole/>
+    </dgm:dataModel>
+  </dgm:sampData>
+  <dgm:styleData>
+    <dgm:dataModel>
+      <dgm:ptLst>
+        <dgm:pt modelId="0" type="doc"/>
+        <dgm:pt modelId="1">
+          <dgm:prSet phldr="1"/>
+        </dgm:pt>
+        <dgm:pt modelId="2">
+          <dgm:prSet phldr="1"/>
+        </dgm:pt>
+      </dgm:ptLst>
+      <dgm:cxnLst>
+        <dgm:cxn modelId="3" srcId="0" destId="1" srcOrd="0" destOrd="0"/>
+        <dgm:cxn modelId="4" srcId="0" destId="2" srcOrd="1" destOrd="0"/>
+      </dgm:cxnLst>
+      <dgm:bg/>
+      <dgm:whole/>
+    </dgm:dataModel>
+  </dgm:styleData>
+  <dgm:clrData>
+    <dgm:dataModel>
+      <dgm:ptLst>
+        <dgm:pt modelId="0" type="doc"/>
+        <dgm:pt modelId="1">
+          <dgm:prSet phldr="1"/>
+        </dgm:pt>
+        <dgm:pt modelId="2">
+          <dgm:prSet phldr="1"/>
+        </dgm:pt>
+        <dgm:pt modelId="3">
+          <dgm:prSet phldr="1"/>
+        </dgm:pt>
+        <dgm:pt modelId="4">
+          <dgm:prSet phldr="1"/>
+        </dgm:pt>
+      </dgm:ptLst>
+      <dgm:cxnLst>
+        <dgm:cxn modelId="5" srcId="0" destId="1" srcOrd="0" destOrd="0"/>
+        <dgm:cxn modelId="6" srcId="0" destId="2" srcOrd="1" destOrd="0"/>
+        <dgm:cxn modelId="7" srcId="0" destId="3" srcOrd="2" destOrd="0"/>
+        <dgm:cxn modelId="8" srcId="0" destId="4" srcOrd="3" destOrd="0"/>
+      </dgm:cxnLst>
+      <dgm:bg/>
+      <dgm:whole/>
+    </dgm:dataModel>
+  </dgm:clrData>
+  <dgm:layoutNode name="Name0">
+    <dgm:varLst>
+      <dgm:dir/>
+      <dgm:animLvl val="lvl"/>
+      <dgm:resizeHandles val="exact"/>
+    </dgm:varLst>
+    <dgm:choose name="Name1">
+      <dgm:if name="Name2" func="var" arg="dir" op="equ" val="norm">
+        <dgm:alg type="lin"/>
+      </dgm:if>
+      <dgm:else name="Name3">
+        <dgm:alg type="lin">
+          <dgm:param type="linDir" val="fromR"/>
+        </dgm:alg>
+      </dgm:else>
+    </dgm:choose>
+    <dgm:shape xmlns:r="http://schemas.openxmlformats.org/officeDocument/2006/relationships" r:blip="">
+      <dgm:adjLst/>
+    </dgm:shape>
+    <dgm:presOf/>
+    <dgm:constrLst>
+      <dgm:constr type="h" for="ch" forName="composite" refType="h"/>
+      <dgm:constr type="w" for="ch" forName="composite" refType="w"/>
+      <dgm:constr type="w" for="des" forName="parTx"/>
+      <dgm:constr type="h" for="des" forName="parTx" op="equ"/>
+      <dgm:constr type="w" for="des" forName="desTx"/>
+      <dgm:constr type="h" for="des" forName="desTx" op="equ"/>
+      <dgm:constr type="primFontSz" for="des" forName="parTx" val="65"/>
+      <dgm:constr type="secFontSz" for="des" forName="desTx" refType="primFontSz" refFor="des" refForName="parTx" op="equ"/>
+      <dgm:constr type="h" for="des" forName="parTx" refType="primFontSz" refFor="des" refForName="parTx" fact="0.8"/>
+      <dgm:constr type="h" for="des" forName="desTx" refType="primFontSz" refFor="des" refForName="parTx" fact="1.22"/>
+      <dgm:constr type="w" for="ch" forName="space" refType="w" refFor="ch" refForName="composite" op="equ" fact="0.14"/>
+    </dgm:constrLst>
+    <dgm:ruleLst>
+      <dgm:rule type="w" for="ch" forName="composite" val="0" fact="NaN" max="NaN"/>
+      <dgm:rule type="primFontSz" for="des" forName="parTx" val="5" fact="NaN" max="NaN"/>
+    </dgm:ruleLst>
+    <dgm:forEach name="Name4" axis="ch" ptType="node">
+      <dgm:layoutNode name="composite">
+        <dgm:alg type="composite"/>
+        <dgm:shape xmlns:r="http://schemas.openxmlformats.org/officeDocument/2006/relationships" r:blip="">
+          <dgm:adjLst/>
+        </dgm:shape>
+        <dgm:presOf/>
+        <dgm:constrLst>
+          <dgm:constr type="l" for="ch" forName="parTx"/>
+          <dgm:constr type="w" for="ch" forName="parTx" refType="w"/>
+          <dgm:constr type="t" for="ch" forName="parTx"/>
+          <dgm:constr type="l" for="ch" forName="desTx"/>
+          <dgm:constr type="w" for="ch" forName="desTx" refType="w" refFor="ch" refForName="parTx"/>
+          <dgm:constr type="t" for="ch" forName="desTx" refType="h" refFor="ch" refForName="parTx"/>
+        </dgm:constrLst>
+        <dgm:ruleLst>
+          <dgm:rule type="h" val="INF" fact="NaN" max="NaN"/>
+        </dgm:ruleLst>
+        <dgm:layoutNode name="parTx" styleLbl="alignNode1">
+          <dgm:varLst>
+            <dgm:chMax val="0"/>
+            <dgm:chPref val="0"/>
+            <dgm:bulletEnabled val="1"/>
+          </dgm:varLst>
+          <dgm:alg type="tx"/>
+          <dgm:shape xmlns:r="http://schemas.openxmlformats.org/officeDocument/2006/relationships" type="rect" r:blip="">
+            <dgm:adjLst/>
+          </dgm:shape>
+          <dgm:presOf axis="self" ptType="node"/>
+          <dgm:constrLst>
+            <dgm:constr type="h" refType="w" op="lte" fact="0.4"/>
+            <dgm:constr type="h"/>
+            <dgm:constr type="tMarg" refType="primFontSz" fact="0.32"/>
+            <dgm:constr type="bMarg" refType="primFontSz" fact="0.32"/>
+          </dgm:constrLst>
+          <dgm:ruleLst>
+            <dgm:rule type="h" val="INF" fact="NaN" max="NaN"/>
+          </dgm:ruleLst>
+        </dgm:layoutNode>
+        <dgm:layoutNode name="desTx" styleLbl="alignAccFollowNode1">
+          <dgm:varLst>
+            <dgm:bulletEnabled val="1"/>
+          </dgm:varLst>
+          <dgm:alg type="tx">
+            <dgm:param type="stBulletLvl" val="1"/>
+          </dgm:alg>
+          <dgm:shape xmlns:r="http://schemas.openxmlformats.org/officeDocument/2006/relationships" type="rect" r:blip="">
+            <dgm:adjLst/>
+          </dgm:shape>
+          <dgm:presOf axis="des" ptType="node"/>
+          <dgm:constrLst>
+            <dgm:constr type="secFontSz" val="65"/>
+            <dgm:constr type="primFontSz" refType="secFontSz"/>
+            <dgm:constr type="h"/>
+            <dgm:constr type="lMarg" refType="primFontSz" fact="0.42"/>
+            <dgm:constr type="tMarg" refType="primFontSz" fact="0.42"/>
+            <dgm:constr type="bMarg" refType="primFontSz" fact="0.63"/>
+          </dgm:constrLst>
+          <dgm:ruleLst>
+            <dgm:rule type="h" val="INF" fact="NaN" max="NaN"/>
+          </dgm:ruleLst>
+        </dgm:layoutNode>
+      </dgm:layoutNode>
+      <dgm:forEach name="Name5" axis="followSib" ptType="sibTrans" cnt="1">
+        <dgm:layoutNode name="space">
+          <dgm:alg type="sp"/>
+          <dgm:shape xmlns:r="http://schemas.openxmlformats.org/officeDocument/2006/relationships" r:blip="">
+            <dgm:adjLst/>
+          </dgm:shape>
+          <dgm:presOf/>
+          <dgm:constrLst/>
+          <dgm:ruleLst/>
+        </dgm:layoutNode>
+      </dgm:forEach>
+    </dgm:forEach>
+  </dgm:layoutNode>
+</dgm:layoutDef>
+</file>
+
+<file path=ppt/diagrams/quickStyle1.xml><?xml version="1.0" encoding="utf-8"?>
+<dgm:styleDef xmlns:dgm="http://schemas.openxmlformats.org/drawingml/2006/diagram" xmlns:a="http://schemas.openxmlformats.org/drawingml/2006/main" uniqueId="urn:microsoft.com/office/officeart/2005/8/quickstyle/simple1">
+  <dgm:title val=""/>
+  <dgm:desc val=""/>
+  <dgm:catLst>
+    <dgm:cat type="simple" pri="10100"/>
+  </dgm:catLst>
+  <dgm:scene3d>
+    <a:camera prst="orthographicFront"/>
+    <a:lightRig rig="threePt" dir="t"/>
+  </dgm:scene3d>
+  <dgm:styleLbl name="node0">
+    <dgm:scene3d>
+      <a:camera prst="orthographicFront"/>
+      <a:lightRig rig="threePt" dir="t"/>
+    </dgm:scene3d>
+    <dgm:sp3d/>
+    <dgm:txPr/>
+    <dgm:style>
+      <a:lnRef idx="2">
+        <a:scrgbClr r="0" g="0" b="0"/>
+      </a:lnRef>
+      <a:fillRef idx="1">
+        <a:scrgbClr r="0" g="0" b="0"/>
+      </a:fillRef>
+      <a:effectRef idx="0">
+        <a:scrgbClr r="0" g="0" b="0"/>
+      </a:effectRef>
+      <a:fontRef idx="minor">
+        <a:schemeClr val="lt1"/>
+      </a:fontRef>
+    </dgm:style>
+  </dgm:styleLbl>
+  <dgm:styleLbl name="lnNode1">
+    <dgm:scene3d>
+      <a:camera prst="orthographicFront"/>
+      <a:lightRig rig="threePt" dir="t"/>
+    </dgm:scene3d>
+    <dgm:sp3d/>
+    <dgm:txPr/>
+    <dgm:style>
+      <a:lnRef idx="2">
+        <a:scrgbClr r="0" g="0" b="0"/>
+      </a:lnRef>
+      <a:fillRef idx="1">
+        <a:scrgbClr r="0" g="0" b="0"/>
+      </a:fillRef>
+      <a:effectRef idx="0">
+        <a:scrgbClr r="0" g="0" b="0"/>
+      </a:effectRef>
+      <a:fontRef idx="minor">
+        <a:schemeClr val="lt1"/>
+      </a:fontRef>
+    </dgm:style>
+  </dgm:styleLbl>
+  <dgm:styleLbl name="vennNode1">
+    <dgm:scene3d>
+      <a:camera prst="orthographicFront"/>
+      <a:lightRig rig="threePt" dir="t"/>
+    </dgm:scene3d>
+    <dgm:sp3d/>
+    <dgm:txPr/>
+    <dgm:style>
+      <a:lnRef idx="2">
+        <a:scrgbClr r="0" g="0" b="0"/>
+      </a:lnRef>
+      <a:fillRef idx="1">
+        <a:scrgbClr r="0" g="0" b="0"/>
+      </a:fillRef>
+      <a:effectRef idx="0">
+        <a:scrgbClr r="0" g="0" b="0"/>
+      </a:effectRef>
+      <a:fontRef idx="minor">
+        <a:schemeClr val="tx1"/>
+      </a:fontRef>
+    </dgm:style>
+  </dgm:styleLbl>
+  <dgm:styleLbl name="alignNode1">
+    <dgm:scene3d>
+      <a:camera prst="orthographicFront"/>
+      <a:lightRig rig="threePt" dir="t"/>
+    </dgm:scene3d>
+    <dgm:sp3d/>
+    <dgm:txPr/>
+    <dgm:style>
+      <a:lnRef idx="2">
+        <a:scrgbClr r="0" g="0" b="0"/>
+      </a:lnRef>
+      <a:fillRef idx="1">
+        <a:scrgbClr r="0" g="0" b="0"/>
+      </a:fillRef>
+      <a:effectRef idx="0">
+        <a:scrgbClr r="0" g="0" b="0"/>
+      </a:effectRef>
+      <a:fontRef idx="minor">
+        <a:schemeClr val="lt1"/>
+      </a:fontRef>
+    </dgm:style>
+  </dgm:styleLbl>
+  <dgm:styleLbl name="node1">
+    <dgm:scene3d>
+      <a:camera prst="orthographicFront"/>
+      <a:lightRig rig="threePt" dir="t"/>
+    </dgm:scene3d>
+    <dgm:sp3d/>
+    <dgm:txPr/>
+    <dgm:style>
+      <a:lnRef idx="2">
+        <a:scrgbClr r="0" g="0" b="0"/>
+      </a:lnRef>
+      <a:fillRef idx="1">
+        <a:scrgbClr r="0" g="0" b="0"/>
+      </a:fillRef>
+      <a:effectRef idx="0">
+        <a:scrgbClr r="0" g="0" b="0"/>
+      </a:effectRef>
+      <a:fontRef idx="minor">
+        <a:schemeClr val="lt1"/>
+      </a:fontRef>
+    </dgm:style>
+  </dgm:styleLbl>
+  <dgm:styleLbl name="node2">
+    <dgm:scene3d>
+      <a:camera prst="orthographicFront"/>
+      <a:lightRig rig="threePt" dir="t"/>
+    </dgm:scene3d>
+    <dgm:sp3d/>
+    <dgm:txPr/>
+    <dgm:style>
+      <a:lnRef idx="2">
+        <a:scrgbClr r="0" g="0" b="0"/>
+      </a:lnRef>
+      <a:fillRef idx="1">
+        <a:scrgbClr r="0" g="0" b="0"/>
+      </a:fillRef>
+      <a:effectRef idx="0">
+        <a:scrgbClr r="0" g="0" b="0"/>
+      </a:effectRef>
+      <a:fontRef idx="minor">
+        <a:schemeClr val="lt1"/>
+      </a:fontRef>
+    </dgm:style>
+  </dgm:styleLbl>
+  <dgm:styleLbl name="node3">
+    <dgm:scene3d>
+      <a:camera prst="orthographicFront"/>
+      <a:lightRig rig="threePt" dir="t"/>
+    </dgm:scene3d>
+    <dgm:sp3d/>
+    <dgm:txPr/>
+    <dgm:style>
+      <a:lnRef idx="2">
+        <a:scrgbClr r="0" g="0" b="0"/>
+      </a:lnRef>
+      <a:fillRef idx="1">
+        <a:scrgbClr r="0" g="0" b="0"/>
+      </a:fillRef>
+      <a:effectRef idx="0">
+        <a:scrgbClr r="0" g="0" b="0"/>
+      </a:effectRef>
+      <a:fontRef idx="minor">
+        <a:schemeClr val="lt1"/>
+      </a:fontRef>
+    </dgm:style>
+  </dgm:styleLbl>
+  <dgm:styleLbl name="node4">
+    <dgm:scene3d>
+      <a:camera prst="orthographicFront"/>
+      <a:lightRig rig="threePt" dir="t"/>
+    </dgm:scene3d>
+    <dgm:sp3d/>
+    <dgm:txPr/>
+    <dgm:style>
+      <a:lnRef idx="2">
+        <a:scrgbClr r="0" g="0" b="0"/>
+      </a:lnRef>
+      <a:fillRef idx="1">
+        <a:scrgbClr r="0" g="0" b="0"/>
+      </a:fillRef>
+      <a:effectRef idx="0">
+        <a:scrgbClr r="0" g="0" b="0"/>
+      </a:effectRef>
+      <a:fontRef idx="minor">
+        <a:schemeClr val="lt1"/>
+      </a:fontRef>
+    </dgm:style>
+  </dgm:styleLbl>
+  <dgm:styleLbl name="fgImgPlace1">
+    <dgm:scene3d>
+      <a:camera prst="orthographicFront"/>
+      <a:lightRig rig="threePt" dir="t"/>
+    </dgm:scene3d>
+    <dgm:sp3d/>
+    <dgm:txPr/>
+    <dgm:style>
+      <a:lnRef idx="2">
+        <a:scrgbClr r="0" g="0" b="0"/>
+      </a:lnRef>
+      <a:fillRef idx="1">
+        <a:scrgbClr r="0" g="0" b="0"/>
+      </a:fillRef>
+      <a:effectRef idx="0">
+        <a:scrgbClr r="0" g="0" b="0"/>
+      </a:effectRef>
+      <a:fontRef idx="minor"/>
+    </dgm:style>
+  </dgm:styleLbl>
+  <dgm:styleLbl name="alignImgPlace1">
+    <dgm:scene3d>
+      <a:camera prst="orthographicFront"/>
+      <a:lightRig rig="threePt" dir="t"/>
+    </dgm:scene3d>
+    <dgm:sp3d/>
+    <dgm:txPr/>
+    <dgm:style>
+      <a:lnRef idx="2">
+        <a:scrgbClr r="0" g="0" b="0"/>
+      </a:lnRef>
+      <a:fillRef idx="1">
+        <a:scrgbClr r="0" g="0" b="0"/>
+      </a:fillRef>
+      <a:effectRef idx="0">
+        <a:scrgbClr r="0" g="0" b="0"/>
+      </a:effectRef>
+      <a:fontRef idx="minor"/>
+    </dgm:style>
+  </dgm:styleLbl>
+  <dgm:styleLbl name="bgImgPlace1">
+    <dgm:scene3d>
+      <a:camera prst="orthographicFront"/>
+      <a:lightRig rig="threePt" dir="t"/>
+    </dgm:scene3d>
+    <dgm:sp3d/>
+    <dgm:txPr/>
+    <dgm:style>
+      <a:lnRef idx="2">
+        <a:scrgbClr r="0" g="0" b="0"/>
+      </a:lnRef>
+      <a:fillRef idx="1">
+        <a:scrgbClr r="0" g="0" b="0"/>
+      </a:fillRef>
+      <a:effectRef idx="0">
+        <a:scrgbClr r="0" g="0" b="0"/>
+      </a:effectRef>
+      <a:fontRef idx="minor"/>
+    </dgm:style>
+  </dgm:styleLbl>
+  <dgm:styleLbl name="sibTrans2D1">
+    <dgm:scene3d>
+      <a:camera prst="orthographicFront"/>
+      <a:lightRig rig="threePt" dir="t"/>
+    </dgm:scene3d>
+    <dgm:sp3d/>
+    <dgm:txPr/>
+    <dgm:style>
+      <a:lnRef idx="0">
+        <a:scrgbClr r="0" g="0" b="0"/>
+      </a:lnRef>
+      <a:fillRef idx="1">
+        <a:scrgbClr r="0" g="0" b="0"/>
+      </a:fillRef>
+      <a:effectRef idx="0">
+        <a:scrgbClr r="0" g="0" b="0"/>
+      </a:effectRef>
+      <a:fontRef idx="minor">
+        <a:schemeClr val="lt1"/>
+      </a:fontRef>
+    </dgm:style>
+  </dgm:styleLbl>
+  <dgm:styleLbl name="fgSibTrans2D1">
+    <dgm:scene3d>
+      <a:camera prst="orthographicFront"/>
+      <a:lightRig rig="threePt" dir="t"/>
+    </dgm:scene3d>
+    <dgm:sp3d/>
+    <dgm:txPr/>
+    <dgm:style>
+      <a:lnRef idx="0">
+        <a:scrgbClr r="0" g="0" b="0"/>
+      </a:lnRef>
+      <a:fillRef idx="1">
+        <a:scrgbClr r="0" g="0" b="0"/>
+      </a:fillRef>
+      <a:effectRef idx="0">
+        <a:scrgbClr r="0" g="0" b="0"/>
+      </a:effectRef>
+      <a:fontRef idx="minor">
+        <a:schemeClr val="lt1"/>
+      </a:fontRef>
+    </dgm:style>
+  </dgm:styleLbl>
+  <dgm:styleLbl name="bgSibTrans2D1">
+    <dgm:scene3d>
+      <a:camera prst="orthographicFront"/>
+      <a:lightRig rig="threePt" dir="t"/>
+    </dgm:scene3d>
+    <dgm:sp3d/>
+    <dgm:txPr/>
+    <dgm:style>
+      <a:lnRef idx="0">
+        <a:scrgbClr r="0" g="0" b="0"/>
+      </a:lnRef>
+      <a:fillRef idx="1">
+        <a:scrgbClr r="0" g="0" b="0"/>
+      </a:fillRef>
+      <a:effectRef idx="0">
+        <a:scrgbClr r="0" g="0" b="0"/>
+      </a:effectRef>
+      <a:fontRef idx="minor">
+        <a:schemeClr val="lt1"/>
+      </a:fontRef>
+    </dgm:style>
+  </dgm:styleLbl>
+  <dgm:styleLbl name="sibTrans1D1">
+    <dgm:scene3d>
+      <a:camera prst="orthographicFront"/>
+      <a:lightRig rig="threePt" dir="t"/>
+    </dgm:scene3d>
+    <dgm:sp3d/>
+    <dgm:txPr/>
+    <dgm:style>
+      <a:lnRef idx="1">
+        <a:scrgbClr r="0" g="0" b="0"/>
+      </a:lnRef>
+      <a:fillRef idx="0">
+        <a:scrgbClr r="0" g="0" b="0"/>
+      </a:fillRef>
+      <a:effectRef idx="0">
+        <a:scrgbClr r="0" g="0" b="0"/>
+      </a:effectRef>
+      <a:fontRef idx="minor"/>
+    </dgm:style>
+  </dgm:styleLbl>
+  <dgm:styleLbl name="callout">
+    <dgm:scene3d>
+      <a:camera prst="orthographicFront"/>
+      <a:lightRig rig="threePt" dir="t"/>
+    </dgm:scene3d>
+    <dgm:sp3d/>
+    <dgm:txPr/>
+    <dgm:style>
+      <a:lnRef idx="2">
+        <a:scrgbClr r="0" g="0" b="0"/>
+      </a:lnRef>
+      <a:fillRef idx="1">
+        <a:scrgbClr r="0" g="0" b="0"/>
+      </a:fillRef>
+      <a:effectRef idx="0">
+        <a:scrgbClr r="0" g="0" b="0"/>
+      </a:effectRef>
+      <a:fontRef idx="minor"/>
+    </dgm:style>
+  </dgm:styleLbl>
+  <dgm:styleLbl name="asst0">
+    <dgm:scene3d>
+      <a:camera prst="orthographicFront"/>
+      <a:lightRig rig="threePt" dir="t"/>
+    </dgm:scene3d>
+    <dgm:sp3d/>
+    <dgm:txPr/>
+    <dgm:style>
+      <a:lnRef idx="2">
+        <a:scrgbClr r="0" g="0" b="0"/>
+      </a:lnRef>
+      <a:fillRef idx="1">
+        <a:scrgbClr r="0" g="0" b="0"/>
+      </a:fillRef>
+      <a:effectRef idx="0">
+        <a:scrgbClr r="0" g="0" b="0"/>
+      </a:effectRef>
+      <a:fontRef idx="minor">
+        <a:schemeClr val="lt1"/>
+      </a:fontRef>
+    </dgm:style>
+  </dgm:styleLbl>
+  <dgm:styleLbl name="asst1">
+    <dgm:scene3d>
+      <a:camera prst="orthographicFront"/>
+      <a:lightRig rig="threePt" dir="t"/>
+    </dgm:scene3d>
+    <dgm:sp3d/>
+    <dgm:txPr/>
+    <dgm:style>
+      <a:lnRef idx="2">
+        <a:scrgbClr r="0" g="0" b="0"/>
+      </a:lnRef>
+      <a:fillRef idx="1">
+        <a:scrgbClr r="0" g="0" b="0"/>
+      </a:fillRef>
+      <a:effectRef idx="0">
+        <a:scrgbClr r="0" g="0" b="0"/>
+      </a:effectRef>
+      <a:fontRef idx="minor">
+        <a:schemeClr val="lt1"/>
+      </a:fontRef>
+    </dgm:style>
+  </dgm:styleLbl>
+  <dgm:styleLbl name="asst2">
+    <dgm:scene3d>
+      <a:camera prst="orthographicFront"/>
+      <a:lightRig rig="threePt" dir="t"/>
+    </dgm:scene3d>
+    <dgm:sp3d/>
+    <dgm:txPr/>
+    <dgm:style>
+      <a:lnRef idx="2">
+        <a:scrgbClr r="0" g="0" b="0"/>
+      </a:lnRef>
+      <a:fillRef idx="1">
+        <a:scrgbClr r="0" g="0" b="0"/>
+      </a:fillRef>
+      <a:effectRef idx="0">
+        <a:scrgbClr r="0" g="0" b="0"/>
+      </a:effectRef>
+      <a:fontRef idx="minor">
+        <a:schemeClr val="lt1"/>
+      </a:fontRef>
+    </dgm:style>
+  </dgm:styleLbl>
+  <dgm:styleLbl name="asst3">
+    <dgm:scene3d>
+      <a:camera prst="orthographicFront"/>
+      <a:lightRig rig="threePt" dir="t"/>
+    </dgm:scene3d>
+    <dgm:sp3d/>
+    <dgm:txPr/>
+    <dgm:style>
+      <a:lnRef idx="2">
+        <a:scrgbClr r="0" g="0" b="0"/>
+      </a:lnRef>
+      <a:fillRef idx="1">
+        <a:scrgbClr r="0" g="0" b="0"/>
+      </a:fillRef>
+      <a:effectRef idx="0">
+        <a:scrgbClr r="0" g="0" b="0"/>
+      </a:effectRef>
+      <a:fontRef idx="minor">
+        <a:schemeClr val="lt1"/>
+      </a:fontRef>
+    </dgm:style>
+  </dgm:styleLbl>
+  <dgm:styleLbl name="asst4">
+    <dgm:scene3d>
+      <a:camera prst="orthographicFront"/>
+      <a:lightRig rig="threePt" dir="t"/>
+    </dgm:scene3d>
+    <dgm:sp3d/>
+    <dgm:txPr/>
+    <dgm:style>
+      <a:lnRef idx="2">
+        <a:scrgbClr r="0" g="0" b="0"/>
+      </a:lnRef>
+      <a:fillRef idx="1">
+        <a:scrgbClr r="0" g="0" b="0"/>
+      </a:fillRef>
+      <a:effectRef idx="0">
+        <a:scrgbClr r="0" g="0" b="0"/>
+      </a:effectRef>
+      <a:fontRef idx="minor">
+        <a:schemeClr val="lt1"/>
+      </a:fontRef>
+    </dgm:style>
+  </dgm:styleLbl>
+  <dgm:styleLbl name="parChTrans2D1">
+    <dgm:scene3d>
+      <a:camera prst="orthographicFront"/>
+      <a:lightRig rig="threePt" dir="t"/>
+    </dgm:scene3d>
+    <dgm:sp3d/>
+    <dgm:txPr/>
+    <dgm:style>
+      <a:lnRef idx="2">
+        <a:scrgbClr r="0" g="0" b="0"/>
+      </a:lnRef>
+      <a:fillRef idx="1">
+        <a:scrgbClr r="0" g="0" b="0"/>
+      </a:fillRef>
+      <a:effectRef idx="0">
+        <a:scrgbClr r="0" g="0" b="0"/>
+      </a:effectRef>
+      <a:fontRef idx="minor">
+        <a:schemeClr val="lt1"/>
+      </a:fontRef>
+    </dgm:style>
+  </dgm:styleLbl>
+  <dgm:styleLbl name="parChTrans2D2">
+    <dgm:scene3d>
+      <a:camera prst="orthographicFront"/>
+      <a:lightRig rig="threePt" dir="t"/>
+    </dgm:scene3d>
+    <dgm:sp3d/>
+    <dgm:txPr/>
+    <dgm:style>
+      <a:lnRef idx="2">
+        <a:scrgbClr r="0" g="0" b="0"/>
+      </a:lnRef>
+      <a:fillRef idx="1">
+        <a:scrgbClr r="0" g="0" b="0"/>
+      </a:fillRef>
+      <a:effectRef idx="0">
+        <a:scrgbClr r="0" g="0" b="0"/>
+      </a:effectRef>
+      <a:fontRef idx="minor">
+        <a:schemeClr val="lt1"/>
+      </a:fontRef>
+    </dgm:style>
+  </dgm:styleLbl>
+  <dgm:styleLbl name="parChTrans2D3">
+    <dgm:scene3d>
+      <a:camera prst="orthographicFront"/>
+      <a:lightRig rig="threePt" dir="t"/>
+    </dgm:scene3d>
+    <dgm:sp3d/>
+    <dgm:txPr/>
+    <dgm:style>
+      <a:lnRef idx="2">
+        <a:scrgbClr r="0" g="0" b="0"/>
+      </a:lnRef>
+      <a:fillRef idx="1">
+        <a:scrgbClr r="0" g="0" b="0"/>
+      </a:fillRef>
+      <a:effectRef idx="0">
+        <a:scrgbClr r="0" g="0" b="0"/>
+      </a:effectRef>
+      <a:fontRef idx="minor">
+        <a:schemeClr val="lt1"/>
+      </a:fontRef>
+    </dgm:style>
+  </dgm:styleLbl>
+  <dgm:styleLbl name="parChTrans2D4">
+    <dgm:scene3d>
+      <a:camera prst="orthographicFront"/>
+      <a:lightRig rig="threePt" dir="t"/>
+    </dgm:scene3d>
+    <dgm:sp3d/>
+    <dgm:txPr/>
+    <dgm:style>
+      <a:lnRef idx="2">
+        <a:scrgbClr r="0" g="0" b="0"/>
+      </a:lnRef>
+      <a:fillRef idx="1">
+        <a:scrgbClr r="0" g="0" b="0"/>
+      </a:fillRef>
+      <a:effectRef idx="0">
+        <a:scrgbClr r="0" g="0" b="0"/>
+      </a:effectRef>
+      <a:fontRef idx="minor">
+        <a:schemeClr val="lt1"/>
+      </a:fontRef>
+    </dgm:style>
+  </dgm:styleLbl>
+  <dgm:styleLbl name="parChTrans1D1">
+    <dgm:scene3d>
+      <a:camera prst="orthographicFront"/>
+      <a:lightRig rig="threePt" dir="t"/>
+    </dgm:scene3d>
+    <dgm:sp3d/>
+    <dgm:txPr/>
+    <dgm:style>
+      <a:lnRef idx="2">
+        <a:scrgbClr r="0" g="0" b="0"/>
+      </a:lnRef>
+      <a:fillRef idx="0">
+        <a:scrgbClr r="0" g="0" b="0"/>
+      </a:fillRef>
+      <a:effectRef idx="0">
+        <a:scrgbClr r="0" g="0" b="0"/>
+      </a:effectRef>
+      <a:fontRef idx="minor"/>
+    </dgm:style>
+  </dgm:styleLbl>
+  <dgm:styleLbl name="parChTrans1D2">
+    <dgm:scene3d>
+      <a:camera prst="orthographicFront"/>
+      <a:lightRig rig="threePt" dir="t"/>
+    </dgm:scene3d>
+    <dgm:sp3d/>
+    <dgm:txPr/>
+    <dgm:style>
+      <a:lnRef idx="2">
+        <a:scrgbClr r="0" g="0" b="0"/>
+      </a:lnRef>
+      <a:fillRef idx="0">
+        <a:scrgbClr r="0" g="0" b="0"/>
+      </a:fillRef>
+      <a:effectRef idx="0">
+        <a:scrgbClr r="0" g="0" b="0"/>
+      </a:effectRef>
+      <a:fontRef idx="minor"/>
+    </dgm:style>
+  </dgm:styleLbl>
+  <dgm:styleLbl name="parChTrans1D3">
+    <dgm:scene3d>
+      <a:camera prst="orthographicFront"/>
+      <a:lightRig rig="threePt" dir="t"/>
+    </dgm:scene3d>
+    <dgm:sp3d/>
+    <dgm:txPr/>
+    <dgm:style>
+      <a:lnRef idx="2">
+        <a:scrgbClr r="0" g="0" b="0"/>
+      </a:lnRef>
+      <a:fillRef idx="0">
+        <a:scrgbClr r="0" g="0" b="0"/>
+      </a:fillRef>
+      <a:effectRef idx="0">
+        <a:scrgbClr r="0" g="0" b="0"/>
+      </a:effectRef>
+      <a:fontRef idx="minor"/>
+    </dgm:style>
+  </dgm:styleLbl>
+  <dgm:styleLbl name="parChTrans1D4">
+    <dgm:scene3d>
+      <a:camera prst="orthographicFront"/>
+      <a:lightRig rig="threePt" dir="t"/>
+    </dgm:scene3d>
+    <dgm:sp3d/>
+    <dgm:txPr/>
+    <dgm:style>
+      <a:lnRef idx="2">
+        <a:scrgbClr r="0" g="0" b="0"/>
+      </a:lnRef>
+      <a:fillRef idx="0">
+        <a:scrgbClr r="0" g="0" b="0"/>
+      </a:fillRef>
+      <a:effectRef idx="0">
+        <a:scrgbClr r="0" g="0" b="0"/>
+      </a:effectRef>
+      <a:fontRef idx="minor"/>
+    </dgm:style>
+  </dgm:styleLbl>
+  <dgm:styleLbl name="fgAcc1">
+    <dgm:scene3d>
+      <a:camera prst="orthographicFront"/>
+      <a:lightRig rig="threePt" dir="t"/>
+    </dgm:scene3d>
+    <dgm:sp3d/>
+    <dgm:txPr/>
+    <dgm:style>
+      <a:lnRef idx="2">
+        <a:scrgbClr r="0" g="0" b="0"/>
+      </a:lnRef>
+      <a:fillRef idx="1">
+        <a:scrgbClr r="0" g="0" b="0"/>
+      </a:fillRef>
+      <a:effectRef idx="0">
+        <a:scrgbClr r="0" g="0" b="0"/>
+      </a:effectRef>
+      <a:fontRef idx="minor"/>
+    </dgm:style>
+  </dgm:styleLbl>
+  <dgm:styleLbl name="conFgAcc1">
+    <dgm:scene3d>
+      <a:camera prst="orthographicFront"/>
+      <a:lightRig rig="threePt" dir="t"/>
+    </dgm:scene3d>
+    <dgm:sp3d/>
+    <dgm:txPr/>
+    <dgm:style>
+      <a:lnRef idx="2">
+        <a:scrgbClr r="0" g="0" b="0"/>
+      </a:lnRef>
+      <a:fillRef idx="1">
+        <a:scrgbClr r="0" g="0" b="0"/>
+      </a:fillRef>
+      <a:effectRef idx="0">
+        <a:scrgbClr r="0" g="0" b="0"/>
+      </a:effectRef>
+      <a:fontRef idx="minor"/>
+    </dgm:style>
+  </dgm:styleLbl>
+  <dgm:styleLbl name="alignAcc1">
+    <dgm:scene3d>
+      <a:camera prst="orthographicFront"/>
+      <a:lightRig rig="threePt" dir="t"/>
+    </dgm:scene3d>
+    <dgm:sp3d/>
+    <dgm:txPr/>
+    <dgm:style>
+      <a:lnRef idx="2">
+        <a:scrgbClr r="0" g="0" b="0"/>
+      </a:lnRef>
+      <a:fillRef idx="1">
+        <a:scrgbClr r="0" g="0" b="0"/>
+      </a:fillRef>
+      <a:effectRef idx="0">
+        <a:scrgbClr r="0" g="0" b="0"/>
+      </a:effectRef>
+      <a:fontRef idx="minor"/>
+    </dgm:style>
+  </dgm:styleLbl>
+  <dgm:styleLbl name="trAlignAcc1">
+    <dgm:scene3d>
+      <a:camera prst="orthographicFront"/>
+      <a:lightRig rig="threePt" dir="t"/>
+    </dgm:scene3d>
+    <dgm:sp3d/>
+    <dgm:txPr/>
+    <dgm:style>
+      <a:lnRef idx="1">
+        <a:scrgbClr r="0" g="0" b="0"/>
+      </a:lnRef>
+      <a:fillRef idx="1">
+        <a:scrgbClr r="0" g="0" b="0"/>
+      </a:fillRef>
+      <a:effectRef idx="0">
+        <a:scrgbClr r="0" g="0" b="0"/>
+      </a:effectRef>
+      <a:fontRef idx="minor"/>
+    </dgm:style>
+  </dgm:styleLbl>
+  <dgm:styleLbl name="bgAcc1">
+    <dgm:scene3d>
+      <a:camera prst="orthographicFront"/>
+      <a:lightRig rig="threePt" dir="t"/>
+    </dgm:scene3d>
+    <dgm:sp3d/>
+    <dgm:txPr/>
+    <dgm:style>
+      <a:lnRef idx="2">
+        <a:scrgbClr r="0" g="0" b="0"/>
+      </a:lnRef>
+      <a:fillRef idx="1">
+        <a:scrgbClr r="0" g="0" b="0"/>
+      </a:fillRef>
+      <a:effectRef idx="0">
+        <a:scrgbClr r="0" g="0" b="0"/>
+      </a:effectRef>
+      <a:fontRef idx="minor"/>
+    </dgm:style>
+  </dgm:styleLbl>
+  <dgm:styleLbl name="solidFgAcc1">
+    <dgm:scene3d>
+      <a:camera prst="orthographicFront"/>
+      <a:lightRig rig="threePt" dir="t"/>
+    </dgm:scene3d>
+    <dgm:sp3d/>
+    <dgm:txPr/>
+    <dgm:style>
+      <a:lnRef idx="2">
+        <a:scrgbClr r="0" g="0" b="0"/>
+      </a:lnRef>
+      <a:fillRef idx="1">
+        <a:scrgbClr r="0" g="0" b="0"/>
+      </a:fillRef>
+      <a:effectRef idx="0">
+        <a:scrgbClr r="0" g="0" b="0"/>
+      </a:effectRef>
+      <a:fontRef idx="minor"/>
+    </dgm:style>
+  </dgm:styleLbl>
+  <dgm:styleLbl name="solidAlignAcc1">
+    <dgm:scene3d>
+      <a:camera prst="orthographicFront"/>
+      <a:lightRig rig="threePt" dir="t"/>
+    </dgm:scene3d>
+    <dgm:sp3d/>
+    <dgm:txPr/>
+    <dgm:style>
+      <a:lnRef idx="2">
+        <a:scrgbClr r="0" g="0" b="0"/>
+      </a:lnRef>
+      <a:fillRef idx="1">
+        <a:scrgbClr r="0" g="0" b="0"/>
+      </a:fillRef>
+      <a:effectRef idx="0">
+        <a:scrgbClr r="0" g="0" b="0"/>
+      </a:effectRef>
+      <a:fontRef idx="minor"/>
+    </dgm:style>
+  </dgm:styleLbl>
+  <dgm:styleLbl name="solidBgAcc1">
+    <dgm:scene3d>
+      <a:camera prst="orthographicFront"/>
+      <a:lightRig rig="threePt" dir="t"/>
+    </dgm:scene3d>
+    <dgm:sp3d/>
+    <dgm:txPr/>
+    <dgm:style>
+      <a:lnRef idx="2">
+        <a:scrgbClr r="0" g="0" b="0"/>
+      </a:lnRef>
+      <a:fillRef idx="1">
+        <a:scrgbClr r="0" g="0" b="0"/>
+      </a:fillRef>
+      <a:effectRef idx="0">
+        <a:scrgbClr r="0" g="0" b="0"/>
+      </a:effectRef>
+      <a:fontRef idx="minor"/>
+    </dgm:style>
+  </dgm:styleLbl>
+  <dgm:styleLbl name="fgAccFollowNode1">
+    <dgm:scene3d>
+      <a:camera prst="orthographicFront"/>
+      <a:lightRig rig="threePt" dir="t"/>
+    </dgm:scene3d>
+    <dgm:sp3d/>
+    <dgm:txPr/>
+    <dgm:style>
+      <a:lnRef idx="2">
+        <a:scrgbClr r="0" g="0" b="0"/>
+      </a:lnRef>
+      <a:fillRef idx="1">
+        <a:scrgbClr r="0" g="0" b="0"/>
+      </a:fillRef>
+      <a:effectRef idx="0">
+        <a:scrgbClr r="0" g="0" b="0"/>
+      </a:effectRef>
+      <a:fontRef idx="minor"/>
+    </dgm:style>
+  </dgm:styleLbl>
+  <dgm:styleLbl name="alignAccFollowNode1">
+    <dgm:scene3d>
+      <a:camera prst="orthographicFront"/>
+      <a:lightRig rig="threePt" dir="t"/>
+    </dgm:scene3d>
+    <dgm:sp3d/>
+    <dgm:txPr/>
+    <dgm:style>
+      <a:lnRef idx="2">
+        <a:scrgbClr r="0" g="0" b="0"/>
+      </a:lnRef>
+      <a:fillRef idx="1">
+        <a:scrgbClr r="0" g="0" b="0"/>
+      </a:fillRef>
+      <a:effectRef idx="0">
+        <a:scrgbClr r="0" g="0" b="0"/>
+      </a:effectRef>
+      <a:fontRef idx="minor"/>
+    </dgm:style>
+  </dgm:styleLbl>
+  <dgm:styleLbl name="bgAccFollowNode1">
+    <dgm:scene3d>
+      <a:camera prst="orthographicFront"/>
+      <a:lightRig rig="threePt" dir="t"/>
+    </dgm:scene3d>
+    <dgm:sp3d/>
+    <dgm:txPr/>
+    <dgm:style>
+      <a:lnRef idx="2">
+        <a:scrgbClr r="0" g="0" b="0"/>
+      </a:lnRef>
+      <a:fillRef idx="1">
+        <a:scrgbClr r="0" g="0" b="0"/>
+      </a:fillRef>
+      <a:effectRef idx="0">
+        <a:scrgbClr r="0" g="0" b="0"/>
+      </a:effectRef>
+      <a:fontRef idx="minor"/>
+    </dgm:style>
+  </dgm:styleLbl>
+  <dgm:styleLbl name="fgAcc0">
+    <dgm:scene3d>
+      <a:camera prst="orthographicFront"/>
+      <a:lightRig rig="threePt" dir="t"/>
+    </dgm:scene3d>
+    <dgm:sp3d/>
+    <dgm:txPr/>
+    <dgm:style>
+      <a:lnRef idx="2">
+        <a:scrgbClr r="0" g="0" b="0"/>
+      </a:lnRef>
+      <a:fillRef idx="1">
+        <a:scrgbClr r="0" g="0" b="0"/>
+      </a:fillRef>
+      <a:effectRef idx="0">
+        <a:scrgbClr r="0" g="0" b="0"/>
+      </a:effectRef>
+      <a:fontRef idx="minor"/>
+    </dgm:style>
+  </dgm:styleLbl>
+  <dgm:styleLbl name="fgAcc2">
+    <dgm:scene3d>
+      <a:camera prst="orthographicFront"/>
+      <a:lightRig rig="threePt" dir="t"/>
+    </dgm:scene3d>
+    <dgm:sp3d/>
+    <dgm:txPr/>
+    <dgm:style>
+      <a:lnRef idx="2">
+        <a:scrgbClr r="0" g="0" b="0"/>
+      </a:lnRef>
+      <a:fillRef idx="1">
+        <a:scrgbClr r="0" g="0" b="0"/>
+      </a:fillRef>
+      <a:effectRef idx="0">
+        <a:scrgbClr r="0" g="0" b="0"/>
+      </a:effectRef>
+      <a:fontRef idx="minor"/>
+    </dgm:style>
+  </dgm:styleLbl>
+  <dgm:styleLbl name="fgAcc3">
+    <dgm:scene3d>
+      <a:camera prst="orthographicFront"/>
+      <a:lightRig rig="threePt" dir="t"/>
+    </dgm:scene3d>
+    <dgm:sp3d/>
+    <dgm:txPr/>
+    <dgm:style>
+      <a:lnRef idx="2">
+        <a:scrgbClr r="0" g="0" b="0"/>
+      </a:lnRef>
+      <a:fillRef idx="1">
+        <a:scrgbClr r="0" g="0" b="0"/>
+      </a:fillRef>
+      <a:effectRef idx="0">
+        <a:scrgbClr r="0" g="0" b="0"/>
+      </a:effectRef>
+      <a:fontRef idx="minor"/>
+    </dgm:style>
+  </dgm:styleLbl>
+  <dgm:styleLbl name="fgAcc4">
+    <dgm:scene3d>
+      <a:camera prst="orthographicFront"/>
+      <a:lightRig rig="threePt" dir="t"/>
+    </dgm:scene3d>
+    <dgm:sp3d/>
+    <dgm:txPr/>
+    <dgm:style>
+      <a:lnRef idx="2">
+        <a:scrgbClr r="0" g="0" b="0"/>
+      </a:lnRef>
+      <a:fillRef idx="1">
+        <a:scrgbClr r="0" g="0" b="0"/>
+      </a:fillRef>
+      <a:effectRef idx="0">
+        <a:scrgbClr r="0" g="0" b="0"/>
+      </a:effectRef>
+      <a:fontRef idx="minor"/>
+    </dgm:style>
+  </dgm:styleLbl>
+  <dgm:styleLbl name="bgShp">
+    <dgm:scene3d>
+      <a:camera prst="orthographicFront"/>
+      <a:lightRig rig="threePt" dir="t"/>
+    </dgm:scene3d>
+    <dgm:sp3d/>
+    <dgm:txPr/>
+    <dgm:style>
+      <a:lnRef idx="0">
+        <a:scrgbClr r="0" g="0" b="0"/>
+      </a:lnRef>
+      <a:fillRef idx="1">
+        <a:scrgbClr r="0" g="0" b="0"/>
+      </a:fillRef>
+      <a:effectRef idx="0">
+        <a:scrgbClr r="0" g="0" b="0"/>
+      </a:effectRef>
+      <a:fontRef idx="minor"/>
+    </dgm:style>
+  </dgm:styleLbl>
+  <dgm:styleLbl name="dkBgShp">
+    <dgm:scene3d>
+      <a:camera prst="orthographicFront"/>
+      <a:lightRig rig="threePt" dir="t"/>
+    </dgm:scene3d>
+    <dgm:sp3d/>
+    <dgm:txPr/>
+    <dgm:style>
+      <a:lnRef idx="0">
+        <a:scrgbClr r="0" g="0" b="0"/>
+      </a:lnRef>
+      <a:fillRef idx="1">
+        <a:scrgbClr r="0" g="0" b="0"/>
+      </a:fillRef>
+      <a:effectRef idx="0">
+        <a:scrgbClr r="0" g="0" b="0"/>
+      </a:effectRef>
+      <a:fontRef idx="minor"/>
+    </dgm:style>
+  </dgm:styleLbl>
+  <dgm:styleLbl name="trBgShp">
+    <dgm:scene3d>
+      <a:camera prst="orthographicFront"/>
+      <a:lightRig rig="threePt" dir="t"/>
+    </dgm:scene3d>
+    <dgm:sp3d/>
+    <dgm:txPr/>
+    <dgm:style>
+      <a:lnRef idx="0">
+        <a:scrgbClr r="0" g="0" b="0"/>
+      </a:lnRef>
+      <a:fillRef idx="1">
+        <a:scrgbClr r="0" g="0" b="0"/>
+      </a:fillRef>
+      <a:effectRef idx="0">
+        <a:scrgbClr r="0" g="0" b="0"/>
+      </a:effectRef>
+      <a:fontRef idx="minor"/>
+    </dgm:style>
+  </dgm:styleLbl>
+  <dgm:styleLbl name="fgShp">
+    <dgm:scene3d>
+      <a:camera prst="orthographicFront"/>
+      <a:lightRig rig="threePt" dir="t"/>
+    </dgm:scene3d>
+    <dgm:sp3d/>
+    <dgm:txPr/>
+    <dgm:style>
+      <a:lnRef idx="2">
+        <a:scrgbClr r="0" g="0" b="0"/>
+      </a:lnRef>
+      <a:fillRef idx="1">
+        <a:scrgbClr r="0" g="0" b="0"/>
+      </a:fillRef>
+      <a:effectRef idx="0">
+        <a:scrgbClr r="0" g="0" b="0"/>
+      </a:effectRef>
+      <a:fontRef idx="minor"/>
+    </dgm:style>
+  </dgm:styleLbl>
+  <dgm:styleLbl name="revTx">
+    <dgm:scene3d>
+      <a:camera prst="orthographicFront"/>
+      <a:lightRig rig="threePt" dir="t"/>
+    </dgm:scene3d>
+    <dgm:sp3d/>
+    <dgm:txPr/>
+    <dgm:style>
+      <a:lnRef idx="0">
+        <a:scrgbClr r="0" g="0" b="0"/>
+      </a:lnRef>
+      <a:fillRef idx="0">
+        <a:scrgbClr r="0" g="0" b="0"/>
+      </a:fillRef>
+      <a:effectRef idx="0">
+        <a:scrgbClr r="0" g="0" b="0"/>
+      </a:effectRef>
+      <a:fontRef idx="minor"/>
+    </dgm:style>
+  </dgm:styleLbl>
+</dgm:styleDef>
 </file>
 
 <file path=ppt/notesMasters/notesMaster1.xml><?xml version="1.0" encoding="utf-8"?>
@@ -4232,6 +8264,96 @@
 </p:sld>
 </file>
 
+<file path=ppt/slides/slide10.xml><?xml version="1.0" encoding="utf-8"?>
+<p:sld xmlns:a="http://schemas.openxmlformats.org/drawingml/2006/main" xmlns:r="http://schemas.openxmlformats.org/officeDocument/2006/relationships" xmlns:p="http://schemas.openxmlformats.org/presentationml/2006/main">
+  <p:cSld>
+    <p:spTree>
+      <p:nvGrpSpPr>
+        <p:cNvPr id="1" name=""/>
+        <p:cNvGrpSpPr/>
+        <p:nvPr/>
+      </p:nvGrpSpPr>
+      <p:grpSpPr>
+        <a:xfrm>
+          <a:off x="0" y="0"/>
+          <a:ext cx="0" cy="0"/>
+          <a:chOff x="0" y="0"/>
+          <a:chExt cx="0" cy="0"/>
+        </a:xfrm>
+      </p:grpSpPr>
+      <p:pic>
+        <p:nvPicPr>
+          <p:cNvPr id="5" name="그림 4">
+            <a:extLst>
+              <a:ext uri="{FF2B5EF4-FFF2-40B4-BE49-F238E27FC236}">
+                <a16:creationId xmlns:a16="http://schemas.microsoft.com/office/drawing/2014/main" id="{2A96F417-2B68-9D4C-8EAB-265BD5A5C1C1}"/>
+              </a:ext>
+            </a:extLst>
+          </p:cNvPr>
+          <p:cNvPicPr>
+            <a:picLocks noChangeAspect="1"/>
+          </p:cNvPicPr>
+          <p:nvPr/>
+        </p:nvPicPr>
+        <p:blipFill>
+          <a:blip r:embed="rId2"/>
+          <a:stretch>
+            <a:fillRect/>
+          </a:stretch>
+        </p:blipFill>
+        <p:spPr>
+          <a:xfrm>
+            <a:off x="2032000" y="546100"/>
+            <a:ext cx="8128000" cy="5765800"/>
+          </a:xfrm>
+          <a:prstGeom prst="rect">
+            <a:avLst/>
+          </a:prstGeom>
+        </p:spPr>
+      </p:pic>
+      <p:pic>
+        <p:nvPicPr>
+          <p:cNvPr id="3" name="그림 2">
+            <a:extLst>
+              <a:ext uri="{FF2B5EF4-FFF2-40B4-BE49-F238E27FC236}">
+                <a16:creationId xmlns:a16="http://schemas.microsoft.com/office/drawing/2014/main" id="{E76E7D40-E3A8-EE45-BD66-0ECB43296233}"/>
+              </a:ext>
+            </a:extLst>
+          </p:cNvPr>
+          <p:cNvPicPr>
+            <a:picLocks noChangeAspect="1"/>
+          </p:cNvPicPr>
+          <p:nvPr/>
+        </p:nvPicPr>
+        <p:blipFill>
+          <a:blip r:embed="rId3"/>
+          <a:stretch>
+            <a:fillRect/>
+          </a:stretch>
+        </p:blipFill>
+        <p:spPr>
+          <a:xfrm>
+            <a:off x="914400" y="2330450"/>
+            <a:ext cx="10363200" cy="2197100"/>
+          </a:xfrm>
+          <a:prstGeom prst="rect">
+            <a:avLst/>
+          </a:prstGeom>
+        </p:spPr>
+      </p:pic>
+    </p:spTree>
+    <p:extLst>
+      <p:ext uri="{BB962C8B-B14F-4D97-AF65-F5344CB8AC3E}">
+        <p14:creationId xmlns:p14="http://schemas.microsoft.com/office/powerpoint/2010/main" val="3904683102"/>
+      </p:ext>
+    </p:extLst>
+  </p:cSld>
+  <p:clrMapOvr>
+    <a:masterClrMapping/>
+  </p:clrMapOvr>
+</p:sld>
+</file>
+
 <file path=ppt/slides/slide2.xml><?xml version="1.0" encoding="utf-8"?>
 <p:sld xmlns:a="http://schemas.openxmlformats.org/drawingml/2006/main" xmlns:r="http://schemas.openxmlformats.org/officeDocument/2006/relationships" xmlns:p="http://schemas.openxmlformats.org/presentationml/2006/main">
   <p:cSld>
@@ -5551,7 +9673,7 @@
         <p:spPr>
           <a:xfrm>
             <a:off x="266706" y="978115"/>
-            <a:ext cx="5416868" cy="400110"/>
+            <a:ext cx="2916183" cy="400110"/>
           </a:xfrm>
           <a:prstGeom prst="rect">
             <a:avLst/>
@@ -5597,20 +9719,6 @@
                 <a:ea typeface="IBM Plex Sans KR Thin" panose="020B0203050203000203" pitchFamily="34" charset="-127"/>
               </a:rPr>
               <a:t> 역할 분담</a:t>
-            </a:r>
-            <a:r>
-              <a:rPr kumimoji="1" lang="en-US" altLang="ko-KR" sz="1500" dirty="0">
-                <a:latin typeface="IBM Plex Sans KR Thin" panose="020B0203050203000203" pitchFamily="34" charset="-127"/>
-                <a:ea typeface="IBM Plex Sans KR Thin" panose="020B0203050203000203" pitchFamily="34" charset="-127"/>
-              </a:rPr>
-              <a:t>,</a:t>
-            </a:r>
-            <a:r>
-              <a:rPr kumimoji="1" lang="ko-KR" altLang="en-US" sz="1500" dirty="0">
-                <a:latin typeface="IBM Plex Sans KR Thin" panose="020B0203050203000203" pitchFamily="34" charset="-127"/>
-                <a:ea typeface="IBM Plex Sans KR Thin" panose="020B0203050203000203" pitchFamily="34" charset="-127"/>
-              </a:rPr>
-              <a:t> 사이트 개요 및 주제 선정의 이유</a:t>
             </a:r>
             <a:endParaRPr kumimoji="1" lang="ko-KR" altLang="en-US" sz="1500" dirty="0">
               <a:solidFill>
@@ -5748,6 +9856,460 @@
 </file>
 
 <file path=ppt/slides/slide4.xml><?xml version="1.0" encoding="utf-8"?>
+<p:sld xmlns:a="http://schemas.openxmlformats.org/drawingml/2006/main" xmlns:r="http://schemas.openxmlformats.org/officeDocument/2006/relationships" xmlns:p="http://schemas.openxmlformats.org/presentationml/2006/main">
+  <p:cSld>
+    <p:spTree>
+      <p:nvGrpSpPr>
+        <p:cNvPr id="1" name=""/>
+        <p:cNvGrpSpPr/>
+        <p:nvPr/>
+      </p:nvGrpSpPr>
+      <p:grpSpPr>
+        <a:xfrm>
+          <a:off x="0" y="0"/>
+          <a:ext cx="0" cy="0"/>
+          <a:chOff x="0" y="0"/>
+          <a:chExt cx="0" cy="0"/>
+        </a:xfrm>
+      </p:grpSpPr>
+      <p:pic>
+        <p:nvPicPr>
+          <p:cNvPr id="5" name="그림 4">
+            <a:extLst>
+              <a:ext uri="{FF2B5EF4-FFF2-40B4-BE49-F238E27FC236}">
+                <a16:creationId xmlns:a16="http://schemas.microsoft.com/office/drawing/2014/main" id="{3DF62AEB-8EE3-2447-B14C-007BA80FE99A}"/>
+              </a:ext>
+            </a:extLst>
+          </p:cNvPr>
+          <p:cNvPicPr>
+            <a:picLocks noChangeAspect="1"/>
+          </p:cNvPicPr>
+          <p:nvPr/>
+        </p:nvPicPr>
+        <p:blipFill>
+          <a:blip r:embed="rId2"/>
+          <a:stretch>
+            <a:fillRect/>
+          </a:stretch>
+        </p:blipFill>
+        <p:spPr>
+          <a:xfrm>
+            <a:off x="177027" y="0"/>
+            <a:ext cx="1790700" cy="1092200"/>
+          </a:xfrm>
+          <a:prstGeom prst="rect">
+            <a:avLst/>
+          </a:prstGeom>
+        </p:spPr>
+      </p:pic>
+      <p:cxnSp>
+        <p:nvCxnSpPr>
+          <p:cNvPr id="6" name="직선 연결선[R] 5">
+            <a:extLst>
+              <a:ext uri="{FF2B5EF4-FFF2-40B4-BE49-F238E27FC236}">
+                <a16:creationId xmlns:a16="http://schemas.microsoft.com/office/drawing/2014/main" id="{B0895DCE-07B1-F147-892C-279B3F3312C7}"/>
+              </a:ext>
+            </a:extLst>
+          </p:cNvPr>
+          <p:cNvCxnSpPr/>
+          <p:nvPr/>
+        </p:nvCxnSpPr>
+        <p:spPr>
+          <a:xfrm>
+            <a:off x="1" y="726831"/>
+            <a:ext cx="9554308" cy="0"/>
+          </a:xfrm>
+          <a:prstGeom prst="line">
+            <a:avLst/>
+          </a:prstGeom>
+          <a:ln>
+            <a:solidFill>
+              <a:srgbClr val="FFC000"/>
+            </a:solidFill>
+          </a:ln>
+        </p:spPr>
+        <p:style>
+          <a:lnRef idx="1">
+            <a:schemeClr val="accent1"/>
+          </a:lnRef>
+          <a:fillRef idx="0">
+            <a:schemeClr val="accent1"/>
+          </a:fillRef>
+          <a:effectRef idx="0">
+            <a:schemeClr val="accent1"/>
+          </a:effectRef>
+          <a:fontRef idx="minor">
+            <a:schemeClr val="tx1"/>
+          </a:fontRef>
+        </p:style>
+      </p:cxnSp>
+      <p:sp>
+        <p:nvSpPr>
+          <p:cNvPr id="7" name="모서리가 둥근 직사각형 6">
+            <a:extLst>
+              <a:ext uri="{FF2B5EF4-FFF2-40B4-BE49-F238E27FC236}">
+                <a16:creationId xmlns:a16="http://schemas.microsoft.com/office/drawing/2014/main" id="{2201D698-D710-CD43-8BBA-0DB1C607D487}"/>
+              </a:ext>
+            </a:extLst>
+          </p:cNvPr>
+          <p:cNvSpPr/>
+          <p:nvPr/>
+        </p:nvSpPr>
+        <p:spPr>
+          <a:xfrm>
+            <a:off x="-281353" y="844062"/>
+            <a:ext cx="9835662" cy="668215"/>
+          </a:xfrm>
+          <a:prstGeom prst="roundRect">
+            <a:avLst/>
+          </a:prstGeom>
+          <a:solidFill>
+            <a:schemeClr val="bg1">
+              <a:lumMod val="85000"/>
+            </a:schemeClr>
+          </a:solidFill>
+          <a:ln>
+            <a:noFill/>
+          </a:ln>
+        </p:spPr>
+        <p:style>
+          <a:lnRef idx="2">
+            <a:schemeClr val="accent1">
+              <a:shade val="50000"/>
+            </a:schemeClr>
+          </a:lnRef>
+          <a:fillRef idx="1">
+            <a:schemeClr val="accent1"/>
+          </a:fillRef>
+          <a:effectRef idx="0">
+            <a:schemeClr val="accent1"/>
+          </a:effectRef>
+          <a:fontRef idx="minor">
+            <a:schemeClr val="lt1"/>
+          </a:fontRef>
+        </p:style>
+        <p:txBody>
+          <a:bodyPr rot="0" spcFirstLastPara="0" vertOverflow="overflow" horzOverflow="overflow" vert="horz" wrap="square" lIns="91440" tIns="45720" rIns="91440" bIns="45720" numCol="1" spcCol="0" rtlCol="0" fromWordArt="0" anchor="ctr" anchorCtr="0" forceAA="0" compatLnSpc="1">
+            <a:prstTxWarp prst="textNoShape">
+              <a:avLst/>
+            </a:prstTxWarp>
+            <a:noAutofit/>
+          </a:bodyPr>
+          <a:lstStyle/>
+          <a:p>
+            <a:pPr algn="ctr"/>
+            <a:endParaRPr kumimoji="1" lang="ko-KR" altLang="en-US" dirty="0">
+              <a:solidFill>
+                <a:schemeClr val="bg1">
+                  <a:lumMod val="50000"/>
+                </a:schemeClr>
+              </a:solidFill>
+            </a:endParaRPr>
+          </a:p>
+        </p:txBody>
+      </p:sp>
+      <p:sp>
+        <p:nvSpPr>
+          <p:cNvPr id="8" name="TextBox 7">
+            <a:extLst>
+              <a:ext uri="{FF2B5EF4-FFF2-40B4-BE49-F238E27FC236}">
+                <a16:creationId xmlns:a16="http://schemas.microsoft.com/office/drawing/2014/main" id="{6F64B61F-5CF3-E647-A724-8D6695DF2BF1}"/>
+              </a:ext>
+            </a:extLst>
+          </p:cNvPr>
+          <p:cNvSpPr txBox="1"/>
+          <p:nvPr/>
+        </p:nvSpPr>
+        <p:spPr>
+          <a:xfrm>
+            <a:off x="266706" y="978115"/>
+            <a:ext cx="3597460" cy="400110"/>
+          </a:xfrm>
+          <a:prstGeom prst="rect">
+            <a:avLst/>
+          </a:prstGeom>
+          <a:noFill/>
+        </p:spPr>
+        <p:txBody>
+          <a:bodyPr wrap="none" rtlCol="0">
+            <a:spAutoFit/>
+          </a:bodyPr>
+          <a:lstStyle/>
+          <a:p>
+            <a:r>
+              <a:rPr kumimoji="1" lang="en-US" altLang="ko-KR" sz="2000" dirty="0">
+                <a:solidFill>
+                  <a:schemeClr val="tx1">
+                    <a:lumMod val="65000"/>
+                    <a:lumOff val="35000"/>
+                  </a:schemeClr>
+                </a:solidFill>
+                <a:latin typeface="GangwonEduPower ExtraBold" panose="02020603020101020101" pitchFamily="18" charset="-127"/>
+                <a:ea typeface="GangwonEduPower ExtraBold" panose="02020603020101020101" pitchFamily="18" charset="-127"/>
+              </a:rPr>
+              <a:t>INTRO. </a:t>
+            </a:r>
+            <a:r>
+              <a:rPr kumimoji="1" lang="ko-KR" altLang="en-US" sz="1500" dirty="0">
+                <a:latin typeface="IBM Plex Sans KR Thin" panose="020B0203050203000203" pitchFamily="34" charset="-127"/>
+                <a:ea typeface="IBM Plex Sans KR Thin" panose="020B0203050203000203" pitchFamily="34" charset="-127"/>
+              </a:rPr>
+              <a:t>사이트 개요 및 주제 선정의 이유</a:t>
+            </a:r>
+            <a:endParaRPr kumimoji="1" lang="ko-KR" altLang="en-US" sz="1500" dirty="0">
+              <a:solidFill>
+                <a:schemeClr val="tx1">
+                  <a:lumMod val="65000"/>
+                  <a:lumOff val="35000"/>
+                </a:schemeClr>
+              </a:solidFill>
+              <a:latin typeface="IBM Plex Sans KR Thin" panose="020B0203050203000203" pitchFamily="34" charset="-127"/>
+              <a:ea typeface="IBM Plex Sans KR Thin" panose="020B0203050203000203" pitchFamily="34" charset="-127"/>
+            </a:endParaRPr>
+          </a:p>
+        </p:txBody>
+      </p:sp>
+      <p:sp>
+        <p:nvSpPr>
+          <p:cNvPr id="9" name="직사각형 8">
+            <a:extLst>
+              <a:ext uri="{FF2B5EF4-FFF2-40B4-BE49-F238E27FC236}">
+                <a16:creationId xmlns:a16="http://schemas.microsoft.com/office/drawing/2014/main" id="{71FC172E-010D-E84F-9E5A-2C65223C3954}"/>
+              </a:ext>
+            </a:extLst>
+          </p:cNvPr>
+          <p:cNvSpPr/>
+          <p:nvPr/>
+        </p:nvSpPr>
+        <p:spPr>
+          <a:xfrm>
+            <a:off x="-422031" y="0"/>
+            <a:ext cx="410308" cy="6858000"/>
+          </a:xfrm>
+          <a:prstGeom prst="rect">
+            <a:avLst/>
+          </a:prstGeom>
+          <a:solidFill>
+            <a:schemeClr val="tx1"/>
+          </a:solidFill>
+          <a:ln>
+            <a:noFill/>
+          </a:ln>
+        </p:spPr>
+        <p:style>
+          <a:lnRef idx="2">
+            <a:schemeClr val="accent1">
+              <a:shade val="50000"/>
+            </a:schemeClr>
+          </a:lnRef>
+          <a:fillRef idx="1">
+            <a:schemeClr val="accent1"/>
+          </a:fillRef>
+          <a:effectRef idx="0">
+            <a:schemeClr val="accent1"/>
+          </a:effectRef>
+          <a:fontRef idx="minor">
+            <a:schemeClr val="lt1"/>
+          </a:fontRef>
+        </p:style>
+        <p:txBody>
+          <a:bodyPr rot="0" spcFirstLastPara="0" vertOverflow="overflow" horzOverflow="overflow" vert="horz" wrap="square" lIns="91440" tIns="45720" rIns="91440" bIns="45720" numCol="1" spcCol="0" rtlCol="0" fromWordArt="0" anchor="ctr" anchorCtr="0" forceAA="0" compatLnSpc="1">
+            <a:prstTxWarp prst="textNoShape">
+              <a:avLst/>
+            </a:prstTxWarp>
+            <a:noAutofit/>
+          </a:bodyPr>
+          <a:lstStyle/>
+          <a:p>
+            <a:pPr algn="ctr"/>
+            <a:endParaRPr kumimoji="1" lang="ko-KR" altLang="en-US"/>
+          </a:p>
+        </p:txBody>
+      </p:sp>
+      <p:sp>
+        <p:nvSpPr>
+          <p:cNvPr id="11" name="직사각형 10">
+            <a:extLst>
+              <a:ext uri="{FF2B5EF4-FFF2-40B4-BE49-F238E27FC236}">
+                <a16:creationId xmlns:a16="http://schemas.microsoft.com/office/drawing/2014/main" id="{F2D53CA5-7BF7-9F4E-9FE7-7F2065E40291}"/>
+              </a:ext>
+            </a:extLst>
+          </p:cNvPr>
+          <p:cNvSpPr/>
+          <p:nvPr/>
+        </p:nvSpPr>
+        <p:spPr>
+          <a:xfrm>
+            <a:off x="-11723" y="6518032"/>
+            <a:ext cx="12203723" cy="339967"/>
+          </a:xfrm>
+          <a:prstGeom prst="rect">
+            <a:avLst/>
+          </a:prstGeom>
+          <a:solidFill>
+            <a:srgbClr val="DFA701"/>
+          </a:solidFill>
+          <a:ln>
+            <a:noFill/>
+          </a:ln>
+        </p:spPr>
+        <p:style>
+          <a:lnRef idx="2">
+            <a:schemeClr val="accent1">
+              <a:shade val="50000"/>
+            </a:schemeClr>
+          </a:lnRef>
+          <a:fillRef idx="1">
+            <a:schemeClr val="accent1"/>
+          </a:fillRef>
+          <a:effectRef idx="0">
+            <a:schemeClr val="accent1"/>
+          </a:effectRef>
+          <a:fontRef idx="minor">
+            <a:schemeClr val="lt1"/>
+          </a:fontRef>
+        </p:style>
+        <p:txBody>
+          <a:bodyPr rtlCol="0" anchor="ctr"/>
+          <a:lstStyle/>
+          <a:p>
+            <a:pPr algn="ctr"/>
+            <a:endParaRPr kumimoji="1" lang="ko-KR" altLang="en-US"/>
+          </a:p>
+        </p:txBody>
+      </p:sp>
+      <p:graphicFrame>
+        <p:nvGraphicFramePr>
+          <p:cNvPr id="2" name="차트 1">
+            <a:extLst>
+              <a:ext uri="{FF2B5EF4-FFF2-40B4-BE49-F238E27FC236}">
+                <a16:creationId xmlns:a16="http://schemas.microsoft.com/office/drawing/2014/main" id="{C921CCE6-C5BB-894C-8DED-1D41A247E6EB}"/>
+              </a:ext>
+            </a:extLst>
+          </p:cNvPr>
+          <p:cNvGraphicFramePr/>
+          <p:nvPr>
+            <p:extLst>
+              <p:ext uri="{D42A27DB-BD31-4B8C-83A1-F6EECF244321}">
+                <p14:modId xmlns:p14="http://schemas.microsoft.com/office/powerpoint/2010/main" val="690410453"/>
+              </p:ext>
+            </p:extLst>
+          </p:nvPr>
+        </p:nvGraphicFramePr>
+        <p:xfrm>
+          <a:off x="7713786" y="2026304"/>
+          <a:ext cx="3868615" cy="3977701"/>
+        </p:xfrm>
+        <a:graphic>
+          <a:graphicData uri="http://schemas.openxmlformats.org/drawingml/2006/chart">
+            <c:chart xmlns:c="http://schemas.openxmlformats.org/drawingml/2006/chart" xmlns:r="http://schemas.openxmlformats.org/officeDocument/2006/relationships" r:id="rId3"/>
+          </a:graphicData>
+        </a:graphic>
+      </p:graphicFrame>
+      <p:pic>
+        <p:nvPicPr>
+          <p:cNvPr id="4" name="그림 3">
+            <a:extLst>
+              <a:ext uri="{FF2B5EF4-FFF2-40B4-BE49-F238E27FC236}">
+                <a16:creationId xmlns:a16="http://schemas.microsoft.com/office/drawing/2014/main" id="{D7606E35-3F9B-D947-A574-567F4FF3FD8A}"/>
+              </a:ext>
+            </a:extLst>
+          </p:cNvPr>
+          <p:cNvPicPr>
+            <a:picLocks noChangeAspect="1"/>
+          </p:cNvPicPr>
+          <p:nvPr/>
+        </p:nvPicPr>
+        <p:blipFill>
+          <a:blip r:embed="rId4"/>
+          <a:stretch>
+            <a:fillRect/>
+          </a:stretch>
+        </p:blipFill>
+        <p:spPr>
+          <a:xfrm>
+            <a:off x="6831058" y="5191205"/>
+            <a:ext cx="812800" cy="812800"/>
+          </a:xfrm>
+          <a:prstGeom prst="rect">
+            <a:avLst/>
+          </a:prstGeom>
+        </p:spPr>
+      </p:pic>
+      <p:graphicFrame>
+        <p:nvGraphicFramePr>
+          <p:cNvPr id="10" name="다이어그램 9">
+            <a:extLst>
+              <a:ext uri="{FF2B5EF4-FFF2-40B4-BE49-F238E27FC236}">
+                <a16:creationId xmlns:a16="http://schemas.microsoft.com/office/drawing/2014/main" id="{1903C97A-C7D5-3749-B625-BE96B4D27ED1}"/>
+              </a:ext>
+            </a:extLst>
+          </p:cNvPr>
+          <p:cNvGraphicFramePr/>
+          <p:nvPr>
+            <p:extLst>
+              <p:ext uri="{D42A27DB-BD31-4B8C-83A1-F6EECF244321}">
+                <p14:modId xmlns:p14="http://schemas.microsoft.com/office/powerpoint/2010/main" val="1577051400"/>
+              </p:ext>
+            </p:extLst>
+          </p:nvPr>
+        </p:nvGraphicFramePr>
+        <p:xfrm>
+          <a:off x="266706" y="2543908"/>
+          <a:ext cx="6970752" cy="2674653"/>
+        </p:xfrm>
+        <a:graphic>
+          <a:graphicData uri="http://schemas.openxmlformats.org/drawingml/2006/diagram">
+            <dgm:relIds xmlns:dgm="http://schemas.openxmlformats.org/drawingml/2006/diagram" xmlns:r="http://schemas.openxmlformats.org/officeDocument/2006/relationships" r:dm="rId5" r:lo="rId6" r:qs="rId7" r:cs="rId8"/>
+          </a:graphicData>
+        </a:graphic>
+      </p:graphicFrame>
+      <p:pic>
+        <p:nvPicPr>
+          <p:cNvPr id="13" name="그림 12">
+            <a:extLst>
+              <a:ext uri="{FF2B5EF4-FFF2-40B4-BE49-F238E27FC236}">
+                <a16:creationId xmlns:a16="http://schemas.microsoft.com/office/drawing/2014/main" id="{24F655DB-A548-0B4F-94B5-37BF412799F6}"/>
+              </a:ext>
+            </a:extLst>
+          </p:cNvPr>
+          <p:cNvPicPr>
+            <a:picLocks noChangeAspect="1"/>
+          </p:cNvPicPr>
+          <p:nvPr/>
+        </p:nvPicPr>
+        <p:blipFill>
+          <a:blip r:embed="rId10">
+            <a:alphaModFix amt="50000"/>
+          </a:blip>
+          <a:stretch>
+            <a:fillRect/>
+          </a:stretch>
+        </p:blipFill>
+        <p:spPr>
+          <a:xfrm>
+            <a:off x="127174" y="2061482"/>
+            <a:ext cx="964849" cy="964849"/>
+          </a:xfrm>
+          <a:prstGeom prst="rect">
+            <a:avLst/>
+          </a:prstGeom>
+        </p:spPr>
+      </p:pic>
+    </p:spTree>
+    <p:extLst>
+      <p:ext uri="{BB962C8B-B14F-4D97-AF65-F5344CB8AC3E}">
+        <p14:creationId xmlns:p14="http://schemas.microsoft.com/office/powerpoint/2010/main" val="4116408465"/>
+      </p:ext>
+    </p:extLst>
+  </p:cSld>
+  <p:clrMapOvr>
+    <a:masterClrMapping/>
+  </p:clrMapOvr>
+</p:sld>
+</file>
+
+<file path=ppt/slides/slide5.xml><?xml version="1.0" encoding="utf-8"?>
 <p:sld xmlns:a="http://schemas.openxmlformats.org/drawingml/2006/main" xmlns:r="http://schemas.openxmlformats.org/officeDocument/2006/relationships" xmlns:p="http://schemas.openxmlformats.org/presentationml/2006/main">
   <p:cSld>
     <p:spTree>
@@ -6159,7 +10721,7 @@
 </p:sld>
 </file>
 
-<file path=ppt/slides/slide5.xml><?xml version="1.0" encoding="utf-8"?>
+<file path=ppt/slides/slide6.xml><?xml version="1.0" encoding="utf-8"?>
 <p:sld xmlns:a="http://schemas.openxmlformats.org/drawingml/2006/main" xmlns:r="http://schemas.openxmlformats.org/officeDocument/2006/relationships" xmlns:p="http://schemas.openxmlformats.org/presentationml/2006/main">
   <p:cSld>
     <p:spTree>
@@ -6495,7 +11057,7 @@
 </p:sld>
 </file>
 
-<file path=ppt/slides/slide6.xml><?xml version="1.0" encoding="utf-8"?>
+<file path=ppt/slides/slide7.xml><?xml version="1.0" encoding="utf-8"?>
 <p:sld xmlns:a="http://schemas.openxmlformats.org/drawingml/2006/main" xmlns:r="http://schemas.openxmlformats.org/officeDocument/2006/relationships" xmlns:p="http://schemas.openxmlformats.org/presentationml/2006/main">
   <p:cSld>
     <p:spTree>
@@ -6831,7 +11393,7 @@
 </p:sld>
 </file>
 
-<file path=ppt/slides/slide7.xml><?xml version="1.0" encoding="utf-8"?>
+<file path=ppt/slides/slide8.xml><?xml version="1.0" encoding="utf-8"?>
 <p:sld xmlns:a="http://schemas.openxmlformats.org/drawingml/2006/main" xmlns:r="http://schemas.openxmlformats.org/officeDocument/2006/relationships" xmlns:p="http://schemas.openxmlformats.org/presentationml/2006/main">
   <p:cSld>
     <p:spTree>
@@ -7174,7 +11736,7 @@
 </p:sld>
 </file>
 
-<file path=ppt/slides/slide8.xml><?xml version="1.0" encoding="utf-8"?>
+<file path=ppt/slides/slide9.xml><?xml version="1.0" encoding="utf-8"?>
 <p:sld xmlns:a="http://schemas.openxmlformats.org/drawingml/2006/main" xmlns:r="http://schemas.openxmlformats.org/officeDocument/2006/relationships" xmlns:p="http://schemas.openxmlformats.org/presentationml/2006/main">
   <p:cSld>
     <p:spTree>
@@ -7501,96 +12063,6 @@
     <p:extLst>
       <p:ext uri="{BB962C8B-B14F-4D97-AF65-F5344CB8AC3E}">
         <p14:creationId xmlns:p14="http://schemas.microsoft.com/office/powerpoint/2010/main" val="1750670071"/>
-      </p:ext>
-    </p:extLst>
-  </p:cSld>
-  <p:clrMapOvr>
-    <a:masterClrMapping/>
-  </p:clrMapOvr>
-</p:sld>
-</file>
-
-<file path=ppt/slides/slide9.xml><?xml version="1.0" encoding="utf-8"?>
-<p:sld xmlns:a="http://schemas.openxmlformats.org/drawingml/2006/main" xmlns:r="http://schemas.openxmlformats.org/officeDocument/2006/relationships" xmlns:p="http://schemas.openxmlformats.org/presentationml/2006/main">
-  <p:cSld>
-    <p:spTree>
-      <p:nvGrpSpPr>
-        <p:cNvPr id="1" name=""/>
-        <p:cNvGrpSpPr/>
-        <p:nvPr/>
-      </p:nvGrpSpPr>
-      <p:grpSpPr>
-        <a:xfrm>
-          <a:off x="0" y="0"/>
-          <a:ext cx="0" cy="0"/>
-          <a:chOff x="0" y="0"/>
-          <a:chExt cx="0" cy="0"/>
-        </a:xfrm>
-      </p:grpSpPr>
-      <p:pic>
-        <p:nvPicPr>
-          <p:cNvPr id="5" name="그림 4">
-            <a:extLst>
-              <a:ext uri="{FF2B5EF4-FFF2-40B4-BE49-F238E27FC236}">
-                <a16:creationId xmlns:a16="http://schemas.microsoft.com/office/drawing/2014/main" id="{2A96F417-2B68-9D4C-8EAB-265BD5A5C1C1}"/>
-              </a:ext>
-            </a:extLst>
-          </p:cNvPr>
-          <p:cNvPicPr>
-            <a:picLocks noChangeAspect="1"/>
-          </p:cNvPicPr>
-          <p:nvPr/>
-        </p:nvPicPr>
-        <p:blipFill>
-          <a:blip r:embed="rId2"/>
-          <a:stretch>
-            <a:fillRect/>
-          </a:stretch>
-        </p:blipFill>
-        <p:spPr>
-          <a:xfrm>
-            <a:off x="2032000" y="546100"/>
-            <a:ext cx="8128000" cy="5765800"/>
-          </a:xfrm>
-          <a:prstGeom prst="rect">
-            <a:avLst/>
-          </a:prstGeom>
-        </p:spPr>
-      </p:pic>
-      <p:pic>
-        <p:nvPicPr>
-          <p:cNvPr id="3" name="그림 2">
-            <a:extLst>
-              <a:ext uri="{FF2B5EF4-FFF2-40B4-BE49-F238E27FC236}">
-                <a16:creationId xmlns:a16="http://schemas.microsoft.com/office/drawing/2014/main" id="{E76E7D40-E3A8-EE45-BD66-0ECB43296233}"/>
-              </a:ext>
-            </a:extLst>
-          </p:cNvPr>
-          <p:cNvPicPr>
-            <a:picLocks noChangeAspect="1"/>
-          </p:cNvPicPr>
-          <p:nvPr/>
-        </p:nvPicPr>
-        <p:blipFill>
-          <a:blip r:embed="rId3"/>
-          <a:stretch>
-            <a:fillRect/>
-          </a:stretch>
-        </p:blipFill>
-        <p:spPr>
-          <a:xfrm>
-            <a:off x="914400" y="2330450"/>
-            <a:ext cx="10363200" cy="2197100"/>
-          </a:xfrm>
-          <a:prstGeom prst="rect">
-            <a:avLst/>
-          </a:prstGeom>
-        </p:spPr>
-      </p:pic>
-    </p:spTree>
-    <p:extLst>
-      <p:ext uri="{BB962C8B-B14F-4D97-AF65-F5344CB8AC3E}">
-        <p14:creationId xmlns:p14="http://schemas.microsoft.com/office/powerpoint/2010/main" val="3904683102"/>
       </p:ext>
     </p:extLst>
   </p:cSld>

--- a/docs/발표.pptx
+++ b/docs/발표.pptx
@@ -208,7 +208,7 @@
           <a:p>
             <a:fld id="{11C10BE2-BD82-1947-B861-BCA74F426658}" type="datetimeFigureOut">
               <a:rPr kumimoji="1" lang="ko-KR" altLang="en-US" smtClean="0"/>
-              <a:t>2023. 7. 12.</a:t>
+              <a:t>2023-07-12</a:t>
             </a:fld>
             <a:endParaRPr kumimoji="1" lang="ko-KR" altLang="en-US"/>
           </a:p>
@@ -686,7 +686,7 @@
           <a:p>
             <a:fld id="{EDEFA360-CFB9-4045-A382-F7F263FD4BE1}" type="datetimeFigureOut">
               <a:rPr kumimoji="1" lang="ko-KR" altLang="en-US" smtClean="0"/>
-              <a:t>2023. 7. 12.</a:t>
+              <a:t>2023-07-12</a:t>
             </a:fld>
             <a:endParaRPr kumimoji="1" lang="ko-KR" altLang="en-US"/>
           </a:p>
@@ -859,7 +859,7 @@
           <a:p>
             <a:fld id="{EDEFA360-CFB9-4045-A382-F7F263FD4BE1}" type="datetimeFigureOut">
               <a:rPr kumimoji="1" lang="ko-KR" altLang="en-US" smtClean="0"/>
-              <a:t>2023. 7. 12.</a:t>
+              <a:t>2023-07-12</a:t>
             </a:fld>
             <a:endParaRPr kumimoji="1" lang="ko-KR" altLang="en-US"/>
           </a:p>
@@ -1042,7 +1042,7 @@
           <a:p>
             <a:fld id="{EDEFA360-CFB9-4045-A382-F7F263FD4BE1}" type="datetimeFigureOut">
               <a:rPr kumimoji="1" lang="ko-KR" altLang="en-US" smtClean="0"/>
-              <a:t>2023. 7. 12.</a:t>
+              <a:t>2023-07-12</a:t>
             </a:fld>
             <a:endParaRPr kumimoji="1" lang="ko-KR" altLang="en-US"/>
           </a:p>
@@ -1215,7 +1215,7 @@
           <a:p>
             <a:fld id="{EDEFA360-CFB9-4045-A382-F7F263FD4BE1}" type="datetimeFigureOut">
               <a:rPr kumimoji="1" lang="ko-KR" altLang="en-US" smtClean="0"/>
-              <a:t>2023. 7. 12.</a:t>
+              <a:t>2023-07-12</a:t>
             </a:fld>
             <a:endParaRPr kumimoji="1" lang="ko-KR" altLang="en-US"/>
           </a:p>
@@ -1493,7 +1493,7 @@
           <a:p>
             <a:fld id="{EDEFA360-CFB9-4045-A382-F7F263FD4BE1}" type="datetimeFigureOut">
               <a:rPr kumimoji="1" lang="ko-KR" altLang="en-US" smtClean="0"/>
-              <a:t>2023. 7. 12.</a:t>
+              <a:t>2023-07-12</a:t>
             </a:fld>
             <a:endParaRPr kumimoji="1" lang="ko-KR" altLang="en-US"/>
           </a:p>
@@ -1708,7 +1708,7 @@
           <a:p>
             <a:fld id="{EDEFA360-CFB9-4045-A382-F7F263FD4BE1}" type="datetimeFigureOut">
               <a:rPr kumimoji="1" lang="ko-KR" altLang="en-US" smtClean="0"/>
-              <a:t>2023. 7. 12.</a:t>
+              <a:t>2023-07-12</a:t>
             </a:fld>
             <a:endParaRPr kumimoji="1" lang="ko-KR" altLang="en-US"/>
           </a:p>
@@ -2076,7 +2076,7 @@
           <a:p>
             <a:fld id="{EDEFA360-CFB9-4045-A382-F7F263FD4BE1}" type="datetimeFigureOut">
               <a:rPr kumimoji="1" lang="ko-KR" altLang="en-US" smtClean="0"/>
-              <a:t>2023. 7. 12.</a:t>
+              <a:t>2023-07-12</a:t>
             </a:fld>
             <a:endParaRPr kumimoji="1" lang="ko-KR" altLang="en-US"/>
           </a:p>
@@ -2217,7 +2217,7 @@
           <a:p>
             <a:fld id="{EDEFA360-CFB9-4045-A382-F7F263FD4BE1}" type="datetimeFigureOut">
               <a:rPr kumimoji="1" lang="ko-KR" altLang="en-US" smtClean="0"/>
-              <a:t>2023. 7. 12.</a:t>
+              <a:t>2023-07-12</a:t>
             </a:fld>
             <a:endParaRPr kumimoji="1" lang="ko-KR" altLang="en-US"/>
           </a:p>
@@ -2330,7 +2330,7 @@
           <a:p>
             <a:fld id="{EDEFA360-CFB9-4045-A382-F7F263FD4BE1}" type="datetimeFigureOut">
               <a:rPr kumimoji="1" lang="ko-KR" altLang="en-US" smtClean="0"/>
-              <a:t>2023. 7. 12.</a:t>
+              <a:t>2023-07-12</a:t>
             </a:fld>
             <a:endParaRPr kumimoji="1" lang="ko-KR" altLang="en-US"/>
           </a:p>
@@ -2619,7 +2619,7 @@
           <a:p>
             <a:fld id="{EDEFA360-CFB9-4045-A382-F7F263FD4BE1}" type="datetimeFigureOut">
               <a:rPr kumimoji="1" lang="ko-KR" altLang="en-US" smtClean="0"/>
-              <a:t>2023. 7. 12.</a:t>
+              <a:t>2023-07-12</a:t>
             </a:fld>
             <a:endParaRPr kumimoji="1" lang="ko-KR" altLang="en-US"/>
           </a:p>
@@ -2910,7 +2910,7 @@
           <a:p>
             <a:fld id="{EDEFA360-CFB9-4045-A382-F7F263FD4BE1}" type="datetimeFigureOut">
               <a:rPr kumimoji="1" lang="ko-KR" altLang="en-US" smtClean="0"/>
-              <a:t>2023. 7. 12.</a:t>
+              <a:t>2023-07-12</a:t>
             </a:fld>
             <a:endParaRPr kumimoji="1" lang="ko-KR" altLang="en-US"/>
           </a:p>
@@ -3126,7 +3126,7 @@
           <a:p>
             <a:fld id="{EDEFA360-CFB9-4045-A382-F7F263FD4BE1}" type="datetimeFigureOut">
               <a:rPr kumimoji="1" lang="ko-KR" altLang="en-US" smtClean="0"/>
-              <a:t>2023. 7. 12.</a:t>
+              <a:t>2023-07-12</a:t>
             </a:fld>
             <a:endParaRPr kumimoji="1" lang="ko-KR" altLang="en-US"/>
           </a:p>
@@ -3774,8 +3774,8 @@
                     <a:lumOff val="35000"/>
                   </a:schemeClr>
                 </a:solidFill>
-                <a:latin typeface="GangwonEduPower ExtraBold" panose="02020603020101020101" pitchFamily="18" charset="-127"/>
-                <a:ea typeface="GangwonEduPower ExtraBold" panose="02020603020101020101" pitchFamily="18" charset="-127"/>
+                <a:latin typeface="강원교육튼튼" panose="02020603020101020101" pitchFamily="18" charset="-127"/>
+                <a:ea typeface="강원교육튼튼" panose="02020603020101020101" pitchFamily="18" charset="-127"/>
               </a:rPr>
               <a:t>유기 동물 입양 및 개인 반려 동물 분양 매칭 사이트</a:t>
             </a:r>
@@ -6818,6 +6818,135 @@
           </a:p>
         </p:txBody>
       </p:sp>
+      <p:sp>
+        <p:nvSpPr>
+          <p:cNvPr id="4" name="TextBox 3">
+            <a:extLst>
+              <a:ext uri="{FF2B5EF4-FFF2-40B4-BE49-F238E27FC236}">
+                <a16:creationId xmlns:a16="http://schemas.microsoft.com/office/drawing/2014/main" id="{62A69A77-166F-341C-E647-57A160739083}"/>
+              </a:ext>
+            </a:extLst>
+          </p:cNvPr>
+          <p:cNvSpPr txBox="1"/>
+          <p:nvPr/>
+        </p:nvSpPr>
+        <p:spPr>
+          <a:xfrm>
+            <a:off x="1819454" y="5310094"/>
+            <a:ext cx="5915402" cy="369332"/>
+          </a:xfrm>
+          <a:prstGeom prst="rect">
+            <a:avLst/>
+          </a:prstGeom>
+          <a:noFill/>
+        </p:spPr>
+        <p:txBody>
+          <a:bodyPr wrap="none" rtlCol="0">
+            <a:spAutoFit/>
+          </a:bodyPr>
+          <a:lstStyle/>
+          <a:p>
+            <a:r>
+              <a:rPr lang="ko-KR" altLang="en-US" dirty="0"/>
+              <a:t>지금부터 저희 </a:t>
+            </a:r>
+            <a:r>
+              <a:rPr lang="ko-KR" altLang="en-US" dirty="0" err="1"/>
+              <a:t>펫밀리의</a:t>
+            </a:r>
+            <a:r>
+              <a:rPr lang="ko-KR" altLang="en-US" dirty="0"/>
+              <a:t> 발표를 시작하겠습니다 박수</a:t>
+            </a:r>
+            <a:r>
+              <a:rPr lang="en-US" altLang="ko-KR" dirty="0"/>
+              <a:t>~</a:t>
+            </a:r>
+            <a:endParaRPr lang="ko-KR" altLang="en-US" dirty="0"/>
+          </a:p>
+        </p:txBody>
+      </p:sp>
+      <p:pic>
+        <p:nvPicPr>
+          <p:cNvPr id="3078" name="Picture 6" descr="갈색 나무 액자 칠판 그림, Microsoft PowerPoint 데스크탑 교사 칠판 프리젠 테이션, 교실, 직사각형, 컴퓨터, 사진  프레임 png | PNGWing">
+            <a:extLst>
+              <a:ext uri="{FF2B5EF4-FFF2-40B4-BE49-F238E27FC236}">
+                <a16:creationId xmlns:a16="http://schemas.microsoft.com/office/drawing/2014/main" id="{68159F0B-98F2-77A9-F275-AA90616ABE9A}"/>
+              </a:ext>
+            </a:extLst>
+          </p:cNvPr>
+          <p:cNvPicPr>
+            <a:picLocks noChangeAspect="1" noChangeArrowheads="1"/>
+          </p:cNvPicPr>
+          <p:nvPr/>
+        </p:nvPicPr>
+        <p:blipFill>
+          <a:blip r:embed="rId3">
+            <a:extLst>
+              <a:ext uri="{28A0092B-C50C-407E-A947-70E740481C1C}">
+                <a14:useLocalDpi xmlns:a14="http://schemas.microsoft.com/office/drawing/2010/main" val="0"/>
+              </a:ext>
+            </a:extLst>
+          </a:blip>
+          <a:srcRect/>
+          <a:stretch>
+            <a:fillRect/>
+          </a:stretch>
+        </p:blipFill>
+        <p:spPr bwMode="auto">
+          <a:xfrm>
+            <a:off x="2373007" y="2137615"/>
+            <a:ext cx="4796572" cy="3072537"/>
+          </a:xfrm>
+          <a:prstGeom prst="rect">
+            <a:avLst/>
+          </a:prstGeom>
+          <a:noFill/>
+          <a:extLst>
+            <a:ext uri="{909E8E84-426E-40DD-AFC4-6F175D3DCCD1}">
+              <a14:hiddenFill xmlns:a14="http://schemas.microsoft.com/office/drawing/2010/main">
+                <a:solidFill>
+                  <a:srgbClr val="FFFFFF"/>
+                </a:solidFill>
+              </a14:hiddenFill>
+            </a:ext>
+          </a:extLst>
+        </p:spPr>
+      </p:pic>
+      <p:pic>
+        <p:nvPicPr>
+          <p:cNvPr id="2" name="그림 1">
+            <a:hlinkClick r:id="rId4"/>
+            <a:extLst>
+              <a:ext uri="{FF2B5EF4-FFF2-40B4-BE49-F238E27FC236}">
+                <a16:creationId xmlns:a16="http://schemas.microsoft.com/office/drawing/2014/main" id="{81B817A9-A7F6-8AB0-DD10-10CA53DDCC01}"/>
+              </a:ext>
+            </a:extLst>
+          </p:cNvPr>
+          <p:cNvPicPr>
+            <a:picLocks noChangeAspect="1"/>
+          </p:cNvPicPr>
+          <p:nvPr/>
+        </p:nvPicPr>
+        <p:blipFill>
+          <a:blip r:embed="rId2"/>
+          <a:stretch>
+            <a:fillRect/>
+          </a:stretch>
+        </p:blipFill>
+        <p:spPr>
+          <a:xfrm>
+            <a:off x="2657357" y="2334238"/>
+            <a:ext cx="4227871" cy="2610781"/>
+          </a:xfrm>
+          <a:prstGeom prst="rect">
+            <a:avLst/>
+          </a:prstGeom>
+          <a:solidFill>
+            <a:schemeClr val="bg1"/>
+          </a:solidFill>
+        </p:spPr>
+      </p:pic>
     </p:spTree>
     <p:extLst>
       <p:ext uri="{BB962C8B-B14F-4D97-AF65-F5344CB8AC3E}">
@@ -7161,6 +7290,89 @@
           </a:p>
         </p:txBody>
       </p:sp>
+      <p:sp>
+        <p:nvSpPr>
+          <p:cNvPr id="4" name="TextBox 3">
+            <a:extLst>
+              <a:ext uri="{FF2B5EF4-FFF2-40B4-BE49-F238E27FC236}">
+                <a16:creationId xmlns:a16="http://schemas.microsoft.com/office/drawing/2014/main" id="{6911D817-DE77-1B00-B7E3-6BF68AB65CB2}"/>
+              </a:ext>
+            </a:extLst>
+          </p:cNvPr>
+          <p:cNvSpPr txBox="1"/>
+          <p:nvPr/>
+        </p:nvSpPr>
+        <p:spPr>
+          <a:xfrm>
+            <a:off x="1623459" y="4699295"/>
+            <a:ext cx="6307392" cy="369332"/>
+          </a:xfrm>
+          <a:prstGeom prst="rect">
+            <a:avLst/>
+          </a:prstGeom>
+          <a:noFill/>
+        </p:spPr>
+        <p:txBody>
+          <a:bodyPr wrap="square">
+            <a:spAutoFit/>
+          </a:bodyPr>
+          <a:lstStyle/>
+          <a:p>
+            <a:r>
+              <a:rPr lang="ko-KR" altLang="en-US" dirty="0"/>
+              <a:t>https://github.com/sgyoung96/Petmily/tree/develop</a:t>
+            </a:r>
+          </a:p>
+        </p:txBody>
+      </p:sp>
+      <p:pic>
+        <p:nvPicPr>
+          <p:cNvPr id="1026" name="Picture 2" descr="Git] Git과 GitHub">
+            <a:hlinkClick r:id="rId3"/>
+            <a:extLst>
+              <a:ext uri="{FF2B5EF4-FFF2-40B4-BE49-F238E27FC236}">
+                <a16:creationId xmlns:a16="http://schemas.microsoft.com/office/drawing/2014/main" id="{2FFF55B5-2CE3-A27F-0404-F02C970A23AE}"/>
+              </a:ext>
+            </a:extLst>
+          </p:cNvPr>
+          <p:cNvPicPr>
+            <a:picLocks noChangeAspect="1" noChangeArrowheads="1"/>
+          </p:cNvPicPr>
+          <p:nvPr/>
+        </p:nvPicPr>
+        <p:blipFill>
+          <a:blip r:embed="rId4">
+            <a:extLst>
+              <a:ext uri="{28A0092B-C50C-407E-A947-70E740481C1C}">
+                <a14:useLocalDpi xmlns:a14="http://schemas.microsoft.com/office/drawing/2010/main" val="0"/>
+              </a:ext>
+            </a:extLst>
+          </a:blip>
+          <a:srcRect/>
+          <a:stretch>
+            <a:fillRect/>
+          </a:stretch>
+        </p:blipFill>
+        <p:spPr bwMode="auto">
+          <a:xfrm>
+            <a:off x="1945895" y="2029836"/>
+            <a:ext cx="5381165" cy="2440108"/>
+          </a:xfrm>
+          <a:prstGeom prst="rect">
+            <a:avLst/>
+          </a:prstGeom>
+          <a:noFill/>
+          <a:extLst>
+            <a:ext uri="{909E8E84-426E-40DD-AFC4-6F175D3DCCD1}">
+              <a14:hiddenFill xmlns:a14="http://schemas.microsoft.com/office/drawing/2010/main">
+                <a:solidFill>
+                  <a:srgbClr val="FFFFFF"/>
+                </a:solidFill>
+              </a14:hiddenFill>
+            </a:ext>
+          </a:extLst>
+        </p:spPr>
+      </p:pic>
     </p:spTree>
     <p:extLst>
       <p:ext uri="{BB962C8B-B14F-4D97-AF65-F5344CB8AC3E}">
@@ -7497,6 +7709,53 @@
           </a:p>
         </p:txBody>
       </p:sp>
+      <p:pic>
+        <p:nvPicPr>
+          <p:cNvPr id="2050" name="Picture 2" descr="아이❤차이니즈 수업 Q&amp;A : 네이버 블로그">
+            <a:extLst>
+              <a:ext uri="{FF2B5EF4-FFF2-40B4-BE49-F238E27FC236}">
+                <a16:creationId xmlns:a16="http://schemas.microsoft.com/office/drawing/2014/main" id="{5D5EB5F1-507B-307F-3323-A26F606F4024}"/>
+              </a:ext>
+            </a:extLst>
+          </p:cNvPr>
+          <p:cNvPicPr>
+            <a:picLocks noChangeAspect="1" noChangeArrowheads="1"/>
+          </p:cNvPicPr>
+          <p:nvPr/>
+        </p:nvPicPr>
+        <p:blipFill>
+          <a:blip r:embed="rId3">
+            <a:extLst>
+              <a:ext uri="{28A0092B-C50C-407E-A947-70E740481C1C}">
+                <a14:useLocalDpi xmlns:a14="http://schemas.microsoft.com/office/drawing/2010/main" val="0"/>
+              </a:ext>
+            </a:extLst>
+          </a:blip>
+          <a:srcRect/>
+          <a:stretch>
+            <a:fillRect/>
+          </a:stretch>
+        </p:blipFill>
+        <p:spPr bwMode="auto">
+          <a:xfrm>
+            <a:off x="2073716" y="2356339"/>
+            <a:ext cx="5125524" cy="2324187"/>
+          </a:xfrm>
+          <a:prstGeom prst="rect">
+            <a:avLst/>
+          </a:prstGeom>
+          <a:noFill/>
+          <a:extLst>
+            <a:ext uri="{909E8E84-426E-40DD-AFC4-6F175D3DCCD1}">
+              <a14:hiddenFill xmlns:a14="http://schemas.microsoft.com/office/drawing/2010/main">
+                <a:solidFill>
+                  <a:srgbClr val="FFFFFF"/>
+                </a:solidFill>
+              </a14:hiddenFill>
+            </a:ext>
+          </a:extLst>
+        </p:spPr>
+      </p:pic>
     </p:spTree>
     <p:extLst>
       <p:ext uri="{BB962C8B-B14F-4D97-AF65-F5344CB8AC3E}">

--- a/docs/발표.pptx
+++ b/docs/발표.pptx
@@ -5,18 +5,21 @@
     <p:sldMasterId id="2147483648" r:id="rId1"/>
   </p:sldMasterIdLst>
   <p:notesMasterIdLst>
-    <p:notesMasterId r:id="rId11"/>
+    <p:notesMasterId r:id="rId14"/>
   </p:notesMasterIdLst>
   <p:sldIdLst>
     <p:sldId id="256" r:id="rId2"/>
     <p:sldId id="262" r:id="rId3"/>
     <p:sldId id="260" r:id="rId4"/>
     <p:sldId id="263" r:id="rId5"/>
-    <p:sldId id="264" r:id="rId6"/>
-    <p:sldId id="265" r:id="rId7"/>
-    <p:sldId id="266" r:id="rId8"/>
-    <p:sldId id="267" r:id="rId9"/>
-    <p:sldId id="261" r:id="rId10"/>
+    <p:sldId id="268" r:id="rId6"/>
+    <p:sldId id="269" r:id="rId7"/>
+    <p:sldId id="270" r:id="rId8"/>
+    <p:sldId id="264" r:id="rId9"/>
+    <p:sldId id="265" r:id="rId10"/>
+    <p:sldId id="266" r:id="rId11"/>
+    <p:sldId id="267" r:id="rId12"/>
+    <p:sldId id="261" r:id="rId13"/>
   </p:sldIdLst>
   <p:sldSz cx="12192000" cy="6858000"/>
   <p:notesSz cx="6858000" cy="9144000"/>
@@ -208,7 +211,7 @@
           <a:p>
             <a:fld id="{11C10BE2-BD82-1947-B861-BCA74F426658}" type="datetimeFigureOut">
               <a:rPr kumimoji="1" lang="ko-KR" altLang="en-US" smtClean="0"/>
-              <a:t>2023. 7. 12.</a:t>
+              <a:t>2023-07-12</a:t>
             </a:fld>
             <a:endParaRPr kumimoji="1" lang="ko-KR" altLang="en-US"/>
           </a:p>
@@ -561,7 +564,7 @@
           <p:cNvPr id="2" name="제목 1">
             <a:extLst>
               <a:ext uri="{FF2B5EF4-FFF2-40B4-BE49-F238E27FC236}">
-                <a16:creationId xmlns:a16="http://schemas.microsoft.com/office/drawing/2014/main" id="{58AD070E-8554-3D42-B079-E7BF33ED171D}"/>
+                <a16:creationId xmlns:a16="http://schemas.microsoft.com/office/drawing/2014/main" xmlns="" id="{58AD070E-8554-3D42-B079-E7BF33ED171D}"/>
               </a:ext>
             </a:extLst>
           </p:cNvPr>
@@ -598,7 +601,7 @@
           <p:cNvPr id="3" name="부제목 2">
             <a:extLst>
               <a:ext uri="{FF2B5EF4-FFF2-40B4-BE49-F238E27FC236}">
-                <a16:creationId xmlns:a16="http://schemas.microsoft.com/office/drawing/2014/main" id="{2D90B894-4B6F-E34E-A524-006E0E13359F}"/>
+                <a16:creationId xmlns:a16="http://schemas.microsoft.com/office/drawing/2014/main" xmlns="" id="{2D90B894-4B6F-E34E-A524-006E0E13359F}"/>
               </a:ext>
             </a:extLst>
           </p:cNvPr>
@@ -668,7 +671,7 @@
           <p:cNvPr id="4" name="날짜 개체 틀 3">
             <a:extLst>
               <a:ext uri="{FF2B5EF4-FFF2-40B4-BE49-F238E27FC236}">
-                <a16:creationId xmlns:a16="http://schemas.microsoft.com/office/drawing/2014/main" id="{BE2E99A1-D8B6-7F44-84ED-043AC760DDD7}"/>
+                <a16:creationId xmlns:a16="http://schemas.microsoft.com/office/drawing/2014/main" xmlns="" id="{BE2E99A1-D8B6-7F44-84ED-043AC760DDD7}"/>
               </a:ext>
             </a:extLst>
           </p:cNvPr>
@@ -686,7 +689,7 @@
           <a:p>
             <a:fld id="{EDEFA360-CFB9-4045-A382-F7F263FD4BE1}" type="datetimeFigureOut">
               <a:rPr kumimoji="1" lang="ko-KR" altLang="en-US" smtClean="0"/>
-              <a:t>2023. 7. 12.</a:t>
+              <a:t>2023-07-12</a:t>
             </a:fld>
             <a:endParaRPr kumimoji="1" lang="ko-KR" altLang="en-US"/>
           </a:p>
@@ -697,7 +700,7 @@
           <p:cNvPr id="5" name="바닥글 개체 틀 4">
             <a:extLst>
               <a:ext uri="{FF2B5EF4-FFF2-40B4-BE49-F238E27FC236}">
-                <a16:creationId xmlns:a16="http://schemas.microsoft.com/office/drawing/2014/main" id="{5C99AC6B-5CEE-6A46-B506-E773596FFA86}"/>
+                <a16:creationId xmlns:a16="http://schemas.microsoft.com/office/drawing/2014/main" xmlns="" id="{5C99AC6B-5CEE-6A46-B506-E773596FFA86}"/>
               </a:ext>
             </a:extLst>
           </p:cNvPr>
@@ -722,7 +725,7 @@
           <p:cNvPr id="6" name="슬라이드 번호 개체 틀 5">
             <a:extLst>
               <a:ext uri="{FF2B5EF4-FFF2-40B4-BE49-F238E27FC236}">
-                <a16:creationId xmlns:a16="http://schemas.microsoft.com/office/drawing/2014/main" id="{60A8C68C-EA49-2449-B235-98FF1E37CAC6}"/>
+                <a16:creationId xmlns:a16="http://schemas.microsoft.com/office/drawing/2014/main" xmlns="" id="{60A8C68C-EA49-2449-B235-98FF1E37CAC6}"/>
               </a:ext>
             </a:extLst>
           </p:cNvPr>
@@ -781,7 +784,7 @@
           <p:cNvPr id="2" name="제목 1">
             <a:extLst>
               <a:ext uri="{FF2B5EF4-FFF2-40B4-BE49-F238E27FC236}">
-                <a16:creationId xmlns:a16="http://schemas.microsoft.com/office/drawing/2014/main" id="{06523E24-766C-4C41-A783-7FCC04A4A2D5}"/>
+                <a16:creationId xmlns:a16="http://schemas.microsoft.com/office/drawing/2014/main" xmlns="" id="{06523E24-766C-4C41-A783-7FCC04A4A2D5}"/>
               </a:ext>
             </a:extLst>
           </p:cNvPr>
@@ -809,7 +812,7 @@
           <p:cNvPr id="3" name="세로 텍스트 개체 틀 2">
             <a:extLst>
               <a:ext uri="{FF2B5EF4-FFF2-40B4-BE49-F238E27FC236}">
-                <a16:creationId xmlns:a16="http://schemas.microsoft.com/office/drawing/2014/main" id="{570EB76A-9EFB-BA43-861C-CEA436097C81}"/>
+                <a16:creationId xmlns:a16="http://schemas.microsoft.com/office/drawing/2014/main" xmlns="" id="{570EB76A-9EFB-BA43-861C-CEA436097C81}"/>
               </a:ext>
             </a:extLst>
           </p:cNvPr>
@@ -841,7 +844,7 @@
           <p:cNvPr id="4" name="날짜 개체 틀 3">
             <a:extLst>
               <a:ext uri="{FF2B5EF4-FFF2-40B4-BE49-F238E27FC236}">
-                <a16:creationId xmlns:a16="http://schemas.microsoft.com/office/drawing/2014/main" id="{C97AC522-7526-A24E-B8D1-2FB618722BD8}"/>
+                <a16:creationId xmlns:a16="http://schemas.microsoft.com/office/drawing/2014/main" xmlns="" id="{C97AC522-7526-A24E-B8D1-2FB618722BD8}"/>
               </a:ext>
             </a:extLst>
           </p:cNvPr>
@@ -859,7 +862,7 @@
           <a:p>
             <a:fld id="{EDEFA360-CFB9-4045-A382-F7F263FD4BE1}" type="datetimeFigureOut">
               <a:rPr kumimoji="1" lang="ko-KR" altLang="en-US" smtClean="0"/>
-              <a:t>2023. 7. 12.</a:t>
+              <a:t>2023-07-12</a:t>
             </a:fld>
             <a:endParaRPr kumimoji="1" lang="ko-KR" altLang="en-US"/>
           </a:p>
@@ -870,7 +873,7 @@
           <p:cNvPr id="5" name="바닥글 개체 틀 4">
             <a:extLst>
               <a:ext uri="{FF2B5EF4-FFF2-40B4-BE49-F238E27FC236}">
-                <a16:creationId xmlns:a16="http://schemas.microsoft.com/office/drawing/2014/main" id="{C0E9EFF6-3915-5146-BA91-FACB7BA6CA76}"/>
+                <a16:creationId xmlns:a16="http://schemas.microsoft.com/office/drawing/2014/main" xmlns="" id="{C0E9EFF6-3915-5146-BA91-FACB7BA6CA76}"/>
               </a:ext>
             </a:extLst>
           </p:cNvPr>
@@ -895,7 +898,7 @@
           <p:cNvPr id="6" name="슬라이드 번호 개체 틀 5">
             <a:extLst>
               <a:ext uri="{FF2B5EF4-FFF2-40B4-BE49-F238E27FC236}">
-                <a16:creationId xmlns:a16="http://schemas.microsoft.com/office/drawing/2014/main" id="{CA7A5E75-96B0-0D49-86DA-46E4993ACCAF}"/>
+                <a16:creationId xmlns:a16="http://schemas.microsoft.com/office/drawing/2014/main" xmlns="" id="{CA7A5E75-96B0-0D49-86DA-46E4993ACCAF}"/>
               </a:ext>
             </a:extLst>
           </p:cNvPr>
@@ -954,7 +957,7 @@
           <p:cNvPr id="2" name="세로 제목 1">
             <a:extLst>
               <a:ext uri="{FF2B5EF4-FFF2-40B4-BE49-F238E27FC236}">
-                <a16:creationId xmlns:a16="http://schemas.microsoft.com/office/drawing/2014/main" id="{A34CAFA7-3206-2543-8A9C-D6B3A8EC2BBF}"/>
+                <a16:creationId xmlns:a16="http://schemas.microsoft.com/office/drawing/2014/main" xmlns="" id="{A34CAFA7-3206-2543-8A9C-D6B3A8EC2BBF}"/>
               </a:ext>
             </a:extLst>
           </p:cNvPr>
@@ -987,7 +990,7 @@
           <p:cNvPr id="3" name="세로 텍스트 개체 틀 2">
             <a:extLst>
               <a:ext uri="{FF2B5EF4-FFF2-40B4-BE49-F238E27FC236}">
-                <a16:creationId xmlns:a16="http://schemas.microsoft.com/office/drawing/2014/main" id="{C8CE9946-09FD-D449-B4EF-6E676EF8C9D5}"/>
+                <a16:creationId xmlns:a16="http://schemas.microsoft.com/office/drawing/2014/main" xmlns="" id="{C8CE9946-09FD-D449-B4EF-6E676EF8C9D5}"/>
               </a:ext>
             </a:extLst>
           </p:cNvPr>
@@ -1024,7 +1027,7 @@
           <p:cNvPr id="4" name="날짜 개체 틀 3">
             <a:extLst>
               <a:ext uri="{FF2B5EF4-FFF2-40B4-BE49-F238E27FC236}">
-                <a16:creationId xmlns:a16="http://schemas.microsoft.com/office/drawing/2014/main" id="{1A8341EA-797C-CC44-87B7-D584CDC906AB}"/>
+                <a16:creationId xmlns:a16="http://schemas.microsoft.com/office/drawing/2014/main" xmlns="" id="{1A8341EA-797C-CC44-87B7-D584CDC906AB}"/>
               </a:ext>
             </a:extLst>
           </p:cNvPr>
@@ -1042,7 +1045,7 @@
           <a:p>
             <a:fld id="{EDEFA360-CFB9-4045-A382-F7F263FD4BE1}" type="datetimeFigureOut">
               <a:rPr kumimoji="1" lang="ko-KR" altLang="en-US" smtClean="0"/>
-              <a:t>2023. 7. 12.</a:t>
+              <a:t>2023-07-12</a:t>
             </a:fld>
             <a:endParaRPr kumimoji="1" lang="ko-KR" altLang="en-US"/>
           </a:p>
@@ -1053,7 +1056,7 @@
           <p:cNvPr id="5" name="바닥글 개체 틀 4">
             <a:extLst>
               <a:ext uri="{FF2B5EF4-FFF2-40B4-BE49-F238E27FC236}">
-                <a16:creationId xmlns:a16="http://schemas.microsoft.com/office/drawing/2014/main" id="{67A5B650-84F4-6B4C-8DEF-0425ACFE91C1}"/>
+                <a16:creationId xmlns:a16="http://schemas.microsoft.com/office/drawing/2014/main" xmlns="" id="{67A5B650-84F4-6B4C-8DEF-0425ACFE91C1}"/>
               </a:ext>
             </a:extLst>
           </p:cNvPr>
@@ -1078,7 +1081,7 @@
           <p:cNvPr id="6" name="슬라이드 번호 개체 틀 5">
             <a:extLst>
               <a:ext uri="{FF2B5EF4-FFF2-40B4-BE49-F238E27FC236}">
-                <a16:creationId xmlns:a16="http://schemas.microsoft.com/office/drawing/2014/main" id="{864AC521-2D68-004B-B92E-23CCC1C01BD6}"/>
+                <a16:creationId xmlns:a16="http://schemas.microsoft.com/office/drawing/2014/main" xmlns="" id="{864AC521-2D68-004B-B92E-23CCC1C01BD6}"/>
               </a:ext>
             </a:extLst>
           </p:cNvPr>
@@ -1137,7 +1140,7 @@
           <p:cNvPr id="2" name="제목 1">
             <a:extLst>
               <a:ext uri="{FF2B5EF4-FFF2-40B4-BE49-F238E27FC236}">
-                <a16:creationId xmlns:a16="http://schemas.microsoft.com/office/drawing/2014/main" id="{DC81A540-1F34-EE4A-8B96-1CE4877CD1FE}"/>
+                <a16:creationId xmlns:a16="http://schemas.microsoft.com/office/drawing/2014/main" xmlns="" id="{DC81A540-1F34-EE4A-8B96-1CE4877CD1FE}"/>
               </a:ext>
             </a:extLst>
           </p:cNvPr>
@@ -1165,7 +1168,7 @@
           <p:cNvPr id="3" name="내용 개체 틀 2">
             <a:extLst>
               <a:ext uri="{FF2B5EF4-FFF2-40B4-BE49-F238E27FC236}">
-                <a16:creationId xmlns:a16="http://schemas.microsoft.com/office/drawing/2014/main" id="{DF144245-874F-6D48-A2B2-2965527AB786}"/>
+                <a16:creationId xmlns:a16="http://schemas.microsoft.com/office/drawing/2014/main" xmlns="" id="{DF144245-874F-6D48-A2B2-2965527AB786}"/>
               </a:ext>
             </a:extLst>
           </p:cNvPr>
@@ -1197,7 +1200,7 @@
           <p:cNvPr id="4" name="날짜 개체 틀 3">
             <a:extLst>
               <a:ext uri="{FF2B5EF4-FFF2-40B4-BE49-F238E27FC236}">
-                <a16:creationId xmlns:a16="http://schemas.microsoft.com/office/drawing/2014/main" id="{4109273B-EE88-B548-B429-C09F02FA711C}"/>
+                <a16:creationId xmlns:a16="http://schemas.microsoft.com/office/drawing/2014/main" xmlns="" id="{4109273B-EE88-B548-B429-C09F02FA711C}"/>
               </a:ext>
             </a:extLst>
           </p:cNvPr>
@@ -1215,7 +1218,7 @@
           <a:p>
             <a:fld id="{EDEFA360-CFB9-4045-A382-F7F263FD4BE1}" type="datetimeFigureOut">
               <a:rPr kumimoji="1" lang="ko-KR" altLang="en-US" smtClean="0"/>
-              <a:t>2023. 7. 12.</a:t>
+              <a:t>2023-07-12</a:t>
             </a:fld>
             <a:endParaRPr kumimoji="1" lang="ko-KR" altLang="en-US"/>
           </a:p>
@@ -1226,7 +1229,7 @@
           <p:cNvPr id="5" name="바닥글 개체 틀 4">
             <a:extLst>
               <a:ext uri="{FF2B5EF4-FFF2-40B4-BE49-F238E27FC236}">
-                <a16:creationId xmlns:a16="http://schemas.microsoft.com/office/drawing/2014/main" id="{0BAA9817-F8EA-7243-83C2-5F1390B9DEBE}"/>
+                <a16:creationId xmlns:a16="http://schemas.microsoft.com/office/drawing/2014/main" xmlns="" id="{0BAA9817-F8EA-7243-83C2-5F1390B9DEBE}"/>
               </a:ext>
             </a:extLst>
           </p:cNvPr>
@@ -1251,7 +1254,7 @@
           <p:cNvPr id="6" name="슬라이드 번호 개체 틀 5">
             <a:extLst>
               <a:ext uri="{FF2B5EF4-FFF2-40B4-BE49-F238E27FC236}">
-                <a16:creationId xmlns:a16="http://schemas.microsoft.com/office/drawing/2014/main" id="{E075FC35-7C98-6943-9514-0BAB9A1EB9F2}"/>
+                <a16:creationId xmlns:a16="http://schemas.microsoft.com/office/drawing/2014/main" xmlns="" id="{E075FC35-7C98-6943-9514-0BAB9A1EB9F2}"/>
               </a:ext>
             </a:extLst>
           </p:cNvPr>
@@ -1310,7 +1313,7 @@
           <p:cNvPr id="2" name="제목 1">
             <a:extLst>
               <a:ext uri="{FF2B5EF4-FFF2-40B4-BE49-F238E27FC236}">
-                <a16:creationId xmlns:a16="http://schemas.microsoft.com/office/drawing/2014/main" id="{6AB1F47A-6BA5-6442-AA26-23C93BEF1343}"/>
+                <a16:creationId xmlns:a16="http://schemas.microsoft.com/office/drawing/2014/main" xmlns="" id="{6AB1F47A-6BA5-6442-AA26-23C93BEF1343}"/>
               </a:ext>
             </a:extLst>
           </p:cNvPr>
@@ -1347,7 +1350,7 @@
           <p:cNvPr id="3" name="텍스트 개체 틀 2">
             <a:extLst>
               <a:ext uri="{FF2B5EF4-FFF2-40B4-BE49-F238E27FC236}">
-                <a16:creationId xmlns:a16="http://schemas.microsoft.com/office/drawing/2014/main" id="{47D2E629-368E-D54D-A896-B887EF6C46DB}"/>
+                <a16:creationId xmlns:a16="http://schemas.microsoft.com/office/drawing/2014/main" xmlns="" id="{47D2E629-368E-D54D-A896-B887EF6C46DB}"/>
               </a:ext>
             </a:extLst>
           </p:cNvPr>
@@ -1475,7 +1478,7 @@
           <p:cNvPr id="4" name="날짜 개체 틀 3">
             <a:extLst>
               <a:ext uri="{FF2B5EF4-FFF2-40B4-BE49-F238E27FC236}">
-                <a16:creationId xmlns:a16="http://schemas.microsoft.com/office/drawing/2014/main" id="{AD2F4300-E4D7-AE49-9FFA-CDCA6097D1BF}"/>
+                <a16:creationId xmlns:a16="http://schemas.microsoft.com/office/drawing/2014/main" xmlns="" id="{AD2F4300-E4D7-AE49-9FFA-CDCA6097D1BF}"/>
               </a:ext>
             </a:extLst>
           </p:cNvPr>
@@ -1493,7 +1496,7 @@
           <a:p>
             <a:fld id="{EDEFA360-CFB9-4045-A382-F7F263FD4BE1}" type="datetimeFigureOut">
               <a:rPr kumimoji="1" lang="ko-KR" altLang="en-US" smtClean="0"/>
-              <a:t>2023. 7. 12.</a:t>
+              <a:t>2023-07-12</a:t>
             </a:fld>
             <a:endParaRPr kumimoji="1" lang="ko-KR" altLang="en-US"/>
           </a:p>
@@ -1504,7 +1507,7 @@
           <p:cNvPr id="5" name="바닥글 개체 틀 4">
             <a:extLst>
               <a:ext uri="{FF2B5EF4-FFF2-40B4-BE49-F238E27FC236}">
-                <a16:creationId xmlns:a16="http://schemas.microsoft.com/office/drawing/2014/main" id="{C08A8ED7-E1F1-B84D-BAE4-811E6BEAF8BF}"/>
+                <a16:creationId xmlns:a16="http://schemas.microsoft.com/office/drawing/2014/main" xmlns="" id="{C08A8ED7-E1F1-B84D-BAE4-811E6BEAF8BF}"/>
               </a:ext>
             </a:extLst>
           </p:cNvPr>
@@ -1529,7 +1532,7 @@
           <p:cNvPr id="6" name="슬라이드 번호 개체 틀 5">
             <a:extLst>
               <a:ext uri="{FF2B5EF4-FFF2-40B4-BE49-F238E27FC236}">
-                <a16:creationId xmlns:a16="http://schemas.microsoft.com/office/drawing/2014/main" id="{AF80303B-F17F-7342-8D7A-1388C2EBA322}"/>
+                <a16:creationId xmlns:a16="http://schemas.microsoft.com/office/drawing/2014/main" xmlns="" id="{AF80303B-F17F-7342-8D7A-1388C2EBA322}"/>
               </a:ext>
             </a:extLst>
           </p:cNvPr>
@@ -1588,7 +1591,7 @@
           <p:cNvPr id="2" name="제목 1">
             <a:extLst>
               <a:ext uri="{FF2B5EF4-FFF2-40B4-BE49-F238E27FC236}">
-                <a16:creationId xmlns:a16="http://schemas.microsoft.com/office/drawing/2014/main" id="{56EBC116-B9E4-5046-9B7F-54244E70C24B}"/>
+                <a16:creationId xmlns:a16="http://schemas.microsoft.com/office/drawing/2014/main" xmlns="" id="{56EBC116-B9E4-5046-9B7F-54244E70C24B}"/>
               </a:ext>
             </a:extLst>
           </p:cNvPr>
@@ -1616,7 +1619,7 @@
           <p:cNvPr id="3" name="내용 개체 틀 2">
             <a:extLst>
               <a:ext uri="{FF2B5EF4-FFF2-40B4-BE49-F238E27FC236}">
-                <a16:creationId xmlns:a16="http://schemas.microsoft.com/office/drawing/2014/main" id="{7CEF7C5F-72B6-0B45-A985-024BB1EACE4A}"/>
+                <a16:creationId xmlns:a16="http://schemas.microsoft.com/office/drawing/2014/main" xmlns="" id="{7CEF7C5F-72B6-0B45-A985-024BB1EACE4A}"/>
               </a:ext>
             </a:extLst>
           </p:cNvPr>
@@ -1653,7 +1656,7 @@
           <p:cNvPr id="4" name="내용 개체 틀 3">
             <a:extLst>
               <a:ext uri="{FF2B5EF4-FFF2-40B4-BE49-F238E27FC236}">
-                <a16:creationId xmlns:a16="http://schemas.microsoft.com/office/drawing/2014/main" id="{C0832588-4074-464D-ADFE-B9B09A8D3B56}"/>
+                <a16:creationId xmlns:a16="http://schemas.microsoft.com/office/drawing/2014/main" xmlns="" id="{C0832588-4074-464D-ADFE-B9B09A8D3B56}"/>
               </a:ext>
             </a:extLst>
           </p:cNvPr>
@@ -1690,7 +1693,7 @@
           <p:cNvPr id="5" name="날짜 개체 틀 4">
             <a:extLst>
               <a:ext uri="{FF2B5EF4-FFF2-40B4-BE49-F238E27FC236}">
-                <a16:creationId xmlns:a16="http://schemas.microsoft.com/office/drawing/2014/main" id="{8CB38065-967B-E04E-B08A-AE63551B0B2A}"/>
+                <a16:creationId xmlns:a16="http://schemas.microsoft.com/office/drawing/2014/main" xmlns="" id="{8CB38065-967B-E04E-B08A-AE63551B0B2A}"/>
               </a:ext>
             </a:extLst>
           </p:cNvPr>
@@ -1708,7 +1711,7 @@
           <a:p>
             <a:fld id="{EDEFA360-CFB9-4045-A382-F7F263FD4BE1}" type="datetimeFigureOut">
               <a:rPr kumimoji="1" lang="ko-KR" altLang="en-US" smtClean="0"/>
-              <a:t>2023. 7. 12.</a:t>
+              <a:t>2023-07-12</a:t>
             </a:fld>
             <a:endParaRPr kumimoji="1" lang="ko-KR" altLang="en-US"/>
           </a:p>
@@ -1719,7 +1722,7 @@
           <p:cNvPr id="6" name="바닥글 개체 틀 5">
             <a:extLst>
               <a:ext uri="{FF2B5EF4-FFF2-40B4-BE49-F238E27FC236}">
-                <a16:creationId xmlns:a16="http://schemas.microsoft.com/office/drawing/2014/main" id="{C6AE00C8-0ADB-8D41-8BAF-63EEA164F83F}"/>
+                <a16:creationId xmlns:a16="http://schemas.microsoft.com/office/drawing/2014/main" xmlns="" id="{C6AE00C8-0ADB-8D41-8BAF-63EEA164F83F}"/>
               </a:ext>
             </a:extLst>
           </p:cNvPr>
@@ -1744,7 +1747,7 @@
           <p:cNvPr id="7" name="슬라이드 번호 개체 틀 6">
             <a:extLst>
               <a:ext uri="{FF2B5EF4-FFF2-40B4-BE49-F238E27FC236}">
-                <a16:creationId xmlns:a16="http://schemas.microsoft.com/office/drawing/2014/main" id="{D438D453-0694-794A-A4AD-105A238EDC0F}"/>
+                <a16:creationId xmlns:a16="http://schemas.microsoft.com/office/drawing/2014/main" xmlns="" id="{D438D453-0694-794A-A4AD-105A238EDC0F}"/>
               </a:ext>
             </a:extLst>
           </p:cNvPr>
@@ -1803,7 +1806,7 @@
           <p:cNvPr id="2" name="제목 1">
             <a:extLst>
               <a:ext uri="{FF2B5EF4-FFF2-40B4-BE49-F238E27FC236}">
-                <a16:creationId xmlns:a16="http://schemas.microsoft.com/office/drawing/2014/main" id="{0B613F03-217F-6541-A156-2135E5DB3F07}"/>
+                <a16:creationId xmlns:a16="http://schemas.microsoft.com/office/drawing/2014/main" xmlns="" id="{0B613F03-217F-6541-A156-2135E5DB3F07}"/>
               </a:ext>
             </a:extLst>
           </p:cNvPr>
@@ -1836,7 +1839,7 @@
           <p:cNvPr id="3" name="텍스트 개체 틀 2">
             <a:extLst>
               <a:ext uri="{FF2B5EF4-FFF2-40B4-BE49-F238E27FC236}">
-                <a16:creationId xmlns:a16="http://schemas.microsoft.com/office/drawing/2014/main" id="{06A16581-ED25-5545-903F-9AF7C48EA52E}"/>
+                <a16:creationId xmlns:a16="http://schemas.microsoft.com/office/drawing/2014/main" xmlns="" id="{06A16581-ED25-5545-903F-9AF7C48EA52E}"/>
               </a:ext>
             </a:extLst>
           </p:cNvPr>
@@ -1910,7 +1913,7 @@
           <p:cNvPr id="4" name="내용 개체 틀 3">
             <a:extLst>
               <a:ext uri="{FF2B5EF4-FFF2-40B4-BE49-F238E27FC236}">
-                <a16:creationId xmlns:a16="http://schemas.microsoft.com/office/drawing/2014/main" id="{918C79F6-2814-A043-9582-E108C478378E}"/>
+                <a16:creationId xmlns:a16="http://schemas.microsoft.com/office/drawing/2014/main" xmlns="" id="{918C79F6-2814-A043-9582-E108C478378E}"/>
               </a:ext>
             </a:extLst>
           </p:cNvPr>
@@ -1947,7 +1950,7 @@
           <p:cNvPr id="5" name="텍스트 개체 틀 4">
             <a:extLst>
               <a:ext uri="{FF2B5EF4-FFF2-40B4-BE49-F238E27FC236}">
-                <a16:creationId xmlns:a16="http://schemas.microsoft.com/office/drawing/2014/main" id="{77D089D0-562C-984F-9FA1-BE73CB210607}"/>
+                <a16:creationId xmlns:a16="http://schemas.microsoft.com/office/drawing/2014/main" xmlns="" id="{77D089D0-562C-984F-9FA1-BE73CB210607}"/>
               </a:ext>
             </a:extLst>
           </p:cNvPr>
@@ -2021,7 +2024,7 @@
           <p:cNvPr id="6" name="내용 개체 틀 5">
             <a:extLst>
               <a:ext uri="{FF2B5EF4-FFF2-40B4-BE49-F238E27FC236}">
-                <a16:creationId xmlns:a16="http://schemas.microsoft.com/office/drawing/2014/main" id="{F1159943-EACD-1E42-8B06-6B46406BC67F}"/>
+                <a16:creationId xmlns:a16="http://schemas.microsoft.com/office/drawing/2014/main" xmlns="" id="{F1159943-EACD-1E42-8B06-6B46406BC67F}"/>
               </a:ext>
             </a:extLst>
           </p:cNvPr>
@@ -2058,7 +2061,7 @@
           <p:cNvPr id="7" name="날짜 개체 틀 6">
             <a:extLst>
               <a:ext uri="{FF2B5EF4-FFF2-40B4-BE49-F238E27FC236}">
-                <a16:creationId xmlns:a16="http://schemas.microsoft.com/office/drawing/2014/main" id="{932601ED-719F-E04A-BBFD-076825F23F51}"/>
+                <a16:creationId xmlns:a16="http://schemas.microsoft.com/office/drawing/2014/main" xmlns="" id="{932601ED-719F-E04A-BBFD-076825F23F51}"/>
               </a:ext>
             </a:extLst>
           </p:cNvPr>
@@ -2076,7 +2079,7 @@
           <a:p>
             <a:fld id="{EDEFA360-CFB9-4045-A382-F7F263FD4BE1}" type="datetimeFigureOut">
               <a:rPr kumimoji="1" lang="ko-KR" altLang="en-US" smtClean="0"/>
-              <a:t>2023. 7. 12.</a:t>
+              <a:t>2023-07-12</a:t>
             </a:fld>
             <a:endParaRPr kumimoji="1" lang="ko-KR" altLang="en-US"/>
           </a:p>
@@ -2087,7 +2090,7 @@
           <p:cNvPr id="8" name="바닥글 개체 틀 7">
             <a:extLst>
               <a:ext uri="{FF2B5EF4-FFF2-40B4-BE49-F238E27FC236}">
-                <a16:creationId xmlns:a16="http://schemas.microsoft.com/office/drawing/2014/main" id="{62559317-8578-3A41-B351-773C8AB6FB6D}"/>
+                <a16:creationId xmlns:a16="http://schemas.microsoft.com/office/drawing/2014/main" xmlns="" id="{62559317-8578-3A41-B351-773C8AB6FB6D}"/>
               </a:ext>
             </a:extLst>
           </p:cNvPr>
@@ -2112,7 +2115,7 @@
           <p:cNvPr id="9" name="슬라이드 번호 개체 틀 8">
             <a:extLst>
               <a:ext uri="{FF2B5EF4-FFF2-40B4-BE49-F238E27FC236}">
-                <a16:creationId xmlns:a16="http://schemas.microsoft.com/office/drawing/2014/main" id="{44ED62A8-6A91-114D-B2A0-CB5B88B7A75B}"/>
+                <a16:creationId xmlns:a16="http://schemas.microsoft.com/office/drawing/2014/main" xmlns="" id="{44ED62A8-6A91-114D-B2A0-CB5B88B7A75B}"/>
               </a:ext>
             </a:extLst>
           </p:cNvPr>
@@ -2171,7 +2174,7 @@
           <p:cNvPr id="2" name="제목 1">
             <a:extLst>
               <a:ext uri="{FF2B5EF4-FFF2-40B4-BE49-F238E27FC236}">
-                <a16:creationId xmlns:a16="http://schemas.microsoft.com/office/drawing/2014/main" id="{AB385FFD-87EA-4B45-BB0D-29BFB09B0509}"/>
+                <a16:creationId xmlns:a16="http://schemas.microsoft.com/office/drawing/2014/main" xmlns="" id="{AB385FFD-87EA-4B45-BB0D-29BFB09B0509}"/>
               </a:ext>
             </a:extLst>
           </p:cNvPr>
@@ -2199,7 +2202,7 @@
           <p:cNvPr id="3" name="날짜 개체 틀 2">
             <a:extLst>
               <a:ext uri="{FF2B5EF4-FFF2-40B4-BE49-F238E27FC236}">
-                <a16:creationId xmlns:a16="http://schemas.microsoft.com/office/drawing/2014/main" id="{F8190C5E-1F70-314A-BA18-2E73583BC01F}"/>
+                <a16:creationId xmlns:a16="http://schemas.microsoft.com/office/drawing/2014/main" xmlns="" id="{F8190C5E-1F70-314A-BA18-2E73583BC01F}"/>
               </a:ext>
             </a:extLst>
           </p:cNvPr>
@@ -2217,7 +2220,7 @@
           <a:p>
             <a:fld id="{EDEFA360-CFB9-4045-A382-F7F263FD4BE1}" type="datetimeFigureOut">
               <a:rPr kumimoji="1" lang="ko-KR" altLang="en-US" smtClean="0"/>
-              <a:t>2023. 7. 12.</a:t>
+              <a:t>2023-07-12</a:t>
             </a:fld>
             <a:endParaRPr kumimoji="1" lang="ko-KR" altLang="en-US"/>
           </a:p>
@@ -2228,7 +2231,7 @@
           <p:cNvPr id="4" name="바닥글 개체 틀 3">
             <a:extLst>
               <a:ext uri="{FF2B5EF4-FFF2-40B4-BE49-F238E27FC236}">
-                <a16:creationId xmlns:a16="http://schemas.microsoft.com/office/drawing/2014/main" id="{B74B7033-E4A1-F340-B3E4-F4C4D9049E7D}"/>
+                <a16:creationId xmlns:a16="http://schemas.microsoft.com/office/drawing/2014/main" xmlns="" id="{B74B7033-E4A1-F340-B3E4-F4C4D9049E7D}"/>
               </a:ext>
             </a:extLst>
           </p:cNvPr>
@@ -2253,7 +2256,7 @@
           <p:cNvPr id="5" name="슬라이드 번호 개체 틀 4">
             <a:extLst>
               <a:ext uri="{FF2B5EF4-FFF2-40B4-BE49-F238E27FC236}">
-                <a16:creationId xmlns:a16="http://schemas.microsoft.com/office/drawing/2014/main" id="{C74B5FAE-07CB-3049-80D4-D2085E7837FC}"/>
+                <a16:creationId xmlns:a16="http://schemas.microsoft.com/office/drawing/2014/main" xmlns="" id="{C74B5FAE-07CB-3049-80D4-D2085E7837FC}"/>
               </a:ext>
             </a:extLst>
           </p:cNvPr>
@@ -2312,7 +2315,7 @@
           <p:cNvPr id="2" name="날짜 개체 틀 1">
             <a:extLst>
               <a:ext uri="{FF2B5EF4-FFF2-40B4-BE49-F238E27FC236}">
-                <a16:creationId xmlns:a16="http://schemas.microsoft.com/office/drawing/2014/main" id="{C24F4953-19D0-BB42-A9A3-111252B4CA6B}"/>
+                <a16:creationId xmlns:a16="http://schemas.microsoft.com/office/drawing/2014/main" xmlns="" id="{C24F4953-19D0-BB42-A9A3-111252B4CA6B}"/>
               </a:ext>
             </a:extLst>
           </p:cNvPr>
@@ -2330,7 +2333,7 @@
           <a:p>
             <a:fld id="{EDEFA360-CFB9-4045-A382-F7F263FD4BE1}" type="datetimeFigureOut">
               <a:rPr kumimoji="1" lang="ko-KR" altLang="en-US" smtClean="0"/>
-              <a:t>2023. 7. 12.</a:t>
+              <a:t>2023-07-12</a:t>
             </a:fld>
             <a:endParaRPr kumimoji="1" lang="ko-KR" altLang="en-US"/>
           </a:p>
@@ -2341,7 +2344,7 @@
           <p:cNvPr id="3" name="바닥글 개체 틀 2">
             <a:extLst>
               <a:ext uri="{FF2B5EF4-FFF2-40B4-BE49-F238E27FC236}">
-                <a16:creationId xmlns:a16="http://schemas.microsoft.com/office/drawing/2014/main" id="{A5447D78-ADB7-0444-8768-49B91E43FD1C}"/>
+                <a16:creationId xmlns:a16="http://schemas.microsoft.com/office/drawing/2014/main" xmlns="" id="{A5447D78-ADB7-0444-8768-49B91E43FD1C}"/>
               </a:ext>
             </a:extLst>
           </p:cNvPr>
@@ -2366,7 +2369,7 @@
           <p:cNvPr id="4" name="슬라이드 번호 개체 틀 3">
             <a:extLst>
               <a:ext uri="{FF2B5EF4-FFF2-40B4-BE49-F238E27FC236}">
-                <a16:creationId xmlns:a16="http://schemas.microsoft.com/office/drawing/2014/main" id="{015B79B6-FE52-3D47-9E60-5266916AACA0}"/>
+                <a16:creationId xmlns:a16="http://schemas.microsoft.com/office/drawing/2014/main" xmlns="" id="{015B79B6-FE52-3D47-9E60-5266916AACA0}"/>
               </a:ext>
             </a:extLst>
           </p:cNvPr>
@@ -2425,7 +2428,7 @@
           <p:cNvPr id="2" name="제목 1">
             <a:extLst>
               <a:ext uri="{FF2B5EF4-FFF2-40B4-BE49-F238E27FC236}">
-                <a16:creationId xmlns:a16="http://schemas.microsoft.com/office/drawing/2014/main" id="{D0459AF7-52B6-6F48-9400-2054BCF838FD}"/>
+                <a16:creationId xmlns:a16="http://schemas.microsoft.com/office/drawing/2014/main" xmlns="" id="{D0459AF7-52B6-6F48-9400-2054BCF838FD}"/>
               </a:ext>
             </a:extLst>
           </p:cNvPr>
@@ -2462,7 +2465,7 @@
           <p:cNvPr id="3" name="내용 개체 틀 2">
             <a:extLst>
               <a:ext uri="{FF2B5EF4-FFF2-40B4-BE49-F238E27FC236}">
-                <a16:creationId xmlns:a16="http://schemas.microsoft.com/office/drawing/2014/main" id="{9B402DE0-EB10-6446-B653-74E3425C2EBA}"/>
+                <a16:creationId xmlns:a16="http://schemas.microsoft.com/office/drawing/2014/main" xmlns="" id="{9B402DE0-EB10-6446-B653-74E3425C2EBA}"/>
               </a:ext>
             </a:extLst>
           </p:cNvPr>
@@ -2527,7 +2530,7 @@
           <p:cNvPr id="4" name="텍스트 개체 틀 3">
             <a:extLst>
               <a:ext uri="{FF2B5EF4-FFF2-40B4-BE49-F238E27FC236}">
-                <a16:creationId xmlns:a16="http://schemas.microsoft.com/office/drawing/2014/main" id="{90A8C9B2-7635-DB46-ADEC-909B1D7EE935}"/>
+                <a16:creationId xmlns:a16="http://schemas.microsoft.com/office/drawing/2014/main" xmlns="" id="{90A8C9B2-7635-DB46-ADEC-909B1D7EE935}"/>
               </a:ext>
             </a:extLst>
           </p:cNvPr>
@@ -2601,7 +2604,7 @@
           <p:cNvPr id="5" name="날짜 개체 틀 4">
             <a:extLst>
               <a:ext uri="{FF2B5EF4-FFF2-40B4-BE49-F238E27FC236}">
-                <a16:creationId xmlns:a16="http://schemas.microsoft.com/office/drawing/2014/main" id="{650B9836-7C19-8D40-8F5C-82A925288787}"/>
+                <a16:creationId xmlns:a16="http://schemas.microsoft.com/office/drawing/2014/main" xmlns="" id="{650B9836-7C19-8D40-8F5C-82A925288787}"/>
               </a:ext>
             </a:extLst>
           </p:cNvPr>
@@ -2619,7 +2622,7 @@
           <a:p>
             <a:fld id="{EDEFA360-CFB9-4045-A382-F7F263FD4BE1}" type="datetimeFigureOut">
               <a:rPr kumimoji="1" lang="ko-KR" altLang="en-US" smtClean="0"/>
-              <a:t>2023. 7. 12.</a:t>
+              <a:t>2023-07-12</a:t>
             </a:fld>
             <a:endParaRPr kumimoji="1" lang="ko-KR" altLang="en-US"/>
           </a:p>
@@ -2630,7 +2633,7 @@
           <p:cNvPr id="6" name="바닥글 개체 틀 5">
             <a:extLst>
               <a:ext uri="{FF2B5EF4-FFF2-40B4-BE49-F238E27FC236}">
-                <a16:creationId xmlns:a16="http://schemas.microsoft.com/office/drawing/2014/main" id="{AA17B35A-544D-2E41-A93F-F056CC2330FF}"/>
+                <a16:creationId xmlns:a16="http://schemas.microsoft.com/office/drawing/2014/main" xmlns="" id="{AA17B35A-544D-2E41-A93F-F056CC2330FF}"/>
               </a:ext>
             </a:extLst>
           </p:cNvPr>
@@ -2655,7 +2658,7 @@
           <p:cNvPr id="7" name="슬라이드 번호 개체 틀 6">
             <a:extLst>
               <a:ext uri="{FF2B5EF4-FFF2-40B4-BE49-F238E27FC236}">
-                <a16:creationId xmlns:a16="http://schemas.microsoft.com/office/drawing/2014/main" id="{92237640-42CA-6D42-8271-D166AEF9D249}"/>
+                <a16:creationId xmlns:a16="http://schemas.microsoft.com/office/drawing/2014/main" xmlns="" id="{92237640-42CA-6D42-8271-D166AEF9D249}"/>
               </a:ext>
             </a:extLst>
           </p:cNvPr>
@@ -2714,7 +2717,7 @@
           <p:cNvPr id="2" name="제목 1">
             <a:extLst>
               <a:ext uri="{FF2B5EF4-FFF2-40B4-BE49-F238E27FC236}">
-                <a16:creationId xmlns:a16="http://schemas.microsoft.com/office/drawing/2014/main" id="{403A6D95-E692-2748-973B-AEB7B9F56D48}"/>
+                <a16:creationId xmlns:a16="http://schemas.microsoft.com/office/drawing/2014/main" xmlns="" id="{403A6D95-E692-2748-973B-AEB7B9F56D48}"/>
               </a:ext>
             </a:extLst>
           </p:cNvPr>
@@ -2751,7 +2754,7 @@
           <p:cNvPr id="3" name="그림 개체 틀 2">
             <a:extLst>
               <a:ext uri="{FF2B5EF4-FFF2-40B4-BE49-F238E27FC236}">
-                <a16:creationId xmlns:a16="http://schemas.microsoft.com/office/drawing/2014/main" id="{3BC842F9-01CB-6E4E-8FB9-5E39004B4853}"/>
+                <a16:creationId xmlns:a16="http://schemas.microsoft.com/office/drawing/2014/main" xmlns="" id="{3BC842F9-01CB-6E4E-8FB9-5E39004B4853}"/>
               </a:ext>
             </a:extLst>
           </p:cNvPr>
@@ -2818,7 +2821,7 @@
           <p:cNvPr id="4" name="텍스트 개체 틀 3">
             <a:extLst>
               <a:ext uri="{FF2B5EF4-FFF2-40B4-BE49-F238E27FC236}">
-                <a16:creationId xmlns:a16="http://schemas.microsoft.com/office/drawing/2014/main" id="{FC9FD0E9-CF76-8742-ADCD-AC0913A0ED31}"/>
+                <a16:creationId xmlns:a16="http://schemas.microsoft.com/office/drawing/2014/main" xmlns="" id="{FC9FD0E9-CF76-8742-ADCD-AC0913A0ED31}"/>
               </a:ext>
             </a:extLst>
           </p:cNvPr>
@@ -2892,7 +2895,7 @@
           <p:cNvPr id="5" name="날짜 개체 틀 4">
             <a:extLst>
               <a:ext uri="{FF2B5EF4-FFF2-40B4-BE49-F238E27FC236}">
-                <a16:creationId xmlns:a16="http://schemas.microsoft.com/office/drawing/2014/main" id="{93B4A5CD-E650-7F49-A8F7-FDBCA38D375C}"/>
+                <a16:creationId xmlns:a16="http://schemas.microsoft.com/office/drawing/2014/main" xmlns="" id="{93B4A5CD-E650-7F49-A8F7-FDBCA38D375C}"/>
               </a:ext>
             </a:extLst>
           </p:cNvPr>
@@ -2910,7 +2913,7 @@
           <a:p>
             <a:fld id="{EDEFA360-CFB9-4045-A382-F7F263FD4BE1}" type="datetimeFigureOut">
               <a:rPr kumimoji="1" lang="ko-KR" altLang="en-US" smtClean="0"/>
-              <a:t>2023. 7. 12.</a:t>
+              <a:t>2023-07-12</a:t>
             </a:fld>
             <a:endParaRPr kumimoji="1" lang="ko-KR" altLang="en-US"/>
           </a:p>
@@ -2921,7 +2924,7 @@
           <p:cNvPr id="6" name="바닥글 개체 틀 5">
             <a:extLst>
               <a:ext uri="{FF2B5EF4-FFF2-40B4-BE49-F238E27FC236}">
-                <a16:creationId xmlns:a16="http://schemas.microsoft.com/office/drawing/2014/main" id="{83D4685B-3F8E-E841-9BDE-0DB6360895A6}"/>
+                <a16:creationId xmlns:a16="http://schemas.microsoft.com/office/drawing/2014/main" xmlns="" id="{83D4685B-3F8E-E841-9BDE-0DB6360895A6}"/>
               </a:ext>
             </a:extLst>
           </p:cNvPr>
@@ -2946,7 +2949,7 @@
           <p:cNvPr id="7" name="슬라이드 번호 개체 틀 6">
             <a:extLst>
               <a:ext uri="{FF2B5EF4-FFF2-40B4-BE49-F238E27FC236}">
-                <a16:creationId xmlns:a16="http://schemas.microsoft.com/office/drawing/2014/main" id="{FC4E2388-2842-A641-8A33-43CF376D622C}"/>
+                <a16:creationId xmlns:a16="http://schemas.microsoft.com/office/drawing/2014/main" xmlns="" id="{FC4E2388-2842-A641-8A33-43CF376D622C}"/>
               </a:ext>
             </a:extLst>
           </p:cNvPr>
@@ -3010,7 +3013,7 @@
           <p:cNvPr id="2" name="제목 개체 틀 1">
             <a:extLst>
               <a:ext uri="{FF2B5EF4-FFF2-40B4-BE49-F238E27FC236}">
-                <a16:creationId xmlns:a16="http://schemas.microsoft.com/office/drawing/2014/main" id="{5A7F6F33-E68E-4F49-96CF-95999B5A0B6B}"/>
+                <a16:creationId xmlns:a16="http://schemas.microsoft.com/office/drawing/2014/main" xmlns="" id="{5A7F6F33-E68E-4F49-96CF-95999B5A0B6B}"/>
               </a:ext>
             </a:extLst>
           </p:cNvPr>
@@ -3048,7 +3051,7 @@
           <p:cNvPr id="3" name="텍스트 개체 틀 2">
             <a:extLst>
               <a:ext uri="{FF2B5EF4-FFF2-40B4-BE49-F238E27FC236}">
-                <a16:creationId xmlns:a16="http://schemas.microsoft.com/office/drawing/2014/main" id="{AAE82BF1-1C55-9F4E-BB28-554CFE9EF6EF}"/>
+                <a16:creationId xmlns:a16="http://schemas.microsoft.com/office/drawing/2014/main" xmlns="" id="{AAE82BF1-1C55-9F4E-BB28-554CFE9EF6EF}"/>
               </a:ext>
             </a:extLst>
           </p:cNvPr>
@@ -3090,7 +3093,7 @@
           <p:cNvPr id="4" name="날짜 개체 틀 3">
             <a:extLst>
               <a:ext uri="{FF2B5EF4-FFF2-40B4-BE49-F238E27FC236}">
-                <a16:creationId xmlns:a16="http://schemas.microsoft.com/office/drawing/2014/main" id="{D2A83B49-E0FE-D649-AB5C-EF6FD75F5532}"/>
+                <a16:creationId xmlns:a16="http://schemas.microsoft.com/office/drawing/2014/main" xmlns="" id="{D2A83B49-E0FE-D649-AB5C-EF6FD75F5532}"/>
               </a:ext>
             </a:extLst>
           </p:cNvPr>
@@ -3126,7 +3129,7 @@
           <a:p>
             <a:fld id="{EDEFA360-CFB9-4045-A382-F7F263FD4BE1}" type="datetimeFigureOut">
               <a:rPr kumimoji="1" lang="ko-KR" altLang="en-US" smtClean="0"/>
-              <a:t>2023. 7. 12.</a:t>
+              <a:t>2023-07-12</a:t>
             </a:fld>
             <a:endParaRPr kumimoji="1" lang="ko-KR" altLang="en-US"/>
           </a:p>
@@ -3137,7 +3140,7 @@
           <p:cNvPr id="5" name="바닥글 개체 틀 4">
             <a:extLst>
               <a:ext uri="{FF2B5EF4-FFF2-40B4-BE49-F238E27FC236}">
-                <a16:creationId xmlns:a16="http://schemas.microsoft.com/office/drawing/2014/main" id="{3462D788-EE34-3C46-AE11-B260DF20A245}"/>
+                <a16:creationId xmlns:a16="http://schemas.microsoft.com/office/drawing/2014/main" xmlns="" id="{3462D788-EE34-3C46-AE11-B260DF20A245}"/>
               </a:ext>
             </a:extLst>
           </p:cNvPr>
@@ -3180,7 +3183,7 @@
           <p:cNvPr id="6" name="슬라이드 번호 개체 틀 5">
             <a:extLst>
               <a:ext uri="{FF2B5EF4-FFF2-40B4-BE49-F238E27FC236}">
-                <a16:creationId xmlns:a16="http://schemas.microsoft.com/office/drawing/2014/main" id="{0D28F68E-69B7-0E46-AC23-F12C28D41170}"/>
+                <a16:creationId xmlns:a16="http://schemas.microsoft.com/office/drawing/2014/main" xmlns="" id="{0D28F68E-69B7-0E46-AC23-F12C28D41170}"/>
               </a:ext>
             </a:extLst>
           </p:cNvPr>
@@ -3548,7 +3551,7 @@
           <p:cNvPr id="16" name="모서리가 둥근 직사각형 15">
             <a:extLst>
               <a:ext uri="{FF2B5EF4-FFF2-40B4-BE49-F238E27FC236}">
-                <a16:creationId xmlns:a16="http://schemas.microsoft.com/office/drawing/2014/main" id="{E7A0D0CB-D856-2746-B097-C27CC22FC377}"/>
+                <a16:creationId xmlns:a16="http://schemas.microsoft.com/office/drawing/2014/main" xmlns="" id="{E7A0D0CB-D856-2746-B097-C27CC22FC377}"/>
               </a:ext>
             </a:extLst>
           </p:cNvPr>
@@ -3607,7 +3610,7 @@
           <p:cNvPr id="5" name="그림 4">
             <a:extLst>
               <a:ext uri="{FF2B5EF4-FFF2-40B4-BE49-F238E27FC236}">
-                <a16:creationId xmlns:a16="http://schemas.microsoft.com/office/drawing/2014/main" id="{AE877D50-3266-6F4A-8448-D504CC55C624}"/>
+                <a16:creationId xmlns:a16="http://schemas.microsoft.com/office/drawing/2014/main" xmlns="" id="{AE877D50-3266-6F4A-8448-D504CC55C624}"/>
               </a:ext>
             </a:extLst>
           </p:cNvPr>
@@ -3637,7 +3640,7 @@
           <p:cNvPr id="9" name="직선 연결선[R] 8">
             <a:extLst>
               <a:ext uri="{FF2B5EF4-FFF2-40B4-BE49-F238E27FC236}">
-                <a16:creationId xmlns:a16="http://schemas.microsoft.com/office/drawing/2014/main" id="{D0066163-6994-6543-ADA2-A95149F63A87}"/>
+                <a16:creationId xmlns:a16="http://schemas.microsoft.com/office/drawing/2014/main" xmlns="" id="{D0066163-6994-6543-ADA2-A95149F63A87}"/>
               </a:ext>
             </a:extLst>
           </p:cNvPr>
@@ -3678,7 +3681,7 @@
           <p:cNvPr id="10" name="모서리가 둥근 직사각형 9">
             <a:extLst>
               <a:ext uri="{FF2B5EF4-FFF2-40B4-BE49-F238E27FC236}">
-                <a16:creationId xmlns:a16="http://schemas.microsoft.com/office/drawing/2014/main" id="{EA64625E-314C-7D49-B5EA-4B4485822FCA}"/>
+                <a16:creationId xmlns:a16="http://schemas.microsoft.com/office/drawing/2014/main" xmlns="" id="{EA64625E-314C-7D49-B5EA-4B4485822FCA}"/>
               </a:ext>
             </a:extLst>
           </p:cNvPr>
@@ -3743,7 +3746,7 @@
           <p:cNvPr id="11" name="TextBox 10">
             <a:extLst>
               <a:ext uri="{FF2B5EF4-FFF2-40B4-BE49-F238E27FC236}">
-                <a16:creationId xmlns:a16="http://schemas.microsoft.com/office/drawing/2014/main" id="{3E20C6AF-08F4-4A49-88CA-3CA7A2EFC435}"/>
+                <a16:creationId xmlns:a16="http://schemas.microsoft.com/office/drawing/2014/main" xmlns="" id="{3E20C6AF-08F4-4A49-88CA-3CA7A2EFC435}"/>
               </a:ext>
             </a:extLst>
           </p:cNvPr>
@@ -3774,8 +3777,8 @@
                     <a:lumOff val="35000"/>
                   </a:schemeClr>
                 </a:solidFill>
-                <a:latin typeface="GangwonEduPower ExtraBold" panose="02020603020101020101" pitchFamily="18" charset="-127"/>
-                <a:ea typeface="GangwonEduPower ExtraBold" panose="02020603020101020101" pitchFamily="18" charset="-127"/>
+                <a:latin typeface="강원교육튼튼" panose="02020603020101020101" pitchFamily="18" charset="-127"/>
+                <a:ea typeface="강원교육튼튼" panose="02020603020101020101" pitchFamily="18" charset="-127"/>
               </a:rPr>
               <a:t>유기 동물 입양 및 개인 반려 동물 분양 매칭 사이트</a:t>
             </a:r>
@@ -3787,7 +3790,7 @@
           <p:cNvPr id="12" name="직사각형 11">
             <a:extLst>
               <a:ext uri="{FF2B5EF4-FFF2-40B4-BE49-F238E27FC236}">
-                <a16:creationId xmlns:a16="http://schemas.microsoft.com/office/drawing/2014/main" id="{C2DAEDD6-F3BF-2C45-A966-FA34D448BF8E}"/>
+                <a16:creationId xmlns:a16="http://schemas.microsoft.com/office/drawing/2014/main" xmlns="" id="{C2DAEDD6-F3BF-2C45-A966-FA34D448BF8E}"/>
               </a:ext>
             </a:extLst>
           </p:cNvPr>
@@ -3844,7 +3847,7 @@
           <p:cNvPr id="17" name="TextBox 16">
             <a:extLst>
               <a:ext uri="{FF2B5EF4-FFF2-40B4-BE49-F238E27FC236}">
-                <a16:creationId xmlns:a16="http://schemas.microsoft.com/office/drawing/2014/main" id="{A3CC3E21-6E0D-F34A-A052-E92DE16666CF}"/>
+                <a16:creationId xmlns:a16="http://schemas.microsoft.com/office/drawing/2014/main" xmlns="" id="{A3CC3E21-6E0D-F34A-A052-E92DE16666CF}"/>
               </a:ext>
             </a:extLst>
           </p:cNvPr>
@@ -4035,7 +4038,7 @@
           <p:cNvPr id="19" name="그림 18">
             <a:extLst>
               <a:ext uri="{FF2B5EF4-FFF2-40B4-BE49-F238E27FC236}">
-                <a16:creationId xmlns:a16="http://schemas.microsoft.com/office/drawing/2014/main" id="{9FEBB5E0-6AF6-FE4F-9BB2-D3C257CE6DA3}"/>
+                <a16:creationId xmlns:a16="http://schemas.microsoft.com/office/drawing/2014/main" xmlns="" id="{9FEBB5E0-6AF6-FE4F-9BB2-D3C257CE6DA3}"/>
               </a:ext>
             </a:extLst>
           </p:cNvPr>
@@ -4065,7 +4068,7 @@
           <p:cNvPr id="20" name="직선 연결선[R] 19">
             <a:extLst>
               <a:ext uri="{FF2B5EF4-FFF2-40B4-BE49-F238E27FC236}">
-                <a16:creationId xmlns:a16="http://schemas.microsoft.com/office/drawing/2014/main" id="{3EFE5469-45FC-7347-9AE0-8FE58F0D29E5}"/>
+                <a16:creationId xmlns:a16="http://schemas.microsoft.com/office/drawing/2014/main" xmlns="" id="{3EFE5469-45FC-7347-9AE0-8FE58F0D29E5}"/>
               </a:ext>
             </a:extLst>
           </p:cNvPr>
@@ -4108,7 +4111,7 @@
           <p:cNvPr id="23" name="직선 연결선[R] 22">
             <a:extLst>
               <a:ext uri="{FF2B5EF4-FFF2-40B4-BE49-F238E27FC236}">
-                <a16:creationId xmlns:a16="http://schemas.microsoft.com/office/drawing/2014/main" id="{916B4006-C06F-4745-8BCE-C1C380A97C62}"/>
+                <a16:creationId xmlns:a16="http://schemas.microsoft.com/office/drawing/2014/main" xmlns="" id="{916B4006-C06F-4745-8BCE-C1C380A97C62}"/>
               </a:ext>
             </a:extLst>
           </p:cNvPr>
@@ -4151,7 +4154,7 @@
           <p:cNvPr id="24" name="직선 연결선[R] 23">
             <a:extLst>
               <a:ext uri="{FF2B5EF4-FFF2-40B4-BE49-F238E27FC236}">
-                <a16:creationId xmlns:a16="http://schemas.microsoft.com/office/drawing/2014/main" id="{AA29E148-3210-6240-A5F5-D46132ABDCD5}"/>
+                <a16:creationId xmlns:a16="http://schemas.microsoft.com/office/drawing/2014/main" xmlns="" id="{AA29E148-3210-6240-A5F5-D46132ABDCD5}"/>
               </a:ext>
             </a:extLst>
           </p:cNvPr>
@@ -4194,7 +4197,7 @@
           <p:cNvPr id="3" name="그림 2">
             <a:extLst>
               <a:ext uri="{FF2B5EF4-FFF2-40B4-BE49-F238E27FC236}">
-                <a16:creationId xmlns:a16="http://schemas.microsoft.com/office/drawing/2014/main" id="{5C593606-FE38-8646-AEAD-E8330660E598}"/>
+                <a16:creationId xmlns:a16="http://schemas.microsoft.com/office/drawing/2014/main" xmlns="" id="{5C593606-FE38-8646-AEAD-E8330660E598}"/>
               </a:ext>
             </a:extLst>
           </p:cNvPr>
@@ -4229,6 +4232,829 @@
   <p:clrMapOvr>
     <a:masterClrMapping/>
   </p:clrMapOvr>
+  <p:timing>
+    <p:tnLst>
+      <p:par>
+        <p:cTn id="1" dur="indefinite" restart="never" nodeType="tmRoot"/>
+      </p:par>
+    </p:tnLst>
+  </p:timing>
+</p:sld>
+</file>
+
+<file path=ppt/slides/slide10.xml><?xml version="1.0" encoding="utf-8"?>
+<p:sld xmlns:a="http://schemas.openxmlformats.org/drawingml/2006/main" xmlns:r="http://schemas.openxmlformats.org/officeDocument/2006/relationships" xmlns:p="http://schemas.openxmlformats.org/presentationml/2006/main">
+  <p:cSld>
+    <p:spTree>
+      <p:nvGrpSpPr>
+        <p:cNvPr id="1" name=""/>
+        <p:cNvGrpSpPr/>
+        <p:nvPr/>
+      </p:nvGrpSpPr>
+      <p:grpSpPr>
+        <a:xfrm>
+          <a:off x="0" y="0"/>
+          <a:ext cx="0" cy="0"/>
+          <a:chOff x="0" y="0"/>
+          <a:chExt cx="0" cy="0"/>
+        </a:xfrm>
+      </p:grpSpPr>
+      <p:pic>
+        <p:nvPicPr>
+          <p:cNvPr id="5" name="그림 4">
+            <a:extLst>
+              <a:ext uri="{FF2B5EF4-FFF2-40B4-BE49-F238E27FC236}">
+                <a16:creationId xmlns:a16="http://schemas.microsoft.com/office/drawing/2014/main" xmlns="" id="{3DF62AEB-8EE3-2447-B14C-007BA80FE99A}"/>
+              </a:ext>
+            </a:extLst>
+          </p:cNvPr>
+          <p:cNvPicPr>
+            <a:picLocks noChangeAspect="1"/>
+          </p:cNvPicPr>
+          <p:nvPr/>
+        </p:nvPicPr>
+        <p:blipFill>
+          <a:blip r:embed="rId2"/>
+          <a:stretch>
+            <a:fillRect/>
+          </a:stretch>
+        </p:blipFill>
+        <p:spPr>
+          <a:xfrm>
+            <a:off x="177027" y="0"/>
+            <a:ext cx="1790700" cy="1092200"/>
+          </a:xfrm>
+          <a:prstGeom prst="rect">
+            <a:avLst/>
+          </a:prstGeom>
+        </p:spPr>
+      </p:pic>
+      <p:cxnSp>
+        <p:nvCxnSpPr>
+          <p:cNvPr id="6" name="직선 연결선[R] 5">
+            <a:extLst>
+              <a:ext uri="{FF2B5EF4-FFF2-40B4-BE49-F238E27FC236}">
+                <a16:creationId xmlns:a16="http://schemas.microsoft.com/office/drawing/2014/main" xmlns="" id="{B0895DCE-07B1-F147-892C-279B3F3312C7}"/>
+              </a:ext>
+            </a:extLst>
+          </p:cNvPr>
+          <p:cNvCxnSpPr/>
+          <p:nvPr/>
+        </p:nvCxnSpPr>
+        <p:spPr>
+          <a:xfrm>
+            <a:off x="1" y="726831"/>
+            <a:ext cx="9554308" cy="0"/>
+          </a:xfrm>
+          <a:prstGeom prst="line">
+            <a:avLst/>
+          </a:prstGeom>
+          <a:ln>
+            <a:solidFill>
+              <a:srgbClr val="FFC000"/>
+            </a:solidFill>
+          </a:ln>
+        </p:spPr>
+        <p:style>
+          <a:lnRef idx="1">
+            <a:schemeClr val="accent1"/>
+          </a:lnRef>
+          <a:fillRef idx="0">
+            <a:schemeClr val="accent1"/>
+          </a:fillRef>
+          <a:effectRef idx="0">
+            <a:schemeClr val="accent1"/>
+          </a:effectRef>
+          <a:fontRef idx="minor">
+            <a:schemeClr val="tx1"/>
+          </a:fontRef>
+        </p:style>
+      </p:cxnSp>
+      <p:sp>
+        <p:nvSpPr>
+          <p:cNvPr id="11" name="직사각형 10">
+            <a:extLst>
+              <a:ext uri="{FF2B5EF4-FFF2-40B4-BE49-F238E27FC236}">
+                <a16:creationId xmlns:a16="http://schemas.microsoft.com/office/drawing/2014/main" xmlns="" id="{F2D53CA5-7BF7-9F4E-9FE7-7F2065E40291}"/>
+              </a:ext>
+            </a:extLst>
+          </p:cNvPr>
+          <p:cNvSpPr/>
+          <p:nvPr/>
+        </p:nvSpPr>
+        <p:spPr>
+          <a:xfrm>
+            <a:off x="-11723" y="6518032"/>
+            <a:ext cx="12203723" cy="339967"/>
+          </a:xfrm>
+          <a:prstGeom prst="rect">
+            <a:avLst/>
+          </a:prstGeom>
+          <a:solidFill>
+            <a:srgbClr val="DFA701"/>
+          </a:solidFill>
+          <a:ln>
+            <a:noFill/>
+          </a:ln>
+        </p:spPr>
+        <p:style>
+          <a:lnRef idx="2">
+            <a:schemeClr val="accent1">
+              <a:shade val="50000"/>
+            </a:schemeClr>
+          </a:lnRef>
+          <a:fillRef idx="1">
+            <a:schemeClr val="accent1"/>
+          </a:fillRef>
+          <a:effectRef idx="0">
+            <a:schemeClr val="accent1"/>
+          </a:effectRef>
+          <a:fontRef idx="minor">
+            <a:schemeClr val="lt1"/>
+          </a:fontRef>
+        </p:style>
+        <p:txBody>
+          <a:bodyPr rtlCol="0" anchor="ctr"/>
+          <a:lstStyle/>
+          <a:p>
+            <a:pPr algn="ctr"/>
+            <a:endParaRPr kumimoji="1" lang="ko-KR" altLang="en-US"/>
+          </a:p>
+        </p:txBody>
+      </p:sp>
+      <p:sp>
+        <p:nvSpPr>
+          <p:cNvPr id="21" name="모서리가 둥근 직사각형 20">
+            <a:extLst>
+              <a:ext uri="{FF2B5EF4-FFF2-40B4-BE49-F238E27FC236}">
+                <a16:creationId xmlns:a16="http://schemas.microsoft.com/office/drawing/2014/main" xmlns="" id="{0C5A2D63-F6D7-FD4D-9E29-ECC87C45D7A1}"/>
+              </a:ext>
+            </a:extLst>
+          </p:cNvPr>
+          <p:cNvSpPr/>
+          <p:nvPr/>
+        </p:nvSpPr>
+        <p:spPr>
+          <a:xfrm>
+            <a:off x="-281353" y="844062"/>
+            <a:ext cx="9835662" cy="668215"/>
+          </a:xfrm>
+          <a:prstGeom prst="roundRect">
+            <a:avLst/>
+          </a:prstGeom>
+          <a:solidFill>
+            <a:schemeClr val="bg1">
+              <a:lumMod val="85000"/>
+            </a:schemeClr>
+          </a:solidFill>
+          <a:ln>
+            <a:noFill/>
+          </a:ln>
+        </p:spPr>
+        <p:style>
+          <a:lnRef idx="2">
+            <a:schemeClr val="accent1">
+              <a:shade val="50000"/>
+            </a:schemeClr>
+          </a:lnRef>
+          <a:fillRef idx="1">
+            <a:schemeClr val="accent1"/>
+          </a:fillRef>
+          <a:effectRef idx="0">
+            <a:schemeClr val="accent1"/>
+          </a:effectRef>
+          <a:fontRef idx="minor">
+            <a:schemeClr val="lt1"/>
+          </a:fontRef>
+        </p:style>
+        <p:txBody>
+          <a:bodyPr rot="0" spcFirstLastPara="0" vertOverflow="overflow" horzOverflow="overflow" vert="horz" wrap="square" lIns="91440" tIns="45720" rIns="91440" bIns="45720" numCol="1" spcCol="0" rtlCol="0" fromWordArt="0" anchor="ctr" anchorCtr="0" forceAA="0" compatLnSpc="1">
+            <a:prstTxWarp prst="textNoShape">
+              <a:avLst/>
+            </a:prstTxWarp>
+            <a:noAutofit/>
+          </a:bodyPr>
+          <a:lstStyle/>
+          <a:p>
+            <a:pPr algn="ctr"/>
+            <a:endParaRPr kumimoji="1" lang="ko-KR" altLang="en-US" dirty="0">
+              <a:solidFill>
+                <a:schemeClr val="bg1">
+                  <a:lumMod val="50000"/>
+                </a:schemeClr>
+              </a:solidFill>
+            </a:endParaRPr>
+          </a:p>
+        </p:txBody>
+      </p:sp>
+      <p:sp>
+        <p:nvSpPr>
+          <p:cNvPr id="22" name="TextBox 21">
+            <a:extLst>
+              <a:ext uri="{FF2B5EF4-FFF2-40B4-BE49-F238E27FC236}">
+                <a16:creationId xmlns:a16="http://schemas.microsoft.com/office/drawing/2014/main" xmlns="" id="{42DD3540-0883-984E-97D9-58F862DD8F18}"/>
+              </a:ext>
+            </a:extLst>
+          </p:cNvPr>
+          <p:cNvSpPr txBox="1"/>
+          <p:nvPr/>
+        </p:nvSpPr>
+        <p:spPr>
+          <a:xfrm>
+            <a:off x="266706" y="978115"/>
+            <a:ext cx="1645002" cy="400110"/>
+          </a:xfrm>
+          <a:prstGeom prst="rect">
+            <a:avLst/>
+          </a:prstGeom>
+          <a:noFill/>
+        </p:spPr>
+        <p:txBody>
+          <a:bodyPr wrap="none" rtlCol="0">
+            <a:spAutoFit/>
+          </a:bodyPr>
+          <a:lstStyle/>
+          <a:p>
+            <a:r>
+              <a:rPr kumimoji="1" lang="en-US" altLang="ko-KR" sz="2000" dirty="0">
+                <a:solidFill>
+                  <a:schemeClr val="tx1">
+                    <a:lumMod val="65000"/>
+                    <a:lumOff val="35000"/>
+                  </a:schemeClr>
+                </a:solidFill>
+                <a:latin typeface="강원교육튼튼" panose="02020603020101020101" pitchFamily="18" charset="-127"/>
+                <a:ea typeface="강원교육튼튼" panose="02020603020101020101" pitchFamily="18" charset="-127"/>
+              </a:rPr>
+              <a:t>GIT.</a:t>
+            </a:r>
+            <a:r>
+              <a:rPr kumimoji="1" lang="en-US" altLang="ko-KR" sz="2000" dirty="0">
+                <a:solidFill>
+                  <a:schemeClr val="tx1">
+                    <a:lumMod val="65000"/>
+                    <a:lumOff val="35000"/>
+                  </a:schemeClr>
+                </a:solidFill>
+                <a:latin typeface="GangwonEduPower ExtraBold" panose="02020603020101020101" pitchFamily="18" charset="-127"/>
+                <a:ea typeface="GangwonEduPower ExtraBold" panose="02020603020101020101" pitchFamily="18" charset="-127"/>
+              </a:rPr>
+              <a:t> </a:t>
+            </a:r>
+            <a:r>
+              <a:rPr kumimoji="1" lang="ko-KR" altLang="en-US" sz="1500" dirty="0" err="1">
+                <a:latin typeface="IBM Plex Sans KR Thin" panose="020B0203050203000203" pitchFamily="34" charset="-127"/>
+                <a:ea typeface="IBM Plex Sans KR Thin" panose="020B0203050203000203" pitchFamily="34" charset="-127"/>
+              </a:rPr>
+              <a:t>깃허브</a:t>
+            </a:r>
+            <a:r>
+              <a:rPr kumimoji="1" lang="ko-KR" altLang="en-US" sz="1500" dirty="0">
+                <a:latin typeface="IBM Plex Sans KR Thin" panose="020B0203050203000203" pitchFamily="34" charset="-127"/>
+                <a:ea typeface="IBM Plex Sans KR Thin" panose="020B0203050203000203" pitchFamily="34" charset="-127"/>
+              </a:rPr>
+              <a:t> 주소</a:t>
+            </a:r>
+            <a:endParaRPr kumimoji="1" lang="ko-KR" altLang="en-US" sz="1500" dirty="0">
+              <a:solidFill>
+                <a:schemeClr val="tx1">
+                  <a:lumMod val="65000"/>
+                  <a:lumOff val="35000"/>
+                </a:schemeClr>
+              </a:solidFill>
+              <a:latin typeface="IBM Plex Sans KR Thin" panose="020B0203050203000203" pitchFamily="34" charset="-127"/>
+              <a:ea typeface="IBM Plex Sans KR Thin" panose="020B0203050203000203" pitchFamily="34" charset="-127"/>
+            </a:endParaRPr>
+          </a:p>
+        </p:txBody>
+      </p:sp>
+      <p:sp>
+        <p:nvSpPr>
+          <p:cNvPr id="9" name="직사각형 8">
+            <a:extLst>
+              <a:ext uri="{FF2B5EF4-FFF2-40B4-BE49-F238E27FC236}">
+                <a16:creationId xmlns:a16="http://schemas.microsoft.com/office/drawing/2014/main" xmlns="" id="{71FC172E-010D-E84F-9E5A-2C65223C3954}"/>
+              </a:ext>
+            </a:extLst>
+          </p:cNvPr>
+          <p:cNvSpPr/>
+          <p:nvPr/>
+        </p:nvSpPr>
+        <p:spPr>
+          <a:xfrm>
+            <a:off x="-422031" y="0"/>
+            <a:ext cx="410308" cy="6858000"/>
+          </a:xfrm>
+          <a:prstGeom prst="rect">
+            <a:avLst/>
+          </a:prstGeom>
+          <a:solidFill>
+            <a:schemeClr val="tx1"/>
+          </a:solidFill>
+          <a:ln>
+            <a:noFill/>
+          </a:ln>
+        </p:spPr>
+        <p:style>
+          <a:lnRef idx="2">
+            <a:schemeClr val="accent1">
+              <a:shade val="50000"/>
+            </a:schemeClr>
+          </a:lnRef>
+          <a:fillRef idx="1">
+            <a:schemeClr val="accent1"/>
+          </a:fillRef>
+          <a:effectRef idx="0">
+            <a:schemeClr val="accent1"/>
+          </a:effectRef>
+          <a:fontRef idx="minor">
+            <a:schemeClr val="lt1"/>
+          </a:fontRef>
+        </p:style>
+        <p:txBody>
+          <a:bodyPr rot="0" spcFirstLastPara="0" vertOverflow="overflow" horzOverflow="overflow" vert="horz" wrap="square" lIns="91440" tIns="45720" rIns="91440" bIns="45720" numCol="1" spcCol="0" rtlCol="0" fromWordArt="0" anchor="ctr" anchorCtr="0" forceAA="0" compatLnSpc="1">
+            <a:prstTxWarp prst="textNoShape">
+              <a:avLst/>
+            </a:prstTxWarp>
+            <a:noAutofit/>
+          </a:bodyPr>
+          <a:lstStyle/>
+          <a:p>
+            <a:pPr algn="ctr"/>
+            <a:endParaRPr kumimoji="1" lang="ko-KR" altLang="en-US"/>
+          </a:p>
+        </p:txBody>
+      </p:sp>
+    </p:spTree>
+    <p:extLst>
+      <p:ext uri="{BB962C8B-B14F-4D97-AF65-F5344CB8AC3E}">
+        <p14:creationId xmlns:p14="http://schemas.microsoft.com/office/powerpoint/2010/main" val="680694184"/>
+      </p:ext>
+    </p:extLst>
+  </p:cSld>
+  <p:clrMapOvr>
+    <a:masterClrMapping/>
+  </p:clrMapOvr>
+  <p:timing>
+    <p:tnLst>
+      <p:par>
+        <p:cTn id="1" dur="indefinite" restart="never" nodeType="tmRoot"/>
+      </p:par>
+    </p:tnLst>
+  </p:timing>
+</p:sld>
+</file>
+
+<file path=ppt/slides/slide11.xml><?xml version="1.0" encoding="utf-8"?>
+<p:sld xmlns:a="http://schemas.openxmlformats.org/drawingml/2006/main" xmlns:r="http://schemas.openxmlformats.org/officeDocument/2006/relationships" xmlns:p="http://schemas.openxmlformats.org/presentationml/2006/main">
+  <p:cSld>
+    <p:spTree>
+      <p:nvGrpSpPr>
+        <p:cNvPr id="1" name=""/>
+        <p:cNvGrpSpPr/>
+        <p:nvPr/>
+      </p:nvGrpSpPr>
+      <p:grpSpPr>
+        <a:xfrm>
+          <a:off x="0" y="0"/>
+          <a:ext cx="0" cy="0"/>
+          <a:chOff x="0" y="0"/>
+          <a:chExt cx="0" cy="0"/>
+        </a:xfrm>
+      </p:grpSpPr>
+      <p:pic>
+        <p:nvPicPr>
+          <p:cNvPr id="5" name="그림 4">
+            <a:extLst>
+              <a:ext uri="{FF2B5EF4-FFF2-40B4-BE49-F238E27FC236}">
+                <a16:creationId xmlns:a16="http://schemas.microsoft.com/office/drawing/2014/main" xmlns="" id="{3DF62AEB-8EE3-2447-B14C-007BA80FE99A}"/>
+              </a:ext>
+            </a:extLst>
+          </p:cNvPr>
+          <p:cNvPicPr>
+            <a:picLocks noChangeAspect="1"/>
+          </p:cNvPicPr>
+          <p:nvPr/>
+        </p:nvPicPr>
+        <p:blipFill>
+          <a:blip r:embed="rId2"/>
+          <a:stretch>
+            <a:fillRect/>
+          </a:stretch>
+        </p:blipFill>
+        <p:spPr>
+          <a:xfrm>
+            <a:off x="177027" y="0"/>
+            <a:ext cx="1790700" cy="1092200"/>
+          </a:xfrm>
+          <a:prstGeom prst="rect">
+            <a:avLst/>
+          </a:prstGeom>
+        </p:spPr>
+      </p:pic>
+      <p:cxnSp>
+        <p:nvCxnSpPr>
+          <p:cNvPr id="6" name="직선 연결선[R] 5">
+            <a:extLst>
+              <a:ext uri="{FF2B5EF4-FFF2-40B4-BE49-F238E27FC236}">
+                <a16:creationId xmlns:a16="http://schemas.microsoft.com/office/drawing/2014/main" xmlns="" id="{B0895DCE-07B1-F147-892C-279B3F3312C7}"/>
+              </a:ext>
+            </a:extLst>
+          </p:cNvPr>
+          <p:cNvCxnSpPr/>
+          <p:nvPr/>
+        </p:nvCxnSpPr>
+        <p:spPr>
+          <a:xfrm>
+            <a:off x="1" y="726831"/>
+            <a:ext cx="9554308" cy="0"/>
+          </a:xfrm>
+          <a:prstGeom prst="line">
+            <a:avLst/>
+          </a:prstGeom>
+          <a:ln>
+            <a:solidFill>
+              <a:srgbClr val="FFC000"/>
+            </a:solidFill>
+          </a:ln>
+        </p:spPr>
+        <p:style>
+          <a:lnRef idx="1">
+            <a:schemeClr val="accent1"/>
+          </a:lnRef>
+          <a:fillRef idx="0">
+            <a:schemeClr val="accent1"/>
+          </a:fillRef>
+          <a:effectRef idx="0">
+            <a:schemeClr val="accent1"/>
+          </a:effectRef>
+          <a:fontRef idx="minor">
+            <a:schemeClr val="tx1"/>
+          </a:fontRef>
+        </p:style>
+      </p:cxnSp>
+      <p:sp>
+        <p:nvSpPr>
+          <p:cNvPr id="11" name="직사각형 10">
+            <a:extLst>
+              <a:ext uri="{FF2B5EF4-FFF2-40B4-BE49-F238E27FC236}">
+                <a16:creationId xmlns:a16="http://schemas.microsoft.com/office/drawing/2014/main" xmlns="" id="{F2D53CA5-7BF7-9F4E-9FE7-7F2065E40291}"/>
+              </a:ext>
+            </a:extLst>
+          </p:cNvPr>
+          <p:cNvSpPr/>
+          <p:nvPr/>
+        </p:nvSpPr>
+        <p:spPr>
+          <a:xfrm>
+            <a:off x="-11723" y="6518032"/>
+            <a:ext cx="12203723" cy="339967"/>
+          </a:xfrm>
+          <a:prstGeom prst="rect">
+            <a:avLst/>
+          </a:prstGeom>
+          <a:solidFill>
+            <a:srgbClr val="DFA701"/>
+          </a:solidFill>
+          <a:ln>
+            <a:noFill/>
+          </a:ln>
+        </p:spPr>
+        <p:style>
+          <a:lnRef idx="2">
+            <a:schemeClr val="accent1">
+              <a:shade val="50000"/>
+            </a:schemeClr>
+          </a:lnRef>
+          <a:fillRef idx="1">
+            <a:schemeClr val="accent1"/>
+          </a:fillRef>
+          <a:effectRef idx="0">
+            <a:schemeClr val="accent1"/>
+          </a:effectRef>
+          <a:fontRef idx="minor">
+            <a:schemeClr val="lt1"/>
+          </a:fontRef>
+        </p:style>
+        <p:txBody>
+          <a:bodyPr rtlCol="0" anchor="ctr"/>
+          <a:lstStyle/>
+          <a:p>
+            <a:pPr algn="ctr"/>
+            <a:endParaRPr kumimoji="1" lang="ko-KR" altLang="en-US"/>
+          </a:p>
+        </p:txBody>
+      </p:sp>
+      <p:sp>
+        <p:nvSpPr>
+          <p:cNvPr id="21" name="모서리가 둥근 직사각형 20">
+            <a:extLst>
+              <a:ext uri="{FF2B5EF4-FFF2-40B4-BE49-F238E27FC236}">
+                <a16:creationId xmlns:a16="http://schemas.microsoft.com/office/drawing/2014/main" xmlns="" id="{0C5A2D63-F6D7-FD4D-9E29-ECC87C45D7A1}"/>
+              </a:ext>
+            </a:extLst>
+          </p:cNvPr>
+          <p:cNvSpPr/>
+          <p:nvPr/>
+        </p:nvSpPr>
+        <p:spPr>
+          <a:xfrm>
+            <a:off x="-281353" y="844062"/>
+            <a:ext cx="9835662" cy="668215"/>
+          </a:xfrm>
+          <a:prstGeom prst="roundRect">
+            <a:avLst/>
+          </a:prstGeom>
+          <a:solidFill>
+            <a:schemeClr val="bg1">
+              <a:lumMod val="85000"/>
+            </a:schemeClr>
+          </a:solidFill>
+          <a:ln>
+            <a:noFill/>
+          </a:ln>
+        </p:spPr>
+        <p:style>
+          <a:lnRef idx="2">
+            <a:schemeClr val="accent1">
+              <a:shade val="50000"/>
+            </a:schemeClr>
+          </a:lnRef>
+          <a:fillRef idx="1">
+            <a:schemeClr val="accent1"/>
+          </a:fillRef>
+          <a:effectRef idx="0">
+            <a:schemeClr val="accent1"/>
+          </a:effectRef>
+          <a:fontRef idx="minor">
+            <a:schemeClr val="lt1"/>
+          </a:fontRef>
+        </p:style>
+        <p:txBody>
+          <a:bodyPr rot="0" spcFirstLastPara="0" vertOverflow="overflow" horzOverflow="overflow" vert="horz" wrap="square" lIns="91440" tIns="45720" rIns="91440" bIns="45720" numCol="1" spcCol="0" rtlCol="0" fromWordArt="0" anchor="ctr" anchorCtr="0" forceAA="0" compatLnSpc="1">
+            <a:prstTxWarp prst="textNoShape">
+              <a:avLst/>
+            </a:prstTxWarp>
+            <a:noAutofit/>
+          </a:bodyPr>
+          <a:lstStyle/>
+          <a:p>
+            <a:pPr algn="ctr"/>
+            <a:endParaRPr kumimoji="1" lang="ko-KR" altLang="en-US" dirty="0">
+              <a:solidFill>
+                <a:schemeClr val="bg1">
+                  <a:lumMod val="50000"/>
+                </a:schemeClr>
+              </a:solidFill>
+            </a:endParaRPr>
+          </a:p>
+        </p:txBody>
+      </p:sp>
+      <p:sp>
+        <p:nvSpPr>
+          <p:cNvPr id="22" name="TextBox 21">
+            <a:extLst>
+              <a:ext uri="{FF2B5EF4-FFF2-40B4-BE49-F238E27FC236}">
+                <a16:creationId xmlns:a16="http://schemas.microsoft.com/office/drawing/2014/main" xmlns="" id="{42DD3540-0883-984E-97D9-58F862DD8F18}"/>
+              </a:ext>
+            </a:extLst>
+          </p:cNvPr>
+          <p:cNvSpPr txBox="1"/>
+          <p:nvPr/>
+        </p:nvSpPr>
+        <p:spPr>
+          <a:xfrm>
+            <a:off x="266706" y="978115"/>
+            <a:ext cx="1625766" cy="400110"/>
+          </a:xfrm>
+          <a:prstGeom prst="rect">
+            <a:avLst/>
+          </a:prstGeom>
+          <a:noFill/>
+        </p:spPr>
+        <p:txBody>
+          <a:bodyPr wrap="none" rtlCol="0">
+            <a:spAutoFit/>
+          </a:bodyPr>
+          <a:lstStyle/>
+          <a:p>
+            <a:r>
+              <a:rPr kumimoji="1" lang="en-US" altLang="ko-KR" sz="2000" dirty="0">
+                <a:solidFill>
+                  <a:schemeClr val="tx1">
+                    <a:lumMod val="65000"/>
+                    <a:lumOff val="35000"/>
+                  </a:schemeClr>
+                </a:solidFill>
+                <a:latin typeface="강원교육튼튼" panose="02020603020101020101" pitchFamily="18" charset="-127"/>
+                <a:ea typeface="강원교육튼튼" panose="02020603020101020101" pitchFamily="18" charset="-127"/>
+              </a:rPr>
+              <a:t>Q&amp;A.</a:t>
+            </a:r>
+            <a:r>
+              <a:rPr kumimoji="1" lang="en-US" altLang="ko-KR" sz="2000" dirty="0">
+                <a:solidFill>
+                  <a:schemeClr val="tx1">
+                    <a:lumMod val="65000"/>
+                    <a:lumOff val="35000"/>
+                  </a:schemeClr>
+                </a:solidFill>
+                <a:latin typeface="GangwonEduPower ExtraBold" panose="02020603020101020101" pitchFamily="18" charset="-127"/>
+                <a:ea typeface="GangwonEduPower ExtraBold" panose="02020603020101020101" pitchFamily="18" charset="-127"/>
+              </a:rPr>
+              <a:t> </a:t>
+            </a:r>
+            <a:r>
+              <a:rPr kumimoji="1" lang="ko-KR" altLang="en-US" sz="1500" dirty="0">
+                <a:latin typeface="IBM Plex Sans KR Thin" panose="020B0203050203000203" pitchFamily="34" charset="-127"/>
+                <a:ea typeface="IBM Plex Sans KR Thin" panose="020B0203050203000203" pitchFamily="34" charset="-127"/>
+              </a:rPr>
+              <a:t>질의 응답</a:t>
+            </a:r>
+            <a:endParaRPr kumimoji="1" lang="ko-KR" altLang="en-US" sz="1500" dirty="0">
+              <a:solidFill>
+                <a:schemeClr val="tx1">
+                  <a:lumMod val="65000"/>
+                  <a:lumOff val="35000"/>
+                </a:schemeClr>
+              </a:solidFill>
+              <a:latin typeface="IBM Plex Sans KR Thin" panose="020B0203050203000203" pitchFamily="34" charset="-127"/>
+              <a:ea typeface="IBM Plex Sans KR Thin" panose="020B0203050203000203" pitchFamily="34" charset="-127"/>
+            </a:endParaRPr>
+          </a:p>
+        </p:txBody>
+      </p:sp>
+      <p:sp>
+        <p:nvSpPr>
+          <p:cNvPr id="9" name="직사각형 8">
+            <a:extLst>
+              <a:ext uri="{FF2B5EF4-FFF2-40B4-BE49-F238E27FC236}">
+                <a16:creationId xmlns:a16="http://schemas.microsoft.com/office/drawing/2014/main" xmlns="" id="{71FC172E-010D-E84F-9E5A-2C65223C3954}"/>
+              </a:ext>
+            </a:extLst>
+          </p:cNvPr>
+          <p:cNvSpPr/>
+          <p:nvPr/>
+        </p:nvSpPr>
+        <p:spPr>
+          <a:xfrm>
+            <a:off x="-422031" y="0"/>
+            <a:ext cx="410308" cy="6858000"/>
+          </a:xfrm>
+          <a:prstGeom prst="rect">
+            <a:avLst/>
+          </a:prstGeom>
+          <a:solidFill>
+            <a:schemeClr val="tx1"/>
+          </a:solidFill>
+          <a:ln>
+            <a:noFill/>
+          </a:ln>
+        </p:spPr>
+        <p:style>
+          <a:lnRef idx="2">
+            <a:schemeClr val="accent1">
+              <a:shade val="50000"/>
+            </a:schemeClr>
+          </a:lnRef>
+          <a:fillRef idx="1">
+            <a:schemeClr val="accent1"/>
+          </a:fillRef>
+          <a:effectRef idx="0">
+            <a:schemeClr val="accent1"/>
+          </a:effectRef>
+          <a:fontRef idx="minor">
+            <a:schemeClr val="lt1"/>
+          </a:fontRef>
+        </p:style>
+        <p:txBody>
+          <a:bodyPr rot="0" spcFirstLastPara="0" vertOverflow="overflow" horzOverflow="overflow" vert="horz" wrap="square" lIns="91440" tIns="45720" rIns="91440" bIns="45720" numCol="1" spcCol="0" rtlCol="0" fromWordArt="0" anchor="ctr" anchorCtr="0" forceAA="0" compatLnSpc="1">
+            <a:prstTxWarp prst="textNoShape">
+              <a:avLst/>
+            </a:prstTxWarp>
+            <a:noAutofit/>
+          </a:bodyPr>
+          <a:lstStyle/>
+          <a:p>
+            <a:pPr algn="ctr"/>
+            <a:endParaRPr kumimoji="1" lang="ko-KR" altLang="en-US"/>
+          </a:p>
+        </p:txBody>
+      </p:sp>
+    </p:spTree>
+    <p:extLst>
+      <p:ext uri="{BB962C8B-B14F-4D97-AF65-F5344CB8AC3E}">
+        <p14:creationId xmlns:p14="http://schemas.microsoft.com/office/powerpoint/2010/main" val="1750670071"/>
+      </p:ext>
+    </p:extLst>
+  </p:cSld>
+  <p:clrMapOvr>
+    <a:masterClrMapping/>
+  </p:clrMapOvr>
+  <p:timing>
+    <p:tnLst>
+      <p:par>
+        <p:cTn id="1" dur="indefinite" restart="never" nodeType="tmRoot"/>
+      </p:par>
+    </p:tnLst>
+  </p:timing>
+</p:sld>
+</file>
+
+<file path=ppt/slides/slide12.xml><?xml version="1.0" encoding="utf-8"?>
+<p:sld xmlns:a="http://schemas.openxmlformats.org/drawingml/2006/main" xmlns:r="http://schemas.openxmlformats.org/officeDocument/2006/relationships" xmlns:p="http://schemas.openxmlformats.org/presentationml/2006/main">
+  <p:cSld>
+    <p:spTree>
+      <p:nvGrpSpPr>
+        <p:cNvPr id="1" name=""/>
+        <p:cNvGrpSpPr/>
+        <p:nvPr/>
+      </p:nvGrpSpPr>
+      <p:grpSpPr>
+        <a:xfrm>
+          <a:off x="0" y="0"/>
+          <a:ext cx="0" cy="0"/>
+          <a:chOff x="0" y="0"/>
+          <a:chExt cx="0" cy="0"/>
+        </a:xfrm>
+      </p:grpSpPr>
+      <p:pic>
+        <p:nvPicPr>
+          <p:cNvPr id="5" name="그림 4">
+            <a:extLst>
+              <a:ext uri="{FF2B5EF4-FFF2-40B4-BE49-F238E27FC236}">
+                <a16:creationId xmlns:a16="http://schemas.microsoft.com/office/drawing/2014/main" xmlns="" id="{2A96F417-2B68-9D4C-8EAB-265BD5A5C1C1}"/>
+              </a:ext>
+            </a:extLst>
+          </p:cNvPr>
+          <p:cNvPicPr>
+            <a:picLocks noChangeAspect="1"/>
+          </p:cNvPicPr>
+          <p:nvPr/>
+        </p:nvPicPr>
+        <p:blipFill>
+          <a:blip r:embed="rId2"/>
+          <a:stretch>
+            <a:fillRect/>
+          </a:stretch>
+        </p:blipFill>
+        <p:spPr>
+          <a:xfrm>
+            <a:off x="2032000" y="546100"/>
+            <a:ext cx="8128000" cy="5765800"/>
+          </a:xfrm>
+          <a:prstGeom prst="rect">
+            <a:avLst/>
+          </a:prstGeom>
+        </p:spPr>
+      </p:pic>
+      <p:pic>
+        <p:nvPicPr>
+          <p:cNvPr id="3" name="그림 2">
+            <a:extLst>
+              <a:ext uri="{FF2B5EF4-FFF2-40B4-BE49-F238E27FC236}">
+                <a16:creationId xmlns:a16="http://schemas.microsoft.com/office/drawing/2014/main" xmlns="" id="{E76E7D40-E3A8-EE45-BD66-0ECB43296233}"/>
+              </a:ext>
+            </a:extLst>
+          </p:cNvPr>
+          <p:cNvPicPr>
+            <a:picLocks noChangeAspect="1"/>
+          </p:cNvPicPr>
+          <p:nvPr/>
+        </p:nvPicPr>
+        <p:blipFill>
+          <a:blip r:embed="rId3"/>
+          <a:stretch>
+            <a:fillRect/>
+          </a:stretch>
+        </p:blipFill>
+        <p:spPr>
+          <a:xfrm>
+            <a:off x="914400" y="2330450"/>
+            <a:ext cx="10363200" cy="2197100"/>
+          </a:xfrm>
+          <a:prstGeom prst="rect">
+            <a:avLst/>
+          </a:prstGeom>
+        </p:spPr>
+      </p:pic>
+    </p:spTree>
+    <p:extLst>
+      <p:ext uri="{BB962C8B-B14F-4D97-AF65-F5344CB8AC3E}">
+        <p14:creationId xmlns:p14="http://schemas.microsoft.com/office/powerpoint/2010/main" val="3904683102"/>
+      </p:ext>
+    </p:extLst>
+  </p:cSld>
+  <p:clrMapOvr>
+    <a:masterClrMapping/>
+  </p:clrMapOvr>
+  <p:timing>
+    <p:tnLst>
+      <p:par>
+        <p:cTn id="1" dur="indefinite" restart="never" nodeType="tmRoot"/>
+      </p:par>
+    </p:tnLst>
+  </p:timing>
 </p:sld>
 </file>
 
@@ -4254,7 +5080,7 @@
           <p:cNvPr id="5" name="그림 4">
             <a:extLst>
               <a:ext uri="{FF2B5EF4-FFF2-40B4-BE49-F238E27FC236}">
-                <a16:creationId xmlns:a16="http://schemas.microsoft.com/office/drawing/2014/main" id="{3DF62AEB-8EE3-2447-B14C-007BA80FE99A}"/>
+                <a16:creationId xmlns:a16="http://schemas.microsoft.com/office/drawing/2014/main" xmlns="" id="{3DF62AEB-8EE3-2447-B14C-007BA80FE99A}"/>
               </a:ext>
             </a:extLst>
           </p:cNvPr>
@@ -4284,7 +5110,7 @@
           <p:cNvPr id="6" name="직선 연결선[R] 5">
             <a:extLst>
               <a:ext uri="{FF2B5EF4-FFF2-40B4-BE49-F238E27FC236}">
-                <a16:creationId xmlns:a16="http://schemas.microsoft.com/office/drawing/2014/main" id="{B0895DCE-07B1-F147-892C-279B3F3312C7}"/>
+                <a16:creationId xmlns:a16="http://schemas.microsoft.com/office/drawing/2014/main" xmlns="" id="{B0895DCE-07B1-F147-892C-279B3F3312C7}"/>
               </a:ext>
             </a:extLst>
           </p:cNvPr>
@@ -4325,7 +5151,7 @@
           <p:cNvPr id="7" name="모서리가 둥근 직사각형 6">
             <a:extLst>
               <a:ext uri="{FF2B5EF4-FFF2-40B4-BE49-F238E27FC236}">
-                <a16:creationId xmlns:a16="http://schemas.microsoft.com/office/drawing/2014/main" id="{2201D698-D710-CD43-8BBA-0DB1C607D487}"/>
+                <a16:creationId xmlns:a16="http://schemas.microsoft.com/office/drawing/2014/main" xmlns="" id="{2201D698-D710-CD43-8BBA-0DB1C607D487}"/>
               </a:ext>
             </a:extLst>
           </p:cNvPr>
@@ -4390,7 +5216,7 @@
           <p:cNvPr id="8" name="TextBox 7">
             <a:extLst>
               <a:ext uri="{FF2B5EF4-FFF2-40B4-BE49-F238E27FC236}">
-                <a16:creationId xmlns:a16="http://schemas.microsoft.com/office/drawing/2014/main" id="{6F64B61F-5CF3-E647-A724-8D6695DF2BF1}"/>
+                <a16:creationId xmlns:a16="http://schemas.microsoft.com/office/drawing/2014/main" xmlns="" id="{6F64B61F-5CF3-E647-A724-8D6695DF2BF1}"/>
               </a:ext>
             </a:extLst>
           </p:cNvPr>
@@ -4421,8 +5247,8 @@
                     <a:lumOff val="35000"/>
                   </a:schemeClr>
                 </a:solidFill>
-                <a:latin typeface="GangwonEduPower ExtraBold" panose="02020603020101020101" pitchFamily="18" charset="-127"/>
-                <a:ea typeface="GangwonEduPower ExtraBold" panose="02020603020101020101" pitchFamily="18" charset="-127"/>
+                <a:latin typeface="강원교육튼튼" panose="02020603020101020101" pitchFamily="18" charset="-127"/>
+                <a:ea typeface="강원교육튼튼" panose="02020603020101020101" pitchFamily="18" charset="-127"/>
               </a:rPr>
               <a:t>INDEX.</a:t>
             </a:r>
@@ -4433,8 +5259,8 @@
                   <a:lumOff val="35000"/>
                 </a:schemeClr>
               </a:solidFill>
-              <a:latin typeface="GangwonEduPower ExtraBold" panose="02020603020101020101" pitchFamily="18" charset="-127"/>
-              <a:ea typeface="GangwonEduPower ExtraBold" panose="02020603020101020101" pitchFamily="18" charset="-127"/>
+              <a:latin typeface="강원교육튼튼" panose="02020603020101020101" pitchFamily="18" charset="-127"/>
+              <a:ea typeface="강원교육튼튼" panose="02020603020101020101" pitchFamily="18" charset="-127"/>
             </a:endParaRPr>
           </a:p>
         </p:txBody>
@@ -4444,7 +5270,7 @@
           <p:cNvPr id="10" name="모서리가 둥근 직사각형 9">
             <a:extLst>
               <a:ext uri="{FF2B5EF4-FFF2-40B4-BE49-F238E27FC236}">
-                <a16:creationId xmlns:a16="http://schemas.microsoft.com/office/drawing/2014/main" id="{B1EBA52D-BB46-F64C-9A00-77BD541CFAD9}"/>
+                <a16:creationId xmlns:a16="http://schemas.microsoft.com/office/drawing/2014/main" xmlns="" id="{B1EBA52D-BB46-F64C-9A00-77BD541CFAD9}"/>
               </a:ext>
             </a:extLst>
           </p:cNvPr>
@@ -4503,7 +5329,7 @@
           <p:cNvPr id="9" name="직사각형 8">
             <a:extLst>
               <a:ext uri="{FF2B5EF4-FFF2-40B4-BE49-F238E27FC236}">
-                <a16:creationId xmlns:a16="http://schemas.microsoft.com/office/drawing/2014/main" id="{71FC172E-010D-E84F-9E5A-2C65223C3954}"/>
+                <a16:creationId xmlns:a16="http://schemas.microsoft.com/office/drawing/2014/main" xmlns="" id="{71FC172E-010D-E84F-9E5A-2C65223C3954}"/>
               </a:ext>
             </a:extLst>
           </p:cNvPr>
@@ -4560,7 +5386,7 @@
           <p:cNvPr id="11" name="직사각형 10">
             <a:extLst>
               <a:ext uri="{FF2B5EF4-FFF2-40B4-BE49-F238E27FC236}">
-                <a16:creationId xmlns:a16="http://schemas.microsoft.com/office/drawing/2014/main" id="{F2D53CA5-7BF7-9F4E-9FE7-7F2065E40291}"/>
+                <a16:creationId xmlns:a16="http://schemas.microsoft.com/office/drawing/2014/main" xmlns="" id="{F2D53CA5-7BF7-9F4E-9FE7-7F2065E40291}"/>
               </a:ext>
             </a:extLst>
           </p:cNvPr>
@@ -4612,7 +5438,7 @@
           <p:cNvPr id="12" name="TextBox 11">
             <a:extLst>
               <a:ext uri="{FF2B5EF4-FFF2-40B4-BE49-F238E27FC236}">
-                <a16:creationId xmlns:a16="http://schemas.microsoft.com/office/drawing/2014/main" id="{EF4E56DA-59BF-AC4A-A8BE-A86191BE6269}"/>
+                <a16:creationId xmlns:a16="http://schemas.microsoft.com/office/drawing/2014/main" xmlns="" id="{EF4E56DA-59BF-AC4A-A8BE-A86191BE6269}"/>
               </a:ext>
             </a:extLst>
           </p:cNvPr>
@@ -4635,6 +5461,32 @@
           </a:bodyPr>
           <a:lstStyle/>
           <a:p>
+            <a:r>
+              <a:rPr kumimoji="1" lang="en-US" altLang="ko-KR" sz="2400" b="1" dirty="0">
+                <a:solidFill>
+                  <a:schemeClr val="tx1">
+                    <a:lumMod val="50000"/>
+                    <a:lumOff val="50000"/>
+                  </a:schemeClr>
+                </a:solidFill>
+                <a:latin typeface="강원교육튼튼" panose="02020603020101020101" pitchFamily="18" charset="-127"/>
+                <a:ea typeface="강원교육튼튼" panose="02020603020101020101" pitchFamily="18" charset="-127"/>
+              </a:rPr>
+              <a:t>INTRO.</a:t>
+            </a:r>
+            <a:r>
+              <a:rPr kumimoji="1" lang="ko-KR" altLang="en-US" sz="2400" b="1" dirty="0">
+                <a:solidFill>
+                  <a:schemeClr val="tx1">
+                    <a:lumMod val="50000"/>
+                    <a:lumOff val="50000"/>
+                  </a:schemeClr>
+                </a:solidFill>
+                <a:latin typeface="강원교육튼튼" panose="02020603020101020101" pitchFamily="18" charset="-127"/>
+                <a:ea typeface="강원교육튼튼" panose="02020603020101020101" pitchFamily="18" charset="-127"/>
+              </a:rPr>
+              <a:t> </a:t>
+            </a:r>
             <a:r>
               <a:rPr kumimoji="1" lang="en-US" altLang="ko-KR" sz="2400" b="1" dirty="0">
                 <a:solidFill>
@@ -4646,81 +5498,68 @@
                 <a:latin typeface="GangwonEduPower ExtraBold" panose="02020603020101020101" pitchFamily="18" charset="-127"/>
                 <a:ea typeface="GangwonEduPower ExtraBold" panose="02020603020101020101" pitchFamily="18" charset="-127"/>
               </a:rPr>
-              <a:t>INTRO.</a:t>
-            </a:r>
-            <a:r>
-              <a:rPr kumimoji="1" lang="ko-KR" altLang="en-US" sz="2400" b="1" dirty="0">
+              <a:t>	</a:t>
+            </a:r>
+            <a:r>
+              <a:rPr kumimoji="1" lang="ko-KR" altLang="en-US" sz="1600" dirty="0">
+                <a:latin typeface="IBM Plex Sans KR Thin" panose="020B0203050203000203" pitchFamily="50" charset="-127"/>
+                <a:ea typeface="IBM Plex Sans KR Thin" panose="020B0203050203000203" pitchFamily="50" charset="-127"/>
+              </a:rPr>
+              <a:t>팀원 소개 </a:t>
+            </a:r>
+            <a:r>
+              <a:rPr kumimoji="1" lang="en-US" altLang="ko-KR" sz="1600" dirty="0">
+                <a:latin typeface="IBM Plex Sans KR Thin" panose="020B0203050203000203" pitchFamily="50" charset="-127"/>
+                <a:ea typeface="IBM Plex Sans KR Thin" panose="020B0203050203000203" pitchFamily="50" charset="-127"/>
+              </a:rPr>
+              <a:t>&amp;</a:t>
+            </a:r>
+            <a:r>
+              <a:rPr kumimoji="1" lang="ko-KR" altLang="en-US" sz="1600" dirty="0">
+                <a:latin typeface="IBM Plex Sans KR Thin" panose="020B0203050203000203" pitchFamily="50" charset="-127"/>
+                <a:ea typeface="IBM Plex Sans KR Thin" panose="020B0203050203000203" pitchFamily="50" charset="-127"/>
+              </a:rPr>
+              <a:t> 역할 분담</a:t>
+            </a:r>
+            <a:r>
+              <a:rPr kumimoji="1" lang="en-US" altLang="ko-KR" sz="1600" dirty="0">
+                <a:latin typeface="IBM Plex Sans KR Thin" panose="020B0203050203000203" pitchFamily="50" charset="-127"/>
+                <a:ea typeface="IBM Plex Sans KR Thin" panose="020B0203050203000203" pitchFamily="50" charset="-127"/>
+              </a:rPr>
+              <a:t>,</a:t>
+            </a:r>
+            <a:r>
+              <a:rPr kumimoji="1" lang="ko-KR" altLang="en-US" sz="1600" dirty="0">
+                <a:latin typeface="IBM Plex Sans KR Thin" panose="020B0203050203000203" pitchFamily="50" charset="-127"/>
+                <a:ea typeface="IBM Plex Sans KR Thin" panose="020B0203050203000203" pitchFamily="50" charset="-127"/>
+              </a:rPr>
+              <a:t> 사이트 개요 및 주제 선정의 이유</a:t>
+            </a:r>
+            <a:endParaRPr kumimoji="1" lang="en-US" altLang="ko-KR" sz="2400" dirty="0">
+              <a:latin typeface="IBM Plex Sans KR Thin" panose="020B0203050203000203" pitchFamily="50" charset="-127"/>
+              <a:ea typeface="IBM Plex Sans KR Thin" panose="020B0203050203000203" pitchFamily="50" charset="-127"/>
+            </a:endParaRPr>
+          </a:p>
+          <a:p>
+            <a:endParaRPr kumimoji="1" lang="en-US" altLang="ko-KR" sz="1000" dirty="0">
+              <a:latin typeface="Apple SD Gothic Neo Medium" panose="02000300000000000000" pitchFamily="2" charset="-127"/>
+              <a:ea typeface="Apple SD Gothic Neo Medium" panose="02000300000000000000" pitchFamily="2" charset="-127"/>
+            </a:endParaRPr>
+          </a:p>
+          <a:p>
+            <a:r>
+              <a:rPr kumimoji="1" lang="en-US" altLang="ko-KR" sz="2400" dirty="0">
                 <a:solidFill>
                   <a:schemeClr val="tx1">
                     <a:lumMod val="50000"/>
                     <a:lumOff val="50000"/>
                   </a:schemeClr>
                 </a:solidFill>
-                <a:latin typeface="GangwonEduPower ExtraBold" panose="02020603020101020101" pitchFamily="18" charset="-127"/>
-                <a:ea typeface="GangwonEduPower ExtraBold" panose="02020603020101020101" pitchFamily="18" charset="-127"/>
-              </a:rPr>
-              <a:t> </a:t>
-            </a:r>
-            <a:r>
-              <a:rPr kumimoji="1" lang="en-US" altLang="ko-KR" sz="2400" b="1" dirty="0">
-                <a:solidFill>
-                  <a:schemeClr val="tx1">
-                    <a:lumMod val="50000"/>
-                    <a:lumOff val="50000"/>
-                  </a:schemeClr>
-                </a:solidFill>
-                <a:latin typeface="GangwonEduPower ExtraBold" panose="02020603020101020101" pitchFamily="18" charset="-127"/>
-                <a:ea typeface="GangwonEduPower ExtraBold" panose="02020603020101020101" pitchFamily="18" charset="-127"/>
-              </a:rPr>
-              <a:t>	</a:t>
-            </a:r>
-            <a:r>
-              <a:rPr kumimoji="1" lang="ko-KR" altLang="en-US" sz="1600" dirty="0">
-                <a:latin typeface="IBM Plex Sans KR Thin" panose="020B0203050203000203" pitchFamily="34" charset="-127"/>
-                <a:ea typeface="IBM Plex Sans KR Thin" panose="020B0203050203000203" pitchFamily="34" charset="-127"/>
-              </a:rPr>
-              <a:t>팀원 소개 </a:t>
-            </a:r>
-            <a:r>
-              <a:rPr kumimoji="1" lang="en-US" altLang="ko-KR" sz="1600" dirty="0">
-                <a:latin typeface="IBM Plex Sans KR Thin" panose="020B0203050203000203" pitchFamily="34" charset="-127"/>
-                <a:ea typeface="IBM Plex Sans KR Thin" panose="020B0203050203000203" pitchFamily="34" charset="-127"/>
-              </a:rPr>
-              <a:t>&amp;</a:t>
-            </a:r>
-            <a:r>
-              <a:rPr kumimoji="1" lang="ko-KR" altLang="en-US" sz="1600" dirty="0">
-                <a:latin typeface="IBM Plex Sans KR Thin" panose="020B0203050203000203" pitchFamily="34" charset="-127"/>
-                <a:ea typeface="IBM Plex Sans KR Thin" panose="020B0203050203000203" pitchFamily="34" charset="-127"/>
-              </a:rPr>
-              <a:t> 역할 분담</a:t>
-            </a:r>
-            <a:r>
-              <a:rPr kumimoji="1" lang="en-US" altLang="ko-KR" sz="1600" dirty="0">
-                <a:latin typeface="IBM Plex Sans KR Thin" panose="020B0203050203000203" pitchFamily="34" charset="-127"/>
-                <a:ea typeface="IBM Plex Sans KR Thin" panose="020B0203050203000203" pitchFamily="34" charset="-127"/>
-              </a:rPr>
-              <a:t>,</a:t>
-            </a:r>
-            <a:r>
-              <a:rPr kumimoji="1" lang="ko-KR" altLang="en-US" sz="1600" dirty="0">
-                <a:latin typeface="IBM Plex Sans KR Thin" panose="020B0203050203000203" pitchFamily="34" charset="-127"/>
-                <a:ea typeface="IBM Plex Sans KR Thin" panose="020B0203050203000203" pitchFamily="34" charset="-127"/>
-              </a:rPr>
-              <a:t> 사이트 개요 및 주제 선정의 이유</a:t>
-            </a:r>
-            <a:endParaRPr kumimoji="1" lang="en-US" altLang="ko-KR" sz="2400" dirty="0">
-              <a:latin typeface="IBM Plex Sans KR Thin" panose="020B0203050203000203" pitchFamily="34" charset="-127"/>
-              <a:ea typeface="IBM Plex Sans KR Thin" panose="020B0203050203000203" pitchFamily="34" charset="-127"/>
-            </a:endParaRPr>
-          </a:p>
-          <a:p>
-            <a:endParaRPr kumimoji="1" lang="en-US" altLang="ko-KR" sz="1000" dirty="0">
-              <a:latin typeface="Apple SD Gothic Neo Medium" panose="02000300000000000000" pitchFamily="2" charset="-127"/>
-              <a:ea typeface="Apple SD Gothic Neo Medium" panose="02000300000000000000" pitchFamily="2" charset="-127"/>
-            </a:endParaRPr>
-          </a:p>
-          <a:p>
+                <a:latin typeface="강원교육튼튼" panose="02020603020101020101" pitchFamily="18" charset="-127"/>
+                <a:ea typeface="강원교육튼튼" panose="02020603020101020101" pitchFamily="18" charset="-127"/>
+              </a:rPr>
+              <a:t>SKILLS. </a:t>
+            </a:r>
             <a:r>
               <a:rPr kumimoji="1" lang="en-US" altLang="ko-KR" sz="2400" dirty="0">
                 <a:solidFill>
@@ -4732,7 +5571,7 @@
                 <a:latin typeface="GangwonEduPower ExtraBold" panose="02020603020101020101" pitchFamily="18" charset="-127"/>
                 <a:ea typeface="GangwonEduPower ExtraBold" panose="02020603020101020101" pitchFamily="18" charset="-127"/>
               </a:rPr>
-              <a:t>SKILLS. 	</a:t>
+              <a:t>	</a:t>
             </a:r>
             <a:r>
               <a:rPr kumimoji="1" lang="ko-KR" altLang="en-US" sz="1600" dirty="0">
@@ -4798,6 +5637,65 @@
             </a:endParaRPr>
           </a:p>
           <a:p>
+            <a:r>
+              <a:rPr kumimoji="1" lang="en-US" altLang="ko-KR" sz="2400" dirty="0">
+                <a:solidFill>
+                  <a:schemeClr val="tx1">
+                    <a:lumMod val="50000"/>
+                    <a:lumOff val="50000"/>
+                  </a:schemeClr>
+                </a:solidFill>
+                <a:latin typeface="강원교육튼튼" panose="02020603020101020101" pitchFamily="18" charset="-127"/>
+                <a:ea typeface="강원교육튼튼" panose="02020603020101020101" pitchFamily="18" charset="-127"/>
+              </a:rPr>
+              <a:t>ARCHET.</a:t>
+            </a:r>
+            <a:r>
+              <a:rPr kumimoji="1" lang="ko-KR" altLang="en-US" sz="2400" b="1" dirty="0">
+                <a:latin typeface="Apple SD Gothic Neo Thin" panose="02000300000000000000" pitchFamily="2" charset="-127"/>
+                <a:ea typeface="Apple SD Gothic Neo Thin" panose="02000300000000000000" pitchFamily="2" charset="-127"/>
+              </a:rPr>
+              <a:t> </a:t>
+            </a:r>
+            <a:r>
+              <a:rPr kumimoji="1" lang="en-US" altLang="ko-KR" sz="2400" b="1" dirty="0">
+                <a:latin typeface="Apple SD Gothic Neo Thin" panose="02000300000000000000" pitchFamily="2" charset="-127"/>
+                <a:ea typeface="Apple SD Gothic Neo Thin" panose="02000300000000000000" pitchFamily="2" charset="-127"/>
+              </a:rPr>
+              <a:t>	</a:t>
+            </a:r>
+            <a:r>
+              <a:rPr kumimoji="1" lang="ko-KR" altLang="en-US" sz="1600" dirty="0">
+                <a:latin typeface="IBM Plex Sans KR Thin" panose="020B0203050203000203" pitchFamily="34" charset="-127"/>
+                <a:ea typeface="IBM Plex Sans KR Thin" panose="020B0203050203000203" pitchFamily="34" charset="-127"/>
+              </a:rPr>
+              <a:t>테이블 설계 및 구현 기능</a:t>
+            </a:r>
+            <a:endParaRPr kumimoji="1" lang="en-US" altLang="ko-KR" sz="1600" dirty="0">
+              <a:latin typeface="IBM Plex Sans KR Thin" panose="020B0203050203000203" pitchFamily="34" charset="-127"/>
+              <a:ea typeface="IBM Plex Sans KR Thin" panose="020B0203050203000203" pitchFamily="34" charset="-127"/>
+            </a:endParaRPr>
+          </a:p>
+          <a:p>
+            <a:endParaRPr kumimoji="1" lang="en-US" altLang="ko-KR" sz="900" dirty="0">
+              <a:latin typeface="Apple SD Gothic Neo Medium" panose="02000300000000000000" pitchFamily="2" charset="-127"/>
+              <a:ea typeface="Apple SD Gothic Neo Medium" panose="02000300000000000000" pitchFamily="2" charset="-127"/>
+            </a:endParaRPr>
+          </a:p>
+          <a:p>
+            <a:r>
+              <a:rPr kumimoji="1" lang="en-US" altLang="ko-KR" sz="2400" dirty="0">
+                <a:solidFill>
+                  <a:schemeClr val="tx1">
+                    <a:lumMod val="50000"/>
+                    <a:lumOff val="50000"/>
+                  </a:schemeClr>
+                </a:solidFill>
+                <a:latin typeface="강원교육튼튼" panose="02020603020101020101" pitchFamily="18" charset="-127"/>
+                <a:ea typeface="강원교육튼튼" panose="02020603020101020101" pitchFamily="18" charset="-127"/>
+              </a:rPr>
+              <a:t>DEMO.</a:t>
+            </a:r>
             <a:r>
               <a:rPr kumimoji="1" lang="en-US" altLang="ko-KR" sz="2400" dirty="0">
                 <a:solidFill>
@@ -4809,56 +5707,10 @@
                 <a:latin typeface="GangwonEduPower ExtraBold" panose="02020603020101020101" pitchFamily="18" charset="-127"/>
                 <a:ea typeface="GangwonEduPower ExtraBold" panose="02020603020101020101" pitchFamily="18" charset="-127"/>
               </a:rPr>
-              <a:t>ARCHET.</a:t>
-            </a:r>
-            <a:r>
-              <a:rPr kumimoji="1" lang="ko-KR" altLang="en-US" sz="2400" b="1" dirty="0">
-                <a:latin typeface="Apple SD Gothic Neo Thin" panose="02000300000000000000" pitchFamily="2" charset="-127"/>
-                <a:ea typeface="Apple SD Gothic Neo Thin" panose="02000300000000000000" pitchFamily="2" charset="-127"/>
-              </a:rPr>
-              <a:t> </a:t>
-            </a:r>
-            <a:r>
-              <a:rPr kumimoji="1" lang="en-US" altLang="ko-KR" sz="2400" b="1" dirty="0">
-                <a:latin typeface="Apple SD Gothic Neo Thin" panose="02000300000000000000" pitchFamily="2" charset="-127"/>
-                <a:ea typeface="Apple SD Gothic Neo Thin" panose="02000300000000000000" pitchFamily="2" charset="-127"/>
-              </a:rPr>
-              <a:t>	</a:t>
-            </a:r>
-            <a:r>
-              <a:rPr kumimoji="1" lang="ko-KR" altLang="en-US" sz="1600" dirty="0">
-                <a:latin typeface="IBM Plex Sans KR Thin" panose="020B0203050203000203" pitchFamily="34" charset="-127"/>
-                <a:ea typeface="IBM Plex Sans KR Thin" panose="020B0203050203000203" pitchFamily="34" charset="-127"/>
-              </a:rPr>
-              <a:t>테이블 설계 및 구현 기능</a:t>
-            </a:r>
-            <a:endParaRPr kumimoji="1" lang="en-US" altLang="ko-KR" sz="1600" dirty="0">
-              <a:latin typeface="IBM Plex Sans KR Thin" panose="020B0203050203000203" pitchFamily="34" charset="-127"/>
-              <a:ea typeface="IBM Plex Sans KR Thin" panose="020B0203050203000203" pitchFamily="34" charset="-127"/>
-            </a:endParaRPr>
-          </a:p>
-          <a:p>
-            <a:endParaRPr kumimoji="1" lang="en-US" altLang="ko-KR" sz="900" dirty="0">
-              <a:latin typeface="Apple SD Gothic Neo Medium" panose="02000300000000000000" pitchFamily="2" charset="-127"/>
-              <a:ea typeface="Apple SD Gothic Neo Medium" panose="02000300000000000000" pitchFamily="2" charset="-127"/>
-            </a:endParaRPr>
-          </a:p>
-          <a:p>
-            <a:r>
-              <a:rPr kumimoji="1" lang="en-US" altLang="ko-KR" sz="2400" dirty="0">
-                <a:solidFill>
-                  <a:schemeClr val="tx1">
-                    <a:lumMod val="50000"/>
-                    <a:lumOff val="50000"/>
-                  </a:schemeClr>
-                </a:solidFill>
-                <a:latin typeface="GangwonEduPower ExtraBold" panose="02020603020101020101" pitchFamily="18" charset="-127"/>
-                <a:ea typeface="GangwonEduPower ExtraBold" panose="02020603020101020101" pitchFamily="18" charset="-127"/>
-              </a:rPr>
-              <a:t>DEMO. 	</a:t>
-            </a:r>
-            <a:r>
-              <a:rPr kumimoji="1" lang="ko-KR" altLang="en-US" sz="1600" dirty="0">
+              <a:t> 	</a:t>
+            </a:r>
+            <a:r>
+              <a:rPr kumimoji="1" lang="ko-KR" altLang="en-US" sz="1600" dirty="0" smtClean="0">
                 <a:latin typeface="IBM Plex Sans KR Thin" panose="020B0203050203000203" pitchFamily="34" charset="-127"/>
                 <a:ea typeface="IBM Plex Sans KR Thin" panose="020B0203050203000203" pitchFamily="34" charset="-127"/>
               </a:rPr>
@@ -4890,10 +5742,23 @@
                     <a:lumOff val="50000"/>
                   </a:schemeClr>
                 </a:solidFill>
+                <a:latin typeface="강원교육튼튼" panose="02020603020101020101" pitchFamily="18" charset="-127"/>
+                <a:ea typeface="강원교육튼튼" panose="02020603020101020101" pitchFamily="18" charset="-127"/>
+              </a:rPr>
+              <a:t>GIT.</a:t>
+            </a:r>
+            <a:r>
+              <a:rPr kumimoji="1" lang="en-US" altLang="ko-KR" sz="2400" dirty="0">
+                <a:solidFill>
+                  <a:schemeClr val="tx1">
+                    <a:lumMod val="50000"/>
+                    <a:lumOff val="50000"/>
+                  </a:schemeClr>
+                </a:solidFill>
                 <a:latin typeface="GangwonEduPower ExtraBold" panose="02020603020101020101" pitchFamily="18" charset="-127"/>
                 <a:ea typeface="GangwonEduPower ExtraBold" panose="02020603020101020101" pitchFamily="18" charset="-127"/>
               </a:rPr>
-              <a:t>GIT. 		</a:t>
+              <a:t> 		</a:t>
             </a:r>
             <a:r>
               <a:rPr kumimoji="1" lang="ko-KR" altLang="en-US" sz="1600" dirty="0" err="1">
@@ -4941,10 +5806,23 @@
                     <a:lumOff val="50000"/>
                   </a:schemeClr>
                 </a:solidFill>
+                <a:latin typeface="강원교육튼튼" panose="02020603020101020101" pitchFamily="18" charset="-127"/>
+                <a:ea typeface="강원교육튼튼" panose="02020603020101020101" pitchFamily="18" charset="-127"/>
+              </a:rPr>
+              <a:t>Q&amp;A.</a:t>
+            </a:r>
+            <a:r>
+              <a:rPr kumimoji="1" lang="en-US" altLang="ko-KR" sz="2400" dirty="0">
+                <a:solidFill>
+                  <a:schemeClr val="tx1">
+                    <a:lumMod val="50000"/>
+                    <a:lumOff val="50000"/>
+                  </a:schemeClr>
+                </a:solidFill>
                 <a:latin typeface="GangwonEduPower ExtraBold" panose="02020603020101020101" pitchFamily="18" charset="-127"/>
                 <a:ea typeface="GangwonEduPower ExtraBold" panose="02020603020101020101" pitchFamily="18" charset="-127"/>
               </a:rPr>
-              <a:t>Q&amp;A.		</a:t>
+              <a:t>		</a:t>
             </a:r>
             <a:r>
               <a:rPr kumimoji="1" lang="ko-KR" altLang="en-US" sz="1600" dirty="0">
@@ -4965,7 +5843,7 @@
           <p:cNvPr id="13" name="모서리가 둥근 직사각형 12">
             <a:extLst>
               <a:ext uri="{FF2B5EF4-FFF2-40B4-BE49-F238E27FC236}">
-                <a16:creationId xmlns:a16="http://schemas.microsoft.com/office/drawing/2014/main" id="{BCEBA934-C429-F646-B7CD-8E331738E6B7}"/>
+                <a16:creationId xmlns:a16="http://schemas.microsoft.com/office/drawing/2014/main" xmlns="" id="{BCEBA934-C429-F646-B7CD-8E331738E6B7}"/>
               </a:ext>
             </a:extLst>
           </p:cNvPr>
@@ -5021,7 +5899,7 @@
           <p:cNvPr id="14" name="타원 13">
             <a:extLst>
               <a:ext uri="{FF2B5EF4-FFF2-40B4-BE49-F238E27FC236}">
-                <a16:creationId xmlns:a16="http://schemas.microsoft.com/office/drawing/2014/main" id="{C1A1A7A8-EBAF-4C4A-9159-8F07D46711A3}"/>
+                <a16:creationId xmlns:a16="http://schemas.microsoft.com/office/drawing/2014/main" xmlns="" id="{C1A1A7A8-EBAF-4C4A-9159-8F07D46711A3}"/>
               </a:ext>
             </a:extLst>
           </p:cNvPr>
@@ -5080,7 +5958,7 @@
           <p:cNvPr id="16" name="타원 15">
             <a:extLst>
               <a:ext uri="{FF2B5EF4-FFF2-40B4-BE49-F238E27FC236}">
-                <a16:creationId xmlns:a16="http://schemas.microsoft.com/office/drawing/2014/main" id="{37C113B8-06CB-4543-B14D-5BF1EA94FC25}"/>
+                <a16:creationId xmlns:a16="http://schemas.microsoft.com/office/drawing/2014/main" xmlns="" id="{37C113B8-06CB-4543-B14D-5BF1EA94FC25}"/>
               </a:ext>
             </a:extLst>
           </p:cNvPr>
@@ -5139,7 +6017,7 @@
           <p:cNvPr id="17" name="타원 16">
             <a:extLst>
               <a:ext uri="{FF2B5EF4-FFF2-40B4-BE49-F238E27FC236}">
-                <a16:creationId xmlns:a16="http://schemas.microsoft.com/office/drawing/2014/main" id="{DCE98921-4CC5-4649-8262-653E12B90A44}"/>
+                <a16:creationId xmlns:a16="http://schemas.microsoft.com/office/drawing/2014/main" xmlns="" id="{DCE98921-4CC5-4649-8262-653E12B90A44}"/>
               </a:ext>
             </a:extLst>
           </p:cNvPr>
@@ -5198,7 +6076,7 @@
           <p:cNvPr id="18" name="타원 17">
             <a:extLst>
               <a:ext uri="{FF2B5EF4-FFF2-40B4-BE49-F238E27FC236}">
-                <a16:creationId xmlns:a16="http://schemas.microsoft.com/office/drawing/2014/main" id="{7A4C5A3C-9D5D-F54A-9AD7-88F39B9B4C9D}"/>
+                <a16:creationId xmlns:a16="http://schemas.microsoft.com/office/drawing/2014/main" xmlns="" id="{7A4C5A3C-9D5D-F54A-9AD7-88F39B9B4C9D}"/>
               </a:ext>
             </a:extLst>
           </p:cNvPr>
@@ -5257,7 +6135,7 @@
           <p:cNvPr id="19" name="타원 18">
             <a:extLst>
               <a:ext uri="{FF2B5EF4-FFF2-40B4-BE49-F238E27FC236}">
-                <a16:creationId xmlns:a16="http://schemas.microsoft.com/office/drawing/2014/main" id="{A19DC86A-4A8F-AA41-A6CB-685D7A3ECB52}"/>
+                <a16:creationId xmlns:a16="http://schemas.microsoft.com/office/drawing/2014/main" xmlns="" id="{A19DC86A-4A8F-AA41-A6CB-685D7A3ECB52}"/>
               </a:ext>
             </a:extLst>
           </p:cNvPr>
@@ -5316,7 +6194,7 @@
           <p:cNvPr id="20" name="타원 19">
             <a:extLst>
               <a:ext uri="{FF2B5EF4-FFF2-40B4-BE49-F238E27FC236}">
-                <a16:creationId xmlns:a16="http://schemas.microsoft.com/office/drawing/2014/main" id="{AB931130-F88B-2840-8CAD-35BDE23B2AF1}"/>
+                <a16:creationId xmlns:a16="http://schemas.microsoft.com/office/drawing/2014/main" xmlns="" id="{AB931130-F88B-2840-8CAD-35BDE23B2AF1}"/>
               </a:ext>
             </a:extLst>
           </p:cNvPr>
@@ -5380,6 +6258,13 @@
   <p:clrMapOvr>
     <a:masterClrMapping/>
   </p:clrMapOvr>
+  <p:timing>
+    <p:tnLst>
+      <p:par>
+        <p:cTn id="1" dur="indefinite" restart="never" nodeType="tmRoot"/>
+      </p:par>
+    </p:tnLst>
+  </p:timing>
 </p:sld>
 </file>
 
@@ -5405,7 +6290,7 @@
           <p:cNvPr id="5" name="그림 4">
             <a:extLst>
               <a:ext uri="{FF2B5EF4-FFF2-40B4-BE49-F238E27FC236}">
-                <a16:creationId xmlns:a16="http://schemas.microsoft.com/office/drawing/2014/main" id="{3DF62AEB-8EE3-2447-B14C-007BA80FE99A}"/>
+                <a16:creationId xmlns:a16="http://schemas.microsoft.com/office/drawing/2014/main" xmlns="" id="{3DF62AEB-8EE3-2447-B14C-007BA80FE99A}"/>
               </a:ext>
             </a:extLst>
           </p:cNvPr>
@@ -5435,7 +6320,7 @@
           <p:cNvPr id="6" name="직선 연결선[R] 5">
             <a:extLst>
               <a:ext uri="{FF2B5EF4-FFF2-40B4-BE49-F238E27FC236}">
-                <a16:creationId xmlns:a16="http://schemas.microsoft.com/office/drawing/2014/main" id="{B0895DCE-07B1-F147-892C-279B3F3312C7}"/>
+                <a16:creationId xmlns:a16="http://schemas.microsoft.com/office/drawing/2014/main" xmlns="" id="{B0895DCE-07B1-F147-892C-279B3F3312C7}"/>
               </a:ext>
             </a:extLst>
           </p:cNvPr>
@@ -5476,7 +6361,7 @@
           <p:cNvPr id="7" name="모서리가 둥근 직사각형 6">
             <a:extLst>
               <a:ext uri="{FF2B5EF4-FFF2-40B4-BE49-F238E27FC236}">
-                <a16:creationId xmlns:a16="http://schemas.microsoft.com/office/drawing/2014/main" id="{2201D698-D710-CD43-8BBA-0DB1C607D487}"/>
+                <a16:creationId xmlns:a16="http://schemas.microsoft.com/office/drawing/2014/main" xmlns="" id="{2201D698-D710-CD43-8BBA-0DB1C607D487}"/>
               </a:ext>
             </a:extLst>
           </p:cNvPr>
@@ -5541,7 +6426,7 @@
           <p:cNvPr id="8" name="TextBox 7">
             <a:extLst>
               <a:ext uri="{FF2B5EF4-FFF2-40B4-BE49-F238E27FC236}">
-                <a16:creationId xmlns:a16="http://schemas.microsoft.com/office/drawing/2014/main" id="{6F64B61F-5CF3-E647-A724-8D6695DF2BF1}"/>
+                <a16:creationId xmlns:a16="http://schemas.microsoft.com/office/drawing/2014/main" xmlns="" id="{6F64B61F-5CF3-E647-A724-8D6695DF2BF1}"/>
               </a:ext>
             </a:extLst>
           </p:cNvPr>
@@ -5564,6 +6449,19 @@
           </a:bodyPr>
           <a:lstStyle/>
           <a:p>
+            <a:r>
+              <a:rPr kumimoji="1" lang="en-US" altLang="ko-KR" sz="2000" dirty="0">
+                <a:solidFill>
+                  <a:schemeClr val="tx1">
+                    <a:lumMod val="65000"/>
+                    <a:lumOff val="35000"/>
+                  </a:schemeClr>
+                </a:solidFill>
+                <a:latin typeface="강원교육튼튼" panose="02020603020101020101" pitchFamily="18" charset="-127"/>
+                <a:ea typeface="강원교육튼튼" panose="02020603020101020101" pitchFamily="18" charset="-127"/>
+              </a:rPr>
+              <a:t>INTRO.</a:t>
+            </a:r>
             <a:r>
               <a:rPr kumimoji="1" lang="en-US" altLang="ko-KR" sz="2000" dirty="0">
                 <a:solidFill>
@@ -5575,7 +6473,7 @@
                 <a:latin typeface="GangwonEduPower ExtraBold" panose="02020603020101020101" pitchFamily="18" charset="-127"/>
                 <a:ea typeface="GangwonEduPower ExtraBold" panose="02020603020101020101" pitchFamily="18" charset="-127"/>
               </a:rPr>
-              <a:t>INTRO. </a:t>
+              <a:t> </a:t>
             </a:r>
             <a:r>
               <a:rPr kumimoji="1" lang="ko-KR" altLang="en-US" sz="1500" dirty="0">
@@ -5630,7 +6528,7 @@
           <p:cNvPr id="9" name="직사각형 8">
             <a:extLst>
               <a:ext uri="{FF2B5EF4-FFF2-40B4-BE49-F238E27FC236}">
-                <a16:creationId xmlns:a16="http://schemas.microsoft.com/office/drawing/2014/main" id="{71FC172E-010D-E84F-9E5A-2C65223C3954}"/>
+                <a16:creationId xmlns:a16="http://schemas.microsoft.com/office/drawing/2014/main" xmlns="" id="{71FC172E-010D-E84F-9E5A-2C65223C3954}"/>
               </a:ext>
             </a:extLst>
           </p:cNvPr>
@@ -5687,7 +6585,7 @@
           <p:cNvPr id="11" name="직사각형 10">
             <a:extLst>
               <a:ext uri="{FF2B5EF4-FFF2-40B4-BE49-F238E27FC236}">
-                <a16:creationId xmlns:a16="http://schemas.microsoft.com/office/drawing/2014/main" id="{F2D53CA5-7BF7-9F4E-9FE7-7F2065E40291}"/>
+                <a16:creationId xmlns:a16="http://schemas.microsoft.com/office/drawing/2014/main" xmlns="" id="{F2D53CA5-7BF7-9F4E-9FE7-7F2065E40291}"/>
               </a:ext>
             </a:extLst>
           </p:cNvPr>
@@ -5744,6 +6642,13 @@
   <p:clrMapOvr>
     <a:masterClrMapping/>
   </p:clrMapOvr>
+  <p:timing>
+    <p:tnLst>
+      <p:par>
+        <p:cTn id="1" dur="indefinite" restart="never" nodeType="tmRoot"/>
+      </p:par>
+    </p:tnLst>
+  </p:timing>
 </p:sld>
 </file>
 
@@ -5769,7 +6674,7 @@
           <p:cNvPr id="5" name="그림 4">
             <a:extLst>
               <a:ext uri="{FF2B5EF4-FFF2-40B4-BE49-F238E27FC236}">
-                <a16:creationId xmlns:a16="http://schemas.microsoft.com/office/drawing/2014/main" id="{3DF62AEB-8EE3-2447-B14C-007BA80FE99A}"/>
+                <a16:creationId xmlns:a16="http://schemas.microsoft.com/office/drawing/2014/main" xmlns="" id="{3DF62AEB-8EE3-2447-B14C-007BA80FE99A}"/>
               </a:ext>
             </a:extLst>
           </p:cNvPr>
@@ -5799,7 +6704,7 @@
           <p:cNvPr id="6" name="직선 연결선[R] 5">
             <a:extLst>
               <a:ext uri="{FF2B5EF4-FFF2-40B4-BE49-F238E27FC236}">
-                <a16:creationId xmlns:a16="http://schemas.microsoft.com/office/drawing/2014/main" id="{B0895DCE-07B1-F147-892C-279B3F3312C7}"/>
+                <a16:creationId xmlns:a16="http://schemas.microsoft.com/office/drawing/2014/main" xmlns="" id="{B0895DCE-07B1-F147-892C-279B3F3312C7}"/>
               </a:ext>
             </a:extLst>
           </p:cNvPr>
@@ -5840,7 +6745,7 @@
           <p:cNvPr id="11" name="직사각형 10">
             <a:extLst>
               <a:ext uri="{FF2B5EF4-FFF2-40B4-BE49-F238E27FC236}">
-                <a16:creationId xmlns:a16="http://schemas.microsoft.com/office/drawing/2014/main" id="{F2D53CA5-7BF7-9F4E-9FE7-7F2065E40291}"/>
+                <a16:creationId xmlns:a16="http://schemas.microsoft.com/office/drawing/2014/main" xmlns="" id="{F2D53CA5-7BF7-9F4E-9FE7-7F2065E40291}"/>
               </a:ext>
             </a:extLst>
           </p:cNvPr>
@@ -5892,7 +6797,7 @@
           <p:cNvPr id="21" name="모서리가 둥근 직사각형 20">
             <a:extLst>
               <a:ext uri="{FF2B5EF4-FFF2-40B4-BE49-F238E27FC236}">
-                <a16:creationId xmlns:a16="http://schemas.microsoft.com/office/drawing/2014/main" id="{0C5A2D63-F6D7-FD4D-9E29-ECC87C45D7A1}"/>
+                <a16:creationId xmlns:a16="http://schemas.microsoft.com/office/drawing/2014/main" xmlns="" id="{0C5A2D63-F6D7-FD4D-9E29-ECC87C45D7A1}"/>
               </a:ext>
             </a:extLst>
           </p:cNvPr>
@@ -5957,7 +6862,7 @@
           <p:cNvPr id="22" name="TextBox 21">
             <a:extLst>
               <a:ext uri="{FF2B5EF4-FFF2-40B4-BE49-F238E27FC236}">
-                <a16:creationId xmlns:a16="http://schemas.microsoft.com/office/drawing/2014/main" id="{42DD3540-0883-984E-97D9-58F862DD8F18}"/>
+                <a16:creationId xmlns:a16="http://schemas.microsoft.com/office/drawing/2014/main" xmlns="" id="{42DD3540-0883-984E-97D9-58F862DD8F18}"/>
               </a:ext>
             </a:extLst>
           </p:cNvPr>
@@ -5967,7 +6872,7 @@
         <p:spPr>
           <a:xfrm>
             <a:off x="266706" y="978115"/>
-            <a:ext cx="5017720" cy="400110"/>
+            <a:ext cx="1939955" cy="400110"/>
           </a:xfrm>
           <a:prstGeom prst="rect">
             <a:avLst/>
@@ -5988,8 +6893,8 @@
                     <a:lumOff val="35000"/>
                   </a:schemeClr>
                 </a:solidFill>
-                <a:latin typeface="GangwonEduPower ExtraBold" panose="02020603020101020101" pitchFamily="18" charset="-127"/>
-                <a:ea typeface="GangwonEduPower ExtraBold" panose="02020603020101020101" pitchFamily="18" charset="-127"/>
+                <a:latin typeface="강원교육튼튼" panose="02020603020101020101" pitchFamily="18" charset="-127"/>
+                <a:ea typeface="강원교육튼튼" panose="02020603020101020101" pitchFamily="18" charset="-127"/>
               </a:rPr>
               <a:t>SKILLS.</a:t>
             </a:r>
@@ -6011,70 +6916,14 @@
                 <a:latin typeface="IBM Plex Sans KR Thin" panose="020B0203050203000203" pitchFamily="34" charset="-127"/>
                 <a:ea typeface="IBM Plex Sans KR Thin" panose="020B0203050203000203" pitchFamily="34" charset="-127"/>
               </a:rPr>
-              <a:t>개발 기간</a:t>
-            </a:r>
-            <a:r>
-              <a:rPr kumimoji="1" lang="en-US" altLang="ko-KR" sz="1500" dirty="0">
+              <a:t>개발 </a:t>
+            </a:r>
+            <a:r>
+              <a:rPr kumimoji="1" lang="ko-KR" altLang="en-US" sz="1500" dirty="0" smtClean="0">
                 <a:latin typeface="IBM Plex Sans KR Thin" panose="020B0203050203000203" pitchFamily="34" charset="-127"/>
                 <a:ea typeface="IBM Plex Sans KR Thin" panose="020B0203050203000203" pitchFamily="34" charset="-127"/>
               </a:rPr>
-              <a:t>,</a:t>
-            </a:r>
-            <a:r>
-              <a:rPr kumimoji="1" lang="ko-KR" altLang="en-US" sz="1500" dirty="0">
-                <a:latin typeface="IBM Plex Sans KR Thin" panose="020B0203050203000203" pitchFamily="34" charset="-127"/>
-                <a:ea typeface="IBM Plex Sans KR Thin" panose="020B0203050203000203" pitchFamily="34" charset="-127"/>
-              </a:rPr>
-              <a:t> 개발</a:t>
-            </a:r>
-            <a:r>
-              <a:rPr kumimoji="1" lang="en-US" altLang="ko-KR" sz="1500" dirty="0">
-                <a:latin typeface="IBM Plex Sans KR Thin" panose="020B0203050203000203" pitchFamily="34" charset="-127"/>
-                <a:ea typeface="IBM Plex Sans KR Thin" panose="020B0203050203000203" pitchFamily="34" charset="-127"/>
-              </a:rPr>
-              <a:t> </a:t>
-            </a:r>
-            <a:r>
-              <a:rPr kumimoji="1" lang="ko-KR" altLang="en-US" sz="1500" dirty="0">
-                <a:latin typeface="IBM Plex Sans KR Thin" panose="020B0203050203000203" pitchFamily="34" charset="-127"/>
-                <a:ea typeface="IBM Plex Sans KR Thin" panose="020B0203050203000203" pitchFamily="34" charset="-127"/>
-              </a:rPr>
-              <a:t>환경</a:t>
-            </a:r>
-            <a:r>
-              <a:rPr kumimoji="1" lang="en-US" altLang="ko-KR" sz="1500" dirty="0">
-                <a:latin typeface="IBM Plex Sans KR Thin" panose="020B0203050203000203" pitchFamily="34" charset="-127"/>
-                <a:ea typeface="IBM Plex Sans KR Thin" panose="020B0203050203000203" pitchFamily="34" charset="-127"/>
-              </a:rPr>
-              <a:t>,</a:t>
-            </a:r>
-            <a:r>
-              <a:rPr kumimoji="1" lang="ko-KR" altLang="en-US" sz="1500" dirty="0">
-                <a:latin typeface="IBM Plex Sans KR Thin" panose="020B0203050203000203" pitchFamily="34" charset="-127"/>
-                <a:ea typeface="IBM Plex Sans KR Thin" panose="020B0203050203000203" pitchFamily="34" charset="-127"/>
-              </a:rPr>
-              <a:t> 사용 기술</a:t>
-            </a:r>
-            <a:r>
-              <a:rPr kumimoji="1" lang="en-US" altLang="ko-KR" sz="1500" dirty="0">
-                <a:latin typeface="IBM Plex Sans KR Thin" panose="020B0203050203000203" pitchFamily="34" charset="-127"/>
-                <a:ea typeface="IBM Plex Sans KR Thin" panose="020B0203050203000203" pitchFamily="34" charset="-127"/>
-              </a:rPr>
-              <a:t>,</a:t>
-            </a:r>
-            <a:r>
-              <a:rPr kumimoji="1" lang="ko-KR" altLang="en-US" sz="1500" dirty="0">
-                <a:latin typeface="IBM Plex Sans KR Thin" panose="020B0203050203000203" pitchFamily="34" charset="-127"/>
-                <a:ea typeface="IBM Plex Sans KR Thin" panose="020B0203050203000203" pitchFamily="34" charset="-127"/>
-              </a:rPr>
-              <a:t> 활용한 오픈 </a:t>
-            </a:r>
-            <a:r>
-              <a:rPr kumimoji="1" lang="en-US" altLang="ko-KR" sz="1500" dirty="0">
-                <a:latin typeface="IBM Plex Sans KR Thin" panose="020B0203050203000203" pitchFamily="34" charset="-127"/>
-                <a:ea typeface="IBM Plex Sans KR Thin" panose="020B0203050203000203" pitchFamily="34" charset="-127"/>
-              </a:rPr>
-              <a:t>API</a:t>
+              <a:t>기간</a:t>
             </a:r>
             <a:endParaRPr kumimoji="1" lang="ko-KR" altLang="en-US" sz="1500" dirty="0">
               <a:solidFill>
@@ -6094,7 +6943,7 @@
           <p:cNvPr id="9" name="직사각형 8">
             <a:extLst>
               <a:ext uri="{FF2B5EF4-FFF2-40B4-BE49-F238E27FC236}">
-                <a16:creationId xmlns:a16="http://schemas.microsoft.com/office/drawing/2014/main" id="{71FC172E-010D-E84F-9E5A-2C65223C3954}"/>
+                <a16:creationId xmlns:a16="http://schemas.microsoft.com/office/drawing/2014/main" xmlns="" id="{71FC172E-010D-E84F-9E5A-2C65223C3954}"/>
               </a:ext>
             </a:extLst>
           </p:cNvPr>
@@ -6146,6 +6995,1264 @@
           </a:p>
         </p:txBody>
       </p:sp>
+      <p:sp>
+        <p:nvSpPr>
+          <p:cNvPr id="25" name="정육면체 24"/>
+          <p:cNvSpPr/>
+          <p:nvPr/>
+        </p:nvSpPr>
+        <p:spPr>
+          <a:xfrm>
+            <a:off x="1850046" y="1880851"/>
+            <a:ext cx="462542" cy="475488"/>
+          </a:xfrm>
+          <a:prstGeom prst="cube">
+            <a:avLst/>
+          </a:prstGeom>
+        </p:spPr>
+        <p:style>
+          <a:lnRef idx="2">
+            <a:schemeClr val="accent1">
+              <a:shade val="50000"/>
+            </a:schemeClr>
+          </a:lnRef>
+          <a:fillRef idx="1">
+            <a:schemeClr val="accent1"/>
+          </a:fillRef>
+          <a:effectRef idx="0">
+            <a:schemeClr val="accent1"/>
+          </a:effectRef>
+          <a:fontRef idx="minor">
+            <a:schemeClr val="lt1"/>
+          </a:fontRef>
+        </p:style>
+        <p:txBody>
+          <a:bodyPr rtlCol="0" anchor="ctr"/>
+          <a:lstStyle/>
+          <a:p>
+            <a:pPr algn="ctr"/>
+            <a:endParaRPr lang="ko-KR" altLang="en-US"/>
+          </a:p>
+        </p:txBody>
+      </p:sp>
+      <p:sp>
+        <p:nvSpPr>
+          <p:cNvPr id="26" name="TextBox 25"/>
+          <p:cNvSpPr txBox="1"/>
+          <p:nvPr/>
+        </p:nvSpPr>
+        <p:spPr>
+          <a:xfrm>
+            <a:off x="214085" y="1856985"/>
+            <a:ext cx="1790700" cy="523220"/>
+          </a:xfrm>
+          <a:prstGeom prst="rect">
+            <a:avLst/>
+          </a:prstGeom>
+          <a:noFill/>
+        </p:spPr>
+        <p:txBody>
+          <a:bodyPr wrap="square" rtlCol="0">
+            <a:spAutoFit/>
+          </a:bodyPr>
+          <a:lstStyle/>
+          <a:p>
+            <a:r>
+              <a:rPr lang="ko-KR" altLang="en-US" sz="1400" dirty="0" smtClean="0">
+                <a:latin typeface="강원교육튼튼" panose="02020603020101020101" pitchFamily="18" charset="-127"/>
+                <a:ea typeface="강원교육튼튼" panose="02020603020101020101" pitchFamily="18" charset="-127"/>
+              </a:rPr>
+              <a:t>프로젝트 </a:t>
+            </a:r>
+            <a:endParaRPr lang="en-US" altLang="ko-KR" sz="1400" dirty="0" smtClean="0">
+              <a:latin typeface="강원교육튼튼" panose="02020603020101020101" pitchFamily="18" charset="-127"/>
+              <a:ea typeface="강원교육튼튼" panose="02020603020101020101" pitchFamily="18" charset="-127"/>
+            </a:endParaRPr>
+          </a:p>
+          <a:p>
+            <a:r>
+              <a:rPr lang="ko-KR" altLang="en-US" sz="1400" dirty="0" smtClean="0">
+                <a:latin typeface="강원교육튼튼" panose="02020603020101020101" pitchFamily="18" charset="-127"/>
+                <a:ea typeface="강원교육튼튼" panose="02020603020101020101" pitchFamily="18" charset="-127"/>
+              </a:rPr>
+              <a:t>주제선정</a:t>
+            </a:r>
+            <a:endParaRPr lang="ko-KR" altLang="en-US" sz="1400" dirty="0">
+              <a:latin typeface="강원교육튼튼" panose="02020603020101020101" pitchFamily="18" charset="-127"/>
+              <a:ea typeface="강원교육튼튼" panose="02020603020101020101" pitchFamily="18" charset="-127"/>
+            </a:endParaRPr>
+          </a:p>
+        </p:txBody>
+      </p:sp>
+      <p:sp>
+        <p:nvSpPr>
+          <p:cNvPr id="27" name="TextBox 26"/>
+          <p:cNvSpPr txBox="1"/>
+          <p:nvPr/>
+        </p:nvSpPr>
+        <p:spPr>
+          <a:xfrm>
+            <a:off x="214085" y="2403234"/>
+            <a:ext cx="1790700" cy="307777"/>
+          </a:xfrm>
+          <a:prstGeom prst="rect">
+            <a:avLst/>
+          </a:prstGeom>
+          <a:noFill/>
+        </p:spPr>
+        <p:txBody>
+          <a:bodyPr wrap="square" rtlCol="0">
+            <a:spAutoFit/>
+          </a:bodyPr>
+          <a:lstStyle/>
+          <a:p>
+            <a:r>
+              <a:rPr lang="ko-KR" altLang="en-US" sz="1400" dirty="0" smtClean="0">
+                <a:latin typeface="강원교육튼튼" panose="02020603020101020101" pitchFamily="18" charset="-127"/>
+                <a:ea typeface="강원교육튼튼" panose="02020603020101020101" pitchFamily="18" charset="-127"/>
+              </a:rPr>
+              <a:t>기능 설계 </a:t>
+            </a:r>
+            <a:endParaRPr lang="ko-KR" altLang="en-US" sz="1400" dirty="0">
+              <a:latin typeface="강원교육튼튼" panose="02020603020101020101" pitchFamily="18" charset="-127"/>
+              <a:ea typeface="강원교육튼튼" panose="02020603020101020101" pitchFamily="18" charset="-127"/>
+            </a:endParaRPr>
+          </a:p>
+        </p:txBody>
+      </p:sp>
+      <p:sp>
+        <p:nvSpPr>
+          <p:cNvPr id="28" name="정육면체 27"/>
+          <p:cNvSpPr/>
+          <p:nvPr/>
+        </p:nvSpPr>
+        <p:spPr>
+          <a:xfrm>
+            <a:off x="2312588" y="2246177"/>
+            <a:ext cx="671638" cy="475488"/>
+          </a:xfrm>
+          <a:prstGeom prst="cube">
+            <a:avLst/>
+          </a:prstGeom>
+        </p:spPr>
+        <p:style>
+          <a:lnRef idx="2">
+            <a:schemeClr val="accent1">
+              <a:shade val="50000"/>
+            </a:schemeClr>
+          </a:lnRef>
+          <a:fillRef idx="1">
+            <a:schemeClr val="accent1"/>
+          </a:fillRef>
+          <a:effectRef idx="0">
+            <a:schemeClr val="accent1"/>
+          </a:effectRef>
+          <a:fontRef idx="minor">
+            <a:schemeClr val="lt1"/>
+          </a:fontRef>
+        </p:style>
+        <p:txBody>
+          <a:bodyPr rtlCol="0" anchor="ctr"/>
+          <a:lstStyle/>
+          <a:p>
+            <a:pPr algn="ctr"/>
+            <a:endParaRPr lang="ko-KR" altLang="en-US"/>
+          </a:p>
+        </p:txBody>
+      </p:sp>
+      <p:sp>
+        <p:nvSpPr>
+          <p:cNvPr id="29" name="TextBox 28"/>
+          <p:cNvSpPr txBox="1"/>
+          <p:nvPr/>
+        </p:nvSpPr>
+        <p:spPr>
+          <a:xfrm>
+            <a:off x="214085" y="2778157"/>
+            <a:ext cx="1790700" cy="307777"/>
+          </a:xfrm>
+          <a:prstGeom prst="rect">
+            <a:avLst/>
+          </a:prstGeom>
+          <a:noFill/>
+        </p:spPr>
+        <p:txBody>
+          <a:bodyPr wrap="square" rtlCol="0">
+            <a:spAutoFit/>
+          </a:bodyPr>
+          <a:lstStyle/>
+          <a:p>
+            <a:r>
+              <a:rPr lang="ko-KR" altLang="en-US" sz="1400" dirty="0" smtClean="0">
+                <a:latin typeface="강원교육튼튼" panose="02020603020101020101" pitchFamily="18" charset="-127"/>
+                <a:ea typeface="강원교육튼튼" panose="02020603020101020101" pitchFamily="18" charset="-127"/>
+              </a:rPr>
+              <a:t>테이블 설계 </a:t>
+            </a:r>
+            <a:endParaRPr lang="ko-KR" altLang="en-US" sz="1400" dirty="0">
+              <a:latin typeface="강원교육튼튼" panose="02020603020101020101" pitchFamily="18" charset="-127"/>
+              <a:ea typeface="강원교육튼튼" panose="02020603020101020101" pitchFamily="18" charset="-127"/>
+            </a:endParaRPr>
+          </a:p>
+        </p:txBody>
+      </p:sp>
+      <p:sp>
+        <p:nvSpPr>
+          <p:cNvPr id="30" name="정육면체 29"/>
+          <p:cNvSpPr/>
+          <p:nvPr/>
+        </p:nvSpPr>
+        <p:spPr>
+          <a:xfrm>
+            <a:off x="2907792" y="2649482"/>
+            <a:ext cx="754771" cy="475488"/>
+          </a:xfrm>
+          <a:prstGeom prst="cube">
+            <a:avLst/>
+          </a:prstGeom>
+        </p:spPr>
+        <p:style>
+          <a:lnRef idx="2">
+            <a:schemeClr val="accent1">
+              <a:shade val="50000"/>
+            </a:schemeClr>
+          </a:lnRef>
+          <a:fillRef idx="1">
+            <a:schemeClr val="accent1"/>
+          </a:fillRef>
+          <a:effectRef idx="0">
+            <a:schemeClr val="accent1"/>
+          </a:effectRef>
+          <a:fontRef idx="minor">
+            <a:schemeClr val="lt1"/>
+          </a:fontRef>
+        </p:style>
+        <p:txBody>
+          <a:bodyPr rtlCol="0" anchor="ctr"/>
+          <a:lstStyle/>
+          <a:p>
+            <a:pPr algn="ctr"/>
+            <a:endParaRPr lang="ko-KR" altLang="en-US"/>
+          </a:p>
+        </p:txBody>
+      </p:sp>
+      <p:sp>
+        <p:nvSpPr>
+          <p:cNvPr id="31" name="TextBox 30"/>
+          <p:cNvSpPr txBox="1"/>
+          <p:nvPr/>
+        </p:nvSpPr>
+        <p:spPr>
+          <a:xfrm>
+            <a:off x="214085" y="3232949"/>
+            <a:ext cx="1790700" cy="307777"/>
+          </a:xfrm>
+          <a:prstGeom prst="rect">
+            <a:avLst/>
+          </a:prstGeom>
+          <a:noFill/>
+        </p:spPr>
+        <p:txBody>
+          <a:bodyPr wrap="square" rtlCol="0">
+            <a:spAutoFit/>
+          </a:bodyPr>
+          <a:lstStyle/>
+          <a:p>
+            <a:r>
+              <a:rPr lang="ko-KR" altLang="en-US" sz="1400" dirty="0" smtClean="0">
+                <a:latin typeface="강원교육튼튼" panose="02020603020101020101" pitchFamily="18" charset="-127"/>
+                <a:ea typeface="강원교육튼튼" panose="02020603020101020101" pitchFamily="18" charset="-127"/>
+              </a:rPr>
+              <a:t>스토리보드 설계 </a:t>
+            </a:r>
+            <a:endParaRPr lang="ko-KR" altLang="en-US" sz="1400" dirty="0">
+              <a:latin typeface="강원교육튼튼" panose="02020603020101020101" pitchFamily="18" charset="-127"/>
+              <a:ea typeface="강원교육튼튼" panose="02020603020101020101" pitchFamily="18" charset="-127"/>
+            </a:endParaRPr>
+          </a:p>
+        </p:txBody>
+      </p:sp>
+      <p:sp>
+        <p:nvSpPr>
+          <p:cNvPr id="32" name="정육면체 31"/>
+          <p:cNvSpPr/>
+          <p:nvPr/>
+        </p:nvSpPr>
+        <p:spPr>
+          <a:xfrm>
+            <a:off x="3662563" y="3052787"/>
+            <a:ext cx="775559" cy="475488"/>
+          </a:xfrm>
+          <a:prstGeom prst="cube">
+            <a:avLst/>
+          </a:prstGeom>
+        </p:spPr>
+        <p:style>
+          <a:lnRef idx="2">
+            <a:schemeClr val="accent1">
+              <a:shade val="50000"/>
+            </a:schemeClr>
+          </a:lnRef>
+          <a:fillRef idx="1">
+            <a:schemeClr val="accent1"/>
+          </a:fillRef>
+          <a:effectRef idx="0">
+            <a:schemeClr val="accent1"/>
+          </a:effectRef>
+          <a:fontRef idx="minor">
+            <a:schemeClr val="lt1"/>
+          </a:fontRef>
+        </p:style>
+        <p:txBody>
+          <a:bodyPr rtlCol="0" anchor="ctr"/>
+          <a:lstStyle/>
+          <a:p>
+            <a:pPr algn="ctr"/>
+            <a:endParaRPr lang="ko-KR" altLang="en-US"/>
+          </a:p>
+        </p:txBody>
+      </p:sp>
+      <p:sp>
+        <p:nvSpPr>
+          <p:cNvPr id="33" name="정육면체 32"/>
+          <p:cNvSpPr/>
+          <p:nvPr/>
+        </p:nvSpPr>
+        <p:spPr>
+          <a:xfrm>
+            <a:off x="4349964" y="3455566"/>
+            <a:ext cx="923544" cy="475488"/>
+          </a:xfrm>
+          <a:prstGeom prst="cube">
+            <a:avLst/>
+          </a:prstGeom>
+        </p:spPr>
+        <p:style>
+          <a:lnRef idx="2">
+            <a:schemeClr val="accent1">
+              <a:shade val="50000"/>
+            </a:schemeClr>
+          </a:lnRef>
+          <a:fillRef idx="1">
+            <a:schemeClr val="accent1"/>
+          </a:fillRef>
+          <a:effectRef idx="0">
+            <a:schemeClr val="accent1"/>
+          </a:effectRef>
+          <a:fontRef idx="minor">
+            <a:schemeClr val="lt1"/>
+          </a:fontRef>
+        </p:style>
+        <p:txBody>
+          <a:bodyPr rtlCol="0" anchor="ctr"/>
+          <a:lstStyle/>
+          <a:p>
+            <a:pPr algn="ctr"/>
+            <a:endParaRPr lang="ko-KR" altLang="en-US"/>
+          </a:p>
+        </p:txBody>
+      </p:sp>
+      <p:sp>
+        <p:nvSpPr>
+          <p:cNvPr id="34" name="정육면체 33"/>
+          <p:cNvSpPr/>
+          <p:nvPr/>
+        </p:nvSpPr>
+        <p:spPr>
+          <a:xfrm>
+            <a:off x="5212314" y="3831792"/>
+            <a:ext cx="575838" cy="475488"/>
+          </a:xfrm>
+          <a:prstGeom prst="cube">
+            <a:avLst/>
+          </a:prstGeom>
+        </p:spPr>
+        <p:style>
+          <a:lnRef idx="2">
+            <a:schemeClr val="accent1">
+              <a:shade val="50000"/>
+            </a:schemeClr>
+          </a:lnRef>
+          <a:fillRef idx="1">
+            <a:schemeClr val="accent1"/>
+          </a:fillRef>
+          <a:effectRef idx="0">
+            <a:schemeClr val="accent1"/>
+          </a:effectRef>
+          <a:fontRef idx="minor">
+            <a:schemeClr val="lt1"/>
+          </a:fontRef>
+        </p:style>
+        <p:txBody>
+          <a:bodyPr rtlCol="0" anchor="ctr"/>
+          <a:lstStyle/>
+          <a:p>
+            <a:pPr algn="ctr"/>
+            <a:endParaRPr lang="ko-KR" altLang="en-US"/>
+          </a:p>
+        </p:txBody>
+      </p:sp>
+      <p:sp>
+        <p:nvSpPr>
+          <p:cNvPr id="35" name="정육면체 34"/>
+          <p:cNvSpPr/>
+          <p:nvPr/>
+        </p:nvSpPr>
+        <p:spPr>
+          <a:xfrm>
+            <a:off x="5766535" y="4199442"/>
+            <a:ext cx="1178333" cy="475488"/>
+          </a:xfrm>
+          <a:prstGeom prst="cube">
+            <a:avLst/>
+          </a:prstGeom>
+        </p:spPr>
+        <p:style>
+          <a:lnRef idx="2">
+            <a:schemeClr val="accent1">
+              <a:shade val="50000"/>
+            </a:schemeClr>
+          </a:lnRef>
+          <a:fillRef idx="1">
+            <a:schemeClr val="accent1"/>
+          </a:fillRef>
+          <a:effectRef idx="0">
+            <a:schemeClr val="accent1"/>
+          </a:effectRef>
+          <a:fontRef idx="minor">
+            <a:schemeClr val="lt1"/>
+          </a:fontRef>
+        </p:style>
+        <p:txBody>
+          <a:bodyPr rtlCol="0" anchor="ctr"/>
+          <a:lstStyle/>
+          <a:p>
+            <a:pPr algn="ctr"/>
+            <a:endParaRPr lang="ko-KR" altLang="en-US"/>
+          </a:p>
+        </p:txBody>
+      </p:sp>
+      <p:sp>
+        <p:nvSpPr>
+          <p:cNvPr id="36" name="TextBox 35"/>
+          <p:cNvSpPr txBox="1"/>
+          <p:nvPr/>
+        </p:nvSpPr>
+        <p:spPr>
+          <a:xfrm>
+            <a:off x="214085" y="3602356"/>
+            <a:ext cx="1790700" cy="307777"/>
+          </a:xfrm>
+          <a:prstGeom prst="rect">
+            <a:avLst/>
+          </a:prstGeom>
+          <a:noFill/>
+        </p:spPr>
+        <p:txBody>
+          <a:bodyPr wrap="square" rtlCol="0">
+            <a:spAutoFit/>
+          </a:bodyPr>
+          <a:lstStyle/>
+          <a:p>
+            <a:r>
+              <a:rPr lang="ko-KR" altLang="en-US" sz="1400" dirty="0" smtClean="0">
+                <a:latin typeface="강원교육튼튼" panose="02020603020101020101" pitchFamily="18" charset="-127"/>
+                <a:ea typeface="강원교육튼튼" panose="02020603020101020101" pitchFamily="18" charset="-127"/>
+              </a:rPr>
+              <a:t>간단</a:t>
+            </a:r>
+            <a:r>
+              <a:rPr lang="en-US" altLang="ko-KR" sz="1400" dirty="0" smtClean="0">
+                <a:latin typeface="강원교육튼튼" panose="02020603020101020101" pitchFamily="18" charset="-127"/>
+                <a:ea typeface="강원교육튼튼" panose="02020603020101020101" pitchFamily="18" charset="-127"/>
+              </a:rPr>
+              <a:t>CRUD</a:t>
+            </a:r>
+            <a:r>
+              <a:rPr lang="ko-KR" altLang="en-US" sz="1400" dirty="0" smtClean="0">
+                <a:latin typeface="강원교육튼튼" panose="02020603020101020101" pitchFamily="18" charset="-127"/>
+                <a:ea typeface="강원교육튼튼" panose="02020603020101020101" pitchFamily="18" charset="-127"/>
+              </a:rPr>
+              <a:t> 구현 </a:t>
+            </a:r>
+            <a:endParaRPr lang="ko-KR" altLang="en-US" sz="1400" dirty="0">
+              <a:latin typeface="강원교육튼튼" panose="02020603020101020101" pitchFamily="18" charset="-127"/>
+              <a:ea typeface="강원교육튼튼" panose="02020603020101020101" pitchFamily="18" charset="-127"/>
+            </a:endParaRPr>
+          </a:p>
+        </p:txBody>
+      </p:sp>
+      <p:sp>
+        <p:nvSpPr>
+          <p:cNvPr id="37" name="TextBox 36"/>
+          <p:cNvSpPr txBox="1"/>
+          <p:nvPr/>
+        </p:nvSpPr>
+        <p:spPr>
+          <a:xfrm>
+            <a:off x="177027" y="3976621"/>
+            <a:ext cx="1790700" cy="307777"/>
+          </a:xfrm>
+          <a:prstGeom prst="rect">
+            <a:avLst/>
+          </a:prstGeom>
+          <a:noFill/>
+        </p:spPr>
+        <p:txBody>
+          <a:bodyPr wrap="square" rtlCol="0">
+            <a:spAutoFit/>
+          </a:bodyPr>
+          <a:lstStyle/>
+          <a:p>
+            <a:r>
+              <a:rPr lang="ko-KR" altLang="en-US" sz="1400" dirty="0" smtClean="0">
+                <a:latin typeface="강원교육튼튼" panose="02020603020101020101" pitchFamily="18" charset="-127"/>
+                <a:ea typeface="강원교육튼튼" panose="02020603020101020101" pitchFamily="18" charset="-127"/>
+              </a:rPr>
+              <a:t>간단</a:t>
+            </a:r>
+            <a:r>
+              <a:rPr lang="en-US" altLang="ko-KR" sz="1400" dirty="0" smtClean="0">
+                <a:latin typeface="강원교육튼튼" panose="02020603020101020101" pitchFamily="18" charset="-127"/>
+                <a:ea typeface="강원교육튼튼" panose="02020603020101020101" pitchFamily="18" charset="-127"/>
+              </a:rPr>
+              <a:t>CRUD</a:t>
+            </a:r>
+            <a:r>
+              <a:rPr lang="ko-KR" altLang="en-US" sz="1400" dirty="0" smtClean="0">
+                <a:latin typeface="강원교육튼튼" panose="02020603020101020101" pitchFamily="18" charset="-127"/>
+                <a:ea typeface="강원교육튼튼" panose="02020603020101020101" pitchFamily="18" charset="-127"/>
+              </a:rPr>
+              <a:t> 테스트 </a:t>
+            </a:r>
+            <a:endParaRPr lang="ko-KR" altLang="en-US" sz="1400" dirty="0">
+              <a:latin typeface="강원교육튼튼" panose="02020603020101020101" pitchFamily="18" charset="-127"/>
+              <a:ea typeface="강원교육튼튼" panose="02020603020101020101" pitchFamily="18" charset="-127"/>
+            </a:endParaRPr>
+          </a:p>
+        </p:txBody>
+      </p:sp>
+      <p:sp>
+        <p:nvSpPr>
+          <p:cNvPr id="38" name="TextBox 37"/>
+          <p:cNvSpPr txBox="1"/>
+          <p:nvPr/>
+        </p:nvSpPr>
+        <p:spPr>
+          <a:xfrm>
+            <a:off x="186242" y="4374573"/>
+            <a:ext cx="1790700" cy="307777"/>
+          </a:xfrm>
+          <a:prstGeom prst="rect">
+            <a:avLst/>
+          </a:prstGeom>
+          <a:noFill/>
+        </p:spPr>
+        <p:txBody>
+          <a:bodyPr wrap="square" rtlCol="0">
+            <a:spAutoFit/>
+          </a:bodyPr>
+          <a:lstStyle/>
+          <a:p>
+            <a:r>
+              <a:rPr lang="ko-KR" altLang="en-US" sz="1400" smtClean="0">
+                <a:latin typeface="강원교육튼튼" panose="02020603020101020101" pitchFamily="18" charset="-127"/>
+                <a:ea typeface="강원교육튼튼" panose="02020603020101020101" pitchFamily="18" charset="-127"/>
+              </a:rPr>
+              <a:t>상세기능 구현 </a:t>
+            </a:r>
+            <a:endParaRPr lang="ko-KR" altLang="en-US" sz="1400" dirty="0">
+              <a:latin typeface="강원교육튼튼" panose="02020603020101020101" pitchFamily="18" charset="-127"/>
+              <a:ea typeface="강원교육튼튼" panose="02020603020101020101" pitchFamily="18" charset="-127"/>
+            </a:endParaRPr>
+          </a:p>
+        </p:txBody>
+      </p:sp>
+      <p:sp>
+        <p:nvSpPr>
+          <p:cNvPr id="39" name="TextBox 38"/>
+          <p:cNvSpPr txBox="1"/>
+          <p:nvPr/>
+        </p:nvSpPr>
+        <p:spPr>
+          <a:xfrm>
+            <a:off x="214085" y="4740573"/>
+            <a:ext cx="1790700" cy="307777"/>
+          </a:xfrm>
+          <a:prstGeom prst="rect">
+            <a:avLst/>
+          </a:prstGeom>
+          <a:noFill/>
+        </p:spPr>
+        <p:txBody>
+          <a:bodyPr wrap="square" rtlCol="0">
+            <a:spAutoFit/>
+          </a:bodyPr>
+          <a:lstStyle/>
+          <a:p>
+            <a:r>
+              <a:rPr lang="ko-KR" altLang="en-US" sz="1400" dirty="0" err="1" smtClean="0">
+                <a:latin typeface="강원교육튼튼" panose="02020603020101020101" pitchFamily="18" charset="-127"/>
+                <a:ea typeface="강원교육튼튼" panose="02020603020101020101" pitchFamily="18" charset="-127"/>
+              </a:rPr>
+              <a:t>프론트</a:t>
+            </a:r>
+            <a:r>
+              <a:rPr lang="ko-KR" altLang="en-US" sz="1400" dirty="0" smtClean="0">
+                <a:latin typeface="강원교육튼튼" panose="02020603020101020101" pitchFamily="18" charset="-127"/>
+                <a:ea typeface="강원교육튼튼" panose="02020603020101020101" pitchFamily="18" charset="-127"/>
+              </a:rPr>
+              <a:t> 디자인 </a:t>
+            </a:r>
+            <a:endParaRPr lang="ko-KR" altLang="en-US" sz="1400" dirty="0">
+              <a:latin typeface="강원교육튼튼" panose="02020603020101020101" pitchFamily="18" charset="-127"/>
+              <a:ea typeface="강원교육튼튼" panose="02020603020101020101" pitchFamily="18" charset="-127"/>
+            </a:endParaRPr>
+          </a:p>
+        </p:txBody>
+      </p:sp>
+      <p:sp>
+        <p:nvSpPr>
+          <p:cNvPr id="40" name="TextBox 39"/>
+          <p:cNvSpPr txBox="1"/>
+          <p:nvPr/>
+        </p:nvSpPr>
+        <p:spPr>
+          <a:xfrm>
+            <a:off x="214085" y="5154755"/>
+            <a:ext cx="1790700" cy="307777"/>
+          </a:xfrm>
+          <a:prstGeom prst="rect">
+            <a:avLst/>
+          </a:prstGeom>
+          <a:noFill/>
+        </p:spPr>
+        <p:txBody>
+          <a:bodyPr wrap="square" rtlCol="0">
+            <a:spAutoFit/>
+          </a:bodyPr>
+          <a:lstStyle/>
+          <a:p>
+            <a:r>
+              <a:rPr lang="ko-KR" altLang="en-US" sz="1400" dirty="0" smtClean="0">
+                <a:latin typeface="강원교육튼튼" panose="02020603020101020101" pitchFamily="18" charset="-127"/>
+                <a:ea typeface="강원교육튼튼" panose="02020603020101020101" pitchFamily="18" charset="-127"/>
+              </a:rPr>
+              <a:t>통합테스트</a:t>
+            </a:r>
+            <a:r>
+              <a:rPr lang="en-US" altLang="ko-KR" sz="1400" dirty="0" smtClean="0">
+                <a:latin typeface="강원교육튼튼" panose="02020603020101020101" pitchFamily="18" charset="-127"/>
+                <a:ea typeface="강원교육튼튼" panose="02020603020101020101" pitchFamily="18" charset="-127"/>
+              </a:rPr>
+              <a:t>, </a:t>
+            </a:r>
+            <a:r>
+              <a:rPr lang="ko-KR" altLang="en-US" sz="1400" dirty="0" smtClean="0">
+                <a:latin typeface="강원교육튼튼" panose="02020603020101020101" pitchFamily="18" charset="-127"/>
+                <a:ea typeface="강원교육튼튼" panose="02020603020101020101" pitchFamily="18" charset="-127"/>
+              </a:rPr>
+              <a:t>디버깅</a:t>
+            </a:r>
+            <a:endParaRPr lang="ko-KR" altLang="en-US" sz="1400" dirty="0">
+              <a:latin typeface="강원교육튼튼" panose="02020603020101020101" pitchFamily="18" charset="-127"/>
+              <a:ea typeface="강원교육튼튼" panose="02020603020101020101" pitchFamily="18" charset="-127"/>
+            </a:endParaRPr>
+          </a:p>
+        </p:txBody>
+      </p:sp>
+      <p:sp>
+        <p:nvSpPr>
+          <p:cNvPr id="41" name="TextBox 40"/>
+          <p:cNvSpPr txBox="1"/>
+          <p:nvPr/>
+        </p:nvSpPr>
+        <p:spPr>
+          <a:xfrm>
+            <a:off x="214085" y="5578698"/>
+            <a:ext cx="1790700" cy="307777"/>
+          </a:xfrm>
+          <a:prstGeom prst="rect">
+            <a:avLst/>
+          </a:prstGeom>
+          <a:noFill/>
+        </p:spPr>
+        <p:txBody>
+          <a:bodyPr wrap="square" rtlCol="0">
+            <a:spAutoFit/>
+          </a:bodyPr>
+          <a:lstStyle/>
+          <a:p>
+            <a:r>
+              <a:rPr lang="ko-KR" altLang="en-US" sz="1400" dirty="0" smtClean="0">
+                <a:latin typeface="강원교육튼튼" panose="02020603020101020101" pitchFamily="18" charset="-127"/>
+                <a:ea typeface="강원교육튼튼" panose="02020603020101020101" pitchFamily="18" charset="-127"/>
+              </a:rPr>
+              <a:t>유지보수</a:t>
+            </a:r>
+            <a:endParaRPr lang="ko-KR" altLang="en-US" sz="1400" dirty="0">
+              <a:latin typeface="강원교육튼튼" panose="02020603020101020101" pitchFamily="18" charset="-127"/>
+              <a:ea typeface="강원교육튼튼" panose="02020603020101020101" pitchFamily="18" charset="-127"/>
+            </a:endParaRPr>
+          </a:p>
+        </p:txBody>
+      </p:sp>
+      <p:sp>
+        <p:nvSpPr>
+          <p:cNvPr id="42" name="정육면체 41"/>
+          <p:cNvSpPr/>
+          <p:nvPr/>
+        </p:nvSpPr>
+        <p:spPr>
+          <a:xfrm>
+            <a:off x="6867144" y="4565443"/>
+            <a:ext cx="1051560" cy="475488"/>
+          </a:xfrm>
+          <a:prstGeom prst="cube">
+            <a:avLst/>
+          </a:prstGeom>
+        </p:spPr>
+        <p:style>
+          <a:lnRef idx="2">
+            <a:schemeClr val="accent1">
+              <a:shade val="50000"/>
+            </a:schemeClr>
+          </a:lnRef>
+          <a:fillRef idx="1">
+            <a:schemeClr val="accent1"/>
+          </a:fillRef>
+          <a:effectRef idx="0">
+            <a:schemeClr val="accent1"/>
+          </a:effectRef>
+          <a:fontRef idx="minor">
+            <a:schemeClr val="lt1"/>
+          </a:fontRef>
+        </p:style>
+        <p:txBody>
+          <a:bodyPr rtlCol="0" anchor="ctr"/>
+          <a:lstStyle/>
+          <a:p>
+            <a:pPr algn="ctr"/>
+            <a:endParaRPr lang="ko-KR" altLang="en-US"/>
+          </a:p>
+        </p:txBody>
+      </p:sp>
+      <p:sp>
+        <p:nvSpPr>
+          <p:cNvPr id="43" name="정육면체 42"/>
+          <p:cNvSpPr/>
+          <p:nvPr/>
+        </p:nvSpPr>
+        <p:spPr>
+          <a:xfrm>
+            <a:off x="7827264" y="4937195"/>
+            <a:ext cx="676655" cy="475488"/>
+          </a:xfrm>
+          <a:prstGeom prst="cube">
+            <a:avLst/>
+          </a:prstGeom>
+        </p:spPr>
+        <p:style>
+          <a:lnRef idx="2">
+            <a:schemeClr val="accent1">
+              <a:shade val="50000"/>
+            </a:schemeClr>
+          </a:lnRef>
+          <a:fillRef idx="1">
+            <a:schemeClr val="accent1"/>
+          </a:fillRef>
+          <a:effectRef idx="0">
+            <a:schemeClr val="accent1"/>
+          </a:effectRef>
+          <a:fontRef idx="minor">
+            <a:schemeClr val="lt1"/>
+          </a:fontRef>
+        </p:style>
+        <p:txBody>
+          <a:bodyPr rtlCol="0" anchor="ctr"/>
+          <a:lstStyle/>
+          <a:p>
+            <a:pPr algn="ctr"/>
+            <a:endParaRPr lang="ko-KR" altLang="en-US"/>
+          </a:p>
+        </p:txBody>
+      </p:sp>
+      <p:sp>
+        <p:nvSpPr>
+          <p:cNvPr id="44" name="정육면체 43"/>
+          <p:cNvSpPr/>
+          <p:nvPr/>
+        </p:nvSpPr>
+        <p:spPr>
+          <a:xfrm>
+            <a:off x="8404861" y="5327339"/>
+            <a:ext cx="923544" cy="475488"/>
+          </a:xfrm>
+          <a:prstGeom prst="cube">
+            <a:avLst/>
+          </a:prstGeom>
+        </p:spPr>
+        <p:style>
+          <a:lnRef idx="2">
+            <a:schemeClr val="accent1">
+              <a:shade val="50000"/>
+            </a:schemeClr>
+          </a:lnRef>
+          <a:fillRef idx="1">
+            <a:schemeClr val="accent1"/>
+          </a:fillRef>
+          <a:effectRef idx="0">
+            <a:schemeClr val="accent1"/>
+          </a:effectRef>
+          <a:fontRef idx="minor">
+            <a:schemeClr val="lt1"/>
+          </a:fontRef>
+        </p:style>
+        <p:txBody>
+          <a:bodyPr rtlCol="0" anchor="ctr"/>
+          <a:lstStyle/>
+          <a:p>
+            <a:pPr algn="ctr"/>
+            <a:endParaRPr lang="ko-KR" altLang="en-US"/>
+          </a:p>
+        </p:txBody>
+      </p:sp>
+      <p:cxnSp>
+        <p:nvCxnSpPr>
+          <p:cNvPr id="46" name="직선 연결선 45"/>
+          <p:cNvCxnSpPr/>
+          <p:nvPr/>
+        </p:nvCxnSpPr>
+        <p:spPr>
+          <a:xfrm flipV="1">
+            <a:off x="1767749" y="1880851"/>
+            <a:ext cx="0" cy="4051979"/>
+          </a:xfrm>
+          <a:prstGeom prst="line">
+            <a:avLst/>
+          </a:prstGeom>
+          <a:ln w="19050">
+            <a:solidFill>
+              <a:schemeClr val="tx1"/>
+            </a:solidFill>
+            <a:prstDash val="sysDot"/>
+          </a:ln>
+        </p:spPr>
+        <p:style>
+          <a:lnRef idx="1">
+            <a:schemeClr val="accent1"/>
+          </a:lnRef>
+          <a:fillRef idx="0">
+            <a:schemeClr val="accent1"/>
+          </a:fillRef>
+          <a:effectRef idx="0">
+            <a:schemeClr val="accent1"/>
+          </a:effectRef>
+          <a:fontRef idx="minor">
+            <a:schemeClr val="tx1"/>
+          </a:fontRef>
+        </p:style>
+      </p:cxnSp>
+      <p:sp>
+        <p:nvSpPr>
+          <p:cNvPr id="49" name="TextBox 48"/>
+          <p:cNvSpPr txBox="1"/>
+          <p:nvPr/>
+        </p:nvSpPr>
+        <p:spPr>
+          <a:xfrm>
+            <a:off x="1459947" y="1509846"/>
+            <a:ext cx="697901" cy="369332"/>
+          </a:xfrm>
+          <a:prstGeom prst="rect">
+            <a:avLst/>
+          </a:prstGeom>
+          <a:noFill/>
+        </p:spPr>
+        <p:txBody>
+          <a:bodyPr wrap="square" rtlCol="0">
+            <a:spAutoFit/>
+          </a:bodyPr>
+          <a:lstStyle/>
+          <a:p>
+            <a:r>
+              <a:rPr lang="en-US" altLang="ko-KR" dirty="0" smtClean="0"/>
+              <a:t>6.12</a:t>
+            </a:r>
+            <a:endParaRPr lang="ko-KR" altLang="en-US" dirty="0"/>
+          </a:p>
+        </p:txBody>
+      </p:sp>
+      <p:sp>
+        <p:nvSpPr>
+          <p:cNvPr id="51" name="TextBox 50"/>
+          <p:cNvSpPr txBox="1"/>
+          <p:nvPr/>
+        </p:nvSpPr>
+        <p:spPr>
+          <a:xfrm>
+            <a:off x="1925540" y="2339348"/>
+            <a:ext cx="307803" cy="307777"/>
+          </a:xfrm>
+          <a:prstGeom prst="rect">
+            <a:avLst/>
+          </a:prstGeom>
+          <a:noFill/>
+        </p:spPr>
+        <p:txBody>
+          <a:bodyPr wrap="square" rtlCol="0">
+            <a:spAutoFit/>
+          </a:bodyPr>
+          <a:lstStyle/>
+          <a:p>
+            <a:r>
+              <a:rPr lang="en-US" altLang="ko-KR" sz="1400" dirty="0" smtClean="0"/>
+              <a:t>1</a:t>
+            </a:r>
+            <a:endParaRPr lang="ko-KR" altLang="en-US" sz="1400" dirty="0"/>
+          </a:p>
+        </p:txBody>
+      </p:sp>
+      <p:sp>
+        <p:nvSpPr>
+          <p:cNvPr id="52" name="TextBox 51"/>
+          <p:cNvSpPr txBox="1"/>
+          <p:nvPr/>
+        </p:nvSpPr>
+        <p:spPr>
+          <a:xfrm>
+            <a:off x="2446087" y="2689229"/>
+            <a:ext cx="307803" cy="307777"/>
+          </a:xfrm>
+          <a:prstGeom prst="rect">
+            <a:avLst/>
+          </a:prstGeom>
+          <a:noFill/>
+        </p:spPr>
+        <p:txBody>
+          <a:bodyPr wrap="square" rtlCol="0">
+            <a:spAutoFit/>
+          </a:bodyPr>
+          <a:lstStyle/>
+          <a:p>
+            <a:r>
+              <a:rPr lang="en-US" altLang="ko-KR" sz="1400" dirty="0"/>
+              <a:t>2</a:t>
+            </a:r>
+            <a:endParaRPr lang="ko-KR" altLang="en-US" sz="1400" dirty="0"/>
+          </a:p>
+        </p:txBody>
+      </p:sp>
+      <p:sp>
+        <p:nvSpPr>
+          <p:cNvPr id="53" name="TextBox 52"/>
+          <p:cNvSpPr txBox="1"/>
+          <p:nvPr/>
+        </p:nvSpPr>
+        <p:spPr>
+          <a:xfrm>
+            <a:off x="3171584" y="3085934"/>
+            <a:ext cx="307803" cy="307777"/>
+          </a:xfrm>
+          <a:prstGeom prst="rect">
+            <a:avLst/>
+          </a:prstGeom>
+          <a:noFill/>
+        </p:spPr>
+        <p:txBody>
+          <a:bodyPr wrap="square" rtlCol="0">
+            <a:spAutoFit/>
+          </a:bodyPr>
+          <a:lstStyle/>
+          <a:p>
+            <a:r>
+              <a:rPr lang="en-US" altLang="ko-KR" sz="1400" dirty="0"/>
+              <a:t>2</a:t>
+            </a:r>
+            <a:endParaRPr lang="ko-KR" altLang="en-US" sz="1400" dirty="0"/>
+          </a:p>
+        </p:txBody>
+      </p:sp>
+      <p:sp>
+        <p:nvSpPr>
+          <p:cNvPr id="54" name="TextBox 53"/>
+          <p:cNvSpPr txBox="1"/>
+          <p:nvPr/>
+        </p:nvSpPr>
+        <p:spPr>
+          <a:xfrm>
+            <a:off x="3855742" y="3485523"/>
+            <a:ext cx="307803" cy="307777"/>
+          </a:xfrm>
+          <a:prstGeom prst="rect">
+            <a:avLst/>
+          </a:prstGeom>
+          <a:noFill/>
+        </p:spPr>
+        <p:txBody>
+          <a:bodyPr wrap="square" rtlCol="0">
+            <a:spAutoFit/>
+          </a:bodyPr>
+          <a:lstStyle/>
+          <a:p>
+            <a:r>
+              <a:rPr lang="en-US" altLang="ko-KR" sz="1400" dirty="0"/>
+              <a:t>2</a:t>
+            </a:r>
+            <a:endParaRPr lang="ko-KR" altLang="en-US" sz="1400" dirty="0"/>
+          </a:p>
+        </p:txBody>
+      </p:sp>
+      <p:sp>
+        <p:nvSpPr>
+          <p:cNvPr id="55" name="TextBox 54"/>
+          <p:cNvSpPr txBox="1"/>
+          <p:nvPr/>
+        </p:nvSpPr>
+        <p:spPr>
+          <a:xfrm>
+            <a:off x="4563951" y="3910133"/>
+            <a:ext cx="307803" cy="307777"/>
+          </a:xfrm>
+          <a:prstGeom prst="rect">
+            <a:avLst/>
+          </a:prstGeom>
+          <a:noFill/>
+        </p:spPr>
+        <p:txBody>
+          <a:bodyPr wrap="square" rtlCol="0">
+            <a:spAutoFit/>
+          </a:bodyPr>
+          <a:lstStyle/>
+          <a:p>
+            <a:r>
+              <a:rPr lang="en-US" altLang="ko-KR" sz="1400" dirty="0" smtClean="0"/>
+              <a:t>5</a:t>
+            </a:r>
+            <a:endParaRPr lang="ko-KR" altLang="en-US" sz="1400" dirty="0"/>
+          </a:p>
+        </p:txBody>
+      </p:sp>
+      <p:sp>
+        <p:nvSpPr>
+          <p:cNvPr id="56" name="TextBox 55"/>
+          <p:cNvSpPr txBox="1"/>
+          <p:nvPr/>
+        </p:nvSpPr>
+        <p:spPr>
+          <a:xfrm>
+            <a:off x="5312663" y="4302100"/>
+            <a:ext cx="307803" cy="307777"/>
+          </a:xfrm>
+          <a:prstGeom prst="rect">
+            <a:avLst/>
+          </a:prstGeom>
+          <a:noFill/>
+        </p:spPr>
+        <p:txBody>
+          <a:bodyPr wrap="square" rtlCol="0">
+            <a:spAutoFit/>
+          </a:bodyPr>
+          <a:lstStyle/>
+          <a:p>
+            <a:r>
+              <a:rPr lang="en-US" altLang="ko-KR" sz="1400" dirty="0" smtClean="0"/>
+              <a:t>2</a:t>
+            </a:r>
+            <a:endParaRPr lang="ko-KR" altLang="en-US" sz="1400" dirty="0"/>
+          </a:p>
+        </p:txBody>
+      </p:sp>
+      <p:sp>
+        <p:nvSpPr>
+          <p:cNvPr id="57" name="TextBox 56"/>
+          <p:cNvSpPr txBox="1"/>
+          <p:nvPr/>
+        </p:nvSpPr>
+        <p:spPr>
+          <a:xfrm>
+            <a:off x="6201799" y="4664039"/>
+            <a:ext cx="307803" cy="307777"/>
+          </a:xfrm>
+          <a:prstGeom prst="rect">
+            <a:avLst/>
+          </a:prstGeom>
+          <a:noFill/>
+        </p:spPr>
+        <p:txBody>
+          <a:bodyPr wrap="square" rtlCol="0">
+            <a:spAutoFit/>
+          </a:bodyPr>
+          <a:lstStyle/>
+          <a:p>
+            <a:r>
+              <a:rPr lang="en-US" altLang="ko-KR" sz="1400" dirty="0" smtClean="0"/>
+              <a:t>7</a:t>
+            </a:r>
+            <a:endParaRPr lang="ko-KR" altLang="en-US" sz="1400" dirty="0"/>
+          </a:p>
+        </p:txBody>
+      </p:sp>
+      <p:sp>
+        <p:nvSpPr>
+          <p:cNvPr id="58" name="TextBox 57"/>
+          <p:cNvSpPr txBox="1"/>
+          <p:nvPr/>
+        </p:nvSpPr>
+        <p:spPr>
+          <a:xfrm>
+            <a:off x="7154811" y="5075407"/>
+            <a:ext cx="384787" cy="307777"/>
+          </a:xfrm>
+          <a:prstGeom prst="rect">
+            <a:avLst/>
+          </a:prstGeom>
+          <a:noFill/>
+        </p:spPr>
+        <p:txBody>
+          <a:bodyPr wrap="square" rtlCol="0">
+            <a:spAutoFit/>
+          </a:bodyPr>
+          <a:lstStyle/>
+          <a:p>
+            <a:r>
+              <a:rPr lang="en-US" altLang="ko-KR" sz="1400" dirty="0" smtClean="0"/>
+              <a:t>15</a:t>
+            </a:r>
+            <a:endParaRPr lang="ko-KR" altLang="en-US" sz="1400" dirty="0"/>
+          </a:p>
+        </p:txBody>
+      </p:sp>
+      <p:sp>
+        <p:nvSpPr>
+          <p:cNvPr id="59" name="TextBox 58"/>
+          <p:cNvSpPr txBox="1"/>
+          <p:nvPr/>
+        </p:nvSpPr>
+        <p:spPr>
+          <a:xfrm>
+            <a:off x="7973197" y="5389491"/>
+            <a:ext cx="384787" cy="307777"/>
+          </a:xfrm>
+          <a:prstGeom prst="rect">
+            <a:avLst/>
+          </a:prstGeom>
+          <a:noFill/>
+        </p:spPr>
+        <p:txBody>
+          <a:bodyPr wrap="square" rtlCol="0">
+            <a:spAutoFit/>
+          </a:bodyPr>
+          <a:lstStyle/>
+          <a:p>
+            <a:r>
+              <a:rPr lang="en-US" altLang="ko-KR" sz="1400" dirty="0"/>
+              <a:t>3</a:t>
+            </a:r>
+            <a:endParaRPr lang="ko-KR" altLang="en-US" sz="1400" dirty="0"/>
+          </a:p>
+        </p:txBody>
+      </p:sp>
+      <p:sp>
+        <p:nvSpPr>
+          <p:cNvPr id="60" name="TextBox 59"/>
+          <p:cNvSpPr txBox="1"/>
+          <p:nvPr/>
+        </p:nvSpPr>
+        <p:spPr>
+          <a:xfrm>
+            <a:off x="8674239" y="5732586"/>
+            <a:ext cx="384787" cy="307777"/>
+          </a:xfrm>
+          <a:prstGeom prst="rect">
+            <a:avLst/>
+          </a:prstGeom>
+          <a:noFill/>
+        </p:spPr>
+        <p:txBody>
+          <a:bodyPr wrap="square" rtlCol="0">
+            <a:spAutoFit/>
+          </a:bodyPr>
+          <a:lstStyle/>
+          <a:p>
+            <a:r>
+              <a:rPr lang="en-US" altLang="ko-KR" sz="1400" dirty="0" smtClean="0"/>
+              <a:t>5</a:t>
+            </a:r>
+            <a:endParaRPr lang="ko-KR" altLang="en-US" sz="1400" dirty="0"/>
+          </a:p>
+        </p:txBody>
+      </p:sp>
+      <p:sp>
+        <p:nvSpPr>
+          <p:cNvPr id="61" name="TextBox 60"/>
+          <p:cNvSpPr txBox="1"/>
+          <p:nvPr/>
+        </p:nvSpPr>
+        <p:spPr>
+          <a:xfrm>
+            <a:off x="8971179" y="1459930"/>
+            <a:ext cx="697901" cy="369332"/>
+          </a:xfrm>
+          <a:prstGeom prst="rect">
+            <a:avLst/>
+          </a:prstGeom>
+          <a:noFill/>
+        </p:spPr>
+        <p:txBody>
+          <a:bodyPr wrap="square" rtlCol="0">
+            <a:spAutoFit/>
+          </a:bodyPr>
+          <a:lstStyle/>
+          <a:p>
+            <a:r>
+              <a:rPr lang="en-US" altLang="ko-KR" dirty="0"/>
+              <a:t>7</a:t>
+            </a:r>
+            <a:r>
+              <a:rPr lang="en-US" altLang="ko-KR" dirty="0" smtClean="0"/>
+              <a:t>.12</a:t>
+            </a:r>
+            <a:endParaRPr lang="ko-KR" altLang="en-US" dirty="0"/>
+          </a:p>
+        </p:txBody>
+      </p:sp>
+      <p:cxnSp>
+        <p:nvCxnSpPr>
+          <p:cNvPr id="62" name="직선 연결선 61"/>
+          <p:cNvCxnSpPr/>
+          <p:nvPr/>
+        </p:nvCxnSpPr>
+        <p:spPr>
+          <a:xfrm flipV="1">
+            <a:off x="9328405" y="1832083"/>
+            <a:ext cx="0" cy="4051979"/>
+          </a:xfrm>
+          <a:prstGeom prst="line">
+            <a:avLst/>
+          </a:prstGeom>
+          <a:ln w="19050">
+            <a:solidFill>
+              <a:schemeClr val="tx1"/>
+            </a:solidFill>
+            <a:prstDash val="sysDot"/>
+          </a:ln>
+        </p:spPr>
+        <p:style>
+          <a:lnRef idx="1">
+            <a:schemeClr val="accent1"/>
+          </a:lnRef>
+          <a:fillRef idx="0">
+            <a:schemeClr val="accent1"/>
+          </a:fillRef>
+          <a:effectRef idx="0">
+            <a:schemeClr val="accent1"/>
+          </a:effectRef>
+          <a:fontRef idx="minor">
+            <a:schemeClr val="tx1"/>
+          </a:fontRef>
+        </p:style>
+      </p:cxnSp>
     </p:spTree>
     <p:extLst>
       <p:ext uri="{BB962C8B-B14F-4D97-AF65-F5344CB8AC3E}">
@@ -6156,6 +8263,13 @@
   <p:clrMapOvr>
     <a:masterClrMapping/>
   </p:clrMapOvr>
+  <p:timing>
+    <p:tnLst>
+      <p:par>
+        <p:cTn id="1" dur="indefinite" restart="never" nodeType="tmRoot"/>
+      </p:par>
+    </p:tnLst>
+  </p:timing>
 </p:sld>
 </file>
 
@@ -6181,7 +8295,7 @@
           <p:cNvPr id="5" name="그림 4">
             <a:extLst>
               <a:ext uri="{FF2B5EF4-FFF2-40B4-BE49-F238E27FC236}">
-                <a16:creationId xmlns:a16="http://schemas.microsoft.com/office/drawing/2014/main" id="{3DF62AEB-8EE3-2447-B14C-007BA80FE99A}"/>
+                <a16:creationId xmlns:a16="http://schemas.microsoft.com/office/drawing/2014/main" xmlns="" id="{3DF62AEB-8EE3-2447-B14C-007BA80FE99A}"/>
               </a:ext>
             </a:extLst>
           </p:cNvPr>
@@ -6211,7 +8325,7 @@
           <p:cNvPr id="6" name="직선 연결선[R] 5">
             <a:extLst>
               <a:ext uri="{FF2B5EF4-FFF2-40B4-BE49-F238E27FC236}">
-                <a16:creationId xmlns:a16="http://schemas.microsoft.com/office/drawing/2014/main" id="{B0895DCE-07B1-F147-892C-279B3F3312C7}"/>
+                <a16:creationId xmlns:a16="http://schemas.microsoft.com/office/drawing/2014/main" xmlns="" id="{B0895DCE-07B1-F147-892C-279B3F3312C7}"/>
               </a:ext>
             </a:extLst>
           </p:cNvPr>
@@ -6252,7 +8366,7 @@
           <p:cNvPr id="11" name="직사각형 10">
             <a:extLst>
               <a:ext uri="{FF2B5EF4-FFF2-40B4-BE49-F238E27FC236}">
-                <a16:creationId xmlns:a16="http://schemas.microsoft.com/office/drawing/2014/main" id="{F2D53CA5-7BF7-9F4E-9FE7-7F2065E40291}"/>
+                <a16:creationId xmlns:a16="http://schemas.microsoft.com/office/drawing/2014/main" xmlns="" id="{F2D53CA5-7BF7-9F4E-9FE7-7F2065E40291}"/>
               </a:ext>
             </a:extLst>
           </p:cNvPr>
@@ -6304,7 +8418,7 @@
           <p:cNvPr id="21" name="모서리가 둥근 직사각형 20">
             <a:extLst>
               <a:ext uri="{FF2B5EF4-FFF2-40B4-BE49-F238E27FC236}">
-                <a16:creationId xmlns:a16="http://schemas.microsoft.com/office/drawing/2014/main" id="{0C5A2D63-F6D7-FD4D-9E29-ECC87C45D7A1}"/>
+                <a16:creationId xmlns:a16="http://schemas.microsoft.com/office/drawing/2014/main" xmlns="" id="{0C5A2D63-F6D7-FD4D-9E29-ECC87C45D7A1}"/>
               </a:ext>
             </a:extLst>
           </p:cNvPr>
@@ -6369,7 +8483,7 @@
           <p:cNvPr id="22" name="TextBox 21">
             <a:extLst>
               <a:ext uri="{FF2B5EF4-FFF2-40B4-BE49-F238E27FC236}">
-                <a16:creationId xmlns:a16="http://schemas.microsoft.com/office/drawing/2014/main" id="{42DD3540-0883-984E-97D9-58F862DD8F18}"/>
+                <a16:creationId xmlns:a16="http://schemas.microsoft.com/office/drawing/2014/main" xmlns="" id="{42DD3540-0883-984E-97D9-58F862DD8F18}"/>
               </a:ext>
             </a:extLst>
           </p:cNvPr>
@@ -6379,7 +8493,7 @@
         <p:spPr>
           <a:xfrm>
             <a:off x="266706" y="978115"/>
-            <a:ext cx="3283271" cy="400110"/>
+            <a:ext cx="1939955" cy="400110"/>
           </a:xfrm>
           <a:prstGeom prst="rect">
             <a:avLst/>
@@ -6394,6 +8508,19 @@
           <a:p>
             <a:r>
               <a:rPr kumimoji="1" lang="en-US" altLang="ko-KR" sz="2000" dirty="0">
+                <a:solidFill>
+                  <a:schemeClr val="tx1">
+                    <a:lumMod val="65000"/>
+                    <a:lumOff val="35000"/>
+                  </a:schemeClr>
+                </a:solidFill>
+                <a:latin typeface="강원교육튼튼" panose="02020603020101020101" pitchFamily="18" charset="-127"/>
+                <a:ea typeface="강원교육튼튼" panose="02020603020101020101" pitchFamily="18" charset="-127"/>
+              </a:rPr>
+              <a:t>SKILLS.</a:t>
+            </a:r>
+            <a:r>
+              <a:rPr kumimoji="1" lang="ko-KR" altLang="en-US" sz="2000" dirty="0">
                 <a:solidFill>
                   <a:schemeClr val="tx1">
                     <a:lumMod val="65000"/>
@@ -6403,14 +8530,28 @@
                 <a:latin typeface="GangwonEduPower ExtraBold" panose="02020603020101020101" pitchFamily="18" charset="-127"/>
                 <a:ea typeface="GangwonEduPower ExtraBold" panose="02020603020101020101" pitchFamily="18" charset="-127"/>
               </a:rPr>
-              <a:t>ARCHET. </a:t>
-            </a:r>
-            <a:r>
-              <a:rPr kumimoji="1" lang="ko-KR" altLang="en-US" sz="1500" dirty="0">
+              <a:t> </a:t>
+            </a:r>
+            <a:r>
+              <a:rPr kumimoji="1" lang="ko-KR" altLang="en-US" sz="1500" dirty="0" smtClean="0">
                 <a:latin typeface="IBM Plex Sans KR Thin" panose="020B0203050203000203" pitchFamily="34" charset="-127"/>
                 <a:ea typeface="IBM Plex Sans KR Thin" panose="020B0203050203000203" pitchFamily="34" charset="-127"/>
               </a:rPr>
-              <a:t>테이블 설계 및 구현 기능</a:t>
+              <a:t>개발</a:t>
+            </a:r>
+            <a:r>
+              <a:rPr kumimoji="1" lang="en-US" altLang="ko-KR" sz="1500" dirty="0" smtClean="0">
+                <a:latin typeface="IBM Plex Sans KR Thin" panose="020B0203050203000203" pitchFamily="34" charset="-127"/>
+                <a:ea typeface="IBM Plex Sans KR Thin" panose="020B0203050203000203" pitchFamily="34" charset="-127"/>
+              </a:rPr>
+              <a:t> </a:t>
+            </a:r>
+            <a:r>
+              <a:rPr kumimoji="1" lang="ko-KR" altLang="en-US" sz="1500" dirty="0" smtClean="0">
+                <a:latin typeface="IBM Plex Sans KR Thin" panose="020B0203050203000203" pitchFamily="34" charset="-127"/>
+                <a:ea typeface="IBM Plex Sans KR Thin" panose="020B0203050203000203" pitchFamily="34" charset="-127"/>
+              </a:rPr>
+              <a:t>환경</a:t>
             </a:r>
             <a:endParaRPr kumimoji="1" lang="ko-KR" altLang="en-US" sz="1500" dirty="0">
               <a:solidFill>
@@ -6430,7 +8571,7 @@
           <p:cNvPr id="9" name="직사각형 8">
             <a:extLst>
               <a:ext uri="{FF2B5EF4-FFF2-40B4-BE49-F238E27FC236}">
-                <a16:creationId xmlns:a16="http://schemas.microsoft.com/office/drawing/2014/main" id="{71FC172E-010D-E84F-9E5A-2C65223C3954}"/>
+                <a16:creationId xmlns:a16="http://schemas.microsoft.com/office/drawing/2014/main" xmlns="" id="{71FC172E-010D-E84F-9E5A-2C65223C3954}"/>
               </a:ext>
             </a:extLst>
           </p:cNvPr>
@@ -6482,16 +8623,301 @@
           </a:p>
         </p:txBody>
       </p:sp>
+      <p:pic>
+        <p:nvPicPr>
+          <p:cNvPr id="2" name="그림 1"/>
+          <p:cNvPicPr>
+            <a:picLocks noChangeAspect="1"/>
+          </p:cNvPicPr>
+          <p:nvPr/>
+        </p:nvPicPr>
+        <p:blipFill>
+          <a:blip r:embed="rId3">
+            <a:extLst>
+              <a:ext uri="{28A0092B-C50C-407E-A947-70E740481C1C}">
+                <a14:useLocalDpi xmlns:a14="http://schemas.microsoft.com/office/drawing/2010/main" val="0"/>
+              </a:ext>
+            </a:extLst>
+          </a:blip>
+          <a:stretch>
+            <a:fillRect/>
+          </a:stretch>
+        </p:blipFill>
+        <p:spPr>
+          <a:xfrm>
+            <a:off x="355620" y="1936262"/>
+            <a:ext cx="1762125" cy="1771650"/>
+          </a:xfrm>
+          <a:prstGeom prst="rect">
+            <a:avLst/>
+          </a:prstGeom>
+        </p:spPr>
+      </p:pic>
+      <p:pic>
+        <p:nvPicPr>
+          <p:cNvPr id="3" name="그림 2"/>
+          <p:cNvPicPr>
+            <a:picLocks noChangeAspect="1"/>
+          </p:cNvPicPr>
+          <p:nvPr/>
+        </p:nvPicPr>
+        <p:blipFill>
+          <a:blip r:embed="rId4">
+            <a:extLst>
+              <a:ext uri="{28A0092B-C50C-407E-A947-70E740481C1C}">
+                <a14:useLocalDpi xmlns:a14="http://schemas.microsoft.com/office/drawing/2010/main" val="0"/>
+              </a:ext>
+            </a:extLst>
+          </a:blip>
+          <a:stretch>
+            <a:fillRect/>
+          </a:stretch>
+        </p:blipFill>
+        <p:spPr>
+          <a:xfrm>
+            <a:off x="2485088" y="1936262"/>
+            <a:ext cx="3688924" cy="1844462"/>
+          </a:xfrm>
+          <a:prstGeom prst="rect">
+            <a:avLst/>
+          </a:prstGeom>
+        </p:spPr>
+      </p:pic>
+      <p:pic>
+        <p:nvPicPr>
+          <p:cNvPr id="4" name="그림 3"/>
+          <p:cNvPicPr>
+            <a:picLocks noChangeAspect="1"/>
+          </p:cNvPicPr>
+          <p:nvPr/>
+        </p:nvPicPr>
+        <p:blipFill>
+          <a:blip r:embed="rId5">
+            <a:extLst>
+              <a:ext uri="{28A0092B-C50C-407E-A947-70E740481C1C}">
+                <a14:useLocalDpi xmlns:a14="http://schemas.microsoft.com/office/drawing/2010/main" val="0"/>
+              </a:ext>
+            </a:extLst>
+          </a:blip>
+          <a:stretch>
+            <a:fillRect/>
+          </a:stretch>
+        </p:blipFill>
+        <p:spPr>
+          <a:xfrm>
+            <a:off x="6816859" y="1904285"/>
+            <a:ext cx="1752165" cy="1752165"/>
+          </a:xfrm>
+          <a:prstGeom prst="rect">
+            <a:avLst/>
+          </a:prstGeom>
+        </p:spPr>
+      </p:pic>
+      <p:pic>
+        <p:nvPicPr>
+          <p:cNvPr id="7" name="그림 6"/>
+          <p:cNvPicPr>
+            <a:picLocks noChangeAspect="1"/>
+          </p:cNvPicPr>
+          <p:nvPr/>
+        </p:nvPicPr>
+        <p:blipFill>
+          <a:blip r:embed="rId6">
+            <a:extLst>
+              <a:ext uri="{28A0092B-C50C-407E-A947-70E740481C1C}">
+                <a14:useLocalDpi xmlns:a14="http://schemas.microsoft.com/office/drawing/2010/main" val="0"/>
+              </a:ext>
+            </a:extLst>
+          </a:blip>
+          <a:stretch>
+            <a:fillRect/>
+          </a:stretch>
+        </p:blipFill>
+        <p:spPr>
+          <a:xfrm>
+            <a:off x="9095232" y="2056250"/>
+            <a:ext cx="2857500" cy="1600200"/>
+          </a:xfrm>
+          <a:prstGeom prst="rect">
+            <a:avLst/>
+          </a:prstGeom>
+        </p:spPr>
+      </p:pic>
+      <p:sp>
+        <p:nvSpPr>
+          <p:cNvPr id="12" name="TextBox 11"/>
+          <p:cNvSpPr txBox="1"/>
+          <p:nvPr/>
+        </p:nvSpPr>
+        <p:spPr>
+          <a:xfrm>
+            <a:off x="738334" y="3776979"/>
+            <a:ext cx="996696" cy="584775"/>
+          </a:xfrm>
+          <a:prstGeom prst="rect">
+            <a:avLst/>
+          </a:prstGeom>
+          <a:noFill/>
+        </p:spPr>
+        <p:txBody>
+          <a:bodyPr wrap="square" rtlCol="0">
+            <a:spAutoFit/>
+          </a:bodyPr>
+          <a:lstStyle/>
+          <a:p>
+            <a:pPr algn="ctr"/>
+            <a:r>
+              <a:rPr lang="en-US" altLang="ko-KR" sz="1600" dirty="0" smtClean="0">
+                <a:latin typeface="강원교육튼튼" panose="02020603020101020101" pitchFamily="18" charset="-127"/>
+                <a:ea typeface="강원교육튼튼" panose="02020603020101020101" pitchFamily="18" charset="-127"/>
+              </a:rPr>
+              <a:t>Back IDE</a:t>
+            </a:r>
+            <a:endParaRPr lang="ko-KR" altLang="en-US" sz="1600" dirty="0">
+              <a:latin typeface="강원교육튼튼" panose="02020603020101020101" pitchFamily="18" charset="-127"/>
+              <a:ea typeface="강원교육튼튼" panose="02020603020101020101" pitchFamily="18" charset="-127"/>
+            </a:endParaRPr>
+          </a:p>
+        </p:txBody>
+      </p:sp>
+      <p:sp>
+        <p:nvSpPr>
+          <p:cNvPr id="13" name="TextBox 12"/>
+          <p:cNvSpPr txBox="1"/>
+          <p:nvPr/>
+        </p:nvSpPr>
+        <p:spPr>
+          <a:xfrm>
+            <a:off x="3831202" y="3780724"/>
+            <a:ext cx="996696" cy="584775"/>
+          </a:xfrm>
+          <a:prstGeom prst="rect">
+            <a:avLst/>
+          </a:prstGeom>
+          <a:noFill/>
+        </p:spPr>
+        <p:txBody>
+          <a:bodyPr wrap="square" rtlCol="0">
+            <a:spAutoFit/>
+          </a:bodyPr>
+          <a:lstStyle/>
+          <a:p>
+            <a:pPr algn="ctr"/>
+            <a:r>
+              <a:rPr lang="en-US" altLang="ko-KR" sz="1600" dirty="0" smtClean="0">
+                <a:latin typeface="강원교육튼튼" panose="02020603020101020101" pitchFamily="18" charset="-127"/>
+                <a:ea typeface="강원교육튼튼" panose="02020603020101020101" pitchFamily="18" charset="-127"/>
+              </a:rPr>
+              <a:t>Front</a:t>
+            </a:r>
+          </a:p>
+          <a:p>
+            <a:pPr algn="ctr"/>
+            <a:r>
+              <a:rPr lang="en-US" altLang="ko-KR" sz="1600" dirty="0" smtClean="0">
+                <a:latin typeface="강원교육튼튼" panose="02020603020101020101" pitchFamily="18" charset="-127"/>
+                <a:ea typeface="강원교육튼튼" panose="02020603020101020101" pitchFamily="18" charset="-127"/>
+              </a:rPr>
+              <a:t>IDE</a:t>
+            </a:r>
+            <a:endParaRPr lang="ko-KR" altLang="en-US" sz="1600" dirty="0">
+              <a:latin typeface="강원교육튼튼" panose="02020603020101020101" pitchFamily="18" charset="-127"/>
+              <a:ea typeface="강원교육튼튼" panose="02020603020101020101" pitchFamily="18" charset="-127"/>
+            </a:endParaRPr>
+          </a:p>
+        </p:txBody>
+      </p:sp>
+      <p:sp>
+        <p:nvSpPr>
+          <p:cNvPr id="14" name="TextBox 13"/>
+          <p:cNvSpPr txBox="1"/>
+          <p:nvPr/>
+        </p:nvSpPr>
+        <p:spPr>
+          <a:xfrm>
+            <a:off x="7194593" y="3780724"/>
+            <a:ext cx="996696" cy="584775"/>
+          </a:xfrm>
+          <a:prstGeom prst="rect">
+            <a:avLst/>
+          </a:prstGeom>
+          <a:noFill/>
+        </p:spPr>
+        <p:txBody>
+          <a:bodyPr wrap="square" rtlCol="0">
+            <a:spAutoFit/>
+          </a:bodyPr>
+          <a:lstStyle/>
+          <a:p>
+            <a:pPr algn="ctr"/>
+            <a:r>
+              <a:rPr lang="en-US" altLang="ko-KR" sz="1600" dirty="0" smtClean="0">
+                <a:latin typeface="강원교육튼튼" panose="02020603020101020101" pitchFamily="18" charset="-127"/>
+                <a:ea typeface="강원교육튼튼" panose="02020603020101020101" pitchFamily="18" charset="-127"/>
+              </a:rPr>
+              <a:t>Source Tree</a:t>
+            </a:r>
+            <a:endParaRPr lang="ko-KR" altLang="en-US" sz="1600" dirty="0">
+              <a:latin typeface="강원교육튼튼" panose="02020603020101020101" pitchFamily="18" charset="-127"/>
+              <a:ea typeface="강원교육튼튼" panose="02020603020101020101" pitchFamily="18" charset="-127"/>
+            </a:endParaRPr>
+          </a:p>
+        </p:txBody>
+      </p:sp>
+      <p:sp>
+        <p:nvSpPr>
+          <p:cNvPr id="15" name="TextBox 14"/>
+          <p:cNvSpPr txBox="1"/>
+          <p:nvPr/>
+        </p:nvSpPr>
+        <p:spPr>
+          <a:xfrm>
+            <a:off x="10178538" y="3776979"/>
+            <a:ext cx="996696" cy="338554"/>
+          </a:xfrm>
+          <a:prstGeom prst="rect">
+            <a:avLst/>
+          </a:prstGeom>
+          <a:noFill/>
+        </p:spPr>
+        <p:txBody>
+          <a:bodyPr wrap="square" rtlCol="0">
+            <a:spAutoFit/>
+          </a:bodyPr>
+          <a:lstStyle/>
+          <a:p>
+            <a:pPr algn="ctr"/>
+            <a:r>
+              <a:rPr lang="en-US" altLang="ko-KR" sz="1600" dirty="0" smtClean="0">
+                <a:latin typeface="강원교육튼튼" panose="02020603020101020101" pitchFamily="18" charset="-127"/>
+                <a:ea typeface="강원교육튼튼" panose="02020603020101020101" pitchFamily="18" charset="-127"/>
+              </a:rPr>
+              <a:t>DB</a:t>
+            </a:r>
+            <a:endParaRPr lang="ko-KR" altLang="en-US" sz="1600" dirty="0">
+              <a:latin typeface="강원교육튼튼" panose="02020603020101020101" pitchFamily="18" charset="-127"/>
+              <a:ea typeface="강원교육튼튼" panose="02020603020101020101" pitchFamily="18" charset="-127"/>
+            </a:endParaRPr>
+          </a:p>
+        </p:txBody>
+      </p:sp>
     </p:spTree>
     <p:extLst>
       <p:ext uri="{BB962C8B-B14F-4D97-AF65-F5344CB8AC3E}">
-        <p14:creationId xmlns:p14="http://schemas.microsoft.com/office/powerpoint/2010/main" val="2652518932"/>
+        <p14:creationId xmlns:p14="http://schemas.microsoft.com/office/powerpoint/2010/main" val="1693012064"/>
       </p:ext>
     </p:extLst>
   </p:cSld>
   <p:clrMapOvr>
     <a:masterClrMapping/>
   </p:clrMapOvr>
+  <p:timing>
+    <p:tnLst>
+      <p:par>
+        <p:cTn id="1" dur="indefinite" restart="never" nodeType="tmRoot"/>
+      </p:par>
+    </p:tnLst>
+  </p:timing>
 </p:sld>
 </file>
 
@@ -6517,7 +8943,7 @@
           <p:cNvPr id="5" name="그림 4">
             <a:extLst>
               <a:ext uri="{FF2B5EF4-FFF2-40B4-BE49-F238E27FC236}">
-                <a16:creationId xmlns:a16="http://schemas.microsoft.com/office/drawing/2014/main" id="{3DF62AEB-8EE3-2447-B14C-007BA80FE99A}"/>
+                <a16:creationId xmlns:a16="http://schemas.microsoft.com/office/drawing/2014/main" xmlns="" id="{3DF62AEB-8EE3-2447-B14C-007BA80FE99A}"/>
               </a:ext>
             </a:extLst>
           </p:cNvPr>
@@ -6547,7 +8973,7 @@
           <p:cNvPr id="6" name="직선 연결선[R] 5">
             <a:extLst>
               <a:ext uri="{FF2B5EF4-FFF2-40B4-BE49-F238E27FC236}">
-                <a16:creationId xmlns:a16="http://schemas.microsoft.com/office/drawing/2014/main" id="{B0895DCE-07B1-F147-892C-279B3F3312C7}"/>
+                <a16:creationId xmlns:a16="http://schemas.microsoft.com/office/drawing/2014/main" xmlns="" id="{B0895DCE-07B1-F147-892C-279B3F3312C7}"/>
               </a:ext>
             </a:extLst>
           </p:cNvPr>
@@ -6588,7 +9014,7 @@
           <p:cNvPr id="11" name="직사각형 10">
             <a:extLst>
               <a:ext uri="{FF2B5EF4-FFF2-40B4-BE49-F238E27FC236}">
-                <a16:creationId xmlns:a16="http://schemas.microsoft.com/office/drawing/2014/main" id="{F2D53CA5-7BF7-9F4E-9FE7-7F2065E40291}"/>
+                <a16:creationId xmlns:a16="http://schemas.microsoft.com/office/drawing/2014/main" xmlns="" id="{F2D53CA5-7BF7-9F4E-9FE7-7F2065E40291}"/>
               </a:ext>
             </a:extLst>
           </p:cNvPr>
@@ -6640,7 +9066,7 @@
           <p:cNvPr id="21" name="모서리가 둥근 직사각형 20">
             <a:extLst>
               <a:ext uri="{FF2B5EF4-FFF2-40B4-BE49-F238E27FC236}">
-                <a16:creationId xmlns:a16="http://schemas.microsoft.com/office/drawing/2014/main" id="{0C5A2D63-F6D7-FD4D-9E29-ECC87C45D7A1}"/>
+                <a16:creationId xmlns:a16="http://schemas.microsoft.com/office/drawing/2014/main" xmlns="" id="{0C5A2D63-F6D7-FD4D-9E29-ECC87C45D7A1}"/>
               </a:ext>
             </a:extLst>
           </p:cNvPr>
@@ -6705,7 +9131,7 @@
           <p:cNvPr id="22" name="TextBox 21">
             <a:extLst>
               <a:ext uri="{FF2B5EF4-FFF2-40B4-BE49-F238E27FC236}">
-                <a16:creationId xmlns:a16="http://schemas.microsoft.com/office/drawing/2014/main" id="{42DD3540-0883-984E-97D9-58F862DD8F18}"/>
+                <a16:creationId xmlns:a16="http://schemas.microsoft.com/office/drawing/2014/main" xmlns="" id="{42DD3540-0883-984E-97D9-58F862DD8F18}"/>
               </a:ext>
             </a:extLst>
           </p:cNvPr>
@@ -6715,7 +9141,7 @@
         <p:spPr>
           <a:xfrm>
             <a:off x="266706" y="978115"/>
-            <a:ext cx="1478290" cy="400110"/>
+            <a:ext cx="2457724" cy="400110"/>
           </a:xfrm>
           <a:prstGeom prst="rect">
             <a:avLst/>
@@ -6730,6 +9156,19 @@
           <a:p>
             <a:r>
               <a:rPr kumimoji="1" lang="en-US" altLang="ko-KR" sz="2000" dirty="0">
+                <a:solidFill>
+                  <a:schemeClr val="tx1">
+                    <a:lumMod val="65000"/>
+                    <a:lumOff val="35000"/>
+                  </a:schemeClr>
+                </a:solidFill>
+                <a:latin typeface="강원교육튼튼" panose="02020603020101020101" pitchFamily="18" charset="-127"/>
+                <a:ea typeface="강원교육튼튼" panose="02020603020101020101" pitchFamily="18" charset="-127"/>
+              </a:rPr>
+              <a:t>SKILLS.</a:t>
+            </a:r>
+            <a:r>
+              <a:rPr kumimoji="1" lang="ko-KR" altLang="en-US" sz="2000" dirty="0">
                 <a:solidFill>
                   <a:schemeClr val="tx1">
                     <a:lumMod val="65000"/>
@@ -6739,14 +9178,28 @@
                 <a:latin typeface="GangwonEduPower ExtraBold" panose="02020603020101020101" pitchFamily="18" charset="-127"/>
                 <a:ea typeface="GangwonEduPower ExtraBold" panose="02020603020101020101" pitchFamily="18" charset="-127"/>
               </a:rPr>
-              <a:t>DEMO. </a:t>
+              <a:t> </a:t>
+            </a:r>
+            <a:r>
+              <a:rPr kumimoji="1" lang="ko-KR" altLang="en-US" sz="1500" dirty="0" smtClean="0">
+                <a:latin typeface="IBM Plex Sans KR Thin" panose="020B0203050203000203" pitchFamily="34" charset="-127"/>
+                <a:ea typeface="IBM Plex Sans KR Thin" panose="020B0203050203000203" pitchFamily="34" charset="-127"/>
+              </a:rPr>
+              <a:t>활용한 </a:t>
             </a:r>
             <a:r>
               <a:rPr kumimoji="1" lang="ko-KR" altLang="en-US" sz="1500" dirty="0">
                 <a:latin typeface="IBM Plex Sans KR Thin" panose="020B0203050203000203" pitchFamily="34" charset="-127"/>
                 <a:ea typeface="IBM Plex Sans KR Thin" panose="020B0203050203000203" pitchFamily="34" charset="-127"/>
               </a:rPr>
-              <a:t>시연</a:t>
+              <a:t>오픈 </a:t>
+            </a:r>
+            <a:r>
+              <a:rPr kumimoji="1" lang="en-US" altLang="ko-KR" sz="1500" dirty="0">
+                <a:latin typeface="IBM Plex Sans KR Thin" panose="020B0203050203000203" pitchFamily="34" charset="-127"/>
+                <a:ea typeface="IBM Plex Sans KR Thin" panose="020B0203050203000203" pitchFamily="34" charset="-127"/>
+              </a:rPr>
+              <a:t>API</a:t>
             </a:r>
             <a:endParaRPr kumimoji="1" lang="ko-KR" altLang="en-US" sz="1500" dirty="0">
               <a:solidFill>
@@ -6766,7 +9219,7 @@
           <p:cNvPr id="9" name="직사각형 8">
             <a:extLst>
               <a:ext uri="{FF2B5EF4-FFF2-40B4-BE49-F238E27FC236}">
-                <a16:creationId xmlns:a16="http://schemas.microsoft.com/office/drawing/2014/main" id="{71FC172E-010D-E84F-9E5A-2C65223C3954}"/>
+                <a16:creationId xmlns:a16="http://schemas.microsoft.com/office/drawing/2014/main" xmlns="" id="{71FC172E-010D-E84F-9E5A-2C65223C3954}"/>
               </a:ext>
             </a:extLst>
           </p:cNvPr>
@@ -6818,16 +9271,467 @@
           </a:p>
         </p:txBody>
       </p:sp>
+      <p:pic>
+        <p:nvPicPr>
+          <p:cNvPr id="2" name="그림 1"/>
+          <p:cNvPicPr>
+            <a:picLocks noChangeAspect="1"/>
+          </p:cNvPicPr>
+          <p:nvPr/>
+        </p:nvPicPr>
+        <p:blipFill>
+          <a:blip r:embed="rId3">
+            <a:extLst>
+              <a:ext uri="{28A0092B-C50C-407E-A947-70E740481C1C}">
+                <a14:useLocalDpi xmlns:a14="http://schemas.microsoft.com/office/drawing/2010/main" val="0"/>
+              </a:ext>
+            </a:extLst>
+          </a:blip>
+          <a:stretch>
+            <a:fillRect/>
+          </a:stretch>
+        </p:blipFill>
+        <p:spPr>
+          <a:xfrm>
+            <a:off x="266706" y="1886372"/>
+            <a:ext cx="1790694" cy="1780577"/>
+          </a:xfrm>
+          <a:prstGeom prst="rect">
+            <a:avLst/>
+          </a:prstGeom>
+        </p:spPr>
+      </p:pic>
+      <p:pic>
+        <p:nvPicPr>
+          <p:cNvPr id="3" name="그림 2"/>
+          <p:cNvPicPr>
+            <a:picLocks noChangeAspect="1"/>
+          </p:cNvPicPr>
+          <p:nvPr/>
+        </p:nvPicPr>
+        <p:blipFill>
+          <a:blip r:embed="rId4">
+            <a:extLst>
+              <a:ext uri="{28A0092B-C50C-407E-A947-70E740481C1C}">
+                <a14:useLocalDpi xmlns:a14="http://schemas.microsoft.com/office/drawing/2010/main" val="0"/>
+              </a:ext>
+            </a:extLst>
+          </a:blip>
+          <a:stretch>
+            <a:fillRect/>
+          </a:stretch>
+        </p:blipFill>
+        <p:spPr>
+          <a:xfrm>
+            <a:off x="2737901" y="1755711"/>
+            <a:ext cx="2033391" cy="2033391"/>
+          </a:xfrm>
+          <a:prstGeom prst="rect">
+            <a:avLst/>
+          </a:prstGeom>
+        </p:spPr>
+      </p:pic>
+      <p:pic>
+        <p:nvPicPr>
+          <p:cNvPr id="4" name="그림 3"/>
+          <p:cNvPicPr>
+            <a:picLocks noChangeAspect="1"/>
+          </p:cNvPicPr>
+          <p:nvPr/>
+        </p:nvPicPr>
+        <p:blipFill>
+          <a:blip r:embed="rId5">
+            <a:extLst>
+              <a:ext uri="{28A0092B-C50C-407E-A947-70E740481C1C}">
+                <a14:useLocalDpi xmlns:a14="http://schemas.microsoft.com/office/drawing/2010/main" val="0"/>
+              </a:ext>
+            </a:extLst>
+          </a:blip>
+          <a:stretch>
+            <a:fillRect/>
+          </a:stretch>
+        </p:blipFill>
+        <p:spPr>
+          <a:xfrm>
+            <a:off x="7520916" y="1607334"/>
+            <a:ext cx="2219625" cy="2236634"/>
+          </a:xfrm>
+          <a:prstGeom prst="rect">
+            <a:avLst/>
+          </a:prstGeom>
+        </p:spPr>
+      </p:pic>
+      <p:pic>
+        <p:nvPicPr>
+          <p:cNvPr id="7" name="그림 6"/>
+          <p:cNvPicPr>
+            <a:picLocks noChangeAspect="1"/>
+          </p:cNvPicPr>
+          <p:nvPr/>
+        </p:nvPicPr>
+        <p:blipFill>
+          <a:blip r:embed="rId6">
+            <a:extLst>
+              <a:ext uri="{28A0092B-C50C-407E-A947-70E740481C1C}">
+                <a14:useLocalDpi xmlns:a14="http://schemas.microsoft.com/office/drawing/2010/main" val="0"/>
+              </a:ext>
+            </a:extLst>
+          </a:blip>
+          <a:stretch>
+            <a:fillRect/>
+          </a:stretch>
+        </p:blipFill>
+        <p:spPr>
+          <a:xfrm>
+            <a:off x="6242795" y="4758974"/>
+            <a:ext cx="2556242" cy="511248"/>
+          </a:xfrm>
+          <a:prstGeom prst="rect">
+            <a:avLst/>
+          </a:prstGeom>
+        </p:spPr>
+      </p:pic>
+      <p:pic>
+        <p:nvPicPr>
+          <p:cNvPr id="8" name="그림 7"/>
+          <p:cNvPicPr>
+            <a:picLocks noChangeAspect="1"/>
+          </p:cNvPicPr>
+          <p:nvPr/>
+        </p:nvPicPr>
+        <p:blipFill>
+          <a:blip r:embed="rId7">
+            <a:extLst>
+              <a:ext uri="{28A0092B-C50C-407E-A947-70E740481C1C}">
+                <a14:useLocalDpi xmlns:a14="http://schemas.microsoft.com/office/drawing/2010/main" val="0"/>
+              </a:ext>
+            </a:extLst>
+          </a:blip>
+          <a:stretch>
+            <a:fillRect/>
+          </a:stretch>
+        </p:blipFill>
+        <p:spPr>
+          <a:xfrm>
+            <a:off x="5377791" y="1700843"/>
+            <a:ext cx="2143125" cy="2143125"/>
+          </a:xfrm>
+          <a:prstGeom prst="rect">
+            <a:avLst/>
+          </a:prstGeom>
+        </p:spPr>
+      </p:pic>
+      <p:pic>
+        <p:nvPicPr>
+          <p:cNvPr id="10" name="그림 9"/>
+          <p:cNvPicPr>
+            <a:picLocks noChangeAspect="1"/>
+          </p:cNvPicPr>
+          <p:nvPr/>
+        </p:nvPicPr>
+        <p:blipFill>
+          <a:blip r:embed="rId8">
+            <a:extLst>
+              <a:ext uri="{28A0092B-C50C-407E-A947-70E740481C1C}">
+                <a14:useLocalDpi xmlns:a14="http://schemas.microsoft.com/office/drawing/2010/main" val="0"/>
+              </a:ext>
+            </a:extLst>
+          </a:blip>
+          <a:stretch>
+            <a:fillRect/>
+          </a:stretch>
+        </p:blipFill>
+        <p:spPr>
+          <a:xfrm>
+            <a:off x="1967727" y="3943036"/>
+            <a:ext cx="2143125" cy="2143125"/>
+          </a:xfrm>
+          <a:prstGeom prst="rect">
+            <a:avLst/>
+          </a:prstGeom>
+        </p:spPr>
+      </p:pic>
+      <p:sp>
+        <p:nvSpPr>
+          <p:cNvPr id="12" name="TextBox 11"/>
+          <p:cNvSpPr txBox="1"/>
+          <p:nvPr/>
+        </p:nvSpPr>
+        <p:spPr>
+          <a:xfrm>
+            <a:off x="668778" y="3728206"/>
+            <a:ext cx="996696" cy="338554"/>
+          </a:xfrm>
+          <a:prstGeom prst="rect">
+            <a:avLst/>
+          </a:prstGeom>
+          <a:noFill/>
+        </p:spPr>
+        <p:txBody>
+          <a:bodyPr wrap="square" rtlCol="0">
+            <a:spAutoFit/>
+          </a:bodyPr>
+          <a:lstStyle/>
+          <a:p>
+            <a:pPr algn="ctr"/>
+            <a:r>
+              <a:rPr lang="ko-KR" altLang="en-US" sz="1600" dirty="0" smtClean="0">
+                <a:latin typeface="강원교육튼튼" panose="02020603020101020101" pitchFamily="18" charset="-127"/>
+                <a:ea typeface="강원교육튼튼" panose="02020603020101020101" pitchFamily="18" charset="-127"/>
+              </a:rPr>
+              <a:t>지도 </a:t>
+            </a:r>
+            <a:r>
+              <a:rPr lang="en-US" altLang="ko-KR" sz="1600" dirty="0" smtClean="0">
+                <a:latin typeface="강원교육튼튼" panose="02020603020101020101" pitchFamily="18" charset="-127"/>
+                <a:ea typeface="강원교육튼튼" panose="02020603020101020101" pitchFamily="18" charset="-127"/>
+              </a:rPr>
+              <a:t>API</a:t>
+            </a:r>
+            <a:endParaRPr lang="ko-KR" altLang="en-US" sz="1600" dirty="0">
+              <a:latin typeface="강원교육튼튼" panose="02020603020101020101" pitchFamily="18" charset="-127"/>
+              <a:ea typeface="강원교육튼튼" panose="02020603020101020101" pitchFamily="18" charset="-127"/>
+            </a:endParaRPr>
+          </a:p>
+        </p:txBody>
+      </p:sp>
+      <p:sp>
+        <p:nvSpPr>
+          <p:cNvPr id="15" name="TextBox 14"/>
+          <p:cNvSpPr txBox="1"/>
+          <p:nvPr/>
+        </p:nvSpPr>
+        <p:spPr>
+          <a:xfrm>
+            <a:off x="3807881" y="3755702"/>
+            <a:ext cx="996696" cy="338554"/>
+          </a:xfrm>
+          <a:prstGeom prst="rect">
+            <a:avLst/>
+          </a:prstGeom>
+          <a:noFill/>
+        </p:spPr>
+        <p:txBody>
+          <a:bodyPr wrap="square" rtlCol="0">
+            <a:spAutoFit/>
+          </a:bodyPr>
+          <a:lstStyle/>
+          <a:p>
+            <a:pPr algn="ctr"/>
+            <a:r>
+              <a:rPr lang="ko-KR" altLang="en-US" sz="1600" dirty="0" smtClean="0">
+                <a:latin typeface="강원교육튼튼" panose="02020603020101020101" pitchFamily="18" charset="-127"/>
+                <a:ea typeface="강원교육튼튼" panose="02020603020101020101" pitchFamily="18" charset="-127"/>
+              </a:rPr>
+              <a:t>날씨 </a:t>
+            </a:r>
+            <a:r>
+              <a:rPr lang="en-US" altLang="ko-KR" sz="1600" dirty="0" smtClean="0">
+                <a:latin typeface="강원교육튼튼" panose="02020603020101020101" pitchFamily="18" charset="-127"/>
+                <a:ea typeface="강원교육튼튼" panose="02020603020101020101" pitchFamily="18" charset="-127"/>
+              </a:rPr>
+              <a:t>API</a:t>
+            </a:r>
+            <a:endParaRPr lang="ko-KR" altLang="en-US" sz="1600" dirty="0">
+              <a:latin typeface="강원교육튼튼" panose="02020603020101020101" pitchFamily="18" charset="-127"/>
+              <a:ea typeface="강원교육튼튼" panose="02020603020101020101" pitchFamily="18" charset="-127"/>
+            </a:endParaRPr>
+          </a:p>
+        </p:txBody>
+      </p:sp>
+      <p:sp>
+        <p:nvSpPr>
+          <p:cNvPr id="16" name="TextBox 15"/>
+          <p:cNvSpPr txBox="1"/>
+          <p:nvPr/>
+        </p:nvSpPr>
+        <p:spPr>
+          <a:xfrm>
+            <a:off x="5838763" y="3728206"/>
+            <a:ext cx="1254466" cy="338554"/>
+          </a:xfrm>
+          <a:prstGeom prst="rect">
+            <a:avLst/>
+          </a:prstGeom>
+          <a:noFill/>
+        </p:spPr>
+        <p:txBody>
+          <a:bodyPr wrap="square" rtlCol="0">
+            <a:spAutoFit/>
+          </a:bodyPr>
+          <a:lstStyle/>
+          <a:p>
+            <a:pPr algn="ctr"/>
+            <a:r>
+              <a:rPr lang="ko-KR" altLang="en-US" sz="1600" smtClean="0">
+                <a:latin typeface="강원교육튼튼" panose="02020603020101020101" pitchFamily="18" charset="-127"/>
+                <a:ea typeface="강원교육튼튼" panose="02020603020101020101" pitchFamily="18" charset="-127"/>
+              </a:rPr>
+              <a:t>그래프 </a:t>
+            </a:r>
+            <a:r>
+              <a:rPr lang="en-US" altLang="ko-KR" sz="1600" dirty="0" smtClean="0">
+                <a:latin typeface="강원교육튼튼" panose="02020603020101020101" pitchFamily="18" charset="-127"/>
+                <a:ea typeface="강원교육튼튼" panose="02020603020101020101" pitchFamily="18" charset="-127"/>
+              </a:rPr>
+              <a:t>API</a:t>
+            </a:r>
+            <a:endParaRPr lang="ko-KR" altLang="en-US" sz="1600" dirty="0">
+              <a:latin typeface="강원교육튼튼" panose="02020603020101020101" pitchFamily="18" charset="-127"/>
+              <a:ea typeface="강원교육튼튼" panose="02020603020101020101" pitchFamily="18" charset="-127"/>
+            </a:endParaRPr>
+          </a:p>
+        </p:txBody>
+      </p:sp>
+      <p:sp>
+        <p:nvSpPr>
+          <p:cNvPr id="17" name="TextBox 16"/>
+          <p:cNvSpPr txBox="1"/>
+          <p:nvPr/>
+        </p:nvSpPr>
+        <p:spPr>
+          <a:xfrm>
+            <a:off x="7944253" y="3755702"/>
+            <a:ext cx="1372951" cy="338554"/>
+          </a:xfrm>
+          <a:prstGeom prst="rect">
+            <a:avLst/>
+          </a:prstGeom>
+          <a:noFill/>
+        </p:spPr>
+        <p:txBody>
+          <a:bodyPr wrap="square" rtlCol="0">
+            <a:spAutoFit/>
+          </a:bodyPr>
+          <a:lstStyle/>
+          <a:p>
+            <a:pPr algn="ctr"/>
+            <a:r>
+              <a:rPr lang="ko-KR" altLang="en-US" sz="1600" smtClean="0">
+                <a:latin typeface="강원교육튼튼" panose="02020603020101020101" pitchFamily="18" charset="-127"/>
+                <a:ea typeface="강원교육튼튼" panose="02020603020101020101" pitchFamily="18" charset="-127"/>
+              </a:rPr>
+              <a:t>유기동물 </a:t>
+            </a:r>
+            <a:r>
+              <a:rPr lang="en-US" altLang="ko-KR" sz="1600" dirty="0" smtClean="0">
+                <a:latin typeface="강원교육튼튼" panose="02020603020101020101" pitchFamily="18" charset="-127"/>
+                <a:ea typeface="강원교육튼튼" panose="02020603020101020101" pitchFamily="18" charset="-127"/>
+              </a:rPr>
+              <a:t>API</a:t>
+            </a:r>
+            <a:endParaRPr lang="ko-KR" altLang="en-US" sz="1600" dirty="0">
+              <a:latin typeface="강원교육튼튼" panose="02020603020101020101" pitchFamily="18" charset="-127"/>
+              <a:ea typeface="강원교육튼튼" panose="02020603020101020101" pitchFamily="18" charset="-127"/>
+            </a:endParaRPr>
+          </a:p>
+        </p:txBody>
+      </p:sp>
+      <p:sp>
+        <p:nvSpPr>
+          <p:cNvPr id="18" name="TextBox 17"/>
+          <p:cNvSpPr txBox="1"/>
+          <p:nvPr/>
+        </p:nvSpPr>
+        <p:spPr>
+          <a:xfrm>
+            <a:off x="3695912" y="5619816"/>
+            <a:ext cx="996696" cy="584775"/>
+          </a:xfrm>
+          <a:prstGeom prst="rect">
+            <a:avLst/>
+          </a:prstGeom>
+          <a:noFill/>
+        </p:spPr>
+        <p:txBody>
+          <a:bodyPr wrap="square" rtlCol="0">
+            <a:spAutoFit/>
+          </a:bodyPr>
+          <a:lstStyle/>
+          <a:p>
+            <a:pPr algn="ctr"/>
+            <a:r>
+              <a:rPr lang="ko-KR" altLang="en-US" sz="1600" dirty="0" smtClean="0">
+                <a:latin typeface="강원교육튼튼" panose="02020603020101020101" pitchFamily="18" charset="-127"/>
+                <a:ea typeface="강원교육튼튼" panose="02020603020101020101" pitchFamily="18" charset="-127"/>
+              </a:rPr>
+              <a:t>동물병원 </a:t>
+            </a:r>
+            <a:r>
+              <a:rPr lang="en-US" altLang="ko-KR" sz="1600" dirty="0" smtClean="0">
+                <a:latin typeface="강원교육튼튼" panose="02020603020101020101" pitchFamily="18" charset="-127"/>
+                <a:ea typeface="강원교육튼튼" panose="02020603020101020101" pitchFamily="18" charset="-127"/>
+              </a:rPr>
+              <a:t>API</a:t>
+            </a:r>
+            <a:endParaRPr lang="ko-KR" altLang="en-US" sz="1600" dirty="0">
+              <a:latin typeface="강원교육튼튼" panose="02020603020101020101" pitchFamily="18" charset="-127"/>
+              <a:ea typeface="강원교육튼튼" panose="02020603020101020101" pitchFamily="18" charset="-127"/>
+            </a:endParaRPr>
+          </a:p>
+        </p:txBody>
+      </p:sp>
+      <p:sp>
+        <p:nvSpPr>
+          <p:cNvPr id="19" name="TextBox 18"/>
+          <p:cNvSpPr txBox="1"/>
+          <p:nvPr/>
+        </p:nvSpPr>
+        <p:spPr>
+          <a:xfrm>
+            <a:off x="6551640" y="5450539"/>
+            <a:ext cx="1938552" cy="338554"/>
+          </a:xfrm>
+          <a:prstGeom prst="rect">
+            <a:avLst/>
+          </a:prstGeom>
+          <a:noFill/>
+        </p:spPr>
+        <p:txBody>
+          <a:bodyPr wrap="square" rtlCol="0">
+            <a:spAutoFit/>
+          </a:bodyPr>
+          <a:lstStyle/>
+          <a:p>
+            <a:pPr algn="ctr"/>
+            <a:r>
+              <a:rPr lang="ko-KR" altLang="en-US" sz="1600" dirty="0" smtClean="0">
+                <a:latin typeface="강원교육튼튼" panose="02020603020101020101" pitchFamily="18" charset="-127"/>
+                <a:ea typeface="강원교육튼튼" panose="02020603020101020101" pitchFamily="18" charset="-127"/>
+              </a:rPr>
+              <a:t>카카오로그인 </a:t>
+            </a:r>
+            <a:r>
+              <a:rPr lang="en-US" altLang="ko-KR" sz="1600" dirty="0" smtClean="0">
+                <a:latin typeface="강원교육튼튼" panose="02020603020101020101" pitchFamily="18" charset="-127"/>
+                <a:ea typeface="강원교육튼튼" panose="02020603020101020101" pitchFamily="18" charset="-127"/>
+              </a:rPr>
+              <a:t>API</a:t>
+            </a:r>
+            <a:endParaRPr lang="ko-KR" altLang="en-US" sz="1600" dirty="0">
+              <a:latin typeface="강원교육튼튼" panose="02020603020101020101" pitchFamily="18" charset="-127"/>
+              <a:ea typeface="강원교육튼튼" panose="02020603020101020101" pitchFamily="18" charset="-127"/>
+            </a:endParaRPr>
+          </a:p>
+        </p:txBody>
+      </p:sp>
     </p:spTree>
     <p:extLst>
       <p:ext uri="{BB962C8B-B14F-4D97-AF65-F5344CB8AC3E}">
-        <p14:creationId xmlns:p14="http://schemas.microsoft.com/office/powerpoint/2010/main" val="558030801"/>
+        <p14:creationId xmlns:p14="http://schemas.microsoft.com/office/powerpoint/2010/main" val="222157485"/>
       </p:ext>
     </p:extLst>
   </p:cSld>
   <p:clrMapOvr>
     <a:masterClrMapping/>
   </p:clrMapOvr>
+  <p:timing>
+    <p:tnLst>
+      <p:par>
+        <p:cTn id="1" dur="indefinite" restart="never" nodeType="tmRoot"/>
+      </p:par>
+    </p:tnLst>
+  </p:timing>
 </p:sld>
 </file>
 
@@ -6853,7 +9757,7 @@
           <p:cNvPr id="5" name="그림 4">
             <a:extLst>
               <a:ext uri="{FF2B5EF4-FFF2-40B4-BE49-F238E27FC236}">
-                <a16:creationId xmlns:a16="http://schemas.microsoft.com/office/drawing/2014/main" id="{3DF62AEB-8EE3-2447-B14C-007BA80FE99A}"/>
+                <a16:creationId xmlns:a16="http://schemas.microsoft.com/office/drawing/2014/main" xmlns="" id="{3DF62AEB-8EE3-2447-B14C-007BA80FE99A}"/>
               </a:ext>
             </a:extLst>
           </p:cNvPr>
@@ -6883,7 +9787,7 @@
           <p:cNvPr id="6" name="직선 연결선[R] 5">
             <a:extLst>
               <a:ext uri="{FF2B5EF4-FFF2-40B4-BE49-F238E27FC236}">
-                <a16:creationId xmlns:a16="http://schemas.microsoft.com/office/drawing/2014/main" id="{B0895DCE-07B1-F147-892C-279B3F3312C7}"/>
+                <a16:creationId xmlns:a16="http://schemas.microsoft.com/office/drawing/2014/main" xmlns="" id="{B0895DCE-07B1-F147-892C-279B3F3312C7}"/>
               </a:ext>
             </a:extLst>
           </p:cNvPr>
@@ -6924,7 +9828,7 @@
           <p:cNvPr id="11" name="직사각형 10">
             <a:extLst>
               <a:ext uri="{FF2B5EF4-FFF2-40B4-BE49-F238E27FC236}">
-                <a16:creationId xmlns:a16="http://schemas.microsoft.com/office/drawing/2014/main" id="{F2D53CA5-7BF7-9F4E-9FE7-7F2065E40291}"/>
+                <a16:creationId xmlns:a16="http://schemas.microsoft.com/office/drawing/2014/main" xmlns="" id="{F2D53CA5-7BF7-9F4E-9FE7-7F2065E40291}"/>
               </a:ext>
             </a:extLst>
           </p:cNvPr>
@@ -6976,7 +9880,7 @@
           <p:cNvPr id="21" name="모서리가 둥근 직사각형 20">
             <a:extLst>
               <a:ext uri="{FF2B5EF4-FFF2-40B4-BE49-F238E27FC236}">
-                <a16:creationId xmlns:a16="http://schemas.microsoft.com/office/drawing/2014/main" id="{0C5A2D63-F6D7-FD4D-9E29-ECC87C45D7A1}"/>
+                <a16:creationId xmlns:a16="http://schemas.microsoft.com/office/drawing/2014/main" xmlns="" id="{0C5A2D63-F6D7-FD4D-9E29-ECC87C45D7A1}"/>
               </a:ext>
             </a:extLst>
           </p:cNvPr>
@@ -7041,7 +9945,7 @@
           <p:cNvPr id="22" name="TextBox 21">
             <a:extLst>
               <a:ext uri="{FF2B5EF4-FFF2-40B4-BE49-F238E27FC236}">
-                <a16:creationId xmlns:a16="http://schemas.microsoft.com/office/drawing/2014/main" id="{42DD3540-0883-984E-97D9-58F862DD8F18}"/>
+                <a16:creationId xmlns:a16="http://schemas.microsoft.com/office/drawing/2014/main" xmlns="" id="{42DD3540-0883-984E-97D9-58F862DD8F18}"/>
               </a:ext>
             </a:extLst>
           </p:cNvPr>
@@ -7051,7 +9955,7 @@
         <p:spPr>
           <a:xfrm>
             <a:off x="266706" y="978115"/>
-            <a:ext cx="1645002" cy="400110"/>
+            <a:ext cx="2282997" cy="400110"/>
           </a:xfrm>
           <a:prstGeom prst="rect">
             <a:avLst/>
@@ -7066,6 +9970,19 @@
           <a:p>
             <a:r>
               <a:rPr kumimoji="1" lang="en-US" altLang="ko-KR" sz="2000" dirty="0">
+                <a:solidFill>
+                  <a:schemeClr val="tx1">
+                    <a:lumMod val="65000"/>
+                    <a:lumOff val="35000"/>
+                  </a:schemeClr>
+                </a:solidFill>
+                <a:latin typeface="강원교육튼튼" panose="02020603020101020101" pitchFamily="18" charset="-127"/>
+                <a:ea typeface="강원교육튼튼" panose="02020603020101020101" pitchFamily="18" charset="-127"/>
+              </a:rPr>
+              <a:t>SKILLS.</a:t>
+            </a:r>
+            <a:r>
+              <a:rPr kumimoji="1" lang="ko-KR" altLang="en-US" sz="2000" dirty="0">
                 <a:solidFill>
                   <a:schemeClr val="tx1">
                     <a:lumMod val="65000"/>
@@ -7075,21 +9992,14 @@
                 <a:latin typeface="GangwonEduPower ExtraBold" panose="02020603020101020101" pitchFamily="18" charset="-127"/>
                 <a:ea typeface="GangwonEduPower ExtraBold" panose="02020603020101020101" pitchFamily="18" charset="-127"/>
               </a:rPr>
-              <a:t>GIT. </a:t>
-            </a:r>
-            <a:r>
-              <a:rPr kumimoji="1" lang="ko-KR" altLang="en-US" sz="1500" dirty="0" err="1">
+              <a:t> </a:t>
+            </a:r>
+            <a:r>
+              <a:rPr kumimoji="1" lang="ko-KR" altLang="en-US" sz="1500" dirty="0" smtClean="0">
                 <a:latin typeface="IBM Plex Sans KR Thin" panose="020B0203050203000203" pitchFamily="34" charset="-127"/>
                 <a:ea typeface="IBM Plex Sans KR Thin" panose="020B0203050203000203" pitchFamily="34" charset="-127"/>
               </a:rPr>
-              <a:t>깃허브</a:t>
-            </a:r>
-            <a:r>
-              <a:rPr kumimoji="1" lang="ko-KR" altLang="en-US" sz="1500" dirty="0">
-                <a:latin typeface="IBM Plex Sans KR Thin" panose="020B0203050203000203" pitchFamily="34" charset="-127"/>
-                <a:ea typeface="IBM Plex Sans KR Thin" panose="020B0203050203000203" pitchFamily="34" charset="-127"/>
-              </a:rPr>
-              <a:t> 주소</a:t>
+              <a:t>사용한 기술들</a:t>
             </a:r>
             <a:endParaRPr kumimoji="1" lang="ko-KR" altLang="en-US" sz="1500" dirty="0">
               <a:solidFill>
@@ -7109,7 +10019,7 @@
           <p:cNvPr id="9" name="직사각형 8">
             <a:extLst>
               <a:ext uri="{FF2B5EF4-FFF2-40B4-BE49-F238E27FC236}">
-                <a16:creationId xmlns:a16="http://schemas.microsoft.com/office/drawing/2014/main" id="{71FC172E-010D-E84F-9E5A-2C65223C3954}"/>
+                <a16:creationId xmlns:a16="http://schemas.microsoft.com/office/drawing/2014/main" xmlns="" id="{71FC172E-010D-E84F-9E5A-2C65223C3954}"/>
               </a:ext>
             </a:extLst>
           </p:cNvPr>
@@ -7161,16 +10071,185 @@
           </a:p>
         </p:txBody>
       </p:sp>
+      <p:pic>
+        <p:nvPicPr>
+          <p:cNvPr id="8" name="그림 7"/>
+          <p:cNvPicPr>
+            <a:picLocks noChangeAspect="1"/>
+          </p:cNvPicPr>
+          <p:nvPr/>
+        </p:nvPicPr>
+        <p:blipFill>
+          <a:blip r:embed="rId3"/>
+          <a:stretch>
+            <a:fillRect/>
+          </a:stretch>
+        </p:blipFill>
+        <p:spPr>
+          <a:xfrm>
+            <a:off x="177027" y="1624386"/>
+            <a:ext cx="2278722" cy="1516386"/>
+          </a:xfrm>
+          <a:prstGeom prst="rect">
+            <a:avLst/>
+          </a:prstGeom>
+        </p:spPr>
+      </p:pic>
+      <p:pic>
+        <p:nvPicPr>
+          <p:cNvPr id="10" name="그림 9"/>
+          <p:cNvPicPr>
+            <a:picLocks noChangeAspect="1"/>
+          </p:cNvPicPr>
+          <p:nvPr/>
+        </p:nvPicPr>
+        <p:blipFill>
+          <a:blip r:embed="rId4"/>
+          <a:stretch>
+            <a:fillRect/>
+          </a:stretch>
+        </p:blipFill>
+        <p:spPr>
+          <a:xfrm>
+            <a:off x="4284350" y="1701923"/>
+            <a:ext cx="2352523" cy="1470327"/>
+          </a:xfrm>
+          <a:prstGeom prst="rect">
+            <a:avLst/>
+          </a:prstGeom>
+        </p:spPr>
+      </p:pic>
+      <p:pic>
+        <p:nvPicPr>
+          <p:cNvPr id="12" name="그림 11"/>
+          <p:cNvPicPr>
+            <a:picLocks noChangeAspect="1"/>
+          </p:cNvPicPr>
+          <p:nvPr/>
+        </p:nvPicPr>
+        <p:blipFill>
+          <a:blip r:embed="rId5"/>
+          <a:stretch>
+            <a:fillRect/>
+          </a:stretch>
+        </p:blipFill>
+        <p:spPr>
+          <a:xfrm>
+            <a:off x="408338" y="3013302"/>
+            <a:ext cx="1816100" cy="1816100"/>
+          </a:xfrm>
+          <a:prstGeom prst="rect">
+            <a:avLst/>
+          </a:prstGeom>
+        </p:spPr>
+      </p:pic>
+      <p:pic>
+        <p:nvPicPr>
+          <p:cNvPr id="3" name="그림 2"/>
+          <p:cNvPicPr>
+            <a:picLocks noChangeAspect="1"/>
+          </p:cNvPicPr>
+          <p:nvPr/>
+        </p:nvPicPr>
+        <p:blipFill>
+          <a:blip r:embed="rId6">
+            <a:extLst>
+              <a:ext uri="{28A0092B-C50C-407E-A947-70E740481C1C}">
+                <a14:useLocalDpi xmlns:a14="http://schemas.microsoft.com/office/drawing/2010/main" val="0"/>
+              </a:ext>
+            </a:extLst>
+          </a:blip>
+          <a:stretch>
+            <a:fillRect/>
+          </a:stretch>
+        </p:blipFill>
+        <p:spPr>
+          <a:xfrm>
+            <a:off x="177027" y="4829402"/>
+            <a:ext cx="2214336" cy="1660752"/>
+          </a:xfrm>
+          <a:prstGeom prst="rect">
+            <a:avLst/>
+          </a:prstGeom>
+        </p:spPr>
+      </p:pic>
+      <p:pic>
+        <p:nvPicPr>
+          <p:cNvPr id="4" name="그림 3"/>
+          <p:cNvPicPr>
+            <a:picLocks noChangeAspect="1"/>
+          </p:cNvPicPr>
+          <p:nvPr/>
+        </p:nvPicPr>
+        <p:blipFill>
+          <a:blip r:embed="rId7">
+            <a:extLst>
+              <a:ext uri="{28A0092B-C50C-407E-A947-70E740481C1C}">
+                <a14:useLocalDpi xmlns:a14="http://schemas.microsoft.com/office/drawing/2010/main" val="0"/>
+              </a:ext>
+            </a:extLst>
+          </a:blip>
+          <a:stretch>
+            <a:fillRect/>
+          </a:stretch>
+        </p:blipFill>
+        <p:spPr>
+          <a:xfrm>
+            <a:off x="4451275" y="2890938"/>
+            <a:ext cx="1860169" cy="2426308"/>
+          </a:xfrm>
+          <a:prstGeom prst="rect">
+            <a:avLst/>
+          </a:prstGeom>
+        </p:spPr>
+      </p:pic>
+      <p:pic>
+        <p:nvPicPr>
+          <p:cNvPr id="7" name="그림 6"/>
+          <p:cNvPicPr>
+            <a:picLocks noChangeAspect="1"/>
+          </p:cNvPicPr>
+          <p:nvPr/>
+        </p:nvPicPr>
+        <p:blipFill>
+          <a:blip r:embed="rId8">
+            <a:extLst>
+              <a:ext uri="{28A0092B-C50C-407E-A947-70E740481C1C}">
+                <a14:useLocalDpi xmlns:a14="http://schemas.microsoft.com/office/drawing/2010/main" val="0"/>
+              </a:ext>
+            </a:extLst>
+          </a:blip>
+          <a:stretch>
+            <a:fillRect/>
+          </a:stretch>
+        </p:blipFill>
+        <p:spPr>
+          <a:xfrm>
+            <a:off x="3908036" y="4921590"/>
+            <a:ext cx="3105150" cy="1476375"/>
+          </a:xfrm>
+          <a:prstGeom prst="rect">
+            <a:avLst/>
+          </a:prstGeom>
+        </p:spPr>
+      </p:pic>
     </p:spTree>
     <p:extLst>
       <p:ext uri="{BB962C8B-B14F-4D97-AF65-F5344CB8AC3E}">
-        <p14:creationId xmlns:p14="http://schemas.microsoft.com/office/powerpoint/2010/main" val="680694184"/>
+        <p14:creationId xmlns:p14="http://schemas.microsoft.com/office/powerpoint/2010/main" val="1261907080"/>
       </p:ext>
     </p:extLst>
   </p:cSld>
   <p:clrMapOvr>
     <a:masterClrMapping/>
   </p:clrMapOvr>
+  <p:timing>
+    <p:tnLst>
+      <p:par>
+        <p:cTn id="1" dur="indefinite" restart="never" nodeType="tmRoot"/>
+      </p:par>
+    </p:tnLst>
+  </p:timing>
 </p:sld>
 </file>
 
@@ -7196,7 +10275,7 @@
           <p:cNvPr id="5" name="그림 4">
             <a:extLst>
               <a:ext uri="{FF2B5EF4-FFF2-40B4-BE49-F238E27FC236}">
-                <a16:creationId xmlns:a16="http://schemas.microsoft.com/office/drawing/2014/main" id="{3DF62AEB-8EE3-2447-B14C-007BA80FE99A}"/>
+                <a16:creationId xmlns:a16="http://schemas.microsoft.com/office/drawing/2014/main" xmlns="" id="{3DF62AEB-8EE3-2447-B14C-007BA80FE99A}"/>
               </a:ext>
             </a:extLst>
           </p:cNvPr>
@@ -7226,7 +10305,7 @@
           <p:cNvPr id="6" name="직선 연결선[R] 5">
             <a:extLst>
               <a:ext uri="{FF2B5EF4-FFF2-40B4-BE49-F238E27FC236}">
-                <a16:creationId xmlns:a16="http://schemas.microsoft.com/office/drawing/2014/main" id="{B0895DCE-07B1-F147-892C-279B3F3312C7}"/>
+                <a16:creationId xmlns:a16="http://schemas.microsoft.com/office/drawing/2014/main" xmlns="" id="{B0895DCE-07B1-F147-892C-279B3F3312C7}"/>
               </a:ext>
             </a:extLst>
           </p:cNvPr>
@@ -7267,7 +10346,7 @@
           <p:cNvPr id="11" name="직사각형 10">
             <a:extLst>
               <a:ext uri="{FF2B5EF4-FFF2-40B4-BE49-F238E27FC236}">
-                <a16:creationId xmlns:a16="http://schemas.microsoft.com/office/drawing/2014/main" id="{F2D53CA5-7BF7-9F4E-9FE7-7F2065E40291}"/>
+                <a16:creationId xmlns:a16="http://schemas.microsoft.com/office/drawing/2014/main" xmlns="" id="{F2D53CA5-7BF7-9F4E-9FE7-7F2065E40291}"/>
               </a:ext>
             </a:extLst>
           </p:cNvPr>
@@ -7319,7 +10398,7 @@
           <p:cNvPr id="21" name="모서리가 둥근 직사각형 20">
             <a:extLst>
               <a:ext uri="{FF2B5EF4-FFF2-40B4-BE49-F238E27FC236}">
-                <a16:creationId xmlns:a16="http://schemas.microsoft.com/office/drawing/2014/main" id="{0C5A2D63-F6D7-FD4D-9E29-ECC87C45D7A1}"/>
+                <a16:creationId xmlns:a16="http://schemas.microsoft.com/office/drawing/2014/main" xmlns="" id="{0C5A2D63-F6D7-FD4D-9E29-ECC87C45D7A1}"/>
               </a:ext>
             </a:extLst>
           </p:cNvPr>
@@ -7384,7 +10463,7 @@
           <p:cNvPr id="22" name="TextBox 21">
             <a:extLst>
               <a:ext uri="{FF2B5EF4-FFF2-40B4-BE49-F238E27FC236}">
-                <a16:creationId xmlns:a16="http://schemas.microsoft.com/office/drawing/2014/main" id="{42DD3540-0883-984E-97D9-58F862DD8F18}"/>
+                <a16:creationId xmlns:a16="http://schemas.microsoft.com/office/drawing/2014/main" xmlns="" id="{42DD3540-0883-984E-97D9-58F862DD8F18}"/>
               </a:ext>
             </a:extLst>
           </p:cNvPr>
@@ -7394,7 +10473,7 @@
         <p:spPr>
           <a:xfrm>
             <a:off x="266706" y="978115"/>
-            <a:ext cx="1625766" cy="400110"/>
+            <a:ext cx="3283271" cy="400110"/>
           </a:xfrm>
           <a:prstGeom prst="rect">
             <a:avLst/>
@@ -7407,6 +10486,19 @@
           </a:bodyPr>
           <a:lstStyle/>
           <a:p>
+            <a:r>
+              <a:rPr kumimoji="1" lang="en-US" altLang="ko-KR" sz="2000" dirty="0">
+                <a:solidFill>
+                  <a:schemeClr val="tx1">
+                    <a:lumMod val="65000"/>
+                    <a:lumOff val="35000"/>
+                  </a:schemeClr>
+                </a:solidFill>
+                <a:latin typeface="강원교육튼튼" panose="02020603020101020101" pitchFamily="18" charset="-127"/>
+                <a:ea typeface="강원교육튼튼" panose="02020603020101020101" pitchFamily="18" charset="-127"/>
+              </a:rPr>
+              <a:t>ARCHET.</a:t>
+            </a:r>
             <a:r>
               <a:rPr kumimoji="1" lang="en-US" altLang="ko-KR" sz="2000" dirty="0">
                 <a:solidFill>
@@ -7418,14 +10510,14 @@
                 <a:latin typeface="GangwonEduPower ExtraBold" panose="02020603020101020101" pitchFamily="18" charset="-127"/>
                 <a:ea typeface="GangwonEduPower ExtraBold" panose="02020603020101020101" pitchFamily="18" charset="-127"/>
               </a:rPr>
-              <a:t>Q&amp;A. </a:t>
+              <a:t> </a:t>
             </a:r>
             <a:r>
               <a:rPr kumimoji="1" lang="ko-KR" altLang="en-US" sz="1500" dirty="0">
                 <a:latin typeface="IBM Plex Sans KR Thin" panose="020B0203050203000203" pitchFamily="34" charset="-127"/>
                 <a:ea typeface="IBM Plex Sans KR Thin" panose="020B0203050203000203" pitchFamily="34" charset="-127"/>
               </a:rPr>
-              <a:t>질의 응답</a:t>
+              <a:t>테이블 설계 및 구현 기능</a:t>
             </a:r>
             <a:endParaRPr kumimoji="1" lang="ko-KR" altLang="en-US" sz="1500" dirty="0">
               <a:solidFill>
@@ -7445,7 +10537,7 @@
           <p:cNvPr id="9" name="직사각형 8">
             <a:extLst>
               <a:ext uri="{FF2B5EF4-FFF2-40B4-BE49-F238E27FC236}">
-                <a16:creationId xmlns:a16="http://schemas.microsoft.com/office/drawing/2014/main" id="{71FC172E-010D-E84F-9E5A-2C65223C3954}"/>
+                <a16:creationId xmlns:a16="http://schemas.microsoft.com/office/drawing/2014/main" xmlns="" id="{71FC172E-010D-E84F-9E5A-2C65223C3954}"/>
               </a:ext>
             </a:extLst>
           </p:cNvPr>
@@ -7500,13 +10592,20 @@
     </p:spTree>
     <p:extLst>
       <p:ext uri="{BB962C8B-B14F-4D97-AF65-F5344CB8AC3E}">
-        <p14:creationId xmlns:p14="http://schemas.microsoft.com/office/powerpoint/2010/main" val="1750670071"/>
+        <p14:creationId xmlns:p14="http://schemas.microsoft.com/office/powerpoint/2010/main" val="2652518932"/>
       </p:ext>
     </p:extLst>
   </p:cSld>
   <p:clrMapOvr>
     <a:masterClrMapping/>
   </p:clrMapOvr>
+  <p:timing>
+    <p:tnLst>
+      <p:par>
+        <p:cTn id="1" dur="indefinite" restart="never" nodeType="tmRoot"/>
+      </p:par>
+    </p:tnLst>
+  </p:timing>
 </p:sld>
 </file>
 
@@ -7532,7 +10631,7 @@
           <p:cNvPr id="5" name="그림 4">
             <a:extLst>
               <a:ext uri="{FF2B5EF4-FFF2-40B4-BE49-F238E27FC236}">
-                <a16:creationId xmlns:a16="http://schemas.microsoft.com/office/drawing/2014/main" id="{2A96F417-2B68-9D4C-8EAB-265BD5A5C1C1}"/>
+                <a16:creationId xmlns:a16="http://schemas.microsoft.com/office/drawing/2014/main" xmlns="" id="{3DF62AEB-8EE3-2447-B14C-007BA80FE99A}"/>
               </a:ext>
             </a:extLst>
           </p:cNvPr>
@@ -7549,54 +10648,320 @@
         </p:blipFill>
         <p:spPr>
           <a:xfrm>
-            <a:off x="2032000" y="546100"/>
-            <a:ext cx="8128000" cy="5765800"/>
+            <a:off x="177027" y="0"/>
+            <a:ext cx="1790700" cy="1092200"/>
           </a:xfrm>
           <a:prstGeom prst="rect">
             <a:avLst/>
           </a:prstGeom>
         </p:spPr>
       </p:pic>
-      <p:pic>
-        <p:nvPicPr>
-          <p:cNvPr id="3" name="그림 2">
-            <a:extLst>
-              <a:ext uri="{FF2B5EF4-FFF2-40B4-BE49-F238E27FC236}">
-                <a16:creationId xmlns:a16="http://schemas.microsoft.com/office/drawing/2014/main" id="{E76E7D40-E3A8-EE45-BD66-0ECB43296233}"/>
-              </a:ext>
-            </a:extLst>
-          </p:cNvPr>
-          <p:cNvPicPr>
-            <a:picLocks noChangeAspect="1"/>
-          </p:cNvPicPr>
-          <p:nvPr/>
-        </p:nvPicPr>
-        <p:blipFill>
-          <a:blip r:embed="rId3"/>
-          <a:stretch>
-            <a:fillRect/>
-          </a:stretch>
-        </p:blipFill>
-        <p:spPr>
-          <a:xfrm>
-            <a:off x="914400" y="2330450"/>
-            <a:ext cx="10363200" cy="2197100"/>
+      <p:cxnSp>
+        <p:nvCxnSpPr>
+          <p:cNvPr id="6" name="직선 연결선[R] 5">
+            <a:extLst>
+              <a:ext uri="{FF2B5EF4-FFF2-40B4-BE49-F238E27FC236}">
+                <a16:creationId xmlns:a16="http://schemas.microsoft.com/office/drawing/2014/main" xmlns="" id="{B0895DCE-07B1-F147-892C-279B3F3312C7}"/>
+              </a:ext>
+            </a:extLst>
+          </p:cNvPr>
+          <p:cNvCxnSpPr/>
+          <p:nvPr/>
+        </p:nvCxnSpPr>
+        <p:spPr>
+          <a:xfrm>
+            <a:off x="1" y="726831"/>
+            <a:ext cx="9554308" cy="0"/>
+          </a:xfrm>
+          <a:prstGeom prst="line">
+            <a:avLst/>
+          </a:prstGeom>
+          <a:ln>
+            <a:solidFill>
+              <a:srgbClr val="FFC000"/>
+            </a:solidFill>
+          </a:ln>
+        </p:spPr>
+        <p:style>
+          <a:lnRef idx="1">
+            <a:schemeClr val="accent1"/>
+          </a:lnRef>
+          <a:fillRef idx="0">
+            <a:schemeClr val="accent1"/>
+          </a:fillRef>
+          <a:effectRef idx="0">
+            <a:schemeClr val="accent1"/>
+          </a:effectRef>
+          <a:fontRef idx="minor">
+            <a:schemeClr val="tx1"/>
+          </a:fontRef>
+        </p:style>
+      </p:cxnSp>
+      <p:sp>
+        <p:nvSpPr>
+          <p:cNvPr id="11" name="직사각형 10">
+            <a:extLst>
+              <a:ext uri="{FF2B5EF4-FFF2-40B4-BE49-F238E27FC236}">
+                <a16:creationId xmlns:a16="http://schemas.microsoft.com/office/drawing/2014/main" xmlns="" id="{F2D53CA5-7BF7-9F4E-9FE7-7F2065E40291}"/>
+              </a:ext>
+            </a:extLst>
+          </p:cNvPr>
+          <p:cNvSpPr/>
+          <p:nvPr/>
+        </p:nvSpPr>
+        <p:spPr>
+          <a:xfrm>
+            <a:off x="-11723" y="6518032"/>
+            <a:ext cx="12203723" cy="339967"/>
           </a:xfrm>
           <a:prstGeom prst="rect">
             <a:avLst/>
           </a:prstGeom>
-        </p:spPr>
-      </p:pic>
+          <a:solidFill>
+            <a:srgbClr val="DFA701"/>
+          </a:solidFill>
+          <a:ln>
+            <a:noFill/>
+          </a:ln>
+        </p:spPr>
+        <p:style>
+          <a:lnRef idx="2">
+            <a:schemeClr val="accent1">
+              <a:shade val="50000"/>
+            </a:schemeClr>
+          </a:lnRef>
+          <a:fillRef idx="1">
+            <a:schemeClr val="accent1"/>
+          </a:fillRef>
+          <a:effectRef idx="0">
+            <a:schemeClr val="accent1"/>
+          </a:effectRef>
+          <a:fontRef idx="minor">
+            <a:schemeClr val="lt1"/>
+          </a:fontRef>
+        </p:style>
+        <p:txBody>
+          <a:bodyPr rtlCol="0" anchor="ctr"/>
+          <a:lstStyle/>
+          <a:p>
+            <a:pPr algn="ctr"/>
+            <a:endParaRPr kumimoji="1" lang="ko-KR" altLang="en-US"/>
+          </a:p>
+        </p:txBody>
+      </p:sp>
+      <p:sp>
+        <p:nvSpPr>
+          <p:cNvPr id="21" name="모서리가 둥근 직사각형 20">
+            <a:extLst>
+              <a:ext uri="{FF2B5EF4-FFF2-40B4-BE49-F238E27FC236}">
+                <a16:creationId xmlns:a16="http://schemas.microsoft.com/office/drawing/2014/main" xmlns="" id="{0C5A2D63-F6D7-FD4D-9E29-ECC87C45D7A1}"/>
+              </a:ext>
+            </a:extLst>
+          </p:cNvPr>
+          <p:cNvSpPr/>
+          <p:nvPr/>
+        </p:nvSpPr>
+        <p:spPr>
+          <a:xfrm>
+            <a:off x="-281353" y="844062"/>
+            <a:ext cx="9835662" cy="668215"/>
+          </a:xfrm>
+          <a:prstGeom prst="roundRect">
+            <a:avLst/>
+          </a:prstGeom>
+          <a:solidFill>
+            <a:schemeClr val="bg1">
+              <a:lumMod val="85000"/>
+            </a:schemeClr>
+          </a:solidFill>
+          <a:ln>
+            <a:noFill/>
+          </a:ln>
+        </p:spPr>
+        <p:style>
+          <a:lnRef idx="2">
+            <a:schemeClr val="accent1">
+              <a:shade val="50000"/>
+            </a:schemeClr>
+          </a:lnRef>
+          <a:fillRef idx="1">
+            <a:schemeClr val="accent1"/>
+          </a:fillRef>
+          <a:effectRef idx="0">
+            <a:schemeClr val="accent1"/>
+          </a:effectRef>
+          <a:fontRef idx="minor">
+            <a:schemeClr val="lt1"/>
+          </a:fontRef>
+        </p:style>
+        <p:txBody>
+          <a:bodyPr rot="0" spcFirstLastPara="0" vertOverflow="overflow" horzOverflow="overflow" vert="horz" wrap="square" lIns="91440" tIns="45720" rIns="91440" bIns="45720" numCol="1" spcCol="0" rtlCol="0" fromWordArt="0" anchor="ctr" anchorCtr="0" forceAA="0" compatLnSpc="1">
+            <a:prstTxWarp prst="textNoShape">
+              <a:avLst/>
+            </a:prstTxWarp>
+            <a:noAutofit/>
+          </a:bodyPr>
+          <a:lstStyle/>
+          <a:p>
+            <a:pPr algn="ctr"/>
+            <a:endParaRPr kumimoji="1" lang="ko-KR" altLang="en-US" dirty="0">
+              <a:solidFill>
+                <a:schemeClr val="bg1">
+                  <a:lumMod val="50000"/>
+                </a:schemeClr>
+              </a:solidFill>
+            </a:endParaRPr>
+          </a:p>
+        </p:txBody>
+      </p:sp>
+      <p:sp>
+        <p:nvSpPr>
+          <p:cNvPr id="22" name="TextBox 21">
+            <a:extLst>
+              <a:ext uri="{FF2B5EF4-FFF2-40B4-BE49-F238E27FC236}">
+                <a16:creationId xmlns:a16="http://schemas.microsoft.com/office/drawing/2014/main" xmlns="" id="{42DD3540-0883-984E-97D9-58F862DD8F18}"/>
+              </a:ext>
+            </a:extLst>
+          </p:cNvPr>
+          <p:cNvSpPr txBox="1"/>
+          <p:nvPr/>
+        </p:nvSpPr>
+        <p:spPr>
+          <a:xfrm>
+            <a:off x="266706" y="978115"/>
+            <a:ext cx="1494320" cy="400110"/>
+          </a:xfrm>
+          <a:prstGeom prst="rect">
+            <a:avLst/>
+          </a:prstGeom>
+          <a:noFill/>
+        </p:spPr>
+        <p:txBody>
+          <a:bodyPr wrap="none" rtlCol="0">
+            <a:spAutoFit/>
+          </a:bodyPr>
+          <a:lstStyle/>
+          <a:p>
+            <a:r>
+              <a:rPr kumimoji="1" lang="en-US" altLang="ko-KR" sz="2000" dirty="0">
+                <a:solidFill>
+                  <a:schemeClr val="tx1">
+                    <a:lumMod val="65000"/>
+                    <a:lumOff val="35000"/>
+                  </a:schemeClr>
+                </a:solidFill>
+                <a:latin typeface="강원교육튼튼" panose="02020603020101020101" pitchFamily="18" charset="-127"/>
+                <a:ea typeface="강원교육튼튼" panose="02020603020101020101" pitchFamily="18" charset="-127"/>
+              </a:rPr>
+              <a:t>DEMO.</a:t>
+            </a:r>
+            <a:r>
+              <a:rPr kumimoji="1" lang="en-US" altLang="ko-KR" sz="2000" dirty="0">
+                <a:solidFill>
+                  <a:schemeClr val="tx1">
+                    <a:lumMod val="65000"/>
+                    <a:lumOff val="35000"/>
+                  </a:schemeClr>
+                </a:solidFill>
+                <a:latin typeface="GangwonEduPower ExtraBold" panose="02020603020101020101" pitchFamily="18" charset="-127"/>
+                <a:ea typeface="GangwonEduPower ExtraBold" panose="02020603020101020101" pitchFamily="18" charset="-127"/>
+              </a:rPr>
+              <a:t> </a:t>
+            </a:r>
+            <a:r>
+              <a:rPr kumimoji="1" lang="ko-KR" altLang="en-US" sz="1500" dirty="0">
+                <a:latin typeface="IBM Plex Sans KR Thin" panose="020B0203050203000203" pitchFamily="34" charset="-127"/>
+                <a:ea typeface="IBM Plex Sans KR Thin" panose="020B0203050203000203" pitchFamily="34" charset="-127"/>
+              </a:rPr>
+              <a:t>시연</a:t>
+            </a:r>
+            <a:endParaRPr kumimoji="1" lang="ko-KR" altLang="en-US" sz="1500" dirty="0">
+              <a:solidFill>
+                <a:schemeClr val="tx1">
+                  <a:lumMod val="65000"/>
+                  <a:lumOff val="35000"/>
+                </a:schemeClr>
+              </a:solidFill>
+              <a:latin typeface="IBM Plex Sans KR Thin" panose="020B0203050203000203" pitchFamily="34" charset="-127"/>
+              <a:ea typeface="IBM Plex Sans KR Thin" panose="020B0203050203000203" pitchFamily="34" charset="-127"/>
+            </a:endParaRPr>
+          </a:p>
+        </p:txBody>
+      </p:sp>
+      <p:sp>
+        <p:nvSpPr>
+          <p:cNvPr id="9" name="직사각형 8">
+            <a:extLst>
+              <a:ext uri="{FF2B5EF4-FFF2-40B4-BE49-F238E27FC236}">
+                <a16:creationId xmlns:a16="http://schemas.microsoft.com/office/drawing/2014/main" xmlns="" id="{71FC172E-010D-E84F-9E5A-2C65223C3954}"/>
+              </a:ext>
+            </a:extLst>
+          </p:cNvPr>
+          <p:cNvSpPr/>
+          <p:nvPr/>
+        </p:nvSpPr>
+        <p:spPr>
+          <a:xfrm>
+            <a:off x="-422031" y="0"/>
+            <a:ext cx="410308" cy="6858000"/>
+          </a:xfrm>
+          <a:prstGeom prst="rect">
+            <a:avLst/>
+          </a:prstGeom>
+          <a:solidFill>
+            <a:schemeClr val="tx1"/>
+          </a:solidFill>
+          <a:ln>
+            <a:noFill/>
+          </a:ln>
+        </p:spPr>
+        <p:style>
+          <a:lnRef idx="2">
+            <a:schemeClr val="accent1">
+              <a:shade val="50000"/>
+            </a:schemeClr>
+          </a:lnRef>
+          <a:fillRef idx="1">
+            <a:schemeClr val="accent1"/>
+          </a:fillRef>
+          <a:effectRef idx="0">
+            <a:schemeClr val="accent1"/>
+          </a:effectRef>
+          <a:fontRef idx="minor">
+            <a:schemeClr val="lt1"/>
+          </a:fontRef>
+        </p:style>
+        <p:txBody>
+          <a:bodyPr rot="0" spcFirstLastPara="0" vertOverflow="overflow" horzOverflow="overflow" vert="horz" wrap="square" lIns="91440" tIns="45720" rIns="91440" bIns="45720" numCol="1" spcCol="0" rtlCol="0" fromWordArt="0" anchor="ctr" anchorCtr="0" forceAA="0" compatLnSpc="1">
+            <a:prstTxWarp prst="textNoShape">
+              <a:avLst/>
+            </a:prstTxWarp>
+            <a:noAutofit/>
+          </a:bodyPr>
+          <a:lstStyle/>
+          <a:p>
+            <a:pPr algn="ctr"/>
+            <a:endParaRPr kumimoji="1" lang="ko-KR" altLang="en-US"/>
+          </a:p>
+        </p:txBody>
+      </p:sp>
     </p:spTree>
     <p:extLst>
       <p:ext uri="{BB962C8B-B14F-4D97-AF65-F5344CB8AC3E}">
-        <p14:creationId xmlns:p14="http://schemas.microsoft.com/office/powerpoint/2010/main" val="3904683102"/>
+        <p14:creationId xmlns:p14="http://schemas.microsoft.com/office/powerpoint/2010/main" val="558030801"/>
       </p:ext>
     </p:extLst>
   </p:cSld>
   <p:clrMapOvr>
     <a:masterClrMapping/>
   </p:clrMapOvr>
+  <p:timing>
+    <p:tnLst>
+      <p:par>
+        <p:cTn id="1" dur="indefinite" restart="never" nodeType="tmRoot"/>
+      </p:par>
+    </p:tnLst>
+  </p:timing>
 </p:sld>
 </file>
 
